--- a/files/teaching-resources/concordiacollege-busn-301/busn-301-lecture-note/busn301-ch03.pptx
+++ b/files/teaching-resources/concordiacollege-busn-301/busn-301-lecture-note/busn301-ch03.pptx
@@ -248,7 +248,7 @@
           <a:p>
             <a:fld id="{2D359EC7-19C7-4638-A61A-0E2B59861576}" type="datetimeFigureOut">
               <a:rPr lang="en-US" smtClean="0"/>
-              <a:t>1/19/2026</a:t>
+              <a:t>1/21/2026</a:t>
             </a:fld>
             <a:endParaRPr lang="en-US"/>
           </a:p>
@@ -1840,7 +1840,7 @@
           <a:p>
             <a:fld id="{7968114D-31B9-4B78-9ACC-70FB90027BFD}" type="datetime1">
               <a:rPr lang="en-US" smtClean="0"/>
-              <a:t>1/19/2026</a:t>
+              <a:t>1/21/2026</a:t>
             </a:fld>
             <a:endParaRPr lang="en-US"/>
           </a:p>
@@ -2011,7 +2011,7 @@
           <a:p>
             <a:fld id="{873F4A91-75B0-4800-B4E2-20956DB94300}" type="datetime1">
               <a:rPr lang="en-US" smtClean="0"/>
-              <a:t>1/19/2026</a:t>
+              <a:t>1/21/2026</a:t>
             </a:fld>
             <a:endParaRPr lang="en-US"/>
           </a:p>
@@ -2192,7 +2192,7 @@
           <a:p>
             <a:fld id="{0F651350-1A97-42BE-B68B-7AD85E4EDCBF}" type="datetime1">
               <a:rPr lang="en-US" smtClean="0"/>
-              <a:t>1/19/2026</a:t>
+              <a:t>1/21/2026</a:t>
             </a:fld>
             <a:endParaRPr lang="en-US"/>
           </a:p>
@@ -2363,7 +2363,7 @@
           <a:p>
             <a:fld id="{CE41F65B-C187-4F2E-97E4-866F44D3FEC5}" type="datetime1">
               <a:rPr lang="en-US" smtClean="0"/>
-              <a:t>1/19/2026</a:t>
+              <a:t>1/21/2026</a:t>
             </a:fld>
             <a:endParaRPr lang="en-US"/>
           </a:p>
@@ -2611,7 +2611,7 @@
           <a:p>
             <a:fld id="{5B30CE8C-B3D2-4FED-8171-A22B1E84AA49}" type="datetime1">
               <a:rPr lang="en-US" smtClean="0"/>
-              <a:t>1/19/2026</a:t>
+              <a:t>1/21/2026</a:t>
             </a:fld>
             <a:endParaRPr lang="en-US"/>
           </a:p>
@@ -2899,7 +2899,7 @@
           <a:p>
             <a:fld id="{18787D79-C197-49E5-840E-62EF773E40EB}" type="datetime1">
               <a:rPr lang="en-US" smtClean="0"/>
-              <a:t>1/19/2026</a:t>
+              <a:t>1/21/2026</a:t>
             </a:fld>
             <a:endParaRPr lang="en-US"/>
           </a:p>
@@ -3321,7 +3321,7 @@
           <a:p>
             <a:fld id="{6AB4C717-ACD6-42B4-B4D2-A00897526083}" type="datetime1">
               <a:rPr lang="en-US" smtClean="0"/>
-              <a:t>1/19/2026</a:t>
+              <a:t>1/21/2026</a:t>
             </a:fld>
             <a:endParaRPr lang="en-US"/>
           </a:p>
@@ -3441,7 +3441,7 @@
           <a:p>
             <a:fld id="{35F0F010-C38E-44B3-A11D-B9CE0300A741}" type="datetime1">
               <a:rPr lang="en-US" smtClean="0"/>
-              <a:t>1/19/2026</a:t>
+              <a:t>1/21/2026</a:t>
             </a:fld>
             <a:endParaRPr lang="en-US"/>
           </a:p>
@@ -3539,7 +3539,7 @@
           <a:p>
             <a:fld id="{0E2442EE-45D9-4220-A88F-EE689B9875C3}" type="datetime1">
               <a:rPr lang="en-US" smtClean="0"/>
-              <a:t>1/19/2026</a:t>
+              <a:t>1/21/2026</a:t>
             </a:fld>
             <a:endParaRPr lang="en-US"/>
           </a:p>
@@ -3817,7 +3817,7 @@
           <a:p>
             <a:fld id="{D5FA1C2B-1683-45DB-88D6-369C6CB6AB24}" type="datetime1">
               <a:rPr lang="en-US" smtClean="0"/>
-              <a:t>1/19/2026</a:t>
+              <a:t>1/21/2026</a:t>
             </a:fld>
             <a:endParaRPr lang="en-US"/>
           </a:p>
@@ -4072,7 +4072,7 @@
           <a:p>
             <a:fld id="{DFFB611B-DC9D-42DB-B865-14DB93E316AF}" type="datetime1">
               <a:rPr lang="en-US" smtClean="0"/>
-              <a:t>1/19/2026</a:t>
+              <a:t>1/21/2026</a:t>
             </a:fld>
             <a:endParaRPr lang="en-US"/>
           </a:p>
@@ -4286,7 +4286,7 @@
           <a:p>
             <a:fld id="{A3B8D4B9-4EE2-4C3D-B367-BE7622E78789}" type="datetime1">
               <a:rPr lang="en-US" smtClean="0"/>
-              <a:t>1/19/2026</a:t>
+              <a:t>1/21/2026</a:t>
             </a:fld>
             <a:endParaRPr lang="en-US"/>
           </a:p>
@@ -4800,8 +4800,8 @@
           <a:chExt cx="0" cy="0"/>
         </a:xfrm>
       </p:grpSpPr>
-      <mc:AlternateContent xmlns:mc="http://schemas.openxmlformats.org/markup-compatibility/2006" xmlns:a14="http://schemas.microsoft.com/office/drawing/2010/main">
-        <mc:Choice Requires="a14">
+      <mc:AlternateContent xmlns:mc="http://schemas.openxmlformats.org/markup-compatibility/2006">
+        <mc:Choice xmlns:a14="http://schemas.microsoft.com/office/drawing/2010/main" Requires="a14">
           <p:sp>
             <p:nvSpPr>
               <p:cNvPr id="3" name="Content Placeholder 2">
@@ -5150,7 +5150,7 @@
                 <a:endParaRPr lang="en-US" altLang="zh-TW" sz="1200" dirty="0"/>
               </a:p>
               <a:p>
-                <a:pPr lvl="1">
+                <a:pPr>
                   <a:spcBef>
                     <a:spcPts val="1000"/>
                   </a:spcBef>
@@ -5161,7 +5161,195 @@
                     <a:latin typeface="Garamond"/>
                   </a:defRPr>
                 </a:pPr>
-                <a:endParaRPr lang="en-US" altLang="zh-TW" sz="2000" dirty="0"/>
+                <a:r>
+                  <a:rPr lang="en-US" altLang="zh-TW" sz="2400" dirty="0">
+                    <a:solidFill>
+                      <a:schemeClr val="bg1">
+                        <a:lumMod val="50000"/>
+                      </a:schemeClr>
+                    </a:solidFill>
+                  </a:rPr>
+                  <a:t>Formally: For a consumption set </a:t>
+                </a:r>
+                <a14:m>
+                  <m:oMath xmlns:m="http://schemas.openxmlformats.org/officeDocument/2006/math">
+                    <m:r>
+                      <a:rPr lang="en-US" altLang="zh-TW" sz="2400" i="1" dirty="0">
+                        <a:solidFill>
+                          <a:schemeClr val="bg1">
+                            <a:lumMod val="50000"/>
+                          </a:schemeClr>
+                        </a:solidFill>
+                        <a:latin typeface="Cambria Math" panose="02040503050406030204" pitchFamily="18" charset="0"/>
+                      </a:rPr>
+                      <m:t>𝑋</m:t>
+                    </m:r>
+                  </m:oMath>
+                </a14:m>
+                <a:r>
+                  <a:rPr lang="en-US" altLang="zh-TW" sz="2400" dirty="0">
+                    <a:solidFill>
+                      <a:schemeClr val="bg1">
+                        <a:lumMod val="50000"/>
+                      </a:schemeClr>
+                    </a:solidFill>
+                  </a:rPr>
+                  <a:t>,</a:t>
+                </a:r>
+              </a:p>
+              <a:p>
+                <a:pPr>
+                  <a:spcBef>
+                    <a:spcPts val="1000"/>
+                  </a:spcBef>
+                  <a:defRPr sz="2000">
+                    <a:solidFill>
+                      <a:srgbClr val="000000"/>
+                    </a:solidFill>
+                    <a:latin typeface="Garamond"/>
+                  </a:defRPr>
+                </a:pPr>
+                <a:endParaRPr lang="en-US" altLang="zh-TW" sz="500" dirty="0">
+                  <a:solidFill>
+                    <a:schemeClr val="bg1">
+                      <a:lumMod val="50000"/>
+                    </a:schemeClr>
+                  </a:solidFill>
+                </a:endParaRPr>
+              </a:p>
+              <a:p>
+                <a:pPr marL="0" indent="0">
+                  <a:spcBef>
+                    <a:spcPts val="1000"/>
+                  </a:spcBef>
+                  <a:buNone/>
+                  <a:defRPr sz="2000">
+                    <a:solidFill>
+                      <a:srgbClr val="000000"/>
+                    </a:solidFill>
+                    <a:latin typeface="Garamond"/>
+                  </a:defRPr>
+                </a:pPr>
+                <a14:m>
+                  <m:oMathPara xmlns:m="http://schemas.openxmlformats.org/officeDocument/2006/math">
+                    <m:oMathParaPr>
+                      <m:jc m:val="centerGroup"/>
+                    </m:oMathParaPr>
+                    <m:oMath xmlns:m="http://schemas.openxmlformats.org/officeDocument/2006/math">
+                      <m:r>
+                        <a:rPr lang="en-US" altLang="zh-TW" sz="2400" i="1">
+                          <a:solidFill>
+                            <a:schemeClr val="bg1">
+                              <a:lumMod val="50000"/>
+                            </a:schemeClr>
+                          </a:solidFill>
+                          <a:latin typeface="Cambria Math" panose="02040503050406030204" pitchFamily="18" charset="0"/>
+                        </a:rPr>
+                        <m:t>∀</m:t>
+                      </m:r>
+                      <m:r>
+                        <a:rPr lang="en-US" altLang="zh-TW" sz="2400" i="1">
+                          <a:solidFill>
+                            <a:schemeClr val="bg1">
+                              <a:lumMod val="50000"/>
+                            </a:schemeClr>
+                          </a:solidFill>
+                          <a:latin typeface="Cambria Math" panose="02040503050406030204" pitchFamily="18" charset="0"/>
+                        </a:rPr>
+                        <m:t>𝑥</m:t>
+                      </m:r>
+                      <m:r>
+                        <a:rPr lang="en-US" altLang="zh-TW" sz="2400" i="1">
+                          <a:solidFill>
+                            <a:schemeClr val="bg1">
+                              <a:lumMod val="50000"/>
+                            </a:schemeClr>
+                          </a:solidFill>
+                          <a:latin typeface="Cambria Math" panose="02040503050406030204" pitchFamily="18" charset="0"/>
+                        </a:rPr>
+                        <m:t>∈</m:t>
+                      </m:r>
+                      <m:r>
+                        <a:rPr lang="en-US" altLang="zh-TW" sz="2400" i="1">
+                          <a:solidFill>
+                            <a:schemeClr val="bg1">
+                              <a:lumMod val="50000"/>
+                            </a:schemeClr>
+                          </a:solidFill>
+                          <a:latin typeface="Cambria Math" panose="02040503050406030204" pitchFamily="18" charset="0"/>
+                        </a:rPr>
+                        <m:t>𝑋</m:t>
+                      </m:r>
+                      <m:r>
+                        <a:rPr lang="en-US" altLang="zh-TW" sz="2400" i="1">
+                          <a:solidFill>
+                            <a:schemeClr val="bg1">
+                              <a:lumMod val="50000"/>
+                            </a:schemeClr>
+                          </a:solidFill>
+                          <a:latin typeface="Cambria Math" panose="02040503050406030204" pitchFamily="18" charset="0"/>
+                        </a:rPr>
+                        <m:t>, </m:t>
+                      </m:r>
+                      <m:r>
+                        <a:rPr lang="en-US" altLang="zh-TW" sz="2400" i="1">
+                          <a:solidFill>
+                            <a:schemeClr val="bg1">
+                              <a:lumMod val="50000"/>
+                            </a:schemeClr>
+                          </a:solidFill>
+                          <a:latin typeface="Cambria Math" panose="02040503050406030204" pitchFamily="18" charset="0"/>
+                        </a:rPr>
+                        <m:t>𝑥</m:t>
+                      </m:r>
+                      <m:r>
+                        <a:rPr lang="en-US" sz="2400" i="1" dirty="0">
+                          <a:solidFill>
+                            <a:schemeClr val="bg1">
+                              <a:lumMod val="50000"/>
+                            </a:schemeClr>
+                          </a:solidFill>
+                          <a:latin typeface="Cambria Math" panose="02040503050406030204" pitchFamily="18" charset="0"/>
+                          <a:ea typeface="Cambria Math" panose="02040503050406030204" pitchFamily="18" charset="0"/>
+                        </a:rPr>
+                        <m:t>≿</m:t>
+                      </m:r>
+                      <m:r>
+                        <a:rPr lang="en-US" sz="2400" b="0" i="1" dirty="0" smtClean="0">
+                          <a:solidFill>
+                            <a:schemeClr val="bg1">
+                              <a:lumMod val="50000"/>
+                            </a:schemeClr>
+                          </a:solidFill>
+                          <a:latin typeface="Cambria Math" panose="02040503050406030204" pitchFamily="18" charset="0"/>
+                          <a:ea typeface="Cambria Math" panose="02040503050406030204" pitchFamily="18" charset="0"/>
+                        </a:rPr>
+                        <m:t>𝑥</m:t>
+                      </m:r>
+                    </m:oMath>
+                  </m:oMathPara>
+                </a14:m>
+                <a:endParaRPr lang="en-US" altLang="zh-TW" sz="2400" dirty="0">
+                  <a:solidFill>
+                    <a:schemeClr val="bg1">
+                      <a:lumMod val="50000"/>
+                    </a:schemeClr>
+                  </a:solidFill>
+                </a:endParaRPr>
+              </a:p>
+              <a:p>
+                <a:pPr>
+                  <a:spcBef>
+                    <a:spcPts val="1000"/>
+                  </a:spcBef>
+                  <a:defRPr sz="2000">
+                    <a:solidFill>
+                      <a:srgbClr val="000000"/>
+                    </a:solidFill>
+                    <a:latin typeface="Garamond"/>
+                  </a:defRPr>
+                </a:pPr>
+                <a:endParaRPr lang="en-US" altLang="zh-TW" sz="2400" dirty="0"/>
               </a:p>
               <a:p>
                 <a:pPr>
@@ -5194,7 +5382,7 @@
             </p:txBody>
           </p:sp>
         </mc:Choice>
-        <mc:Fallback xmlns="">
+        <mc:Fallback>
           <p:sp>
             <p:nvSpPr>
               <p:cNvPr id="3" name="Content Placeholder 2">
@@ -5739,6 +5927,110 @@
                       </p:childTnLst>
                     </p:cTn>
                   </p:par>
+                  <p:par>
+                    <p:cTn id="21" fill="hold">
+                      <p:stCondLst>
+                        <p:cond delay="indefinite"/>
+                      </p:stCondLst>
+                      <p:childTnLst>
+                        <p:par>
+                          <p:cTn id="22" fill="hold">
+                            <p:stCondLst>
+                              <p:cond delay="0"/>
+                            </p:stCondLst>
+                            <p:childTnLst>
+                              <p:par>
+                                <p:cTn id="23" presetID="10" presetClass="entr" presetSubtype="0" fill="hold" nodeType="clickEffect">
+                                  <p:stCondLst>
+                                    <p:cond delay="0"/>
+                                  </p:stCondLst>
+                                  <p:childTnLst>
+                                    <p:set>
+                                      <p:cBhvr>
+                                        <p:cTn id="24" dur="1" fill="hold">
+                                          <p:stCondLst>
+                                            <p:cond delay="0"/>
+                                          </p:stCondLst>
+                                        </p:cTn>
+                                        <p:tgtEl>
+                                          <p:spTgt spid="3">
+                                            <p:txEl>
+                                              <p:pRg st="6" end="6"/>
+                                            </p:txEl>
+                                          </p:spTgt>
+                                        </p:tgtEl>
+                                        <p:attrNameLst>
+                                          <p:attrName>style.visibility</p:attrName>
+                                        </p:attrNameLst>
+                                      </p:cBhvr>
+                                      <p:to>
+                                        <p:strVal val="visible"/>
+                                      </p:to>
+                                    </p:set>
+                                    <p:animEffect transition="in" filter="fade">
+                                      <p:cBhvr>
+                                        <p:cTn id="25" dur="500"/>
+                                        <p:tgtEl>
+                                          <p:spTgt spid="3">
+                                            <p:txEl>
+                                              <p:pRg st="6" end="6"/>
+                                            </p:txEl>
+                                          </p:spTgt>
+                                        </p:tgtEl>
+                                      </p:cBhvr>
+                                    </p:animEffect>
+                                  </p:childTnLst>
+                                </p:cTn>
+                              </p:par>
+                              <p:par>
+                                <p:cTn id="26" presetID="10" presetClass="entr" presetSubtype="0" fill="hold" nodeType="withEffect">
+                                  <p:stCondLst>
+                                    <p:cond delay="0"/>
+                                  </p:stCondLst>
+                                  <p:childTnLst>
+                                    <p:set>
+                                      <p:cBhvr>
+                                        <p:cTn id="27" dur="1" fill="hold">
+                                          <p:stCondLst>
+                                            <p:cond delay="0"/>
+                                          </p:stCondLst>
+                                        </p:cTn>
+                                        <p:tgtEl>
+                                          <p:spTgt spid="3">
+                                            <p:txEl>
+                                              <p:pRg st="8" end="8"/>
+                                            </p:txEl>
+                                          </p:spTgt>
+                                        </p:tgtEl>
+                                        <p:attrNameLst>
+                                          <p:attrName>style.visibility</p:attrName>
+                                        </p:attrNameLst>
+                                      </p:cBhvr>
+                                      <p:to>
+                                        <p:strVal val="visible"/>
+                                      </p:to>
+                                    </p:set>
+                                    <p:animEffect transition="in" filter="fade">
+                                      <p:cBhvr>
+                                        <p:cTn id="28" dur="500"/>
+                                        <p:tgtEl>
+                                          <p:spTgt spid="3">
+                                            <p:txEl>
+                                              <p:pRg st="8" end="8"/>
+                                            </p:txEl>
+                                          </p:spTgt>
+                                        </p:tgtEl>
+                                      </p:cBhvr>
+                                    </p:animEffect>
+                                  </p:childTnLst>
+                                </p:cTn>
+                              </p:par>
+                            </p:childTnLst>
+                          </p:cTn>
+                        </p:par>
+                      </p:childTnLst>
+                    </p:cTn>
+                  </p:par>
                 </p:childTnLst>
               </p:cTn>
               <p:prevCondLst>
@@ -5787,8 +6079,8 @@
           <a:chExt cx="0" cy="0"/>
         </a:xfrm>
       </p:grpSpPr>
-      <mc:AlternateContent xmlns:mc="http://schemas.openxmlformats.org/markup-compatibility/2006" xmlns:a14="http://schemas.microsoft.com/office/drawing/2010/main">
-        <mc:Choice Requires="a14">
+      <mc:AlternateContent xmlns:mc="http://schemas.openxmlformats.org/markup-compatibility/2006">
+        <mc:Choice xmlns:a14="http://schemas.microsoft.com/office/drawing/2010/main" Requires="a14">
           <p:sp>
             <p:nvSpPr>
               <p:cNvPr id="3" name="Content Placeholder 2">
@@ -6349,6 +6641,418 @@
                 </a:r>
               </a:p>
               <a:p>
+                <a:pPr lvl="3">
+                  <a:spcBef>
+                    <a:spcPts val="1000"/>
+                  </a:spcBef>
+                  <a:defRPr sz="2000">
+                    <a:solidFill>
+                      <a:srgbClr val="000000"/>
+                    </a:solidFill>
+                    <a:latin typeface="Garamond"/>
+                  </a:defRPr>
+                </a:pPr>
+                <a:endParaRPr lang="en-US" altLang="zh-TW" sz="1200" dirty="0"/>
+              </a:p>
+              <a:p>
+                <a:pPr>
+                  <a:spcBef>
+                    <a:spcPts val="1000"/>
+                  </a:spcBef>
+                  <a:defRPr sz="2000">
+                    <a:solidFill>
+                      <a:srgbClr val="000000"/>
+                    </a:solidFill>
+                    <a:latin typeface="Garamond"/>
+                  </a:defRPr>
+                </a:pPr>
+                <a:r>
+                  <a:rPr lang="en-US" altLang="zh-TW" sz="2400" dirty="0">
+                    <a:solidFill>
+                      <a:schemeClr val="bg1">
+                        <a:lumMod val="50000"/>
+                      </a:schemeClr>
+                    </a:solidFill>
+                  </a:rPr>
+                  <a:t>Formally: For a consumption set </a:t>
+                </a:r>
+                <a14:m>
+                  <m:oMath xmlns:m="http://schemas.openxmlformats.org/officeDocument/2006/math">
+                    <m:r>
+                      <a:rPr lang="en-US" altLang="zh-TW" sz="2400" i="1" dirty="0">
+                        <a:solidFill>
+                          <a:schemeClr val="bg1">
+                            <a:lumMod val="50000"/>
+                          </a:schemeClr>
+                        </a:solidFill>
+                        <a:latin typeface="Cambria Math" panose="02040503050406030204" pitchFamily="18" charset="0"/>
+                      </a:rPr>
+                      <m:t>𝑋</m:t>
+                    </m:r>
+                  </m:oMath>
+                </a14:m>
+                <a:r>
+                  <a:rPr lang="en-US" altLang="zh-TW" sz="2400" dirty="0">
+                    <a:solidFill>
+                      <a:schemeClr val="bg1">
+                        <a:lumMod val="50000"/>
+                      </a:schemeClr>
+                    </a:solidFill>
+                  </a:rPr>
+                  <a:t>,</a:t>
+                </a:r>
+              </a:p>
+              <a:p>
+                <a:pPr>
+                  <a:spcBef>
+                    <a:spcPts val="1000"/>
+                  </a:spcBef>
+                  <a:defRPr sz="2000">
+                    <a:solidFill>
+                      <a:srgbClr val="000000"/>
+                    </a:solidFill>
+                    <a:latin typeface="Garamond"/>
+                  </a:defRPr>
+                </a:pPr>
+                <a:endParaRPr lang="en-US" altLang="zh-TW" sz="500" dirty="0">
+                  <a:solidFill>
+                    <a:schemeClr val="bg1">
+                      <a:lumMod val="50000"/>
+                    </a:schemeClr>
+                  </a:solidFill>
+                </a:endParaRPr>
+              </a:p>
+              <a:p>
+                <a:pPr marL="0" indent="0">
+                  <a:spcBef>
+                    <a:spcPts val="1000"/>
+                  </a:spcBef>
+                  <a:buNone/>
+                  <a:defRPr sz="2000">
+                    <a:solidFill>
+                      <a:srgbClr val="000000"/>
+                    </a:solidFill>
+                    <a:latin typeface="Garamond"/>
+                  </a:defRPr>
+                </a:pPr>
+                <a14:m>
+                  <m:oMathPara xmlns:m="http://schemas.openxmlformats.org/officeDocument/2006/math">
+                    <m:oMathParaPr>
+                      <m:jc m:val="centerGroup"/>
+                    </m:oMathParaPr>
+                    <m:oMath xmlns:m="http://schemas.openxmlformats.org/officeDocument/2006/math">
+                      <m:r>
+                        <a:rPr lang="en-US" altLang="zh-TW" sz="2400" i="1">
+                          <a:solidFill>
+                            <a:schemeClr val="bg1">
+                              <a:lumMod val="50000"/>
+                            </a:schemeClr>
+                          </a:solidFill>
+                          <a:latin typeface="Cambria Math" panose="02040503050406030204" pitchFamily="18" charset="0"/>
+                        </a:rPr>
+                        <m:t>∀</m:t>
+                      </m:r>
+                      <m:r>
+                        <a:rPr lang="en-US" altLang="zh-TW" sz="2400" i="1">
+                          <a:solidFill>
+                            <a:schemeClr val="bg1">
+                              <a:lumMod val="50000"/>
+                            </a:schemeClr>
+                          </a:solidFill>
+                          <a:latin typeface="Cambria Math" panose="02040503050406030204" pitchFamily="18" charset="0"/>
+                        </a:rPr>
+                        <m:t>𝑥</m:t>
+                      </m:r>
+                      <m:r>
+                        <a:rPr lang="en-US" altLang="zh-TW" sz="2400" b="0" i="1" smtClean="0">
+                          <a:solidFill>
+                            <a:schemeClr val="bg1">
+                              <a:lumMod val="50000"/>
+                            </a:schemeClr>
+                          </a:solidFill>
+                          <a:latin typeface="Cambria Math" panose="02040503050406030204" pitchFamily="18" charset="0"/>
+                        </a:rPr>
+                        <m:t>,</m:t>
+                      </m:r>
+                      <m:r>
+                        <a:rPr lang="en-US" altLang="zh-TW" sz="2400" b="0" i="1" smtClean="0">
+                          <a:solidFill>
+                            <a:schemeClr val="bg1">
+                              <a:lumMod val="50000"/>
+                            </a:schemeClr>
+                          </a:solidFill>
+                          <a:latin typeface="Cambria Math" panose="02040503050406030204" pitchFamily="18" charset="0"/>
+                        </a:rPr>
+                        <m:t>𝑦</m:t>
+                      </m:r>
+                      <m:r>
+                        <a:rPr lang="en-US" altLang="zh-TW" sz="2400" b="0" i="1" smtClean="0">
+                          <a:solidFill>
+                            <a:schemeClr val="bg1">
+                              <a:lumMod val="50000"/>
+                            </a:schemeClr>
+                          </a:solidFill>
+                          <a:latin typeface="Cambria Math" panose="02040503050406030204" pitchFamily="18" charset="0"/>
+                        </a:rPr>
+                        <m:t>,</m:t>
+                      </m:r>
+                      <m:r>
+                        <a:rPr lang="en-US" altLang="zh-TW" sz="2400" b="0" i="1" smtClean="0">
+                          <a:solidFill>
+                            <a:schemeClr val="bg1">
+                              <a:lumMod val="50000"/>
+                            </a:schemeClr>
+                          </a:solidFill>
+                          <a:latin typeface="Cambria Math" panose="02040503050406030204" pitchFamily="18" charset="0"/>
+                        </a:rPr>
+                        <m:t>𝑧</m:t>
+                      </m:r>
+                      <m:r>
+                        <a:rPr lang="en-US" altLang="zh-TW" sz="2400" i="1">
+                          <a:solidFill>
+                            <a:schemeClr val="bg1">
+                              <a:lumMod val="50000"/>
+                            </a:schemeClr>
+                          </a:solidFill>
+                          <a:latin typeface="Cambria Math" panose="02040503050406030204" pitchFamily="18" charset="0"/>
+                        </a:rPr>
+                        <m:t>∈</m:t>
+                      </m:r>
+                      <m:r>
+                        <a:rPr lang="en-US" altLang="zh-TW" sz="2400" i="1">
+                          <a:solidFill>
+                            <a:schemeClr val="bg1">
+                              <a:lumMod val="50000"/>
+                            </a:schemeClr>
+                          </a:solidFill>
+                          <a:latin typeface="Cambria Math" panose="02040503050406030204" pitchFamily="18" charset="0"/>
+                        </a:rPr>
+                        <m:t>𝑋</m:t>
+                      </m:r>
+                      <m:r>
+                        <a:rPr lang="en-US" altLang="zh-TW" sz="2400" i="1">
+                          <a:solidFill>
+                            <a:schemeClr val="bg1">
+                              <a:lumMod val="50000"/>
+                            </a:schemeClr>
+                          </a:solidFill>
+                          <a:latin typeface="Cambria Math" panose="02040503050406030204" pitchFamily="18" charset="0"/>
+                        </a:rPr>
+                        <m:t>, </m:t>
+                      </m:r>
+                      <m:r>
+                        <a:rPr lang="en-US" altLang="zh-TW" sz="2400" b="0" i="1" smtClean="0">
+                          <a:solidFill>
+                            <a:schemeClr val="bg1">
+                              <a:lumMod val="50000"/>
+                            </a:schemeClr>
+                          </a:solidFill>
+                          <a:latin typeface="Cambria Math" panose="02040503050406030204" pitchFamily="18" charset="0"/>
+                        </a:rPr>
+                        <m:t>𝑖𝑓</m:t>
+                      </m:r>
+                      <m:r>
+                        <a:rPr lang="en-US" altLang="zh-TW" sz="2400" b="0" i="1" smtClean="0">
+                          <a:solidFill>
+                            <a:schemeClr val="bg1">
+                              <a:lumMod val="50000"/>
+                            </a:schemeClr>
+                          </a:solidFill>
+                          <a:latin typeface="Cambria Math" panose="02040503050406030204" pitchFamily="18" charset="0"/>
+                        </a:rPr>
+                        <m:t> </m:t>
+                      </m:r>
+                      <m:r>
+                        <a:rPr lang="en-US" altLang="zh-TW" sz="2400" i="1">
+                          <a:solidFill>
+                            <a:schemeClr val="bg1">
+                              <a:lumMod val="50000"/>
+                            </a:schemeClr>
+                          </a:solidFill>
+                          <a:latin typeface="Cambria Math" panose="02040503050406030204" pitchFamily="18" charset="0"/>
+                        </a:rPr>
+                        <m:t>𝑥</m:t>
+                      </m:r>
+                      <m:r>
+                        <a:rPr lang="en-US" sz="2400" i="1" dirty="0">
+                          <a:solidFill>
+                            <a:schemeClr val="bg1">
+                              <a:lumMod val="50000"/>
+                            </a:schemeClr>
+                          </a:solidFill>
+                          <a:latin typeface="Cambria Math" panose="02040503050406030204" pitchFamily="18" charset="0"/>
+                          <a:ea typeface="Cambria Math" panose="02040503050406030204" pitchFamily="18" charset="0"/>
+                        </a:rPr>
+                        <m:t>≿</m:t>
+                      </m:r>
+                      <m:r>
+                        <a:rPr lang="en-US" sz="2400" b="0" i="1" dirty="0" smtClean="0">
+                          <a:solidFill>
+                            <a:schemeClr val="bg1">
+                              <a:lumMod val="50000"/>
+                            </a:schemeClr>
+                          </a:solidFill>
+                          <a:latin typeface="Cambria Math" panose="02040503050406030204" pitchFamily="18" charset="0"/>
+                          <a:ea typeface="Cambria Math" panose="02040503050406030204" pitchFamily="18" charset="0"/>
+                        </a:rPr>
+                        <m:t>𝑦</m:t>
+                      </m:r>
+                      <m:r>
+                        <a:rPr lang="en-US" sz="2400" b="0" i="1" dirty="0" smtClean="0">
+                          <a:solidFill>
+                            <a:schemeClr val="bg1">
+                              <a:lumMod val="50000"/>
+                            </a:schemeClr>
+                          </a:solidFill>
+                          <a:latin typeface="Cambria Math" panose="02040503050406030204" pitchFamily="18" charset="0"/>
+                          <a:ea typeface="Cambria Math" panose="02040503050406030204" pitchFamily="18" charset="0"/>
+                        </a:rPr>
+                        <m:t> </m:t>
+                      </m:r>
+                      <m:r>
+                        <a:rPr lang="en-US" sz="2400" b="0" i="1" dirty="0" smtClean="0">
+                          <a:solidFill>
+                            <a:schemeClr val="bg1">
+                              <a:lumMod val="50000"/>
+                            </a:schemeClr>
+                          </a:solidFill>
+                          <a:latin typeface="Cambria Math" panose="02040503050406030204" pitchFamily="18" charset="0"/>
+                          <a:ea typeface="Cambria Math" panose="02040503050406030204" pitchFamily="18" charset="0"/>
+                        </a:rPr>
+                        <m:t>𝑎𝑛𝑑</m:t>
+                      </m:r>
+                      <m:r>
+                        <a:rPr lang="en-US" sz="2400" b="0" i="1" dirty="0" smtClean="0">
+                          <a:solidFill>
+                            <a:schemeClr val="bg1">
+                              <a:lumMod val="50000"/>
+                            </a:schemeClr>
+                          </a:solidFill>
+                          <a:latin typeface="Cambria Math" panose="02040503050406030204" pitchFamily="18" charset="0"/>
+                          <a:ea typeface="Cambria Math" panose="02040503050406030204" pitchFamily="18" charset="0"/>
+                        </a:rPr>
+                        <m:t> </m:t>
+                      </m:r>
+                      <m:r>
+                        <a:rPr lang="en-US" sz="2400" b="0" i="1" dirty="0" smtClean="0">
+                          <a:solidFill>
+                            <a:schemeClr val="bg1">
+                              <a:lumMod val="50000"/>
+                            </a:schemeClr>
+                          </a:solidFill>
+                          <a:latin typeface="Cambria Math" panose="02040503050406030204" pitchFamily="18" charset="0"/>
+                          <a:ea typeface="Cambria Math" panose="02040503050406030204" pitchFamily="18" charset="0"/>
+                        </a:rPr>
+                        <m:t>𝑦</m:t>
+                      </m:r>
+                      <m:r>
+                        <a:rPr lang="en-US" sz="2400" i="1" dirty="0">
+                          <a:solidFill>
+                            <a:schemeClr val="bg1">
+                              <a:lumMod val="50000"/>
+                            </a:schemeClr>
+                          </a:solidFill>
+                          <a:latin typeface="Cambria Math" panose="02040503050406030204" pitchFamily="18" charset="0"/>
+                          <a:ea typeface="Cambria Math" panose="02040503050406030204" pitchFamily="18" charset="0"/>
+                        </a:rPr>
+                        <m:t>≿</m:t>
+                      </m:r>
+                      <m:r>
+                        <a:rPr lang="en-US" sz="2400" b="0" i="1" dirty="0" smtClean="0">
+                          <a:solidFill>
+                            <a:schemeClr val="bg1">
+                              <a:lumMod val="50000"/>
+                            </a:schemeClr>
+                          </a:solidFill>
+                          <a:latin typeface="Cambria Math" panose="02040503050406030204" pitchFamily="18" charset="0"/>
+                          <a:ea typeface="Cambria Math" panose="02040503050406030204" pitchFamily="18" charset="0"/>
+                        </a:rPr>
+                        <m:t>𝑧</m:t>
+                      </m:r>
+                      <m:r>
+                        <a:rPr lang="en-US" sz="2400" b="0" i="1" dirty="0" smtClean="0">
+                          <a:solidFill>
+                            <a:schemeClr val="bg1">
+                              <a:lumMod val="50000"/>
+                            </a:schemeClr>
+                          </a:solidFill>
+                          <a:latin typeface="Cambria Math" panose="02040503050406030204" pitchFamily="18" charset="0"/>
+                          <a:ea typeface="Cambria Math" panose="02040503050406030204" pitchFamily="18" charset="0"/>
+                        </a:rPr>
+                        <m:t>, </m:t>
+                      </m:r>
+                      <m:r>
+                        <a:rPr lang="en-US" sz="2400" b="0" i="1" dirty="0" smtClean="0">
+                          <a:solidFill>
+                            <a:schemeClr val="bg1">
+                              <a:lumMod val="50000"/>
+                            </a:schemeClr>
+                          </a:solidFill>
+                          <a:latin typeface="Cambria Math" panose="02040503050406030204" pitchFamily="18" charset="0"/>
+                          <a:ea typeface="Cambria Math" panose="02040503050406030204" pitchFamily="18" charset="0"/>
+                        </a:rPr>
+                        <m:t>𝑡h𝑒𝑛</m:t>
+                      </m:r>
+                      <m:r>
+                        <a:rPr lang="en-US" sz="2400" b="0" i="1" dirty="0" smtClean="0">
+                          <a:solidFill>
+                            <a:schemeClr val="bg1">
+                              <a:lumMod val="50000"/>
+                            </a:schemeClr>
+                          </a:solidFill>
+                          <a:latin typeface="Cambria Math" panose="02040503050406030204" pitchFamily="18" charset="0"/>
+                          <a:ea typeface="Cambria Math" panose="02040503050406030204" pitchFamily="18" charset="0"/>
+                        </a:rPr>
+                        <m:t> </m:t>
+                      </m:r>
+                      <m:r>
+                        <a:rPr lang="en-US" sz="2400" b="0" i="1" dirty="0" smtClean="0">
+                          <a:solidFill>
+                            <a:schemeClr val="bg1">
+                              <a:lumMod val="50000"/>
+                            </a:schemeClr>
+                          </a:solidFill>
+                          <a:latin typeface="Cambria Math" panose="02040503050406030204" pitchFamily="18" charset="0"/>
+                          <a:ea typeface="Cambria Math" panose="02040503050406030204" pitchFamily="18" charset="0"/>
+                        </a:rPr>
+                        <m:t>𝑥</m:t>
+                      </m:r>
+                      <m:r>
+                        <a:rPr lang="en-US" sz="2400" i="1" dirty="0">
+                          <a:solidFill>
+                            <a:schemeClr val="bg1">
+                              <a:lumMod val="50000"/>
+                            </a:schemeClr>
+                          </a:solidFill>
+                          <a:latin typeface="Cambria Math" panose="02040503050406030204" pitchFamily="18" charset="0"/>
+                          <a:ea typeface="Cambria Math" panose="02040503050406030204" pitchFamily="18" charset="0"/>
+                        </a:rPr>
+                        <m:t>≿</m:t>
+                      </m:r>
+                      <m:r>
+                        <a:rPr lang="en-US" sz="2400" b="0" i="1" dirty="0" smtClean="0">
+                          <a:solidFill>
+                            <a:schemeClr val="bg1">
+                              <a:lumMod val="50000"/>
+                            </a:schemeClr>
+                          </a:solidFill>
+                          <a:latin typeface="Cambria Math" panose="02040503050406030204" pitchFamily="18" charset="0"/>
+                          <a:ea typeface="Cambria Math" panose="02040503050406030204" pitchFamily="18" charset="0"/>
+                        </a:rPr>
+                        <m:t>𝑧</m:t>
+                      </m:r>
+                    </m:oMath>
+                  </m:oMathPara>
+                </a14:m>
+                <a:endParaRPr lang="en-US" altLang="zh-TW" sz="2400" dirty="0">
+                  <a:solidFill>
+                    <a:schemeClr val="bg1">
+                      <a:lumMod val="50000"/>
+                    </a:schemeClr>
+                  </a:solidFill>
+                </a:endParaRPr>
+              </a:p>
+              <a:p>
                 <a:pPr>
                   <a:spcBef>
                     <a:spcPts val="1000"/>
@@ -6379,7 +7083,7 @@
             </p:txBody>
           </p:sp>
         </mc:Choice>
-        <mc:Fallback xmlns="">
+        <mc:Fallback>
           <p:sp>
             <p:nvSpPr>
               <p:cNvPr id="3" name="Content Placeholder 2">
@@ -6910,6 +7614,110 @@
                                           <p:spTgt spid="3">
                                             <p:txEl>
                                               <p:pRg st="4" end="4"/>
+                                            </p:txEl>
+                                          </p:spTgt>
+                                        </p:tgtEl>
+                                      </p:cBhvr>
+                                    </p:animEffect>
+                                  </p:childTnLst>
+                                </p:cTn>
+                              </p:par>
+                            </p:childTnLst>
+                          </p:cTn>
+                        </p:par>
+                      </p:childTnLst>
+                    </p:cTn>
+                  </p:par>
+                  <p:par>
+                    <p:cTn id="21" fill="hold">
+                      <p:stCondLst>
+                        <p:cond delay="indefinite"/>
+                      </p:stCondLst>
+                      <p:childTnLst>
+                        <p:par>
+                          <p:cTn id="22" fill="hold">
+                            <p:stCondLst>
+                              <p:cond delay="0"/>
+                            </p:stCondLst>
+                            <p:childTnLst>
+                              <p:par>
+                                <p:cTn id="23" presetID="10" presetClass="entr" presetSubtype="0" fill="hold" nodeType="clickEffect">
+                                  <p:stCondLst>
+                                    <p:cond delay="0"/>
+                                  </p:stCondLst>
+                                  <p:childTnLst>
+                                    <p:set>
+                                      <p:cBhvr>
+                                        <p:cTn id="24" dur="1" fill="hold">
+                                          <p:stCondLst>
+                                            <p:cond delay="0"/>
+                                          </p:stCondLst>
+                                        </p:cTn>
+                                        <p:tgtEl>
+                                          <p:spTgt spid="3">
+                                            <p:txEl>
+                                              <p:pRg st="6" end="6"/>
+                                            </p:txEl>
+                                          </p:spTgt>
+                                        </p:tgtEl>
+                                        <p:attrNameLst>
+                                          <p:attrName>style.visibility</p:attrName>
+                                        </p:attrNameLst>
+                                      </p:cBhvr>
+                                      <p:to>
+                                        <p:strVal val="visible"/>
+                                      </p:to>
+                                    </p:set>
+                                    <p:animEffect transition="in" filter="fade">
+                                      <p:cBhvr>
+                                        <p:cTn id="25" dur="500"/>
+                                        <p:tgtEl>
+                                          <p:spTgt spid="3">
+                                            <p:txEl>
+                                              <p:pRg st="6" end="6"/>
+                                            </p:txEl>
+                                          </p:spTgt>
+                                        </p:tgtEl>
+                                      </p:cBhvr>
+                                    </p:animEffect>
+                                  </p:childTnLst>
+                                </p:cTn>
+                              </p:par>
+                              <p:par>
+                                <p:cTn id="26" presetID="10" presetClass="entr" presetSubtype="0" fill="hold" nodeType="withEffect">
+                                  <p:stCondLst>
+                                    <p:cond delay="0"/>
+                                  </p:stCondLst>
+                                  <p:childTnLst>
+                                    <p:set>
+                                      <p:cBhvr>
+                                        <p:cTn id="27" dur="1" fill="hold">
+                                          <p:stCondLst>
+                                            <p:cond delay="0"/>
+                                          </p:stCondLst>
+                                        </p:cTn>
+                                        <p:tgtEl>
+                                          <p:spTgt spid="3">
+                                            <p:txEl>
+                                              <p:pRg st="8" end="8"/>
+                                            </p:txEl>
+                                          </p:spTgt>
+                                        </p:tgtEl>
+                                        <p:attrNameLst>
+                                          <p:attrName>style.visibility</p:attrName>
+                                        </p:attrNameLst>
+                                      </p:cBhvr>
+                                      <p:to>
+                                        <p:strVal val="visible"/>
+                                      </p:to>
+                                    </p:set>
+                                    <p:animEffect transition="in" filter="fade">
+                                      <p:cBhvr>
+                                        <p:cTn id="28" dur="500"/>
+                                        <p:tgtEl>
+                                          <p:spTgt spid="3">
+                                            <p:txEl>
+                                              <p:pRg st="8" end="8"/>
                                             </p:txEl>
                                           </p:spTgt>
                                         </p:tgtEl>
@@ -21564,115 +22372,440 @@
           <a:chExt cx="0" cy="0"/>
         </a:xfrm>
       </p:grpSpPr>
-      <p:sp>
-        <p:nvSpPr>
-          <p:cNvPr id="3" name="Content Placeholder 2">
-            <a:extLst>
-              <a:ext uri="{FF2B5EF4-FFF2-40B4-BE49-F238E27FC236}">
-                <a16:creationId xmlns:a16="http://schemas.microsoft.com/office/drawing/2014/main" id="{3683897A-5B69-B1F3-E6AF-85AF43C780E2}"/>
-              </a:ext>
-            </a:extLst>
-          </p:cNvPr>
-          <p:cNvSpPr>
-            <a:spLocks noGrp="1"/>
-          </p:cNvSpPr>
-          <p:nvPr>
-            <p:ph idx="1"/>
-          </p:nvPr>
-        </p:nvSpPr>
-        <p:spPr>
-          <a:xfrm>
-            <a:off x="5029199" y="1300900"/>
-            <a:ext cx="6766561" cy="5081046"/>
-          </a:xfrm>
-        </p:spPr>
-        <p:txBody>
-          <a:bodyPr>
-            <a:normAutofit/>
-          </a:bodyPr>
-          <a:lstStyle/>
-          <a:p>
-            <a:pPr>
-              <a:spcBef>
-                <a:spcPts val="1000"/>
-              </a:spcBef>
-              <a:defRPr sz="2000">
-                <a:solidFill>
-                  <a:srgbClr val="000000"/>
-                </a:solidFill>
-                <a:latin typeface="Garamond"/>
-              </a:defRPr>
-            </a:pPr>
-            <a:r>
-              <a:rPr lang="en-US" altLang="zh-TW" sz="2400" dirty="0"/>
-              <a:t>A preference relation is (weakly) monotone if, whenever one bundle has at least as much of every good as another, the consumer does not prefer the bundle with less.</a:t>
-            </a:r>
-          </a:p>
-          <a:p>
-            <a:pPr lvl="3">
-              <a:spcBef>
-                <a:spcPts val="1000"/>
-              </a:spcBef>
-              <a:defRPr sz="2000">
-                <a:solidFill>
-                  <a:srgbClr val="000000"/>
-                </a:solidFill>
-                <a:latin typeface="Garamond"/>
-              </a:defRPr>
-            </a:pPr>
-            <a:endParaRPr lang="en-US" altLang="zh-TW" sz="1200" dirty="0"/>
-          </a:p>
-          <a:p>
-            <a:pPr>
-              <a:spcBef>
-                <a:spcPts val="1000"/>
-              </a:spcBef>
-              <a:defRPr sz="2000">
-                <a:solidFill>
-                  <a:srgbClr val="000000"/>
-                </a:solidFill>
-                <a:latin typeface="Garamond"/>
-              </a:defRPr>
-            </a:pPr>
-            <a:r>
-              <a:rPr lang="en-US" altLang="zh-TW" sz="2400" dirty="0"/>
-              <a:t>“The more the better.”</a:t>
-            </a:r>
-            <a:endParaRPr lang="en-US" altLang="zh-TW" sz="2000" dirty="0"/>
-          </a:p>
-          <a:p>
-            <a:pPr lvl="3">
-              <a:spcBef>
-                <a:spcPts val="1000"/>
-              </a:spcBef>
-              <a:defRPr sz="2000">
-                <a:solidFill>
-                  <a:srgbClr val="000000"/>
-                </a:solidFill>
-                <a:latin typeface="Garamond"/>
-              </a:defRPr>
-            </a:pPr>
-            <a:endParaRPr lang="en-US" altLang="zh-TW" sz="1200" dirty="0"/>
-          </a:p>
-          <a:p>
-            <a:pPr>
-              <a:spcBef>
-                <a:spcPts val="1000"/>
-              </a:spcBef>
-              <a:defRPr sz="2000">
-                <a:solidFill>
-                  <a:srgbClr val="000000"/>
-                </a:solidFill>
-                <a:latin typeface="Garamond"/>
-              </a:defRPr>
-            </a:pPr>
-            <a:r>
-              <a:rPr lang="en-US" altLang="zh-TW" sz="2400" dirty="0"/>
-              <a:t>Under weak monotonicity, indifference curves cannot slope upward everywhere.</a:t>
-            </a:r>
-          </a:p>
-        </p:txBody>
-      </p:sp>
+      <mc:AlternateContent xmlns:mc="http://schemas.openxmlformats.org/markup-compatibility/2006">
+        <mc:Choice xmlns:a14="http://schemas.microsoft.com/office/drawing/2010/main" Requires="a14">
+          <p:sp>
+            <p:nvSpPr>
+              <p:cNvPr id="3" name="Content Placeholder 2">
+                <a:extLst>
+                  <a:ext uri="{FF2B5EF4-FFF2-40B4-BE49-F238E27FC236}">
+                    <a16:creationId xmlns:a16="http://schemas.microsoft.com/office/drawing/2014/main" id="{3683897A-5B69-B1F3-E6AF-85AF43C780E2}"/>
+                  </a:ext>
+                </a:extLst>
+              </p:cNvPr>
+              <p:cNvSpPr>
+                <a:spLocks noGrp="1"/>
+              </p:cNvSpPr>
+              <p:nvPr>
+                <p:ph idx="1"/>
+              </p:nvPr>
+            </p:nvSpPr>
+            <p:spPr>
+              <a:xfrm>
+                <a:off x="5029199" y="1300900"/>
+                <a:ext cx="6766561" cy="5081046"/>
+              </a:xfrm>
+            </p:spPr>
+            <p:txBody>
+              <a:bodyPr>
+                <a:normAutofit/>
+              </a:bodyPr>
+              <a:lstStyle/>
+              <a:p>
+                <a:pPr>
+                  <a:spcBef>
+                    <a:spcPts val="1000"/>
+                  </a:spcBef>
+                  <a:defRPr sz="2000">
+                    <a:solidFill>
+                      <a:srgbClr val="000000"/>
+                    </a:solidFill>
+                    <a:latin typeface="Garamond"/>
+                  </a:defRPr>
+                </a:pPr>
+                <a:r>
+                  <a:rPr lang="en-US" altLang="zh-TW" sz="2400" dirty="0"/>
+                  <a:t>A preference relation is monotone if, whenever one bundle has at least as much of every good as another, the consumer strictly prefers the bundle with more.</a:t>
+                </a:r>
+              </a:p>
+              <a:p>
+                <a:pPr lvl="3">
+                  <a:spcBef>
+                    <a:spcPts val="1000"/>
+                  </a:spcBef>
+                  <a:defRPr sz="2000">
+                    <a:solidFill>
+                      <a:srgbClr val="000000"/>
+                    </a:solidFill>
+                    <a:latin typeface="Garamond"/>
+                  </a:defRPr>
+                </a:pPr>
+                <a:endParaRPr lang="en-US" altLang="zh-TW" sz="1200" dirty="0"/>
+              </a:p>
+              <a:p>
+                <a:pPr>
+                  <a:spcBef>
+                    <a:spcPts val="1000"/>
+                  </a:spcBef>
+                  <a:defRPr sz="2000">
+                    <a:solidFill>
+                      <a:srgbClr val="000000"/>
+                    </a:solidFill>
+                    <a:latin typeface="Garamond"/>
+                  </a:defRPr>
+                </a:pPr>
+                <a:r>
+                  <a:rPr lang="en-US" altLang="zh-TW" sz="2400" dirty="0"/>
+                  <a:t>“The more the better.”</a:t>
+                </a:r>
+                <a:endParaRPr lang="en-US" altLang="zh-TW" sz="2000" dirty="0"/>
+              </a:p>
+              <a:p>
+                <a:pPr lvl="3">
+                  <a:spcBef>
+                    <a:spcPts val="1000"/>
+                  </a:spcBef>
+                  <a:defRPr sz="2000">
+                    <a:solidFill>
+                      <a:srgbClr val="000000"/>
+                    </a:solidFill>
+                    <a:latin typeface="Garamond"/>
+                  </a:defRPr>
+                </a:pPr>
+                <a:endParaRPr lang="en-US" altLang="zh-TW" sz="1200" dirty="0"/>
+              </a:p>
+              <a:p>
+                <a:pPr>
+                  <a:spcBef>
+                    <a:spcPts val="1000"/>
+                  </a:spcBef>
+                  <a:defRPr sz="2000">
+                    <a:solidFill>
+                      <a:srgbClr val="000000"/>
+                    </a:solidFill>
+                    <a:latin typeface="Garamond"/>
+                  </a:defRPr>
+                </a:pPr>
+                <a:r>
+                  <a:rPr lang="en-US" altLang="zh-TW" sz="2400" dirty="0"/>
+                  <a:t>Under monotonicity, indifference curves cannot slope upward.</a:t>
+                </a:r>
+              </a:p>
+              <a:p>
+                <a:pPr lvl="3">
+                  <a:spcBef>
+                    <a:spcPts val="1000"/>
+                  </a:spcBef>
+                  <a:defRPr sz="2000">
+                    <a:solidFill>
+                      <a:srgbClr val="000000"/>
+                    </a:solidFill>
+                    <a:latin typeface="Garamond"/>
+                  </a:defRPr>
+                </a:pPr>
+                <a:endParaRPr lang="en-US" altLang="zh-TW" sz="1200" dirty="0"/>
+              </a:p>
+              <a:p>
+                <a:pPr>
+                  <a:spcBef>
+                    <a:spcPts val="1000"/>
+                  </a:spcBef>
+                  <a:defRPr sz="2000">
+                    <a:solidFill>
+                      <a:srgbClr val="000000"/>
+                    </a:solidFill>
+                    <a:latin typeface="Garamond"/>
+                  </a:defRPr>
+                </a:pPr>
+                <a:r>
+                  <a:rPr lang="en-US" altLang="zh-TW" sz="2400" dirty="0">
+                    <a:solidFill>
+                      <a:schemeClr val="bg1">
+                        <a:lumMod val="50000"/>
+                      </a:schemeClr>
+                    </a:solidFill>
+                  </a:rPr>
+                  <a:t>Formally: (Strong) Monotonicity</a:t>
+                </a:r>
+              </a:p>
+              <a:p>
+                <a:pPr>
+                  <a:spcBef>
+                    <a:spcPts val="1000"/>
+                  </a:spcBef>
+                  <a:defRPr sz="2000">
+                    <a:solidFill>
+                      <a:srgbClr val="000000"/>
+                    </a:solidFill>
+                    <a:latin typeface="Garamond"/>
+                  </a:defRPr>
+                </a:pPr>
+                <a:endParaRPr lang="en-US" altLang="zh-TW" sz="500" dirty="0">
+                  <a:solidFill>
+                    <a:schemeClr val="bg1">
+                      <a:lumMod val="50000"/>
+                    </a:schemeClr>
+                  </a:solidFill>
+                </a:endParaRPr>
+              </a:p>
+              <a:p>
+                <a:pPr marL="0" indent="0">
+                  <a:spcBef>
+                    <a:spcPts val="1000"/>
+                  </a:spcBef>
+                  <a:buNone/>
+                  <a:defRPr sz="2000">
+                    <a:solidFill>
+                      <a:srgbClr val="000000"/>
+                    </a:solidFill>
+                    <a:latin typeface="Garamond"/>
+                  </a:defRPr>
+                </a:pPr>
+                <a14:m>
+                  <m:oMathPara xmlns:m="http://schemas.openxmlformats.org/officeDocument/2006/math">
+                    <m:oMathParaPr>
+                      <m:jc m:val="centerGroup"/>
+                    </m:oMathParaPr>
+                    <m:oMath xmlns:m="http://schemas.openxmlformats.org/officeDocument/2006/math">
+                      <m:r>
+                        <a:rPr lang="en-US" altLang="zh-TW" sz="2400" i="1">
+                          <a:solidFill>
+                            <a:schemeClr val="bg1">
+                              <a:lumMod val="50000"/>
+                            </a:schemeClr>
+                          </a:solidFill>
+                          <a:latin typeface="Cambria Math" panose="02040503050406030204" pitchFamily="18" charset="0"/>
+                        </a:rPr>
+                        <m:t>𝑥</m:t>
+                      </m:r>
+                      <m:r>
+                        <a:rPr lang="en-US" altLang="zh-TW" sz="2400" b="0" i="1" smtClean="0">
+                          <a:solidFill>
+                            <a:schemeClr val="bg1">
+                              <a:lumMod val="50000"/>
+                            </a:schemeClr>
+                          </a:solidFill>
+                          <a:latin typeface="Cambria Math" panose="02040503050406030204" pitchFamily="18" charset="0"/>
+                        </a:rPr>
+                        <m:t>≥</m:t>
+                      </m:r>
+                      <m:r>
+                        <a:rPr lang="en-US" altLang="zh-TW" sz="2400" i="1">
+                          <a:solidFill>
+                            <a:schemeClr val="bg1">
+                              <a:lumMod val="50000"/>
+                            </a:schemeClr>
+                          </a:solidFill>
+                          <a:latin typeface="Cambria Math" panose="02040503050406030204" pitchFamily="18" charset="0"/>
+                        </a:rPr>
+                        <m:t>𝑦</m:t>
+                      </m:r>
+                      <m:r>
+                        <a:rPr lang="en-US" sz="2400" i="1" dirty="0">
+                          <a:solidFill>
+                            <a:schemeClr val="bg1">
+                              <a:lumMod val="50000"/>
+                            </a:schemeClr>
+                          </a:solidFill>
+                          <a:latin typeface="Cambria Math" panose="02040503050406030204" pitchFamily="18" charset="0"/>
+                          <a:ea typeface="Cambria Math" panose="02040503050406030204" pitchFamily="18" charset="0"/>
+                        </a:rPr>
+                        <m:t> </m:t>
+                      </m:r>
+                      <m:r>
+                        <a:rPr lang="en-US" sz="2400" b="0" i="1" dirty="0" smtClean="0">
+                          <a:solidFill>
+                            <a:schemeClr val="bg1">
+                              <a:lumMod val="50000"/>
+                            </a:schemeClr>
+                          </a:solidFill>
+                          <a:latin typeface="Cambria Math" panose="02040503050406030204" pitchFamily="18" charset="0"/>
+                          <a:ea typeface="Cambria Math" panose="02040503050406030204" pitchFamily="18" charset="0"/>
+                        </a:rPr>
+                        <m:t>𝑎𝑛𝑑</m:t>
+                      </m:r>
+                      <m:r>
+                        <a:rPr lang="en-US" sz="2400" b="0" i="1" dirty="0" smtClean="0">
+                          <a:solidFill>
+                            <a:schemeClr val="bg1">
+                              <a:lumMod val="50000"/>
+                            </a:schemeClr>
+                          </a:solidFill>
+                          <a:latin typeface="Cambria Math" panose="02040503050406030204" pitchFamily="18" charset="0"/>
+                          <a:ea typeface="Cambria Math" panose="02040503050406030204" pitchFamily="18" charset="0"/>
+                        </a:rPr>
+                        <m:t> </m:t>
+                      </m:r>
+                      <m:r>
+                        <a:rPr lang="en-US" sz="2400" b="0" i="1" dirty="0" smtClean="0">
+                          <a:solidFill>
+                            <a:schemeClr val="bg1">
+                              <a:lumMod val="50000"/>
+                            </a:schemeClr>
+                          </a:solidFill>
+                          <a:latin typeface="Cambria Math" panose="02040503050406030204" pitchFamily="18" charset="0"/>
+                          <a:ea typeface="Cambria Math" panose="02040503050406030204" pitchFamily="18" charset="0"/>
+                        </a:rPr>
+                        <m:t>𝑥</m:t>
+                      </m:r>
+                      <m:r>
+                        <a:rPr lang="en-US" sz="2400" b="0" i="1" dirty="0" smtClean="0">
+                          <a:solidFill>
+                            <a:schemeClr val="bg1">
+                              <a:lumMod val="50000"/>
+                            </a:schemeClr>
+                          </a:solidFill>
+                          <a:latin typeface="Cambria Math" panose="02040503050406030204" pitchFamily="18" charset="0"/>
+                          <a:ea typeface="Cambria Math" panose="02040503050406030204" pitchFamily="18" charset="0"/>
+                        </a:rPr>
+                        <m:t>≠</m:t>
+                      </m:r>
+                      <m:r>
+                        <a:rPr lang="en-US" sz="2400" b="0" i="1" dirty="0" smtClean="0">
+                          <a:solidFill>
+                            <a:schemeClr val="bg1">
+                              <a:lumMod val="50000"/>
+                            </a:schemeClr>
+                          </a:solidFill>
+                          <a:latin typeface="Cambria Math" panose="02040503050406030204" pitchFamily="18" charset="0"/>
+                          <a:ea typeface="Cambria Math" panose="02040503050406030204" pitchFamily="18" charset="0"/>
+                        </a:rPr>
+                        <m:t>𝑦</m:t>
+                      </m:r>
+                      <m:r>
+                        <a:rPr lang="en-US" sz="2400" b="0" i="1" dirty="0" smtClean="0">
+                          <a:solidFill>
+                            <a:schemeClr val="bg1">
+                              <a:lumMod val="50000"/>
+                            </a:schemeClr>
+                          </a:solidFill>
+                          <a:latin typeface="Cambria Math" panose="02040503050406030204" pitchFamily="18" charset="0"/>
+                          <a:ea typeface="Cambria Math" panose="02040503050406030204" pitchFamily="18" charset="0"/>
+                        </a:rPr>
+                        <m:t>, </m:t>
+                      </m:r>
+                      <m:r>
+                        <a:rPr lang="en-US" sz="2400" b="0" i="1" dirty="0" smtClean="0">
+                          <a:solidFill>
+                            <a:schemeClr val="bg1">
+                              <a:lumMod val="50000"/>
+                            </a:schemeClr>
+                          </a:solidFill>
+                          <a:latin typeface="Cambria Math" panose="02040503050406030204" pitchFamily="18" charset="0"/>
+                          <a:ea typeface="Cambria Math" panose="02040503050406030204" pitchFamily="18" charset="0"/>
+                        </a:rPr>
+                        <m:t>𝑡h𝑒𝑛</m:t>
+                      </m:r>
+                      <m:r>
+                        <a:rPr lang="en-US" sz="2400" b="0" i="1" dirty="0" smtClean="0">
+                          <a:solidFill>
+                            <a:schemeClr val="bg1">
+                              <a:lumMod val="50000"/>
+                            </a:schemeClr>
+                          </a:solidFill>
+                          <a:latin typeface="Cambria Math" panose="02040503050406030204" pitchFamily="18" charset="0"/>
+                          <a:ea typeface="Cambria Math" panose="02040503050406030204" pitchFamily="18" charset="0"/>
+                        </a:rPr>
+                        <m:t> </m:t>
+                      </m:r>
+                      <m:r>
+                        <a:rPr lang="en-US" sz="2400" b="0" i="1" dirty="0" smtClean="0">
+                          <a:solidFill>
+                            <a:schemeClr val="bg1">
+                              <a:lumMod val="50000"/>
+                            </a:schemeClr>
+                          </a:solidFill>
+                          <a:latin typeface="Cambria Math" panose="02040503050406030204" pitchFamily="18" charset="0"/>
+                          <a:ea typeface="Cambria Math" panose="02040503050406030204" pitchFamily="18" charset="0"/>
+                        </a:rPr>
+                        <m:t>𝑦</m:t>
+                      </m:r>
+                      <m:r>
+                        <a:rPr lang="en-US" sz="2400" b="0" i="1" dirty="0" smtClean="0">
+                          <a:solidFill>
+                            <a:schemeClr val="bg1">
+                              <a:lumMod val="50000"/>
+                            </a:schemeClr>
+                          </a:solidFill>
+                          <a:latin typeface="Cambria Math" panose="02040503050406030204" pitchFamily="18" charset="0"/>
+                          <a:ea typeface="Cambria Math" panose="02040503050406030204" pitchFamily="18" charset="0"/>
+                        </a:rPr>
+                        <m:t>≻</m:t>
+                      </m:r>
+                      <m:r>
+                        <a:rPr lang="en-US" sz="2400" b="0" i="1" dirty="0" smtClean="0">
+                          <a:solidFill>
+                            <a:schemeClr val="bg1">
+                              <a:lumMod val="50000"/>
+                            </a:schemeClr>
+                          </a:solidFill>
+                          <a:latin typeface="Cambria Math" panose="02040503050406030204" pitchFamily="18" charset="0"/>
+                          <a:ea typeface="Cambria Math" panose="02040503050406030204" pitchFamily="18" charset="0"/>
+                        </a:rPr>
+                        <m:t>𝑧</m:t>
+                      </m:r>
+                    </m:oMath>
+                  </m:oMathPara>
+                </a14:m>
+                <a:endParaRPr lang="en-US" altLang="zh-TW" sz="2400" dirty="0">
+                  <a:solidFill>
+                    <a:schemeClr val="bg1">
+                      <a:lumMod val="50000"/>
+                    </a:schemeClr>
+                  </a:solidFill>
+                </a:endParaRPr>
+              </a:p>
+              <a:p>
+                <a:pPr>
+                  <a:spcBef>
+                    <a:spcPts val="1000"/>
+                  </a:spcBef>
+                  <a:defRPr sz="2000">
+                    <a:solidFill>
+                      <a:srgbClr val="000000"/>
+                    </a:solidFill>
+                    <a:latin typeface="Garamond"/>
+                  </a:defRPr>
+                </a:pPr>
+                <a:endParaRPr lang="en-US" altLang="zh-TW" sz="2400" dirty="0"/>
+              </a:p>
+            </p:txBody>
+          </p:sp>
+        </mc:Choice>
+        <mc:Fallback>
+          <p:sp>
+            <p:nvSpPr>
+              <p:cNvPr id="3" name="Content Placeholder 2">
+                <a:extLst>
+                  <a:ext uri="{FF2B5EF4-FFF2-40B4-BE49-F238E27FC236}">
+                    <a16:creationId xmlns:a16="http://schemas.microsoft.com/office/drawing/2014/main" id="{3683897A-5B69-B1F3-E6AF-85AF43C780E2}"/>
+                  </a:ext>
+                </a:extLst>
+              </p:cNvPr>
+              <p:cNvSpPr>
+                <a:spLocks noGrp="1" noRot="1" noChangeAspect="1" noMove="1" noResize="1" noEditPoints="1" noAdjustHandles="1" noChangeArrowheads="1" noChangeShapeType="1" noTextEdit="1"/>
+              </p:cNvSpPr>
+              <p:nvPr>
+                <p:ph idx="1"/>
+              </p:nvPr>
+            </p:nvSpPr>
+            <p:spPr>
+              <a:xfrm>
+                <a:off x="5029199" y="1300900"/>
+                <a:ext cx="6766561" cy="5081046"/>
+              </a:xfrm>
+              <a:blipFill>
+                <a:blip r:embed="rId2"/>
+                <a:stretch>
+                  <a:fillRect l="-1171" t="-959" r="-270"/>
+                </a:stretch>
+              </a:blipFill>
+            </p:spPr>
+            <p:txBody>
+              <a:bodyPr/>
+              <a:lstStyle/>
+              <a:p>
+                <a:r>
+                  <a:rPr lang="en-US">
+                    <a:noFill/>
+                  </a:rPr>
+                  <a:t> </a:t>
+                </a:r>
+              </a:p>
+            </p:txBody>
+          </p:sp>
+        </mc:Fallback>
+      </mc:AlternateContent>
       <p:sp>
         <p:nvSpPr>
           <p:cNvPr id="4" name="Rectangle 3">
@@ -21762,7 +22895,7 @@
                   <a:schemeClr val="bg1"/>
                 </a:solidFill>
               </a:rPr>
-              <a:t>  Axioms of Preference: (Weak) Monotonicity</a:t>
+              <a:t>  Axioms of Preference: Monotonicity</a:t>
             </a:r>
           </a:p>
         </p:txBody>
@@ -21921,7 +23054,7 @@
           <p:nvPr/>
         </p:nvPicPr>
         <p:blipFill>
-          <a:blip r:embed="rId2"/>
+          <a:blip r:embed="rId3"/>
           <a:srcRect/>
           <a:stretch/>
         </p:blipFill>
@@ -22160,6 +23293,110 @@
                                           <p:spTgt spid="3">
                                             <p:txEl>
                                               <p:pRg st="4" end="4"/>
+                                            </p:txEl>
+                                          </p:spTgt>
+                                        </p:tgtEl>
+                                      </p:cBhvr>
+                                    </p:animEffect>
+                                  </p:childTnLst>
+                                </p:cTn>
+                              </p:par>
+                            </p:childTnLst>
+                          </p:cTn>
+                        </p:par>
+                      </p:childTnLst>
+                    </p:cTn>
+                  </p:par>
+                  <p:par>
+                    <p:cTn id="21" fill="hold">
+                      <p:stCondLst>
+                        <p:cond delay="indefinite"/>
+                      </p:stCondLst>
+                      <p:childTnLst>
+                        <p:par>
+                          <p:cTn id="22" fill="hold">
+                            <p:stCondLst>
+                              <p:cond delay="0"/>
+                            </p:stCondLst>
+                            <p:childTnLst>
+                              <p:par>
+                                <p:cTn id="23" presetID="10" presetClass="entr" presetSubtype="0" fill="hold" nodeType="clickEffect">
+                                  <p:stCondLst>
+                                    <p:cond delay="0"/>
+                                  </p:stCondLst>
+                                  <p:childTnLst>
+                                    <p:set>
+                                      <p:cBhvr>
+                                        <p:cTn id="24" dur="1" fill="hold">
+                                          <p:stCondLst>
+                                            <p:cond delay="0"/>
+                                          </p:stCondLst>
+                                        </p:cTn>
+                                        <p:tgtEl>
+                                          <p:spTgt spid="3">
+                                            <p:txEl>
+                                              <p:pRg st="6" end="6"/>
+                                            </p:txEl>
+                                          </p:spTgt>
+                                        </p:tgtEl>
+                                        <p:attrNameLst>
+                                          <p:attrName>style.visibility</p:attrName>
+                                        </p:attrNameLst>
+                                      </p:cBhvr>
+                                      <p:to>
+                                        <p:strVal val="visible"/>
+                                      </p:to>
+                                    </p:set>
+                                    <p:animEffect transition="in" filter="fade">
+                                      <p:cBhvr>
+                                        <p:cTn id="25" dur="500"/>
+                                        <p:tgtEl>
+                                          <p:spTgt spid="3">
+                                            <p:txEl>
+                                              <p:pRg st="6" end="6"/>
+                                            </p:txEl>
+                                          </p:spTgt>
+                                        </p:tgtEl>
+                                      </p:cBhvr>
+                                    </p:animEffect>
+                                  </p:childTnLst>
+                                </p:cTn>
+                              </p:par>
+                              <p:par>
+                                <p:cTn id="26" presetID="10" presetClass="entr" presetSubtype="0" fill="hold" nodeType="withEffect">
+                                  <p:stCondLst>
+                                    <p:cond delay="0"/>
+                                  </p:stCondLst>
+                                  <p:childTnLst>
+                                    <p:set>
+                                      <p:cBhvr>
+                                        <p:cTn id="27" dur="1" fill="hold">
+                                          <p:stCondLst>
+                                            <p:cond delay="0"/>
+                                          </p:stCondLst>
+                                        </p:cTn>
+                                        <p:tgtEl>
+                                          <p:spTgt spid="3">
+                                            <p:txEl>
+                                              <p:pRg st="8" end="8"/>
+                                            </p:txEl>
+                                          </p:spTgt>
+                                        </p:tgtEl>
+                                        <p:attrNameLst>
+                                          <p:attrName>style.visibility</p:attrName>
+                                        </p:attrNameLst>
+                                      </p:cBhvr>
+                                      <p:to>
+                                        <p:strVal val="visible"/>
+                                      </p:to>
+                                    </p:set>
+                                    <p:animEffect transition="in" filter="fade">
+                                      <p:cBhvr>
+                                        <p:cTn id="28" dur="500"/>
+                                        <p:tgtEl>
+                                          <p:spTgt spid="3">
+                                            <p:txEl>
+                                              <p:pRg st="8" end="8"/>
                                             </p:txEl>
                                           </p:spTgt>
                                         </p:tgtEl>
@@ -23277,6 +24514,44 @@
               <a:t>Continuity ensures that indifference curves are smooth and unbroken, rather than having gaps or sudden jumps.</a:t>
             </a:r>
           </a:p>
+          <a:p>
+            <a:pPr lvl="3">
+              <a:spcBef>
+                <a:spcPts val="1000"/>
+              </a:spcBef>
+              <a:defRPr sz="2000">
+                <a:solidFill>
+                  <a:srgbClr val="000000"/>
+                </a:solidFill>
+                <a:latin typeface="Garamond"/>
+              </a:defRPr>
+            </a:pPr>
+            <a:endParaRPr lang="en-US" altLang="zh-TW" sz="1200" dirty="0"/>
+          </a:p>
+          <a:p>
+            <a:pPr>
+              <a:spcBef>
+                <a:spcPts val="1000"/>
+              </a:spcBef>
+              <a:defRPr sz="2000">
+                <a:solidFill>
+                  <a:srgbClr val="000000"/>
+                </a:solidFill>
+                <a:latin typeface="Garamond"/>
+              </a:defRPr>
+            </a:pPr>
+            <a:r>
+              <a:rPr lang="en-US" altLang="zh-TW" sz="2400" dirty="0">
+                <a:solidFill>
+                  <a:schemeClr val="bg1">
+                    <a:lumMod val="50000"/>
+                  </a:schemeClr>
+                </a:solidFill>
+              </a:rPr>
+              <a:t>We are skipping the formal definitions of convexity and continuity, as it is far beyond the scope of this course.</a:t>
+            </a:r>
+            <a:endParaRPr lang="en-US" altLang="zh-TW" sz="2400" dirty="0"/>
+          </a:p>
         </p:txBody>
       </p:sp>
       <p:sp>
@@ -23705,6 +24980,67 @@
                                           <p:spTgt spid="3">
                                             <p:txEl>
                                               <p:pRg st="2" end="2"/>
+                                            </p:txEl>
+                                          </p:spTgt>
+                                        </p:tgtEl>
+                                      </p:cBhvr>
+                                    </p:animEffect>
+                                  </p:childTnLst>
+                                </p:cTn>
+                              </p:par>
+                            </p:childTnLst>
+                          </p:cTn>
+                        </p:par>
+                      </p:childTnLst>
+                    </p:cTn>
+                  </p:par>
+                  <p:par>
+                    <p:cTn id="16" fill="hold">
+                      <p:stCondLst>
+                        <p:cond delay="indefinite"/>
+                      </p:stCondLst>
+                      <p:childTnLst>
+                        <p:par>
+                          <p:cTn id="17" fill="hold">
+                            <p:stCondLst>
+                              <p:cond delay="0"/>
+                            </p:stCondLst>
+                            <p:childTnLst>
+                              <p:par>
+                                <p:cTn id="18" presetID="10" presetClass="entr" presetSubtype="0" fill="hold" nodeType="clickEffect">
+                                  <p:stCondLst>
+                                    <p:cond delay="0"/>
+                                  </p:stCondLst>
+                                  <p:childTnLst>
+                                    <p:set>
+                                      <p:cBhvr>
+                                        <p:cTn id="19" dur="1" fill="hold">
+                                          <p:stCondLst>
+                                            <p:cond delay="0"/>
+                                          </p:stCondLst>
+                                        </p:cTn>
+                                        <p:tgtEl>
+                                          <p:spTgt spid="3">
+                                            <p:txEl>
+                                              <p:pRg st="4" end="4"/>
+                                            </p:txEl>
+                                          </p:spTgt>
+                                        </p:tgtEl>
+                                        <p:attrNameLst>
+                                          <p:attrName>style.visibility</p:attrName>
+                                        </p:attrNameLst>
+                                      </p:cBhvr>
+                                      <p:to>
+                                        <p:strVal val="visible"/>
+                                      </p:to>
+                                    </p:set>
+                                    <p:animEffect transition="in" filter="fade">
+                                      <p:cBhvr>
+                                        <p:cTn id="20" dur="500"/>
+                                        <p:tgtEl>
+                                          <p:spTgt spid="3">
+                                            <p:txEl>
+                                              <p:pRg st="4" end="4"/>
                                             </p:txEl>
                                           </p:spTgt>
                                         </p:tgtEl>
@@ -24465,7 +25801,83 @@
                 </a:pPr>
                 <a:r>
                   <a:rPr lang="en-US" altLang="zh-TW" sz="2400" dirty="0"/>
-                  <a:t>Formally, the MRS is the slope of the indifference curve at point X</a:t>
+                  <a:t>Formally, the MRS is the slope of the indifference curve at point X, </a:t>
+                </a:r>
+                <a14:m>
+                  <m:oMath xmlns:m="http://schemas.openxmlformats.org/officeDocument/2006/math">
+                    <m:sSub>
+                      <m:sSubPr>
+                        <m:ctrlPr>
+                          <a:rPr lang="en-US" altLang="zh-TW" sz="2400" i="1">
+                            <a:latin typeface="Cambria Math" panose="02040503050406030204" pitchFamily="18" charset="0"/>
+                          </a:rPr>
+                        </m:ctrlPr>
+                      </m:sSubPr>
+                      <m:e>
+                        <m:r>
+                          <a:rPr lang="en-US" altLang="zh-TW" sz="2400" b="0" i="1" smtClean="0">
+                            <a:latin typeface="Cambria Math" panose="02040503050406030204" pitchFamily="18" charset="0"/>
+                          </a:rPr>
+                          <m:t>𝑑</m:t>
+                        </m:r>
+                        <m:r>
+                          <a:rPr lang="en-US" altLang="zh-TW" sz="2400" i="1">
+                            <a:latin typeface="Cambria Math" panose="02040503050406030204" pitchFamily="18" charset="0"/>
+                          </a:rPr>
+                          <m:t>𝑥</m:t>
+                        </m:r>
+                      </m:e>
+                      <m:sub>
+                        <m:r>
+                          <a:rPr lang="en-US" altLang="zh-TW" sz="2400" i="1">
+                            <a:latin typeface="Cambria Math" panose="02040503050406030204" pitchFamily="18" charset="0"/>
+                          </a:rPr>
+                          <m:t>2</m:t>
+                        </m:r>
+                      </m:sub>
+                    </m:sSub>
+                    <m:r>
+                      <a:rPr lang="en-US" altLang="zh-TW" sz="2400" i="1">
+                        <a:latin typeface="Cambria Math" panose="02040503050406030204" pitchFamily="18" charset="0"/>
+                      </a:rPr>
+                      <m:t>/</m:t>
+                    </m:r>
+                    <m:sSub>
+                      <m:sSubPr>
+                        <m:ctrlPr>
+                          <a:rPr lang="en-US" altLang="zh-TW" sz="2400" i="1">
+                            <a:latin typeface="Cambria Math" panose="02040503050406030204" pitchFamily="18" charset="0"/>
+                          </a:rPr>
+                        </m:ctrlPr>
+                      </m:sSubPr>
+                      <m:e>
+                        <m:r>
+                          <a:rPr lang="en-US" altLang="zh-TW" sz="2400" b="0" i="1" smtClean="0">
+                            <a:latin typeface="Cambria Math" panose="02040503050406030204" pitchFamily="18" charset="0"/>
+                          </a:rPr>
+                          <m:t>𝑑</m:t>
+                        </m:r>
+                        <m:r>
+                          <a:rPr lang="en-US" altLang="zh-TW" sz="2400" i="1">
+                            <a:latin typeface="Cambria Math" panose="02040503050406030204" pitchFamily="18" charset="0"/>
+                          </a:rPr>
+                          <m:t>𝑥</m:t>
+                        </m:r>
+                      </m:e>
+                      <m:sub>
+                        <m:r>
+                          <a:rPr lang="en-US" altLang="zh-TW" sz="2400" i="1">
+                            <a:latin typeface="Cambria Math" panose="02040503050406030204" pitchFamily="18" charset="0"/>
+                          </a:rPr>
+                          <m:t>1</m:t>
+                        </m:r>
+                      </m:sub>
+                    </m:sSub>
+                  </m:oMath>
+                </a14:m>
+                <a:r>
+                  <a:rPr lang="en-US" altLang="zh-TW" sz="2400" dirty="0"/>
+                  <a:t>.</a:t>
                 </a:r>
               </a:p>
               <a:p>
@@ -25013,7 +26425,11 @@
                                           </p:stCondLst>
                                         </p:cTn>
                                         <p:tgtEl>
-                                          <p:spTgt spid="9"/>
+                                          <p:spTgt spid="3">
+                                            <p:txEl>
+                                              <p:pRg st="2" end="2"/>
+                                            </p:txEl>
+                                          </p:spTgt>
                                         </p:tgtEl>
                                         <p:attrNameLst>
                                           <p:attrName>style.visibility</p:attrName>
@@ -25027,40 +26443,26 @@
                                       <p:cBhvr>
                                         <p:cTn id="10" dur="500"/>
                                         <p:tgtEl>
-                                          <p:spTgt spid="9"/>
+                                          <p:spTgt spid="3">
+                                            <p:txEl>
+                                              <p:pRg st="2" end="2"/>
+                                            </p:txEl>
+                                          </p:spTgt>
                                         </p:tgtEl>
                                       </p:cBhvr>
                                     </p:animEffect>
                                   </p:childTnLst>
                                 </p:cTn>
                               </p:par>
-                            </p:childTnLst>
-                          </p:cTn>
-                        </p:par>
-                      </p:childTnLst>
-                    </p:cTn>
-                  </p:par>
-                  <p:par>
-                    <p:cTn id="11" fill="hold">
-                      <p:stCondLst>
-                        <p:cond delay="indefinite"/>
-                      </p:stCondLst>
-                      <p:childTnLst>
-                        <p:par>
-                          <p:cTn id="12" fill="hold">
-                            <p:stCondLst>
-                              <p:cond delay="0"/>
-                            </p:stCondLst>
-                            <p:childTnLst>
                               <p:par>
-                                <p:cTn id="13" presetID="10" presetClass="entr" presetSubtype="0" fill="hold" nodeType="clickEffect">
+                                <p:cTn id="11" presetID="10" presetClass="entr" presetSubtype="0" fill="hold" nodeType="withEffect">
                                   <p:stCondLst>
                                     <p:cond delay="0"/>
                                   </p:stCondLst>
                                   <p:childTnLst>
                                     <p:set>
                                       <p:cBhvr>
-                                        <p:cTn id="14" dur="1" fill="hold">
+                                        <p:cTn id="12" dur="1" fill="hold">
                                           <p:stCondLst>
                                             <p:cond delay="0"/>
                                           </p:stCondLst>
@@ -25068,7 +26470,7 @@
                                         <p:tgtEl>
                                           <p:spTgt spid="3">
                                             <p:txEl>
-                                              <p:pRg st="2" end="2"/>
+                                              <p:pRg st="3" end="3"/>
                                             </p:txEl>
                                           </p:spTgt>
                                         </p:tgtEl>
@@ -25082,11 +26484,11 @@
                                     </p:set>
                                     <p:animEffect transition="in" filter="fade">
                                       <p:cBhvr>
-                                        <p:cTn id="15" dur="500"/>
+                                        <p:cTn id="13" dur="500"/>
                                         <p:tgtEl>
                                           <p:spTgt spid="3">
                                             <p:txEl>
-                                              <p:pRg st="2" end="2"/>
+                                              <p:pRg st="3" end="3"/>
                                             </p:txEl>
                                           </p:spTgt>
                                         </p:tgtEl>
@@ -25095,33 +26497,15 @@
                                   </p:childTnLst>
                                 </p:cTn>
                               </p:par>
-                            </p:childTnLst>
-                          </p:cTn>
-                        </p:par>
-                      </p:childTnLst>
-                    </p:cTn>
-                  </p:par>
-                  <p:par>
-                    <p:cTn id="16" fill="hold">
-                      <p:stCondLst>
-                        <p:cond delay="indefinite"/>
-                      </p:stCondLst>
-                      <p:childTnLst>
-                        <p:par>
-                          <p:cTn id="17" fill="hold">
-                            <p:stCondLst>
-                              <p:cond delay="0"/>
-                            </p:stCondLst>
-                            <p:childTnLst>
                               <p:par>
-                                <p:cTn id="18" presetID="10" presetClass="entr" presetSubtype="0" fill="hold" nodeType="clickEffect">
+                                <p:cTn id="14" presetID="10" presetClass="entr" presetSubtype="0" fill="hold" nodeType="withEffect">
                                   <p:stCondLst>
                                     <p:cond delay="0"/>
                                   </p:stCondLst>
                                   <p:childTnLst>
                                     <p:set>
                                       <p:cBhvr>
-                                        <p:cTn id="19" dur="1" fill="hold">
+                                        <p:cTn id="15" dur="1" fill="hold">
                                           <p:stCondLst>
                                             <p:cond delay="0"/>
                                           </p:stCondLst>
@@ -25129,7 +26513,7 @@
                                         <p:tgtEl>
                                           <p:spTgt spid="3">
                                             <p:txEl>
-                                              <p:pRg st="3" end="3"/>
+                                              <p:pRg st="4" end="4"/>
                                             </p:txEl>
                                           </p:spTgt>
                                         </p:tgtEl>
@@ -25143,11 +26527,11 @@
                                     </p:set>
                                     <p:animEffect transition="in" filter="fade">
                                       <p:cBhvr>
-                                        <p:cTn id="20" dur="500"/>
+                                        <p:cTn id="16" dur="500"/>
                                         <p:tgtEl>
                                           <p:spTgt spid="3">
                                             <p:txEl>
-                                              <p:pRg st="3" end="3"/>
+                                              <p:pRg st="4" end="4"/>
                                             </p:txEl>
                                           </p:spTgt>
                                         </p:tgtEl>
@@ -25156,32 +26540,100 @@
                                   </p:childTnLst>
                                 </p:cTn>
                               </p:par>
-                            </p:childTnLst>
-                          </p:cTn>
-                        </p:par>
-                      </p:childTnLst>
-                    </p:cTn>
-                  </p:par>
-                  <p:par>
-                    <p:cTn id="21" fill="hold">
-                      <p:stCondLst>
-                        <p:cond delay="indefinite"/>
-                      </p:stCondLst>
-                      <p:childTnLst>
-                        <p:par>
-                          <p:cTn id="22" fill="hold">
-                            <p:stCondLst>
-                              <p:cond delay="0"/>
-                            </p:stCondLst>
-                            <p:childTnLst>
                               <p:par>
-                                <p:cTn id="23" presetID="10" presetClass="entr" presetSubtype="0" fill="hold" nodeType="clickEffect">
+                                <p:cTn id="17" presetID="10" presetClass="entr" presetSubtype="0" fill="hold" nodeType="withEffect">
                                   <p:stCondLst>
                                     <p:cond delay="0"/>
                                   </p:stCondLst>
                                   <p:childTnLst>
                                     <p:set>
                                       <p:cBhvr>
+                                        <p:cTn id="18" dur="1" fill="hold">
+                                          <p:stCondLst>
+                                            <p:cond delay="0"/>
+                                          </p:stCondLst>
+                                        </p:cTn>
+                                        <p:tgtEl>
+                                          <p:spTgt spid="3">
+                                            <p:txEl>
+                                              <p:pRg st="5" end="5"/>
+                                            </p:txEl>
+                                          </p:spTgt>
+                                        </p:tgtEl>
+                                        <p:attrNameLst>
+                                          <p:attrName>style.visibility</p:attrName>
+                                        </p:attrNameLst>
+                                      </p:cBhvr>
+                                      <p:to>
+                                        <p:strVal val="visible"/>
+                                      </p:to>
+                                    </p:set>
+                                    <p:animEffect transition="in" filter="fade">
+                                      <p:cBhvr>
+                                        <p:cTn id="19" dur="500"/>
+                                        <p:tgtEl>
+                                          <p:spTgt spid="3">
+                                            <p:txEl>
+                                              <p:pRg st="5" end="5"/>
+                                            </p:txEl>
+                                          </p:spTgt>
+                                        </p:tgtEl>
+                                      </p:cBhvr>
+                                    </p:animEffect>
+                                  </p:childTnLst>
+                                </p:cTn>
+                              </p:par>
+                              <p:par>
+                                <p:cTn id="20" presetID="10" presetClass="entr" presetSubtype="0" fill="hold" nodeType="withEffect">
+                                  <p:stCondLst>
+                                    <p:cond delay="0"/>
+                                  </p:stCondLst>
+                                  <p:childTnLst>
+                                    <p:set>
+                                      <p:cBhvr>
+                                        <p:cTn id="21" dur="1" fill="hold">
+                                          <p:stCondLst>
+                                            <p:cond delay="0"/>
+                                          </p:stCondLst>
+                                        </p:cTn>
+                                        <p:tgtEl>
+                                          <p:spTgt spid="3">
+                                            <p:txEl>
+                                              <p:pRg st="6" end="6"/>
+                                            </p:txEl>
+                                          </p:spTgt>
+                                        </p:tgtEl>
+                                        <p:attrNameLst>
+                                          <p:attrName>style.visibility</p:attrName>
+                                        </p:attrNameLst>
+                                      </p:cBhvr>
+                                      <p:to>
+                                        <p:strVal val="visible"/>
+                                      </p:to>
+                                    </p:set>
+                                    <p:animEffect transition="in" filter="fade">
+                                      <p:cBhvr>
+                                        <p:cTn id="22" dur="500"/>
+                                        <p:tgtEl>
+                                          <p:spTgt spid="3">
+                                            <p:txEl>
+                                              <p:pRg st="6" end="6"/>
+                                            </p:txEl>
+                                          </p:spTgt>
+                                        </p:tgtEl>
+                                      </p:cBhvr>
+                                    </p:animEffect>
+                                  </p:childTnLst>
+                                </p:cTn>
+                              </p:par>
+                              <p:par>
+                                <p:cTn id="23" presetID="10" presetClass="entr" presetSubtype="0" fill="hold" nodeType="withEffect">
+                                  <p:stCondLst>
+                                    <p:cond delay="0"/>
+                                  </p:stCondLst>
+                                  <p:childTnLst>
+                                    <p:set>
+                                      <p:cBhvr>
                                         <p:cTn id="24" dur="1" fill="hold">
                                           <p:stCondLst>
                                             <p:cond delay="0"/>
@@ -25190,7 +26642,7 @@
                                         <p:tgtEl>
                                           <p:spTgt spid="3">
                                             <p:txEl>
-                                              <p:pRg st="4" end="4"/>
+                                              <p:pRg st="8" end="8"/>
                                             </p:txEl>
                                           </p:spTgt>
                                         </p:tgtEl>
@@ -25208,7 +26660,7 @@
                                         <p:tgtEl>
                                           <p:spTgt spid="3">
                                             <p:txEl>
-                                              <p:pRg st="4" end="4"/>
+                                              <p:pRg st="8" end="8"/>
                                             </p:txEl>
                                           </p:spTgt>
                                         </p:tgtEl>
@@ -25231,7 +26683,7 @@
                                           </p:stCondLst>
                                         </p:cTn>
                                         <p:tgtEl>
-                                          <p:spTgt spid="10"/>
+                                          <p:spTgt spid="9"/>
                                         </p:tgtEl>
                                         <p:attrNameLst>
                                           <p:attrName>style.visibility</p:attrName>
@@ -25245,50 +26697,28 @@
                                       <p:cBhvr>
                                         <p:cTn id="28" dur="500"/>
                                         <p:tgtEl>
-                                          <p:spTgt spid="10"/>
+                                          <p:spTgt spid="9"/>
                                         </p:tgtEl>
                                       </p:cBhvr>
                                     </p:animEffect>
                                   </p:childTnLst>
                                 </p:cTn>
                               </p:par>
-                            </p:childTnLst>
-                          </p:cTn>
-                        </p:par>
-                      </p:childTnLst>
-                    </p:cTn>
-                  </p:par>
-                  <p:par>
-                    <p:cTn id="29" fill="hold">
-                      <p:stCondLst>
-                        <p:cond delay="indefinite"/>
-                      </p:stCondLst>
-                      <p:childTnLst>
-                        <p:par>
-                          <p:cTn id="30" fill="hold">
-                            <p:stCondLst>
-                              <p:cond delay="0"/>
-                            </p:stCondLst>
-                            <p:childTnLst>
                               <p:par>
-                                <p:cTn id="31" presetID="10" presetClass="entr" presetSubtype="0" fill="hold" nodeType="clickEffect">
+                                <p:cTn id="29" presetID="10" presetClass="entr" presetSubtype="0" fill="hold" nodeType="withEffect">
                                   <p:stCondLst>
                                     <p:cond delay="0"/>
                                   </p:stCondLst>
                                   <p:childTnLst>
                                     <p:set>
                                       <p:cBhvr>
-                                        <p:cTn id="32" dur="1" fill="hold">
+                                        <p:cTn id="30" dur="1" fill="hold">
                                           <p:stCondLst>
                                             <p:cond delay="0"/>
                                           </p:stCondLst>
                                         </p:cTn>
                                         <p:tgtEl>
-                                          <p:spTgt spid="3">
-                                            <p:txEl>
-                                              <p:pRg st="5" end="5"/>
-                                            </p:txEl>
-                                          </p:spTgt>
+                                          <p:spTgt spid="10"/>
                                         </p:tgtEl>
                                         <p:attrNameLst>
                                           <p:attrName>style.visibility</p:attrName>
@@ -25300,13 +26730,9 @@
                                     </p:set>
                                     <p:animEffect transition="in" filter="fade">
                                       <p:cBhvr>
-                                        <p:cTn id="33" dur="500"/>
-                                        <p:tgtEl>
-                                          <p:spTgt spid="3">
-                                            <p:txEl>
-                                              <p:pRg st="5" end="5"/>
-                                            </p:txEl>
-                                          </p:spTgt>
+                                        <p:cTn id="31" dur="500"/>
+                                        <p:tgtEl>
+                                          <p:spTgt spid="10"/>
                                         </p:tgtEl>
                                       </p:cBhvr>
                                     </p:animEffect>
@@ -25314,14 +26740,14 @@
                                 </p:cTn>
                               </p:par>
                               <p:par>
-                                <p:cTn id="34" presetID="10" presetClass="entr" presetSubtype="0" fill="hold" nodeType="withEffect">
+                                <p:cTn id="32" presetID="10" presetClass="entr" presetSubtype="0" fill="hold" nodeType="withEffect">
                                   <p:stCondLst>
                                     <p:cond delay="0"/>
                                   </p:stCondLst>
                                   <p:childTnLst>
                                     <p:set>
                                       <p:cBhvr>
-                                        <p:cTn id="35" dur="1" fill="hold">
+                                        <p:cTn id="33" dur="1" fill="hold">
                                           <p:stCondLst>
                                             <p:cond delay="0"/>
                                           </p:stCondLst>
@@ -25339,7 +26765,7 @@
                                     </p:set>
                                     <p:animEffect transition="in" filter="fade">
                                       <p:cBhvr>
-                                        <p:cTn id="36" dur="500"/>
+                                        <p:cTn id="34" dur="500"/>
                                         <p:tgtEl>
                                           <p:spTgt spid="12"/>
                                         </p:tgtEl>
@@ -25348,43 +26774,21 @@
                                   </p:childTnLst>
                                 </p:cTn>
                               </p:par>
-                            </p:childTnLst>
-                          </p:cTn>
-                        </p:par>
-                      </p:childTnLst>
-                    </p:cTn>
-                  </p:par>
-                  <p:par>
-                    <p:cTn id="37" fill="hold">
-                      <p:stCondLst>
-                        <p:cond delay="indefinite"/>
-                      </p:stCondLst>
-                      <p:childTnLst>
-                        <p:par>
-                          <p:cTn id="38" fill="hold">
-                            <p:stCondLst>
-                              <p:cond delay="0"/>
-                            </p:stCondLst>
-                            <p:childTnLst>
                               <p:par>
-                                <p:cTn id="39" presetID="10" presetClass="entr" presetSubtype="0" fill="hold" nodeType="clickEffect">
+                                <p:cTn id="35" presetID="10" presetClass="entr" presetSubtype="0" fill="hold" nodeType="withEffect">
                                   <p:stCondLst>
                                     <p:cond delay="0"/>
                                   </p:stCondLst>
                                   <p:childTnLst>
                                     <p:set>
                                       <p:cBhvr>
-                                        <p:cTn id="40" dur="1" fill="hold">
+                                        <p:cTn id="36" dur="1" fill="hold">
                                           <p:stCondLst>
                                             <p:cond delay="0"/>
                                           </p:stCondLst>
                                         </p:cTn>
                                         <p:tgtEl>
-                                          <p:spTgt spid="3">
-                                            <p:txEl>
-                                              <p:pRg st="6" end="6"/>
-                                            </p:txEl>
-                                          </p:spTgt>
+                                          <p:spTgt spid="14"/>
                                         </p:tgtEl>
                                         <p:attrNameLst>
                                           <p:attrName>style.visibility</p:attrName>
@@ -25396,109 +26800,9 @@
                                     </p:set>
                                     <p:animEffect transition="in" filter="fade">
                                       <p:cBhvr>
-                                        <p:cTn id="41" dur="500"/>
-                                        <p:tgtEl>
-                                          <p:spTgt spid="3">
-                                            <p:txEl>
-                                              <p:pRg st="6" end="6"/>
-                                            </p:txEl>
-                                          </p:spTgt>
-                                        </p:tgtEl>
-                                      </p:cBhvr>
-                                    </p:animEffect>
-                                  </p:childTnLst>
-                                </p:cTn>
-                              </p:par>
-                              <p:par>
-                                <p:cTn id="42" presetID="10" presetClass="entr" presetSubtype="0" fill="hold" nodeType="withEffect">
-                                  <p:stCondLst>
-                                    <p:cond delay="0"/>
-                                  </p:stCondLst>
-                                  <p:childTnLst>
-                                    <p:set>
-                                      <p:cBhvr>
-                                        <p:cTn id="43" dur="1" fill="hold">
-                                          <p:stCondLst>
-                                            <p:cond delay="0"/>
-                                          </p:stCondLst>
-                                        </p:cTn>
+                                        <p:cTn id="37" dur="500"/>
                                         <p:tgtEl>
                                           <p:spTgt spid="14"/>
-                                        </p:tgtEl>
-                                        <p:attrNameLst>
-                                          <p:attrName>style.visibility</p:attrName>
-                                        </p:attrNameLst>
-                                      </p:cBhvr>
-                                      <p:to>
-                                        <p:strVal val="visible"/>
-                                      </p:to>
-                                    </p:set>
-                                    <p:animEffect transition="in" filter="fade">
-                                      <p:cBhvr>
-                                        <p:cTn id="44" dur="500"/>
-                                        <p:tgtEl>
-                                          <p:spTgt spid="14"/>
-                                        </p:tgtEl>
-                                      </p:cBhvr>
-                                    </p:animEffect>
-                                  </p:childTnLst>
-                                </p:cTn>
-                              </p:par>
-                            </p:childTnLst>
-                          </p:cTn>
-                        </p:par>
-                      </p:childTnLst>
-                    </p:cTn>
-                  </p:par>
-                  <p:par>
-                    <p:cTn id="45" fill="hold">
-                      <p:stCondLst>
-                        <p:cond delay="indefinite"/>
-                      </p:stCondLst>
-                      <p:childTnLst>
-                        <p:par>
-                          <p:cTn id="46" fill="hold">
-                            <p:stCondLst>
-                              <p:cond delay="0"/>
-                            </p:stCondLst>
-                            <p:childTnLst>
-                              <p:par>
-                                <p:cTn id="47" presetID="10" presetClass="entr" presetSubtype="0" fill="hold" nodeType="clickEffect">
-                                  <p:stCondLst>
-                                    <p:cond delay="0"/>
-                                  </p:stCondLst>
-                                  <p:childTnLst>
-                                    <p:set>
-                                      <p:cBhvr>
-                                        <p:cTn id="48" dur="1" fill="hold">
-                                          <p:stCondLst>
-                                            <p:cond delay="0"/>
-                                          </p:stCondLst>
-                                        </p:cTn>
-                                        <p:tgtEl>
-                                          <p:spTgt spid="3">
-                                            <p:txEl>
-                                              <p:pRg st="8" end="8"/>
-                                            </p:txEl>
-                                          </p:spTgt>
-                                        </p:tgtEl>
-                                        <p:attrNameLst>
-                                          <p:attrName>style.visibility</p:attrName>
-                                        </p:attrNameLst>
-                                      </p:cBhvr>
-                                      <p:to>
-                                        <p:strVal val="visible"/>
-                                      </p:to>
-                                    </p:set>
-                                    <p:animEffect transition="in" filter="fade">
-                                      <p:cBhvr>
-                                        <p:cTn id="49" dur="500"/>
-                                        <p:tgtEl>
-                                          <p:spTgt spid="3">
-                                            <p:txEl>
-                                              <p:pRg st="8" end="8"/>
-                                            </p:txEl>
-                                          </p:spTgt>
                                         </p:tgtEl>
                                       </p:cBhvr>
                                     </p:animEffect>
@@ -25701,7 +27005,83 @@
                 </a14:m>
                 <a:r>
                   <a:rPr lang="en-US" altLang="zh-TW" sz="2000" dirty="0"/>
-                  <a:t> approaches the slope of the indifference curve.</a:t>
+                  <a:t> approaches the slope of the indifference curve, </a:t>
+                </a:r>
+                <a14:m>
+                  <m:oMath xmlns:m="http://schemas.openxmlformats.org/officeDocument/2006/math">
+                    <m:sSub>
+                      <m:sSubPr>
+                        <m:ctrlPr>
+                          <a:rPr lang="en-US" altLang="zh-TW" sz="2000" i="1">
+                            <a:latin typeface="Cambria Math" panose="02040503050406030204" pitchFamily="18" charset="0"/>
+                          </a:rPr>
+                        </m:ctrlPr>
+                      </m:sSubPr>
+                      <m:e>
+                        <m:r>
+                          <a:rPr lang="en-US" altLang="zh-TW" sz="2000" b="0" i="1" smtClean="0">
+                            <a:latin typeface="Cambria Math" panose="02040503050406030204" pitchFamily="18" charset="0"/>
+                          </a:rPr>
+                          <m:t>𝑑</m:t>
+                        </m:r>
+                        <m:r>
+                          <a:rPr lang="en-US" altLang="zh-TW" sz="2000" i="1">
+                            <a:latin typeface="Cambria Math" panose="02040503050406030204" pitchFamily="18" charset="0"/>
+                          </a:rPr>
+                          <m:t>𝑥</m:t>
+                        </m:r>
+                      </m:e>
+                      <m:sub>
+                        <m:r>
+                          <a:rPr lang="en-US" altLang="zh-TW" sz="2000" i="1">
+                            <a:latin typeface="Cambria Math" panose="02040503050406030204" pitchFamily="18" charset="0"/>
+                          </a:rPr>
+                          <m:t>2</m:t>
+                        </m:r>
+                      </m:sub>
+                    </m:sSub>
+                    <m:r>
+                      <a:rPr lang="en-US" altLang="zh-TW" sz="2000" i="1">
+                        <a:latin typeface="Cambria Math" panose="02040503050406030204" pitchFamily="18" charset="0"/>
+                      </a:rPr>
+                      <m:t>/</m:t>
+                    </m:r>
+                    <m:sSub>
+                      <m:sSubPr>
+                        <m:ctrlPr>
+                          <a:rPr lang="en-US" altLang="zh-TW" sz="2000" i="1">
+                            <a:latin typeface="Cambria Math" panose="02040503050406030204" pitchFamily="18" charset="0"/>
+                          </a:rPr>
+                        </m:ctrlPr>
+                      </m:sSubPr>
+                      <m:e>
+                        <m:r>
+                          <a:rPr lang="en-US" altLang="zh-TW" sz="2000" b="0" i="1" smtClean="0">
+                            <a:latin typeface="Cambria Math" panose="02040503050406030204" pitchFamily="18" charset="0"/>
+                          </a:rPr>
+                          <m:t>𝑑</m:t>
+                        </m:r>
+                        <m:r>
+                          <a:rPr lang="en-US" altLang="zh-TW" sz="2000" i="1">
+                            <a:latin typeface="Cambria Math" panose="02040503050406030204" pitchFamily="18" charset="0"/>
+                          </a:rPr>
+                          <m:t>𝑥</m:t>
+                        </m:r>
+                      </m:e>
+                      <m:sub>
+                        <m:r>
+                          <a:rPr lang="en-US" altLang="zh-TW" sz="2000" i="1">
+                            <a:latin typeface="Cambria Math" panose="02040503050406030204" pitchFamily="18" charset="0"/>
+                          </a:rPr>
+                          <m:t>1</m:t>
+                        </m:r>
+                      </m:sub>
+                    </m:sSub>
+                  </m:oMath>
+                </a14:m>
+                <a:r>
+                  <a:rPr lang="en-US" altLang="zh-TW" sz="2000" dirty="0"/>
+                  <a:t>.</a:t>
                 </a:r>
               </a:p>
               <a:p>
@@ -26143,7 +27523,7 @@
                                         <p:tgtEl>
                                           <p:spTgt spid="3">
                                             <p:txEl>
-                                              <p:pRg st="3" end="3"/>
+                                              <p:pRg st="0" end="0"/>
                                             </p:txEl>
                                           </p:spTgt>
                                         </p:tgtEl>
@@ -26161,7 +27541,7 @@
                                         <p:tgtEl>
                                           <p:spTgt spid="3">
                                             <p:txEl>
-                                              <p:pRg st="3" end="3"/>
+                                              <p:pRg st="0" end="0"/>
                                             </p:txEl>
                                           </p:spTgt>
                                         </p:tgtEl>
@@ -26186,7 +27566,7 @@
                                         <p:tgtEl>
                                           <p:spTgt spid="3">
                                             <p:txEl>
-                                              <p:pRg st="0" end="0"/>
+                                              <p:pRg st="1" end="1"/>
                                             </p:txEl>
                                           </p:spTgt>
                                         </p:tgtEl>
@@ -26204,7 +27584,7 @@
                                         <p:tgtEl>
                                           <p:spTgt spid="3">
                                             <p:txEl>
-                                              <p:pRg st="0" end="0"/>
+                                              <p:pRg st="1" end="1"/>
                                             </p:txEl>
                                           </p:spTgt>
                                         </p:tgtEl>
@@ -26213,33 +27593,15 @@
                                   </p:childTnLst>
                                 </p:cTn>
                               </p:par>
-                            </p:childTnLst>
-                          </p:cTn>
-                        </p:par>
-                      </p:childTnLst>
-                    </p:cTn>
-                  </p:par>
-                  <p:par>
-                    <p:cTn id="11" fill="hold">
-                      <p:stCondLst>
-                        <p:cond delay="indefinite"/>
-                      </p:stCondLst>
-                      <p:childTnLst>
-                        <p:par>
-                          <p:cTn id="12" fill="hold">
-                            <p:stCondLst>
-                              <p:cond delay="0"/>
-                            </p:stCondLst>
-                            <p:childTnLst>
                               <p:par>
-                                <p:cTn id="13" presetID="10" presetClass="entr" presetSubtype="0" fill="hold" nodeType="clickEffect">
+                                <p:cTn id="11" presetID="10" presetClass="entr" presetSubtype="0" fill="hold" nodeType="withEffect">
                                   <p:stCondLst>
                                     <p:cond delay="0"/>
                                   </p:stCondLst>
                                   <p:childTnLst>
                                     <p:set>
                                       <p:cBhvr>
-                                        <p:cTn id="14" dur="1" fill="hold">
+                                        <p:cTn id="12" dur="1" fill="hold">
                                           <p:stCondLst>
                                             <p:cond delay="0"/>
                                           </p:stCondLst>
@@ -26247,7 +27609,7 @@
                                         <p:tgtEl>
                                           <p:spTgt spid="3">
                                             <p:txEl>
-                                              <p:pRg st="1" end="1"/>
+                                              <p:pRg st="3" end="3"/>
                                             </p:txEl>
                                           </p:spTgt>
                                         </p:tgtEl>
@@ -26261,11 +27623,11 @@
                                     </p:set>
                                     <p:animEffect transition="in" filter="fade">
                                       <p:cBhvr>
-                                        <p:cTn id="15" dur="500"/>
+                                        <p:cTn id="13" dur="500"/>
                                         <p:tgtEl>
                                           <p:spTgt spid="3">
                                             <p:txEl>
-                                              <p:pRg st="1" end="1"/>
+                                              <p:pRg st="3" end="3"/>
                                             </p:txEl>
                                           </p:spTgt>
                                         </p:tgtEl>
@@ -26275,14 +27637,14 @@
                                 </p:cTn>
                               </p:par>
                               <p:par>
-                                <p:cTn id="16" presetID="10" presetClass="entr" presetSubtype="0" fill="hold" nodeType="withEffect">
+                                <p:cTn id="14" presetID="10" presetClass="entr" presetSubtype="0" fill="hold" nodeType="withEffect">
                                   <p:stCondLst>
                                     <p:cond delay="0"/>
                                   </p:stCondLst>
                                   <p:childTnLst>
                                     <p:set>
                                       <p:cBhvr>
-                                        <p:cTn id="17" dur="1" fill="hold">
+                                        <p:cTn id="15" dur="1" fill="hold">
                                           <p:stCondLst>
                                             <p:cond delay="0"/>
                                           </p:stCondLst>
@@ -26304,7 +27666,7 @@
                                     </p:set>
                                     <p:animEffect transition="in" filter="fade">
                                       <p:cBhvr>
-                                        <p:cTn id="18" dur="500"/>
+                                        <p:cTn id="16" dur="500"/>
                                         <p:tgtEl>
                                           <p:spTgt spid="3">
                                             <p:txEl>
@@ -26317,33 +27679,15 @@
                                   </p:childTnLst>
                                 </p:cTn>
                               </p:par>
-                            </p:childTnLst>
-                          </p:cTn>
-                        </p:par>
-                      </p:childTnLst>
-                    </p:cTn>
-                  </p:par>
-                  <p:par>
-                    <p:cTn id="19" fill="hold">
-                      <p:stCondLst>
-                        <p:cond delay="indefinite"/>
-                      </p:stCondLst>
-                      <p:childTnLst>
-                        <p:par>
-                          <p:cTn id="20" fill="hold">
-                            <p:stCondLst>
-                              <p:cond delay="0"/>
-                            </p:stCondLst>
-                            <p:childTnLst>
                               <p:par>
-                                <p:cTn id="21" presetID="10" presetClass="entr" presetSubtype="0" fill="hold" nodeType="clickEffect">
+                                <p:cTn id="17" presetID="10" presetClass="entr" presetSubtype="0" fill="hold" nodeType="withEffect">
                                   <p:stCondLst>
                                     <p:cond delay="0"/>
                                   </p:stCondLst>
                                   <p:childTnLst>
                                     <p:set>
                                       <p:cBhvr>
-                                        <p:cTn id="22" dur="1" fill="hold">
+                                        <p:cTn id="18" dur="1" fill="hold">
                                           <p:stCondLst>
                                             <p:cond delay="0"/>
                                           </p:stCondLst>
@@ -26365,7 +27709,7 @@
                                     </p:set>
                                     <p:animEffect transition="in" filter="fade">
                                       <p:cBhvr>
-                                        <p:cTn id="23" dur="500"/>
+                                        <p:cTn id="19" dur="500"/>
                                         <p:tgtEl>
                                           <p:spTgt spid="3">
                                             <p:txEl>
@@ -26378,33 +27722,15 @@
                                   </p:childTnLst>
                                 </p:cTn>
                               </p:par>
-                            </p:childTnLst>
-                          </p:cTn>
-                        </p:par>
-                      </p:childTnLst>
-                    </p:cTn>
-                  </p:par>
-                  <p:par>
-                    <p:cTn id="24" fill="hold">
-                      <p:stCondLst>
-                        <p:cond delay="indefinite"/>
-                      </p:stCondLst>
-                      <p:childTnLst>
-                        <p:par>
-                          <p:cTn id="25" fill="hold">
-                            <p:stCondLst>
-                              <p:cond delay="0"/>
-                            </p:stCondLst>
-                            <p:childTnLst>
                               <p:par>
-                                <p:cTn id="26" presetID="10" presetClass="entr" presetSubtype="0" fill="hold" nodeType="clickEffect">
+                                <p:cTn id="20" presetID="10" presetClass="entr" presetSubtype="0" fill="hold" nodeType="withEffect">
                                   <p:stCondLst>
                                     <p:cond delay="0"/>
                                   </p:stCondLst>
                                   <p:childTnLst>
                                     <p:set>
                                       <p:cBhvr>
-                                        <p:cTn id="27" dur="1" fill="hold">
+                                        <p:cTn id="21" dur="1" fill="hold">
                                           <p:stCondLst>
                                             <p:cond delay="0"/>
                                           </p:stCondLst>
@@ -26426,7 +27752,7 @@
                                     </p:set>
                                     <p:animEffect transition="in" filter="fade">
                                       <p:cBhvr>
-                                        <p:cTn id="28" dur="500"/>
+                                        <p:cTn id="22" dur="500"/>
                                         <p:tgtEl>
                                           <p:spTgt spid="3">
                                             <p:txEl>
@@ -26690,7 +28016,7 @@
                   <a:schemeClr val="bg1"/>
                 </a:solidFill>
               </a:rPr>
-              <a:t>  Behavior of MRS</a:t>
+              <a:t>  Diminishing MRS</a:t>
             </a:r>
           </a:p>
         </p:txBody>
@@ -28388,7 +29714,15 @@
             </a:pPr>
             <a:r>
               <a:rPr lang="en-US" altLang="zh-TW" sz="2000" dirty="0"/>
-              <a:t>Axioms: Completeness, Reflexivity, Transitivity, (Weak) Monotonicity, Convexity, and Continuity</a:t>
+              <a:t>Axioms: Completeness, Reflexivity, Transitivity</a:t>
+            </a:r>
+            <a:r>
+              <a:rPr lang="en-US" altLang="zh-TW" sz="2000"/>
+              <a:t>, Monotonicity</a:t>
+            </a:r>
+            <a:r>
+              <a:rPr lang="en-US" altLang="zh-TW" sz="2000" dirty="0"/>
+              <a:t>, Convexity, and Continuity</a:t>
             </a:r>
           </a:p>
           <a:p>
@@ -30962,61 +32296,6 @@
                   <a:rPr lang="en-US" altLang="zh-TW" sz="2400" dirty="0"/>
                   <a:t>We need a method to formally express these outcomes.</a:t>
                 </a:r>
-              </a:p>
-              <a:p>
-                <a:pPr lvl="4">
-                  <a:spcBef>
-                    <a:spcPts val="1000"/>
-                  </a:spcBef>
-                  <a:defRPr sz="2000">
-                    <a:solidFill>
-                      <a:srgbClr val="000000"/>
-                    </a:solidFill>
-                    <a:latin typeface="Garamond"/>
-                  </a:defRPr>
-                </a:pPr>
-                <a:endParaRPr lang="en-US" altLang="zh-TW" sz="1200" dirty="0"/>
-              </a:p>
-              <a:p>
-                <a:pPr>
-                  <a:spcBef>
-                    <a:spcPts val="1000"/>
-                  </a:spcBef>
-                  <a:defRPr sz="2000">
-                    <a:solidFill>
-                      <a:srgbClr val="000000"/>
-                    </a:solidFill>
-                    <a:latin typeface="Garamond"/>
-                  </a:defRPr>
-                </a:pPr>
-                <a:endParaRPr lang="en-US" altLang="zh-TW" sz="2400" dirty="0"/>
-              </a:p>
-              <a:p>
-                <a:pPr lvl="1">
-                  <a:spcBef>
-                    <a:spcPts val="1000"/>
-                  </a:spcBef>
-                  <a:defRPr sz="2000">
-                    <a:solidFill>
-                      <a:srgbClr val="000000"/>
-                    </a:solidFill>
-                    <a:latin typeface="Garamond"/>
-                  </a:defRPr>
-                </a:pPr>
-                <a:endParaRPr lang="en-US" altLang="zh-TW" sz="2000" dirty="0"/>
-              </a:p>
-              <a:p>
-                <a:pPr lvl="1">
-                  <a:spcBef>
-                    <a:spcPts val="1000"/>
-                  </a:spcBef>
-                  <a:defRPr sz="2000">
-                    <a:solidFill>
-                      <a:srgbClr val="000000"/>
-                    </a:solidFill>
-                    <a:latin typeface="Garamond"/>
-                  </a:defRPr>
-                </a:pPr>
                 <a:endParaRPr lang="en-US" altLang="zh-TW" sz="2000" dirty="0"/>
               </a:p>
             </p:txBody>
@@ -31799,8 +33078,8 @@
           <a:chExt cx="0" cy="0"/>
         </a:xfrm>
       </p:grpSpPr>
-      <mc:AlternateContent xmlns:mc="http://schemas.openxmlformats.org/markup-compatibility/2006" xmlns:a14="http://schemas.microsoft.com/office/drawing/2010/main">
-        <mc:Choice Requires="a14">
+      <mc:AlternateContent xmlns:mc="http://schemas.openxmlformats.org/markup-compatibility/2006">
+        <mc:Choice xmlns:a14="http://schemas.microsoft.com/office/drawing/2010/main" Requires="a14">
           <p:sp>
             <p:nvSpPr>
               <p:cNvPr id="3" name="Content Placeholder 2">
@@ -31844,6 +33123,839 @@
                   <a:rPr lang="en-US" altLang="zh-TW" sz="2400" dirty="0"/>
                   <a:t>Formal preference notation:</a:t>
                 </a:r>
+              </a:p>
+              <a:p>
+                <a:pPr lvl="1">
+                  <a:spcBef>
+                    <a:spcPts val="1000"/>
+                  </a:spcBef>
+                  <a:defRPr sz="2000">
+                    <a:solidFill>
+                      <a:srgbClr val="000000"/>
+                    </a:solidFill>
+                    <a:latin typeface="Garamond"/>
+                  </a:defRPr>
+                </a:pPr>
+                <a14:m>
+                  <m:oMath xmlns:m="http://schemas.openxmlformats.org/officeDocument/2006/math">
+                    <m:r>
+                      <a:rPr lang="en-US" altLang="zh-TW" sz="2000" i="1">
+                        <a:latin typeface="Cambria Math" panose="02040503050406030204" pitchFamily="18" charset="0"/>
+                      </a:rPr>
+                      <m:t>(</m:t>
+                    </m:r>
+                    <m:sSub>
+                      <m:sSubPr>
+                        <m:ctrlPr>
+                          <a:rPr lang="en-US" altLang="zh-TW" sz="2000" i="1">
+                            <a:latin typeface="Cambria Math" panose="02040503050406030204" pitchFamily="18" charset="0"/>
+                          </a:rPr>
+                        </m:ctrlPr>
+                      </m:sSubPr>
+                      <m:e>
+                        <m:r>
+                          <a:rPr lang="en-US" altLang="zh-TW" sz="2000" i="1">
+                            <a:latin typeface="Cambria Math" panose="02040503050406030204" pitchFamily="18" charset="0"/>
+                          </a:rPr>
+                          <m:t>𝑥</m:t>
+                        </m:r>
+                      </m:e>
+                      <m:sub>
+                        <m:r>
+                          <a:rPr lang="en-US" altLang="zh-TW" sz="2000" i="1">
+                            <a:latin typeface="Cambria Math" panose="02040503050406030204" pitchFamily="18" charset="0"/>
+                          </a:rPr>
+                          <m:t>1</m:t>
+                        </m:r>
+                      </m:sub>
+                    </m:sSub>
+                    <m:r>
+                      <a:rPr lang="en-US" altLang="zh-TW" sz="2000" i="1">
+                        <a:latin typeface="Cambria Math" panose="02040503050406030204" pitchFamily="18" charset="0"/>
+                      </a:rPr>
+                      <m:t>,</m:t>
+                    </m:r>
+                    <m:sSub>
+                      <m:sSubPr>
+                        <m:ctrlPr>
+                          <a:rPr lang="en-US" altLang="zh-TW" sz="2000" i="1">
+                            <a:latin typeface="Cambria Math" panose="02040503050406030204" pitchFamily="18" charset="0"/>
+                          </a:rPr>
+                        </m:ctrlPr>
+                      </m:sSubPr>
+                      <m:e>
+                        <m:r>
+                          <a:rPr lang="en-US" altLang="zh-TW" sz="2000" i="1">
+                            <a:latin typeface="Cambria Math" panose="02040503050406030204" pitchFamily="18" charset="0"/>
+                          </a:rPr>
+                          <m:t>𝑥</m:t>
+                        </m:r>
+                      </m:e>
+                      <m:sub>
+                        <m:r>
+                          <a:rPr lang="en-US" altLang="zh-TW" sz="2000" i="1">
+                            <a:latin typeface="Cambria Math" panose="02040503050406030204" pitchFamily="18" charset="0"/>
+                          </a:rPr>
+                          <m:t>2</m:t>
+                        </m:r>
+                      </m:sub>
+                    </m:sSub>
+                    <m:r>
+                      <a:rPr lang="en-US" altLang="zh-TW" sz="2000" i="1">
+                        <a:latin typeface="Cambria Math" panose="02040503050406030204" pitchFamily="18" charset="0"/>
+                      </a:rPr>
+                      <m:t>)</m:t>
+                    </m:r>
+                    <m:r>
+                      <a:rPr lang="en-US" b="1" i="1" dirty="0">
+                        <a:latin typeface="Cambria Math" panose="02040503050406030204" pitchFamily="18" charset="0"/>
+                        <a:ea typeface="Cambria Math" panose="02040503050406030204" pitchFamily="18" charset="0"/>
+                      </a:rPr>
+                      <m:t>≿</m:t>
+                    </m:r>
+                    <m:r>
+                      <a:rPr lang="en-US" altLang="zh-TW" sz="2000" i="1">
+                        <a:latin typeface="Cambria Math" panose="02040503050406030204" pitchFamily="18" charset="0"/>
+                      </a:rPr>
+                      <m:t>(</m:t>
+                    </m:r>
+                    <m:sSub>
+                      <m:sSubPr>
+                        <m:ctrlPr>
+                          <a:rPr lang="en-US" altLang="zh-TW" sz="2000" i="1">
+                            <a:latin typeface="Cambria Math" panose="02040503050406030204" pitchFamily="18" charset="0"/>
+                          </a:rPr>
+                        </m:ctrlPr>
+                      </m:sSubPr>
+                      <m:e>
+                        <m:r>
+                          <a:rPr lang="en-US" altLang="zh-TW" sz="2000" i="1">
+                            <a:latin typeface="Cambria Math" panose="02040503050406030204" pitchFamily="18" charset="0"/>
+                          </a:rPr>
+                          <m:t>𝑦</m:t>
+                        </m:r>
+                      </m:e>
+                      <m:sub>
+                        <m:r>
+                          <a:rPr lang="en-US" altLang="zh-TW" sz="2000" i="1">
+                            <a:latin typeface="Cambria Math" panose="02040503050406030204" pitchFamily="18" charset="0"/>
+                          </a:rPr>
+                          <m:t>1</m:t>
+                        </m:r>
+                      </m:sub>
+                    </m:sSub>
+                    <m:r>
+                      <a:rPr lang="en-US" altLang="zh-TW" sz="2000" i="1">
+                        <a:latin typeface="Cambria Math" panose="02040503050406030204" pitchFamily="18" charset="0"/>
+                      </a:rPr>
+                      <m:t>,</m:t>
+                    </m:r>
+                    <m:sSub>
+                      <m:sSubPr>
+                        <m:ctrlPr>
+                          <a:rPr lang="en-US" altLang="zh-TW" sz="2000" i="1">
+                            <a:latin typeface="Cambria Math" panose="02040503050406030204" pitchFamily="18" charset="0"/>
+                          </a:rPr>
+                        </m:ctrlPr>
+                      </m:sSubPr>
+                      <m:e>
+                        <m:r>
+                          <a:rPr lang="en-US" altLang="zh-TW" sz="2000" i="1">
+                            <a:latin typeface="Cambria Math" panose="02040503050406030204" pitchFamily="18" charset="0"/>
+                          </a:rPr>
+                          <m:t>𝑦</m:t>
+                        </m:r>
+                      </m:e>
+                      <m:sub>
+                        <m:r>
+                          <a:rPr lang="en-US" altLang="zh-TW" sz="2000" i="1">
+                            <a:latin typeface="Cambria Math" panose="02040503050406030204" pitchFamily="18" charset="0"/>
+                          </a:rPr>
+                          <m:t>2</m:t>
+                        </m:r>
+                      </m:sub>
+                    </m:sSub>
+                    <m:r>
+                      <a:rPr lang="en-US" altLang="zh-TW" sz="2000" i="1">
+                        <a:latin typeface="Cambria Math" panose="02040503050406030204" pitchFamily="18" charset="0"/>
+                      </a:rPr>
+                      <m:t>)</m:t>
+                    </m:r>
+                  </m:oMath>
+                </a14:m>
+                <a:r>
+                  <a:rPr lang="en-US" altLang="zh-TW" sz="2000" dirty="0"/>
+                  <a:t>: The consumer </a:t>
+                </a:r>
+                <a:r>
+                  <a:rPr lang="en-US" altLang="zh-TW" sz="2000" b="1" dirty="0"/>
+                  <a:t>weakly prefers</a:t>
+                </a:r>
+                <a:r>
+                  <a:rPr lang="en-US" altLang="zh-TW" sz="2000" dirty="0"/>
+                  <a:t> </a:t>
+                </a:r>
+                <a14:m>
+                  <m:oMath xmlns:m="http://schemas.openxmlformats.org/officeDocument/2006/math">
+                    <m:d>
+                      <m:dPr>
+                        <m:ctrlPr>
+                          <a:rPr lang="en-US" altLang="zh-TW" sz="2000" i="1">
+                            <a:latin typeface="Cambria Math" panose="02040503050406030204" pitchFamily="18" charset="0"/>
+                          </a:rPr>
+                        </m:ctrlPr>
+                      </m:dPr>
+                      <m:e>
+                        <m:sSub>
+                          <m:sSubPr>
+                            <m:ctrlPr>
+                              <a:rPr lang="en-US" altLang="zh-TW" sz="2000" i="1">
+                                <a:latin typeface="Cambria Math" panose="02040503050406030204" pitchFamily="18" charset="0"/>
+                              </a:rPr>
+                            </m:ctrlPr>
+                          </m:sSubPr>
+                          <m:e>
+                            <m:r>
+                              <a:rPr lang="en-US" altLang="zh-TW" sz="2000" i="1">
+                                <a:latin typeface="Cambria Math" panose="02040503050406030204" pitchFamily="18" charset="0"/>
+                              </a:rPr>
+                              <m:t>𝑥</m:t>
+                            </m:r>
+                          </m:e>
+                          <m:sub>
+                            <m:r>
+                              <a:rPr lang="en-US" altLang="zh-TW" sz="2000" i="1">
+                                <a:latin typeface="Cambria Math" panose="02040503050406030204" pitchFamily="18" charset="0"/>
+                              </a:rPr>
+                              <m:t>1</m:t>
+                            </m:r>
+                          </m:sub>
+                        </m:sSub>
+                        <m:r>
+                          <a:rPr lang="en-US" altLang="zh-TW" sz="2000" i="1">
+                            <a:latin typeface="Cambria Math" panose="02040503050406030204" pitchFamily="18" charset="0"/>
+                          </a:rPr>
+                          <m:t>,</m:t>
+                        </m:r>
+                        <m:sSub>
+                          <m:sSubPr>
+                            <m:ctrlPr>
+                              <a:rPr lang="en-US" altLang="zh-TW" sz="2000" i="1">
+                                <a:latin typeface="Cambria Math" panose="02040503050406030204" pitchFamily="18" charset="0"/>
+                              </a:rPr>
+                            </m:ctrlPr>
+                          </m:sSubPr>
+                          <m:e>
+                            <m:r>
+                              <a:rPr lang="en-US" altLang="zh-TW" sz="2000" i="1">
+                                <a:latin typeface="Cambria Math" panose="02040503050406030204" pitchFamily="18" charset="0"/>
+                              </a:rPr>
+                              <m:t>𝑥</m:t>
+                            </m:r>
+                          </m:e>
+                          <m:sub>
+                            <m:r>
+                              <a:rPr lang="en-US" altLang="zh-TW" sz="2000" i="1">
+                                <a:latin typeface="Cambria Math" panose="02040503050406030204" pitchFamily="18" charset="0"/>
+                              </a:rPr>
+                              <m:t>2</m:t>
+                            </m:r>
+                          </m:sub>
+                        </m:sSub>
+                      </m:e>
+                    </m:d>
+                  </m:oMath>
+                </a14:m>
+                <a:r>
+                  <a:rPr lang="en-US" altLang="zh-TW" sz="2000" dirty="0"/>
+                  <a:t> over </a:t>
+                </a:r>
+                <a14:m>
+                  <m:oMath xmlns:m="http://schemas.openxmlformats.org/officeDocument/2006/math">
+                    <m:r>
+                      <a:rPr lang="en-US" altLang="zh-TW" sz="2000" i="1">
+                        <a:latin typeface="Cambria Math" panose="02040503050406030204" pitchFamily="18" charset="0"/>
+                      </a:rPr>
+                      <m:t>(</m:t>
+                    </m:r>
+                    <m:sSub>
+                      <m:sSubPr>
+                        <m:ctrlPr>
+                          <a:rPr lang="en-US" altLang="zh-TW" sz="2000" i="1">
+                            <a:latin typeface="Cambria Math" panose="02040503050406030204" pitchFamily="18" charset="0"/>
+                          </a:rPr>
+                        </m:ctrlPr>
+                      </m:sSubPr>
+                      <m:e>
+                        <m:r>
+                          <a:rPr lang="en-US" altLang="zh-TW" sz="2000" i="1">
+                            <a:latin typeface="Cambria Math" panose="02040503050406030204" pitchFamily="18" charset="0"/>
+                          </a:rPr>
+                          <m:t>𝑦</m:t>
+                        </m:r>
+                      </m:e>
+                      <m:sub>
+                        <m:r>
+                          <a:rPr lang="en-US" altLang="zh-TW" sz="2000" i="1">
+                            <a:latin typeface="Cambria Math" panose="02040503050406030204" pitchFamily="18" charset="0"/>
+                          </a:rPr>
+                          <m:t>1</m:t>
+                        </m:r>
+                      </m:sub>
+                    </m:sSub>
+                    <m:r>
+                      <a:rPr lang="en-US" altLang="zh-TW" sz="2000" i="1">
+                        <a:latin typeface="Cambria Math" panose="02040503050406030204" pitchFamily="18" charset="0"/>
+                      </a:rPr>
+                      <m:t>,</m:t>
+                    </m:r>
+                    <m:sSub>
+                      <m:sSubPr>
+                        <m:ctrlPr>
+                          <a:rPr lang="en-US" altLang="zh-TW" sz="2000" i="1">
+                            <a:latin typeface="Cambria Math" panose="02040503050406030204" pitchFamily="18" charset="0"/>
+                          </a:rPr>
+                        </m:ctrlPr>
+                      </m:sSubPr>
+                      <m:e>
+                        <m:r>
+                          <a:rPr lang="en-US" altLang="zh-TW" sz="2000" i="1">
+                            <a:latin typeface="Cambria Math" panose="02040503050406030204" pitchFamily="18" charset="0"/>
+                          </a:rPr>
+                          <m:t>𝑦</m:t>
+                        </m:r>
+                      </m:e>
+                      <m:sub>
+                        <m:r>
+                          <a:rPr lang="en-US" altLang="zh-TW" sz="2000" i="1">
+                            <a:latin typeface="Cambria Math" panose="02040503050406030204" pitchFamily="18" charset="0"/>
+                          </a:rPr>
+                          <m:t>2</m:t>
+                        </m:r>
+                      </m:sub>
+                    </m:sSub>
+                    <m:r>
+                      <a:rPr lang="en-US" altLang="zh-TW" sz="2000" i="1">
+                        <a:latin typeface="Cambria Math" panose="02040503050406030204" pitchFamily="18" charset="0"/>
+                      </a:rPr>
+                      <m:t>)</m:t>
+                    </m:r>
+                  </m:oMath>
+                </a14:m>
+                <a:r>
+                  <a:rPr lang="en-US" altLang="zh-TW" sz="2000" dirty="0"/>
+                  <a:t>.</a:t>
+                </a:r>
+              </a:p>
+              <a:p>
+                <a:pPr lvl="2">
+                  <a:spcBef>
+                    <a:spcPts val="1000"/>
+                  </a:spcBef>
+                  <a:defRPr sz="2000">
+                    <a:solidFill>
+                      <a:srgbClr val="000000"/>
+                    </a:solidFill>
+                    <a:latin typeface="Garamond"/>
+                  </a:defRPr>
+                </a:pPr>
+                <a:r>
+                  <a:rPr lang="en-US" altLang="zh-TW" sz="1600" dirty="0"/>
+                  <a:t>Sometimes we say </a:t>
+                </a:r>
+                <a14:m>
+                  <m:oMath xmlns:m="http://schemas.openxmlformats.org/officeDocument/2006/math">
+                    <m:d>
+                      <m:dPr>
+                        <m:ctrlPr>
+                          <a:rPr lang="en-US" altLang="zh-TW" sz="1600" i="1">
+                            <a:latin typeface="Cambria Math" panose="02040503050406030204" pitchFamily="18" charset="0"/>
+                          </a:rPr>
+                        </m:ctrlPr>
+                      </m:dPr>
+                      <m:e>
+                        <m:sSub>
+                          <m:sSubPr>
+                            <m:ctrlPr>
+                              <a:rPr lang="en-US" altLang="zh-TW" sz="1600" i="1">
+                                <a:latin typeface="Cambria Math" panose="02040503050406030204" pitchFamily="18" charset="0"/>
+                              </a:rPr>
+                            </m:ctrlPr>
+                          </m:sSubPr>
+                          <m:e>
+                            <m:r>
+                              <a:rPr lang="en-US" altLang="zh-TW" sz="1600" i="1">
+                                <a:latin typeface="Cambria Math" panose="02040503050406030204" pitchFamily="18" charset="0"/>
+                              </a:rPr>
+                              <m:t>𝑥</m:t>
+                            </m:r>
+                          </m:e>
+                          <m:sub>
+                            <m:r>
+                              <a:rPr lang="en-US" altLang="zh-TW" sz="1600" i="1">
+                                <a:latin typeface="Cambria Math" panose="02040503050406030204" pitchFamily="18" charset="0"/>
+                              </a:rPr>
+                              <m:t>1</m:t>
+                            </m:r>
+                          </m:sub>
+                        </m:sSub>
+                        <m:r>
+                          <a:rPr lang="en-US" altLang="zh-TW" sz="1600" i="1">
+                            <a:latin typeface="Cambria Math" panose="02040503050406030204" pitchFamily="18" charset="0"/>
+                          </a:rPr>
+                          <m:t>,</m:t>
+                        </m:r>
+                        <m:sSub>
+                          <m:sSubPr>
+                            <m:ctrlPr>
+                              <a:rPr lang="en-US" altLang="zh-TW" sz="1600" i="1">
+                                <a:latin typeface="Cambria Math" panose="02040503050406030204" pitchFamily="18" charset="0"/>
+                              </a:rPr>
+                            </m:ctrlPr>
+                          </m:sSubPr>
+                          <m:e>
+                            <m:r>
+                              <a:rPr lang="en-US" altLang="zh-TW" sz="1600" i="1">
+                                <a:latin typeface="Cambria Math" panose="02040503050406030204" pitchFamily="18" charset="0"/>
+                              </a:rPr>
+                              <m:t>𝑥</m:t>
+                            </m:r>
+                          </m:e>
+                          <m:sub>
+                            <m:r>
+                              <a:rPr lang="en-US" altLang="zh-TW" sz="1600" i="1">
+                                <a:latin typeface="Cambria Math" panose="02040503050406030204" pitchFamily="18" charset="0"/>
+                              </a:rPr>
+                              <m:t>2</m:t>
+                            </m:r>
+                          </m:sub>
+                        </m:sSub>
+                      </m:e>
+                    </m:d>
+                  </m:oMath>
+                </a14:m>
+                <a:r>
+                  <a:rPr lang="en-US" altLang="zh-TW" sz="1600" dirty="0"/>
+                  <a:t> is “at least as good as” </a:t>
+                </a:r>
+                <a14:m>
+                  <m:oMath xmlns:m="http://schemas.openxmlformats.org/officeDocument/2006/math">
+                    <m:r>
+                      <a:rPr lang="en-US" altLang="zh-TW" sz="1600" i="1">
+                        <a:latin typeface="Cambria Math" panose="02040503050406030204" pitchFamily="18" charset="0"/>
+                      </a:rPr>
+                      <m:t>(</m:t>
+                    </m:r>
+                    <m:sSub>
+                      <m:sSubPr>
+                        <m:ctrlPr>
+                          <a:rPr lang="en-US" altLang="zh-TW" sz="1600" i="1">
+                            <a:latin typeface="Cambria Math" panose="02040503050406030204" pitchFamily="18" charset="0"/>
+                          </a:rPr>
+                        </m:ctrlPr>
+                      </m:sSubPr>
+                      <m:e>
+                        <m:r>
+                          <a:rPr lang="en-US" altLang="zh-TW" sz="1600" i="1">
+                            <a:latin typeface="Cambria Math" panose="02040503050406030204" pitchFamily="18" charset="0"/>
+                          </a:rPr>
+                          <m:t>𝑦</m:t>
+                        </m:r>
+                      </m:e>
+                      <m:sub>
+                        <m:r>
+                          <a:rPr lang="en-US" altLang="zh-TW" sz="1600" i="1">
+                            <a:latin typeface="Cambria Math" panose="02040503050406030204" pitchFamily="18" charset="0"/>
+                          </a:rPr>
+                          <m:t>1</m:t>
+                        </m:r>
+                      </m:sub>
+                    </m:sSub>
+                    <m:r>
+                      <a:rPr lang="en-US" altLang="zh-TW" sz="1600" i="1">
+                        <a:latin typeface="Cambria Math" panose="02040503050406030204" pitchFamily="18" charset="0"/>
+                      </a:rPr>
+                      <m:t>,</m:t>
+                    </m:r>
+                    <m:sSub>
+                      <m:sSubPr>
+                        <m:ctrlPr>
+                          <a:rPr lang="en-US" altLang="zh-TW" sz="1600" i="1">
+                            <a:latin typeface="Cambria Math" panose="02040503050406030204" pitchFamily="18" charset="0"/>
+                          </a:rPr>
+                        </m:ctrlPr>
+                      </m:sSubPr>
+                      <m:e>
+                        <m:r>
+                          <a:rPr lang="en-US" altLang="zh-TW" sz="1600" i="1">
+                            <a:latin typeface="Cambria Math" panose="02040503050406030204" pitchFamily="18" charset="0"/>
+                          </a:rPr>
+                          <m:t>𝑦</m:t>
+                        </m:r>
+                      </m:e>
+                      <m:sub>
+                        <m:r>
+                          <a:rPr lang="en-US" altLang="zh-TW" sz="1600" i="1">
+                            <a:latin typeface="Cambria Math" panose="02040503050406030204" pitchFamily="18" charset="0"/>
+                          </a:rPr>
+                          <m:t>2</m:t>
+                        </m:r>
+                      </m:sub>
+                    </m:sSub>
+                    <m:r>
+                      <a:rPr lang="en-US" altLang="zh-TW" sz="1600" i="1">
+                        <a:latin typeface="Cambria Math" panose="02040503050406030204" pitchFamily="18" charset="0"/>
+                      </a:rPr>
+                      <m:t>)</m:t>
+                    </m:r>
+                  </m:oMath>
+                </a14:m>
+                <a:r>
+                  <a:rPr lang="en-US" altLang="zh-TW" sz="1600" dirty="0"/>
+                  <a:t>.</a:t>
+                </a:r>
+              </a:p>
+              <a:p>
+                <a:pPr lvl="1">
+                  <a:spcBef>
+                    <a:spcPts val="1000"/>
+                  </a:spcBef>
+                  <a:defRPr sz="2000">
+                    <a:solidFill>
+                      <a:srgbClr val="000000"/>
+                    </a:solidFill>
+                    <a:latin typeface="Garamond"/>
+                  </a:defRPr>
+                </a:pPr>
+                <a14:m>
+                  <m:oMath xmlns:m="http://schemas.openxmlformats.org/officeDocument/2006/math">
+                    <m:d>
+                      <m:dPr>
+                        <m:ctrlPr>
+                          <a:rPr lang="en-US" altLang="zh-TW" sz="2000" i="1">
+                            <a:latin typeface="Cambria Math" panose="02040503050406030204" pitchFamily="18" charset="0"/>
+                          </a:rPr>
+                        </m:ctrlPr>
+                      </m:dPr>
+                      <m:e>
+                        <m:sSub>
+                          <m:sSubPr>
+                            <m:ctrlPr>
+                              <a:rPr lang="en-US" altLang="zh-TW" sz="2000" i="1">
+                                <a:latin typeface="Cambria Math" panose="02040503050406030204" pitchFamily="18" charset="0"/>
+                              </a:rPr>
+                            </m:ctrlPr>
+                          </m:sSubPr>
+                          <m:e>
+                            <m:r>
+                              <a:rPr lang="en-US" altLang="zh-TW" sz="2000" i="1">
+                                <a:latin typeface="Cambria Math" panose="02040503050406030204" pitchFamily="18" charset="0"/>
+                              </a:rPr>
+                              <m:t>𝑥</m:t>
+                            </m:r>
+                          </m:e>
+                          <m:sub>
+                            <m:r>
+                              <a:rPr lang="en-US" altLang="zh-TW" sz="2000" i="1">
+                                <a:latin typeface="Cambria Math" panose="02040503050406030204" pitchFamily="18" charset="0"/>
+                              </a:rPr>
+                              <m:t>1</m:t>
+                            </m:r>
+                          </m:sub>
+                        </m:sSub>
+                        <m:r>
+                          <a:rPr lang="en-US" altLang="zh-TW" sz="2000" i="1">
+                            <a:latin typeface="Cambria Math" panose="02040503050406030204" pitchFamily="18" charset="0"/>
+                          </a:rPr>
+                          <m:t>,</m:t>
+                        </m:r>
+                        <m:sSub>
+                          <m:sSubPr>
+                            <m:ctrlPr>
+                              <a:rPr lang="en-US" altLang="zh-TW" sz="2000" i="1">
+                                <a:latin typeface="Cambria Math" panose="02040503050406030204" pitchFamily="18" charset="0"/>
+                              </a:rPr>
+                            </m:ctrlPr>
+                          </m:sSubPr>
+                          <m:e>
+                            <m:r>
+                              <a:rPr lang="en-US" altLang="zh-TW" sz="2000" i="1">
+                                <a:latin typeface="Cambria Math" panose="02040503050406030204" pitchFamily="18" charset="0"/>
+                              </a:rPr>
+                              <m:t>𝑥</m:t>
+                            </m:r>
+                          </m:e>
+                          <m:sub>
+                            <m:r>
+                              <a:rPr lang="en-US" altLang="zh-TW" sz="2000" i="1">
+                                <a:latin typeface="Cambria Math" panose="02040503050406030204" pitchFamily="18" charset="0"/>
+                              </a:rPr>
+                              <m:t>2</m:t>
+                            </m:r>
+                          </m:sub>
+                        </m:sSub>
+                      </m:e>
+                    </m:d>
+                    <m:r>
+                      <m:rPr>
+                        <m:nor/>
+                      </m:rPr>
+                      <a:rPr lang="en-US" altLang="zh-TW" sz="2000" b="1">
+                        <a:latin typeface="Cambria Math" panose="02040503050406030204" pitchFamily="18" charset="0"/>
+                      </a:rPr>
+                      <m:t> </m:t>
+                    </m:r>
+                    <m:r>
+                      <m:rPr>
+                        <m:nor/>
+                      </m:rPr>
+                      <a:rPr lang="en-US"/>
+                      <m:t>∼</m:t>
+                    </m:r>
+                    <m:r>
+                      <m:rPr>
+                        <m:nor/>
+                      </m:rPr>
+                      <a:rPr lang="en-US" b="1"/>
+                      <m:t> </m:t>
+                    </m:r>
+                    <m:r>
+                      <a:rPr lang="en-US" altLang="zh-TW" sz="2000" i="1">
+                        <a:latin typeface="Cambria Math" panose="02040503050406030204" pitchFamily="18" charset="0"/>
+                      </a:rPr>
+                      <m:t>(</m:t>
+                    </m:r>
+                    <m:sSub>
+                      <m:sSubPr>
+                        <m:ctrlPr>
+                          <a:rPr lang="en-US" altLang="zh-TW" sz="2000" i="1">
+                            <a:latin typeface="Cambria Math" panose="02040503050406030204" pitchFamily="18" charset="0"/>
+                          </a:rPr>
+                        </m:ctrlPr>
+                      </m:sSubPr>
+                      <m:e>
+                        <m:r>
+                          <a:rPr lang="en-US" altLang="zh-TW" sz="2000" i="1">
+                            <a:latin typeface="Cambria Math" panose="02040503050406030204" pitchFamily="18" charset="0"/>
+                          </a:rPr>
+                          <m:t>𝑦</m:t>
+                        </m:r>
+                      </m:e>
+                      <m:sub>
+                        <m:r>
+                          <a:rPr lang="en-US" altLang="zh-TW" sz="2000" i="1">
+                            <a:latin typeface="Cambria Math" panose="02040503050406030204" pitchFamily="18" charset="0"/>
+                          </a:rPr>
+                          <m:t>1</m:t>
+                        </m:r>
+                      </m:sub>
+                    </m:sSub>
+                    <m:r>
+                      <a:rPr lang="en-US" altLang="zh-TW" sz="2000" i="1">
+                        <a:latin typeface="Cambria Math" panose="02040503050406030204" pitchFamily="18" charset="0"/>
+                      </a:rPr>
+                      <m:t>,</m:t>
+                    </m:r>
+                    <m:sSub>
+                      <m:sSubPr>
+                        <m:ctrlPr>
+                          <a:rPr lang="en-US" altLang="zh-TW" sz="2000" i="1">
+                            <a:latin typeface="Cambria Math" panose="02040503050406030204" pitchFamily="18" charset="0"/>
+                          </a:rPr>
+                        </m:ctrlPr>
+                      </m:sSubPr>
+                      <m:e>
+                        <m:r>
+                          <a:rPr lang="en-US" altLang="zh-TW" sz="2000" i="1">
+                            <a:latin typeface="Cambria Math" panose="02040503050406030204" pitchFamily="18" charset="0"/>
+                          </a:rPr>
+                          <m:t>𝑦</m:t>
+                        </m:r>
+                      </m:e>
+                      <m:sub>
+                        <m:r>
+                          <a:rPr lang="en-US" altLang="zh-TW" sz="2000" i="1">
+                            <a:latin typeface="Cambria Math" panose="02040503050406030204" pitchFamily="18" charset="0"/>
+                          </a:rPr>
+                          <m:t>2</m:t>
+                        </m:r>
+                      </m:sub>
+                    </m:sSub>
+                    <m:r>
+                      <a:rPr lang="en-US" altLang="zh-TW" sz="2000" i="1">
+                        <a:latin typeface="Cambria Math" panose="02040503050406030204" pitchFamily="18" charset="0"/>
+                      </a:rPr>
+                      <m:t>)</m:t>
+                    </m:r>
+                  </m:oMath>
+                </a14:m>
+                <a:r>
+                  <a:rPr lang="en-US" altLang="zh-TW" sz="2000" dirty="0"/>
+                  <a:t>: The consumer is </a:t>
+                </a:r>
+                <a:r>
+                  <a:rPr lang="en-US" altLang="zh-TW" sz="2000" b="1" dirty="0"/>
+                  <a:t>indifferent</a:t>
+                </a:r>
+                <a:r>
+                  <a:rPr lang="en-US" altLang="zh-TW" sz="2000" dirty="0"/>
+                  <a:t> between </a:t>
+                </a:r>
+                <a14:m>
+                  <m:oMath xmlns:m="http://schemas.openxmlformats.org/officeDocument/2006/math">
+                    <m:r>
+                      <a:rPr lang="en-US" altLang="zh-TW" sz="2000" i="1">
+                        <a:latin typeface="Cambria Math" panose="02040503050406030204" pitchFamily="18" charset="0"/>
+                      </a:rPr>
+                      <m:t>(</m:t>
+                    </m:r>
+                    <m:sSub>
+                      <m:sSubPr>
+                        <m:ctrlPr>
+                          <a:rPr lang="en-US" altLang="zh-TW" sz="2000" i="1">
+                            <a:latin typeface="Cambria Math" panose="02040503050406030204" pitchFamily="18" charset="0"/>
+                          </a:rPr>
+                        </m:ctrlPr>
+                      </m:sSubPr>
+                      <m:e>
+                        <m:r>
+                          <a:rPr lang="en-US" altLang="zh-TW" sz="2000" i="1">
+                            <a:latin typeface="Cambria Math" panose="02040503050406030204" pitchFamily="18" charset="0"/>
+                          </a:rPr>
+                          <m:t>𝑥</m:t>
+                        </m:r>
+                      </m:e>
+                      <m:sub>
+                        <m:r>
+                          <a:rPr lang="en-US" altLang="zh-TW" sz="2000" i="1">
+                            <a:latin typeface="Cambria Math" panose="02040503050406030204" pitchFamily="18" charset="0"/>
+                          </a:rPr>
+                          <m:t>1</m:t>
+                        </m:r>
+                      </m:sub>
+                    </m:sSub>
+                    <m:r>
+                      <a:rPr lang="en-US" altLang="zh-TW" sz="2000" i="1">
+                        <a:latin typeface="Cambria Math" panose="02040503050406030204" pitchFamily="18" charset="0"/>
+                      </a:rPr>
+                      <m:t>,</m:t>
+                    </m:r>
+                    <m:sSub>
+                      <m:sSubPr>
+                        <m:ctrlPr>
+                          <a:rPr lang="en-US" altLang="zh-TW" sz="2000" i="1">
+                            <a:latin typeface="Cambria Math" panose="02040503050406030204" pitchFamily="18" charset="0"/>
+                          </a:rPr>
+                        </m:ctrlPr>
+                      </m:sSubPr>
+                      <m:e>
+                        <m:r>
+                          <a:rPr lang="en-US" altLang="zh-TW" sz="2000" i="1">
+                            <a:latin typeface="Cambria Math" panose="02040503050406030204" pitchFamily="18" charset="0"/>
+                          </a:rPr>
+                          <m:t>𝑥</m:t>
+                        </m:r>
+                      </m:e>
+                      <m:sub>
+                        <m:r>
+                          <a:rPr lang="en-US" altLang="zh-TW" sz="2000" i="1">
+                            <a:latin typeface="Cambria Math" panose="02040503050406030204" pitchFamily="18" charset="0"/>
+                          </a:rPr>
+                          <m:t>2</m:t>
+                        </m:r>
+                      </m:sub>
+                    </m:sSub>
+                    <m:r>
+                      <a:rPr lang="en-US" altLang="zh-TW" sz="2000" i="1">
+                        <a:latin typeface="Cambria Math" panose="02040503050406030204" pitchFamily="18" charset="0"/>
+                      </a:rPr>
+                      <m:t>)</m:t>
+                    </m:r>
+                  </m:oMath>
+                </a14:m>
+                <a:r>
+                  <a:rPr lang="en-US" altLang="zh-TW" sz="2000" dirty="0"/>
+                  <a:t> and </a:t>
+                </a:r>
+                <a14:m>
+                  <m:oMath xmlns:m="http://schemas.openxmlformats.org/officeDocument/2006/math">
+                    <m:r>
+                      <a:rPr lang="en-US" altLang="zh-TW" sz="2000" i="1">
+                        <a:latin typeface="Cambria Math" panose="02040503050406030204" pitchFamily="18" charset="0"/>
+                      </a:rPr>
+                      <m:t>(</m:t>
+                    </m:r>
+                    <m:sSub>
+                      <m:sSubPr>
+                        <m:ctrlPr>
+                          <a:rPr lang="en-US" altLang="zh-TW" sz="2000" i="1">
+                            <a:latin typeface="Cambria Math" panose="02040503050406030204" pitchFamily="18" charset="0"/>
+                          </a:rPr>
+                        </m:ctrlPr>
+                      </m:sSubPr>
+                      <m:e>
+                        <m:r>
+                          <a:rPr lang="en-US" altLang="zh-TW" sz="2000" i="1">
+                            <a:latin typeface="Cambria Math" panose="02040503050406030204" pitchFamily="18" charset="0"/>
+                          </a:rPr>
+                          <m:t>𝑦</m:t>
+                        </m:r>
+                      </m:e>
+                      <m:sub>
+                        <m:r>
+                          <a:rPr lang="en-US" altLang="zh-TW" sz="2000" i="1">
+                            <a:latin typeface="Cambria Math" panose="02040503050406030204" pitchFamily="18" charset="0"/>
+                          </a:rPr>
+                          <m:t>1</m:t>
+                        </m:r>
+                      </m:sub>
+                    </m:sSub>
+                    <m:r>
+                      <a:rPr lang="en-US" altLang="zh-TW" sz="2000" i="1">
+                        <a:latin typeface="Cambria Math" panose="02040503050406030204" pitchFamily="18" charset="0"/>
+                      </a:rPr>
+                      <m:t>,</m:t>
+                    </m:r>
+                    <m:sSub>
+                      <m:sSubPr>
+                        <m:ctrlPr>
+                          <a:rPr lang="en-US" altLang="zh-TW" sz="2000" i="1">
+                            <a:latin typeface="Cambria Math" panose="02040503050406030204" pitchFamily="18" charset="0"/>
+                          </a:rPr>
+                        </m:ctrlPr>
+                      </m:sSubPr>
+                      <m:e>
+                        <m:r>
+                          <a:rPr lang="en-US" altLang="zh-TW" sz="2000" i="1">
+                            <a:latin typeface="Cambria Math" panose="02040503050406030204" pitchFamily="18" charset="0"/>
+                          </a:rPr>
+                          <m:t>𝑦</m:t>
+                        </m:r>
+                      </m:e>
+                      <m:sub>
+                        <m:r>
+                          <a:rPr lang="en-US" altLang="zh-TW" sz="2000" i="1">
+                            <a:latin typeface="Cambria Math" panose="02040503050406030204" pitchFamily="18" charset="0"/>
+                          </a:rPr>
+                          <m:t>2</m:t>
+                        </m:r>
+                      </m:sub>
+                    </m:sSub>
+                    <m:r>
+                      <a:rPr lang="en-US" altLang="zh-TW" sz="2000" i="1">
+                        <a:latin typeface="Cambria Math" panose="02040503050406030204" pitchFamily="18" charset="0"/>
+                      </a:rPr>
+                      <m:t>)</m:t>
+                    </m:r>
+                  </m:oMath>
+                </a14:m>
+                <a:r>
+                  <a:rPr lang="en-US" altLang="zh-TW" sz="2000" dirty="0"/>
+                  <a:t>.</a:t>
+                </a:r>
+                <a:endParaRPr lang="en-US" altLang="zh-TW" sz="2000" i="1" dirty="0">
+                  <a:latin typeface="Cambria Math" panose="02040503050406030204" pitchFamily="18" charset="0"/>
+                </a:endParaRPr>
               </a:p>
               <a:p>
                 <a:pPr lvl="1">
@@ -32181,7 +34293,7 @@
                 </a:r>
               </a:p>
               <a:p>
-                <a:pPr lvl="1">
+                <a:pPr lvl="2">
                   <a:spcBef>
                     <a:spcPts val="1000"/>
                   </a:spcBef>
@@ -32192,12 +34304,167 @@
                     <a:latin typeface="Garamond"/>
                   </a:defRPr>
                 </a:pPr>
+                <a:r>
+                  <a:rPr lang="en-US" altLang="zh-TW" sz="1600" dirty="0"/>
+                  <a:t>If </a:t>
+                </a:r>
+                <a14:m>
+                  <m:oMath xmlns:m="http://schemas.openxmlformats.org/officeDocument/2006/math">
+                    <m:r>
+                      <a:rPr lang="en-US" altLang="zh-TW" sz="1600" i="1">
+                        <a:latin typeface="Cambria Math" panose="02040503050406030204" pitchFamily="18" charset="0"/>
+                      </a:rPr>
+                      <m:t>(</m:t>
+                    </m:r>
+                    <m:sSub>
+                      <m:sSubPr>
+                        <m:ctrlPr>
+                          <a:rPr lang="en-US" altLang="zh-TW" sz="1600" i="1">
+                            <a:latin typeface="Cambria Math" panose="02040503050406030204" pitchFamily="18" charset="0"/>
+                          </a:rPr>
+                        </m:ctrlPr>
+                      </m:sSubPr>
+                      <m:e>
+                        <m:r>
+                          <a:rPr lang="en-US" altLang="zh-TW" sz="1600" i="1">
+                            <a:latin typeface="Cambria Math" panose="02040503050406030204" pitchFamily="18" charset="0"/>
+                          </a:rPr>
+                          <m:t>𝑥</m:t>
+                        </m:r>
+                      </m:e>
+                      <m:sub>
+                        <m:r>
+                          <a:rPr lang="en-US" altLang="zh-TW" sz="1600" i="1">
+                            <a:latin typeface="Cambria Math" panose="02040503050406030204" pitchFamily="18" charset="0"/>
+                          </a:rPr>
+                          <m:t>1</m:t>
+                        </m:r>
+                      </m:sub>
+                    </m:sSub>
+                    <m:r>
+                      <a:rPr lang="en-US" altLang="zh-TW" sz="1600" i="1">
+                        <a:latin typeface="Cambria Math" panose="02040503050406030204" pitchFamily="18" charset="0"/>
+                      </a:rPr>
+                      <m:t>,</m:t>
+                    </m:r>
+                    <m:sSub>
+                      <m:sSubPr>
+                        <m:ctrlPr>
+                          <a:rPr lang="en-US" altLang="zh-TW" sz="1600" i="1">
+                            <a:latin typeface="Cambria Math" panose="02040503050406030204" pitchFamily="18" charset="0"/>
+                          </a:rPr>
+                        </m:ctrlPr>
+                      </m:sSubPr>
+                      <m:e>
+                        <m:r>
+                          <a:rPr lang="en-US" altLang="zh-TW" sz="1600" i="1">
+                            <a:latin typeface="Cambria Math" panose="02040503050406030204" pitchFamily="18" charset="0"/>
+                          </a:rPr>
+                          <m:t>𝑥</m:t>
+                        </m:r>
+                      </m:e>
+                      <m:sub>
+                        <m:r>
+                          <a:rPr lang="en-US" altLang="zh-TW" sz="1600" i="1">
+                            <a:latin typeface="Cambria Math" panose="02040503050406030204" pitchFamily="18" charset="0"/>
+                          </a:rPr>
+                          <m:t>2</m:t>
+                        </m:r>
+                      </m:sub>
+                    </m:sSub>
+                    <m:r>
+                      <a:rPr lang="en-US" altLang="zh-TW" sz="1600" i="1">
+                        <a:latin typeface="Cambria Math" panose="02040503050406030204" pitchFamily="18" charset="0"/>
+                      </a:rPr>
+                      <m:t>)</m:t>
+                    </m:r>
+                    <m:r>
+                      <a:rPr lang="en-US" sz="1600" b="1" i="1" dirty="0">
+                        <a:latin typeface="Cambria Math" panose="02040503050406030204" pitchFamily="18" charset="0"/>
+                        <a:ea typeface="Cambria Math" panose="02040503050406030204" pitchFamily="18" charset="0"/>
+                      </a:rPr>
+                      <m:t>≿</m:t>
+                    </m:r>
+                    <m:r>
+                      <a:rPr lang="en-US" altLang="zh-TW" sz="1600" i="1">
+                        <a:latin typeface="Cambria Math" panose="02040503050406030204" pitchFamily="18" charset="0"/>
+                      </a:rPr>
+                      <m:t>(</m:t>
+                    </m:r>
+                    <m:sSub>
+                      <m:sSubPr>
+                        <m:ctrlPr>
+                          <a:rPr lang="en-US" altLang="zh-TW" sz="1600" i="1">
+                            <a:latin typeface="Cambria Math" panose="02040503050406030204" pitchFamily="18" charset="0"/>
+                          </a:rPr>
+                        </m:ctrlPr>
+                      </m:sSubPr>
+                      <m:e>
+                        <m:r>
+                          <a:rPr lang="en-US" altLang="zh-TW" sz="1600" i="1">
+                            <a:latin typeface="Cambria Math" panose="02040503050406030204" pitchFamily="18" charset="0"/>
+                          </a:rPr>
+                          <m:t>𝑦</m:t>
+                        </m:r>
+                      </m:e>
+                      <m:sub>
+                        <m:r>
+                          <a:rPr lang="en-US" altLang="zh-TW" sz="1600" i="1">
+                            <a:latin typeface="Cambria Math" panose="02040503050406030204" pitchFamily="18" charset="0"/>
+                          </a:rPr>
+                          <m:t>1</m:t>
+                        </m:r>
+                      </m:sub>
+                    </m:sSub>
+                    <m:r>
+                      <a:rPr lang="en-US" altLang="zh-TW" sz="1600" i="1">
+                        <a:latin typeface="Cambria Math" panose="02040503050406030204" pitchFamily="18" charset="0"/>
+                      </a:rPr>
+                      <m:t>,</m:t>
+                    </m:r>
+                    <m:sSub>
+                      <m:sSubPr>
+                        <m:ctrlPr>
+                          <a:rPr lang="en-US" altLang="zh-TW" sz="1600" i="1">
+                            <a:latin typeface="Cambria Math" panose="02040503050406030204" pitchFamily="18" charset="0"/>
+                          </a:rPr>
+                        </m:ctrlPr>
+                      </m:sSubPr>
+                      <m:e>
+                        <m:r>
+                          <a:rPr lang="en-US" altLang="zh-TW" sz="1600" i="1">
+                            <a:latin typeface="Cambria Math" panose="02040503050406030204" pitchFamily="18" charset="0"/>
+                          </a:rPr>
+                          <m:t>𝑦</m:t>
+                        </m:r>
+                      </m:e>
+                      <m:sub>
+                        <m:r>
+                          <a:rPr lang="en-US" altLang="zh-TW" sz="1600" i="1">
+                            <a:latin typeface="Cambria Math" panose="02040503050406030204" pitchFamily="18" charset="0"/>
+                          </a:rPr>
+                          <m:t>2</m:t>
+                        </m:r>
+                      </m:sub>
+                    </m:sSub>
+                    <m:r>
+                      <a:rPr lang="en-US" altLang="zh-TW" sz="1600" i="1">
+                        <a:latin typeface="Cambria Math" panose="02040503050406030204" pitchFamily="18" charset="0"/>
+                      </a:rPr>
+                      <m:t>)</m:t>
+                    </m:r>
+                  </m:oMath>
+                </a14:m>
+                <a:r>
+                  <a:rPr lang="en-US" altLang="zh-TW" sz="1600" dirty="0"/>
+                  <a:t>, and not </a:t>
+                </a:r>
                 <a14:m>
                   <m:oMath xmlns:m="http://schemas.openxmlformats.org/officeDocument/2006/math">
                     <m:d>
                       <m:dPr>
                         <m:ctrlPr>
-                          <a:rPr lang="en-US" altLang="zh-TW" sz="2000" i="1">
+                          <a:rPr lang="en-US" altLang="zh-TW" sz="1600" i="1">
                             <a:latin typeface="Cambria Math" panose="02040503050406030204" pitchFamily="18" charset="0"/>
                           </a:rPr>
                         </m:ctrlPr>
@@ -32206,14 +34473,14 @@
                         <m:sSub>
                           <m:sSubPr>
                             <m:ctrlPr>
-                              <a:rPr lang="en-US" altLang="zh-TW" sz="2000" i="1">
+                              <a:rPr lang="en-US" altLang="zh-TW" sz="1600" i="1">
                                 <a:latin typeface="Cambria Math" panose="02040503050406030204" pitchFamily="18" charset="0"/>
                               </a:rPr>
                             </m:ctrlPr>
                           </m:sSubPr>
                           <m:e>
                             <m:r>
-                              <a:rPr lang="en-US" altLang="zh-TW" sz="2000" i="1">
+                              <a:rPr lang="en-US" altLang="zh-TW" sz="1600" i="1">
                                 <a:latin typeface="Cambria Math" panose="02040503050406030204" pitchFamily="18" charset="0"/>
                               </a:rPr>
                               <m:t>𝑥</m:t>
@@ -32221,7 +34488,7 @@
                           </m:e>
                           <m:sub>
                             <m:r>
-                              <a:rPr lang="en-US" altLang="zh-TW" sz="2000" i="1">
+                              <a:rPr lang="en-US" altLang="zh-TW" sz="1600" i="1">
                                 <a:latin typeface="Cambria Math" panose="02040503050406030204" pitchFamily="18" charset="0"/>
                               </a:rPr>
                               <m:t>1</m:t>
@@ -32229,7 +34496,7 @@
                           </m:sub>
                         </m:sSub>
                         <m:r>
-                          <a:rPr lang="en-US" altLang="zh-TW" sz="2000" i="1">
+                          <a:rPr lang="en-US" altLang="zh-TW" sz="1600" i="1">
                             <a:latin typeface="Cambria Math" panose="02040503050406030204" pitchFamily="18" charset="0"/>
                           </a:rPr>
                           <m:t>,</m:t>
@@ -32237,14 +34504,14 @@
                         <m:sSub>
                           <m:sSubPr>
                             <m:ctrlPr>
-                              <a:rPr lang="en-US" altLang="zh-TW" sz="2000" i="1">
+                              <a:rPr lang="en-US" altLang="zh-TW" sz="1600" i="1">
                                 <a:latin typeface="Cambria Math" panose="02040503050406030204" pitchFamily="18" charset="0"/>
                               </a:rPr>
                             </m:ctrlPr>
                           </m:sSubPr>
                           <m:e>
                             <m:r>
-                              <a:rPr lang="en-US" altLang="zh-TW" sz="2000" i="1">
+                              <a:rPr lang="en-US" altLang="zh-TW" sz="1600" i="1">
                                 <a:latin typeface="Cambria Math" panose="02040503050406030204" pitchFamily="18" charset="0"/>
                               </a:rPr>
                               <m:t>𝑥</m:t>
@@ -32252,7 +34519,7 @@
                           </m:e>
                           <m:sub>
                             <m:r>
-                              <a:rPr lang="en-US" altLang="zh-TW" sz="2000" i="1">
+                              <a:rPr lang="en-US" altLang="zh-TW" sz="1600" i="1">
                                 <a:latin typeface="Cambria Math" panose="02040503050406030204" pitchFamily="18" charset="0"/>
                               </a:rPr>
                               <m:t>2</m:t>
@@ -32265,7 +34532,7 @@
                       <m:rPr>
                         <m:nor/>
                       </m:rPr>
-                      <a:rPr lang="en-US" altLang="zh-TW" sz="2000" b="1" i="0" smtClean="0">
+                      <a:rPr lang="en-US" altLang="zh-TW" sz="1600" b="1">
                         <a:latin typeface="Cambria Math" panose="02040503050406030204" pitchFamily="18" charset="0"/>
                       </a:rPr>
                       <m:t> </m:t>
@@ -32274,18 +34541,18 @@
                       <m:rPr>
                         <m:nor/>
                       </m:rPr>
-                      <a:rPr lang="en-US"/>
+                      <a:rPr lang="en-US" sz="1600"/>
                       <m:t>∼</m:t>
                     </m:r>
                     <m:r>
                       <m:rPr>
                         <m:nor/>
                       </m:rPr>
-                      <a:rPr lang="en-US" b="1" i="0" smtClean="0"/>
+                      <a:rPr lang="en-US" sz="1600" b="1"/>
                       <m:t> </m:t>
                     </m:r>
                     <m:r>
-                      <a:rPr lang="en-US" altLang="zh-TW" sz="2000" i="1">
+                      <a:rPr lang="en-US" altLang="zh-TW" sz="1600" i="1">
                         <a:latin typeface="Cambria Math" panose="02040503050406030204" pitchFamily="18" charset="0"/>
                       </a:rPr>
                       <m:t>(</m:t>
@@ -32293,14 +34560,14 @@
                     <m:sSub>
                       <m:sSubPr>
                         <m:ctrlPr>
-                          <a:rPr lang="en-US" altLang="zh-TW" sz="2000" i="1">
+                          <a:rPr lang="en-US" altLang="zh-TW" sz="1600" i="1">
                             <a:latin typeface="Cambria Math" panose="02040503050406030204" pitchFamily="18" charset="0"/>
                           </a:rPr>
                         </m:ctrlPr>
                       </m:sSubPr>
                       <m:e>
                         <m:r>
-                          <a:rPr lang="en-US" altLang="zh-TW" sz="2000" i="1">
+                          <a:rPr lang="en-US" altLang="zh-TW" sz="1600" i="1">
                             <a:latin typeface="Cambria Math" panose="02040503050406030204" pitchFamily="18" charset="0"/>
                           </a:rPr>
                           <m:t>𝑦</m:t>
@@ -32308,7 +34575,7 @@
                       </m:e>
                       <m:sub>
                         <m:r>
-                          <a:rPr lang="en-US" altLang="zh-TW" sz="2000" i="1">
+                          <a:rPr lang="en-US" altLang="zh-TW" sz="1600" i="1">
                             <a:latin typeface="Cambria Math" panose="02040503050406030204" pitchFamily="18" charset="0"/>
                           </a:rPr>
                           <m:t>1</m:t>
@@ -32316,7 +34583,7 @@
                       </m:sub>
                     </m:sSub>
                     <m:r>
-                      <a:rPr lang="en-US" altLang="zh-TW" sz="2000" i="1">
+                      <a:rPr lang="en-US" altLang="zh-TW" sz="1600" i="1">
                         <a:latin typeface="Cambria Math" panose="02040503050406030204" pitchFamily="18" charset="0"/>
                       </a:rPr>
                       <m:t>,</m:t>
@@ -32324,14 +34591,14 @@
                     <m:sSub>
                       <m:sSubPr>
                         <m:ctrlPr>
-                          <a:rPr lang="en-US" altLang="zh-TW" sz="2000" i="1">
+                          <a:rPr lang="en-US" altLang="zh-TW" sz="1600" i="1">
                             <a:latin typeface="Cambria Math" panose="02040503050406030204" pitchFamily="18" charset="0"/>
                           </a:rPr>
                         </m:ctrlPr>
                       </m:sSubPr>
                       <m:e>
                         <m:r>
-                          <a:rPr lang="en-US" altLang="zh-TW" sz="2000" i="1">
+                          <a:rPr lang="en-US" altLang="zh-TW" sz="1600" i="1">
                             <a:latin typeface="Cambria Math" panose="02040503050406030204" pitchFamily="18" charset="0"/>
                           </a:rPr>
                           <m:t>𝑦</m:t>
@@ -32339,7 +34606,7 @@
                       </m:e>
                       <m:sub>
                         <m:r>
-                          <a:rPr lang="en-US" altLang="zh-TW" sz="2000" i="1">
+                          <a:rPr lang="en-US" altLang="zh-TW" sz="1600" i="1">
                             <a:latin typeface="Cambria Math" panose="02040503050406030204" pitchFamily="18" charset="0"/>
                           </a:rPr>
                           <m:t>2</m:t>
@@ -32347,7 +34614,7 @@
                       </m:sub>
                     </m:sSub>
                     <m:r>
-                      <a:rPr lang="en-US" altLang="zh-TW" sz="2000" i="1">
+                      <a:rPr lang="en-US" altLang="zh-TW" sz="1600" i="1">
                         <a:latin typeface="Cambria Math" panose="02040503050406030204" pitchFamily="18" charset="0"/>
                       </a:rPr>
                       <m:t>)</m:t>
@@ -32355,347 +34622,15 @@
                   </m:oMath>
                 </a14:m>
                 <a:r>
-                  <a:rPr lang="en-US" altLang="zh-TW" sz="2000" dirty="0"/>
-                  <a:t>: The consumer is </a:t>
-                </a:r>
-                <a:r>
-                  <a:rPr lang="en-US" altLang="zh-TW" sz="2000" b="1" dirty="0"/>
-                  <a:t>indifferent</a:t>
-                </a:r>
-                <a:r>
-                  <a:rPr lang="en-US" altLang="zh-TW" sz="2000" dirty="0"/>
-                  <a:t> between </a:t>
-                </a:r>
-                <a14:m>
-                  <m:oMath xmlns:m="http://schemas.openxmlformats.org/officeDocument/2006/math">
-                    <m:r>
-                      <a:rPr lang="en-US" altLang="zh-TW" sz="2000" i="1">
-                        <a:latin typeface="Cambria Math" panose="02040503050406030204" pitchFamily="18" charset="0"/>
-                      </a:rPr>
-                      <m:t>(</m:t>
-                    </m:r>
-                    <m:sSub>
-                      <m:sSubPr>
-                        <m:ctrlPr>
-                          <a:rPr lang="en-US" altLang="zh-TW" sz="2000" i="1">
-                            <a:latin typeface="Cambria Math" panose="02040503050406030204" pitchFamily="18" charset="0"/>
-                          </a:rPr>
-                        </m:ctrlPr>
-                      </m:sSubPr>
-                      <m:e>
-                        <m:r>
-                          <a:rPr lang="en-US" altLang="zh-TW" sz="2000" i="1">
-                            <a:latin typeface="Cambria Math" panose="02040503050406030204" pitchFamily="18" charset="0"/>
-                          </a:rPr>
-                          <m:t>𝑥</m:t>
-                        </m:r>
-                      </m:e>
-                      <m:sub>
-                        <m:r>
-                          <a:rPr lang="en-US" altLang="zh-TW" sz="2000" i="1">
-                            <a:latin typeface="Cambria Math" panose="02040503050406030204" pitchFamily="18" charset="0"/>
-                          </a:rPr>
-                          <m:t>1</m:t>
-                        </m:r>
-                      </m:sub>
-                    </m:sSub>
-                    <m:r>
-                      <a:rPr lang="en-US" altLang="zh-TW" sz="2000" i="1">
-                        <a:latin typeface="Cambria Math" panose="02040503050406030204" pitchFamily="18" charset="0"/>
-                      </a:rPr>
-                      <m:t>,</m:t>
-                    </m:r>
-                    <m:sSub>
-                      <m:sSubPr>
-                        <m:ctrlPr>
-                          <a:rPr lang="en-US" altLang="zh-TW" sz="2000" i="1">
-                            <a:latin typeface="Cambria Math" panose="02040503050406030204" pitchFamily="18" charset="0"/>
-                          </a:rPr>
-                        </m:ctrlPr>
-                      </m:sSubPr>
-                      <m:e>
-                        <m:r>
-                          <a:rPr lang="en-US" altLang="zh-TW" sz="2000" i="1">
-                            <a:latin typeface="Cambria Math" panose="02040503050406030204" pitchFamily="18" charset="0"/>
-                          </a:rPr>
-                          <m:t>𝑥</m:t>
-                        </m:r>
-                      </m:e>
-                      <m:sub>
-                        <m:r>
-                          <a:rPr lang="en-US" altLang="zh-TW" sz="2000" i="1">
-                            <a:latin typeface="Cambria Math" panose="02040503050406030204" pitchFamily="18" charset="0"/>
-                          </a:rPr>
-                          <m:t>2</m:t>
-                        </m:r>
-                      </m:sub>
-                    </m:sSub>
-                    <m:r>
-                      <a:rPr lang="en-US" altLang="zh-TW" sz="2000" i="1">
-                        <a:latin typeface="Cambria Math" panose="02040503050406030204" pitchFamily="18" charset="0"/>
-                      </a:rPr>
-                      <m:t>)</m:t>
-                    </m:r>
-                  </m:oMath>
-                </a14:m>
-                <a:r>
-                  <a:rPr lang="en-US" altLang="zh-TW" sz="2000" dirty="0"/>
-                  <a:t> and </a:t>
-                </a:r>
-                <a14:m>
-                  <m:oMath xmlns:m="http://schemas.openxmlformats.org/officeDocument/2006/math">
-                    <m:r>
-                      <a:rPr lang="en-US" altLang="zh-TW" sz="2000" i="1">
-                        <a:latin typeface="Cambria Math" panose="02040503050406030204" pitchFamily="18" charset="0"/>
-                      </a:rPr>
-                      <m:t>(</m:t>
-                    </m:r>
-                    <m:sSub>
-                      <m:sSubPr>
-                        <m:ctrlPr>
-                          <a:rPr lang="en-US" altLang="zh-TW" sz="2000" i="1">
-                            <a:latin typeface="Cambria Math" panose="02040503050406030204" pitchFamily="18" charset="0"/>
-                          </a:rPr>
-                        </m:ctrlPr>
-                      </m:sSubPr>
-                      <m:e>
-                        <m:r>
-                          <a:rPr lang="en-US" altLang="zh-TW" sz="2000" i="1">
-                            <a:latin typeface="Cambria Math" panose="02040503050406030204" pitchFamily="18" charset="0"/>
-                          </a:rPr>
-                          <m:t>𝑦</m:t>
-                        </m:r>
-                      </m:e>
-                      <m:sub>
-                        <m:r>
-                          <a:rPr lang="en-US" altLang="zh-TW" sz="2000" i="1">
-                            <a:latin typeface="Cambria Math" panose="02040503050406030204" pitchFamily="18" charset="0"/>
-                          </a:rPr>
-                          <m:t>1</m:t>
-                        </m:r>
-                      </m:sub>
-                    </m:sSub>
-                    <m:r>
-                      <a:rPr lang="en-US" altLang="zh-TW" sz="2000" i="1">
-                        <a:latin typeface="Cambria Math" panose="02040503050406030204" pitchFamily="18" charset="0"/>
-                      </a:rPr>
-                      <m:t>,</m:t>
-                    </m:r>
-                    <m:sSub>
-                      <m:sSubPr>
-                        <m:ctrlPr>
-                          <a:rPr lang="en-US" altLang="zh-TW" sz="2000" i="1">
-                            <a:latin typeface="Cambria Math" panose="02040503050406030204" pitchFamily="18" charset="0"/>
-                          </a:rPr>
-                        </m:ctrlPr>
-                      </m:sSubPr>
-                      <m:e>
-                        <m:r>
-                          <a:rPr lang="en-US" altLang="zh-TW" sz="2000" i="1">
-                            <a:latin typeface="Cambria Math" panose="02040503050406030204" pitchFamily="18" charset="0"/>
-                          </a:rPr>
-                          <m:t>𝑦</m:t>
-                        </m:r>
-                      </m:e>
-                      <m:sub>
-                        <m:r>
-                          <a:rPr lang="en-US" altLang="zh-TW" sz="2000" i="1">
-                            <a:latin typeface="Cambria Math" panose="02040503050406030204" pitchFamily="18" charset="0"/>
-                          </a:rPr>
-                          <m:t>2</m:t>
-                        </m:r>
-                      </m:sub>
-                    </m:sSub>
-                    <m:r>
-                      <a:rPr lang="en-US" altLang="zh-TW" sz="2000" i="1">
-                        <a:latin typeface="Cambria Math" panose="02040503050406030204" pitchFamily="18" charset="0"/>
-                      </a:rPr>
-                      <m:t>)</m:t>
-                    </m:r>
-                  </m:oMath>
-                </a14:m>
-                <a:r>
-                  <a:rPr lang="en-US" altLang="zh-TW" sz="2000" dirty="0"/>
-                  <a:t>.</a:t>
-                </a:r>
-              </a:p>
-              <a:p>
-                <a:pPr lvl="1">
-                  <a:spcBef>
-                    <a:spcPts val="1000"/>
-                  </a:spcBef>
-                  <a:defRPr sz="2000">
-                    <a:solidFill>
-                      <a:srgbClr val="000000"/>
-                    </a:solidFill>
-                    <a:latin typeface="Garamond"/>
-                  </a:defRPr>
-                </a:pPr>
-                <a14:m>
-                  <m:oMath xmlns:m="http://schemas.openxmlformats.org/officeDocument/2006/math">
-                    <m:r>
-                      <a:rPr lang="en-US" altLang="zh-TW" sz="2000" i="1">
-                        <a:latin typeface="Cambria Math" panose="02040503050406030204" pitchFamily="18" charset="0"/>
-                      </a:rPr>
-                      <m:t>(</m:t>
-                    </m:r>
-                    <m:sSub>
-                      <m:sSubPr>
-                        <m:ctrlPr>
-                          <a:rPr lang="en-US" altLang="zh-TW" sz="2000" i="1">
-                            <a:latin typeface="Cambria Math" panose="02040503050406030204" pitchFamily="18" charset="0"/>
-                          </a:rPr>
-                        </m:ctrlPr>
-                      </m:sSubPr>
-                      <m:e>
-                        <m:r>
-                          <a:rPr lang="en-US" altLang="zh-TW" sz="2000" i="1">
-                            <a:latin typeface="Cambria Math" panose="02040503050406030204" pitchFamily="18" charset="0"/>
-                          </a:rPr>
-                          <m:t>𝑥</m:t>
-                        </m:r>
-                      </m:e>
-                      <m:sub>
-                        <m:r>
-                          <a:rPr lang="en-US" altLang="zh-TW" sz="2000" i="1">
-                            <a:latin typeface="Cambria Math" panose="02040503050406030204" pitchFamily="18" charset="0"/>
-                          </a:rPr>
-                          <m:t>1</m:t>
-                        </m:r>
-                      </m:sub>
-                    </m:sSub>
-                    <m:r>
-                      <a:rPr lang="en-US" altLang="zh-TW" sz="2000" i="1">
-                        <a:latin typeface="Cambria Math" panose="02040503050406030204" pitchFamily="18" charset="0"/>
-                      </a:rPr>
-                      <m:t>,</m:t>
-                    </m:r>
-                    <m:sSub>
-                      <m:sSubPr>
-                        <m:ctrlPr>
-                          <a:rPr lang="en-US" altLang="zh-TW" sz="2000" i="1">
-                            <a:latin typeface="Cambria Math" panose="02040503050406030204" pitchFamily="18" charset="0"/>
-                          </a:rPr>
-                        </m:ctrlPr>
-                      </m:sSubPr>
-                      <m:e>
-                        <m:r>
-                          <a:rPr lang="en-US" altLang="zh-TW" sz="2000" i="1">
-                            <a:latin typeface="Cambria Math" panose="02040503050406030204" pitchFamily="18" charset="0"/>
-                          </a:rPr>
-                          <m:t>𝑥</m:t>
-                        </m:r>
-                      </m:e>
-                      <m:sub>
-                        <m:r>
-                          <a:rPr lang="en-US" altLang="zh-TW" sz="2000" i="1">
-                            <a:latin typeface="Cambria Math" panose="02040503050406030204" pitchFamily="18" charset="0"/>
-                          </a:rPr>
-                          <m:t>2</m:t>
-                        </m:r>
-                      </m:sub>
-                    </m:sSub>
-                    <m:r>
-                      <a:rPr lang="en-US" altLang="zh-TW" sz="2000" i="1">
-                        <a:latin typeface="Cambria Math" panose="02040503050406030204" pitchFamily="18" charset="0"/>
-                      </a:rPr>
-                      <m:t>)</m:t>
-                    </m:r>
-                    <m:r>
-                      <a:rPr lang="en-US" b="1" i="1" dirty="0">
-                        <a:latin typeface="Cambria Math" panose="02040503050406030204" pitchFamily="18" charset="0"/>
-                        <a:ea typeface="Cambria Math" panose="02040503050406030204" pitchFamily="18" charset="0"/>
-                      </a:rPr>
-                      <m:t>≿</m:t>
-                    </m:r>
-                    <m:r>
-                      <a:rPr lang="en-US" altLang="zh-TW" sz="2000" i="1">
-                        <a:latin typeface="Cambria Math" panose="02040503050406030204" pitchFamily="18" charset="0"/>
-                      </a:rPr>
-                      <m:t>(</m:t>
-                    </m:r>
-                    <m:sSub>
-                      <m:sSubPr>
-                        <m:ctrlPr>
-                          <a:rPr lang="en-US" altLang="zh-TW" sz="2000" i="1">
-                            <a:latin typeface="Cambria Math" panose="02040503050406030204" pitchFamily="18" charset="0"/>
-                          </a:rPr>
-                        </m:ctrlPr>
-                      </m:sSubPr>
-                      <m:e>
-                        <m:r>
-                          <a:rPr lang="en-US" altLang="zh-TW" sz="2000" i="1">
-                            <a:latin typeface="Cambria Math" panose="02040503050406030204" pitchFamily="18" charset="0"/>
-                          </a:rPr>
-                          <m:t>𝑦</m:t>
-                        </m:r>
-                      </m:e>
-                      <m:sub>
-                        <m:r>
-                          <a:rPr lang="en-US" altLang="zh-TW" sz="2000" i="1">
-                            <a:latin typeface="Cambria Math" panose="02040503050406030204" pitchFamily="18" charset="0"/>
-                          </a:rPr>
-                          <m:t>1</m:t>
-                        </m:r>
-                      </m:sub>
-                    </m:sSub>
-                    <m:r>
-                      <a:rPr lang="en-US" altLang="zh-TW" sz="2000" i="1">
-                        <a:latin typeface="Cambria Math" panose="02040503050406030204" pitchFamily="18" charset="0"/>
-                      </a:rPr>
-                      <m:t>,</m:t>
-                    </m:r>
-                    <m:sSub>
-                      <m:sSubPr>
-                        <m:ctrlPr>
-                          <a:rPr lang="en-US" altLang="zh-TW" sz="2000" i="1">
-                            <a:latin typeface="Cambria Math" panose="02040503050406030204" pitchFamily="18" charset="0"/>
-                          </a:rPr>
-                        </m:ctrlPr>
-                      </m:sSubPr>
-                      <m:e>
-                        <m:r>
-                          <a:rPr lang="en-US" altLang="zh-TW" sz="2000" i="1">
-                            <a:latin typeface="Cambria Math" panose="02040503050406030204" pitchFamily="18" charset="0"/>
-                          </a:rPr>
-                          <m:t>𝑦</m:t>
-                        </m:r>
-                      </m:e>
-                      <m:sub>
-                        <m:r>
-                          <a:rPr lang="en-US" altLang="zh-TW" sz="2000" i="1">
-                            <a:latin typeface="Cambria Math" panose="02040503050406030204" pitchFamily="18" charset="0"/>
-                          </a:rPr>
-                          <m:t>2</m:t>
-                        </m:r>
-                      </m:sub>
-                    </m:sSub>
-                    <m:r>
-                      <a:rPr lang="en-US" altLang="zh-TW" sz="2000" i="1">
-                        <a:latin typeface="Cambria Math" panose="02040503050406030204" pitchFamily="18" charset="0"/>
-                      </a:rPr>
-                      <m:t>)</m:t>
-                    </m:r>
-                  </m:oMath>
-                </a14:m>
-                <a:r>
-                  <a:rPr lang="en-US" altLang="zh-TW" sz="2000" dirty="0"/>
-                  <a:t>: The consumer </a:t>
-                </a:r>
-                <a:r>
-                  <a:rPr lang="en-US" altLang="zh-TW" sz="2000" b="1" dirty="0"/>
-                  <a:t>weakly prefers</a:t>
-                </a:r>
-                <a:r>
-                  <a:rPr lang="en-US" altLang="zh-TW" sz="2000" dirty="0"/>
-                  <a:t> </a:t>
+                  <a:rPr lang="en-US" altLang="zh-TW" sz="1600" dirty="0"/>
+                  <a:t>, we say that </a:t>
                 </a:r>
                 <a14:m>
                   <m:oMath xmlns:m="http://schemas.openxmlformats.org/officeDocument/2006/math">
                     <m:d>
                       <m:dPr>
                         <m:ctrlPr>
-                          <a:rPr lang="en-US" altLang="zh-TW" sz="2000" i="1">
+                          <a:rPr lang="en-US" altLang="zh-TW" sz="1600" i="1">
                             <a:latin typeface="Cambria Math" panose="02040503050406030204" pitchFamily="18" charset="0"/>
                           </a:rPr>
                         </m:ctrlPr>
@@ -32704,14 +34639,14 @@
                         <m:sSub>
                           <m:sSubPr>
                             <m:ctrlPr>
-                              <a:rPr lang="en-US" altLang="zh-TW" sz="2000" i="1">
+                              <a:rPr lang="en-US" altLang="zh-TW" sz="1600" i="1">
                                 <a:latin typeface="Cambria Math" panose="02040503050406030204" pitchFamily="18" charset="0"/>
                               </a:rPr>
                             </m:ctrlPr>
                           </m:sSubPr>
                           <m:e>
                             <m:r>
-                              <a:rPr lang="en-US" altLang="zh-TW" sz="2000" i="1">
+                              <a:rPr lang="en-US" altLang="zh-TW" sz="1600" i="1">
                                 <a:latin typeface="Cambria Math" panose="02040503050406030204" pitchFamily="18" charset="0"/>
                               </a:rPr>
                               <m:t>𝑥</m:t>
@@ -32719,7 +34654,7 @@
                           </m:e>
                           <m:sub>
                             <m:r>
-                              <a:rPr lang="en-US" altLang="zh-TW" sz="2000" i="1">
+                              <a:rPr lang="en-US" altLang="zh-TW" sz="1600" i="1">
                                 <a:latin typeface="Cambria Math" panose="02040503050406030204" pitchFamily="18" charset="0"/>
                               </a:rPr>
                               <m:t>1</m:t>
@@ -32727,7 +34662,7 @@
                           </m:sub>
                         </m:sSub>
                         <m:r>
-                          <a:rPr lang="en-US" altLang="zh-TW" sz="2000" i="1">
+                          <a:rPr lang="en-US" altLang="zh-TW" sz="1600" i="1">
                             <a:latin typeface="Cambria Math" panose="02040503050406030204" pitchFamily="18" charset="0"/>
                           </a:rPr>
                           <m:t>,</m:t>
@@ -32735,14 +34670,14 @@
                         <m:sSub>
                           <m:sSubPr>
                             <m:ctrlPr>
-                              <a:rPr lang="en-US" altLang="zh-TW" sz="2000" i="1">
+                              <a:rPr lang="en-US" altLang="zh-TW" sz="1600" i="1">
                                 <a:latin typeface="Cambria Math" panose="02040503050406030204" pitchFamily="18" charset="0"/>
                               </a:rPr>
                             </m:ctrlPr>
                           </m:sSubPr>
                           <m:e>
                             <m:r>
-                              <a:rPr lang="en-US" altLang="zh-TW" sz="2000" i="1">
+                              <a:rPr lang="en-US" altLang="zh-TW" sz="1600" i="1">
                                 <a:latin typeface="Cambria Math" panose="02040503050406030204" pitchFamily="18" charset="0"/>
                               </a:rPr>
                               <m:t>𝑥</m:t>
@@ -32750,7 +34685,7 @@
                           </m:e>
                           <m:sub>
                             <m:r>
-                              <a:rPr lang="en-US" altLang="zh-TW" sz="2000" i="1">
+                              <a:rPr lang="en-US" altLang="zh-TW" sz="1600" i="1">
                                 <a:latin typeface="Cambria Math" panose="02040503050406030204" pitchFamily="18" charset="0"/>
                               </a:rPr>
                               <m:t>2</m:t>
@@ -32759,16 +34694,28 @@
                         </m:sSub>
                       </m:e>
                     </m:d>
-                  </m:oMath>
-                </a14:m>
-                <a:r>
-                  <a:rPr lang="en-US" altLang="zh-TW" sz="2000" dirty="0"/>
-                  <a:t> over </a:t>
-                </a:r>
-                <a14:m>
-                  <m:oMath xmlns:m="http://schemas.openxmlformats.org/officeDocument/2006/math">
                     <m:r>
-                      <a:rPr lang="en-US" altLang="zh-TW" sz="2000" i="1">
+                      <a:rPr lang="en-US" altLang="zh-TW" sz="1600" i="1">
+                        <a:latin typeface="Cambria Math" panose="02040503050406030204" pitchFamily="18" charset="0"/>
+                      </a:rPr>
+                      <m:t> </m:t>
+                    </m:r>
+                    <m:r>
+                      <m:rPr>
+                        <m:nor/>
+                      </m:rPr>
+                      <a:rPr lang="en-US" sz="1600"/>
+                      <m:t>≻</m:t>
+                    </m:r>
+                    <m:r>
+                      <m:rPr>
+                        <m:nor/>
+                      </m:rPr>
+                      <a:rPr lang="en-US" sz="1600" b="1"/>
+                      <m:t> </m:t>
+                    </m:r>
+                    <m:r>
+                      <a:rPr lang="en-US" altLang="zh-TW" sz="1600" i="1">
                         <a:latin typeface="Cambria Math" panose="02040503050406030204" pitchFamily="18" charset="0"/>
                       </a:rPr>
                       <m:t>(</m:t>
@@ -32776,14 +34723,14 @@
                     <m:sSub>
                       <m:sSubPr>
                         <m:ctrlPr>
-                          <a:rPr lang="en-US" altLang="zh-TW" sz="2000" i="1">
+                          <a:rPr lang="en-US" altLang="zh-TW" sz="1600" i="1">
                             <a:latin typeface="Cambria Math" panose="02040503050406030204" pitchFamily="18" charset="0"/>
                           </a:rPr>
                         </m:ctrlPr>
                       </m:sSubPr>
                       <m:e>
                         <m:r>
-                          <a:rPr lang="en-US" altLang="zh-TW" sz="2000" i="1">
+                          <a:rPr lang="en-US" altLang="zh-TW" sz="1600" i="1">
                             <a:latin typeface="Cambria Math" panose="02040503050406030204" pitchFamily="18" charset="0"/>
                           </a:rPr>
                           <m:t>𝑦</m:t>
@@ -32791,7 +34738,7 @@
                       </m:e>
                       <m:sub>
                         <m:r>
-                          <a:rPr lang="en-US" altLang="zh-TW" sz="2000" i="1">
+                          <a:rPr lang="en-US" altLang="zh-TW" sz="1600" i="1">
                             <a:latin typeface="Cambria Math" panose="02040503050406030204" pitchFamily="18" charset="0"/>
                           </a:rPr>
                           <m:t>1</m:t>
@@ -32799,7 +34746,7 @@
                       </m:sub>
                     </m:sSub>
                     <m:r>
-                      <a:rPr lang="en-US" altLang="zh-TW" sz="2000" i="1">
+                      <a:rPr lang="en-US" altLang="zh-TW" sz="1600" i="1">
                         <a:latin typeface="Cambria Math" panose="02040503050406030204" pitchFamily="18" charset="0"/>
                       </a:rPr>
                       <m:t>,</m:t>
@@ -32807,14 +34754,14 @@
                     <m:sSub>
                       <m:sSubPr>
                         <m:ctrlPr>
-                          <a:rPr lang="en-US" altLang="zh-TW" sz="2000" i="1">
+                          <a:rPr lang="en-US" altLang="zh-TW" sz="1600" i="1">
                             <a:latin typeface="Cambria Math" panose="02040503050406030204" pitchFamily="18" charset="0"/>
                           </a:rPr>
                         </m:ctrlPr>
                       </m:sSubPr>
                       <m:e>
                         <m:r>
-                          <a:rPr lang="en-US" altLang="zh-TW" sz="2000" i="1">
+                          <a:rPr lang="en-US" altLang="zh-TW" sz="1600" i="1">
                             <a:latin typeface="Cambria Math" panose="02040503050406030204" pitchFamily="18" charset="0"/>
                           </a:rPr>
                           <m:t>𝑦</m:t>
@@ -32822,7 +34769,7 @@
                       </m:e>
                       <m:sub>
                         <m:r>
-                          <a:rPr lang="en-US" altLang="zh-TW" sz="2000" i="1">
+                          <a:rPr lang="en-US" altLang="zh-TW" sz="1600" i="1">
                             <a:latin typeface="Cambria Math" panose="02040503050406030204" pitchFamily="18" charset="0"/>
                           </a:rPr>
                           <m:t>2</m:t>
@@ -32830,7 +34777,7 @@
                       </m:sub>
                     </m:sSub>
                     <m:r>
-                      <a:rPr lang="en-US" altLang="zh-TW" sz="2000" i="1">
+                      <a:rPr lang="en-US" altLang="zh-TW" sz="1600" i="1">
                         <a:latin typeface="Cambria Math" panose="02040503050406030204" pitchFamily="18" charset="0"/>
                       </a:rPr>
                       <m:t>)</m:t>
@@ -32838,7 +34785,7 @@
                   </m:oMath>
                 </a14:m>
                 <a:r>
-                  <a:rPr lang="en-US" altLang="zh-TW" sz="2000" dirty="0"/>
+                  <a:rPr lang="en-US" altLang="zh-TW" sz="1600" dirty="0"/>
                   <a:t>.</a:t>
                 </a:r>
               </a:p>
@@ -32888,19 +34835,19 @@
                 <a14:m>
                   <m:oMath xmlns:m="http://schemas.openxmlformats.org/officeDocument/2006/math">
                     <m:r>
-                      <a:rPr lang="en-US" altLang="zh-TW" sz="2000" b="0" i="1" smtClean="0">
+                      <a:rPr lang="en-US" altLang="zh-TW" sz="2000" i="1">
                         <a:latin typeface="Cambria Math" panose="02040503050406030204" pitchFamily="18" charset="0"/>
                       </a:rPr>
                       <m:t>𝐴</m:t>
                     </m:r>
                     <m:r>
-                      <a:rPr lang="en-US" altLang="zh-TW" sz="2000" b="0" i="1" smtClean="0">
+                      <a:rPr lang="en-US" altLang="zh-TW" sz="2000" i="1">
                         <a:latin typeface="Cambria Math" panose="02040503050406030204" pitchFamily="18" charset="0"/>
                       </a:rPr>
-                      <m:t>&gt;</m:t>
+                      <m:t>≥</m:t>
                     </m:r>
                     <m:r>
-                      <a:rPr lang="en-US" altLang="zh-TW" sz="2000" b="0" i="1" smtClean="0">
+                      <a:rPr lang="en-US" altLang="zh-TW" sz="2000" i="1">
                         <a:latin typeface="Cambria Math" panose="02040503050406030204" pitchFamily="18" charset="0"/>
                       </a:rPr>
                       <m:t>𝐵</m:t>
@@ -32914,7 +34861,7 @@
                 <a14:m>
                   <m:oMath xmlns:m="http://schemas.openxmlformats.org/officeDocument/2006/math">
                     <m:r>
-                      <a:rPr lang="en-US" altLang="zh-TW" sz="2000" i="1" dirty="0" smtClean="0">
+                      <a:rPr lang="en-US" altLang="zh-TW" sz="2000" i="1" dirty="0">
                         <a:latin typeface="Cambria Math" panose="02040503050406030204" pitchFamily="18" charset="0"/>
                       </a:rPr>
                       <m:t>𝐴</m:t>
@@ -32923,12 +34870,12 @@
                 </a14:m>
                 <a:r>
                   <a:rPr lang="en-US" altLang="zh-TW" sz="2000" dirty="0"/>
-                  <a:t> is strictly greater than </a:t>
+                  <a:t> is greater than or equal to </a:t>
                 </a:r>
                 <a14:m>
                   <m:oMath xmlns:m="http://schemas.openxmlformats.org/officeDocument/2006/math">
                     <m:r>
-                      <a:rPr lang="en-US" altLang="zh-TW" sz="2000" i="1" dirty="0" smtClean="0">
+                      <a:rPr lang="en-US" altLang="zh-TW" sz="2000" i="1" dirty="0">
                         <a:latin typeface="Cambria Math" panose="02040503050406030204" pitchFamily="18" charset="0"/>
                       </a:rPr>
                       <m:t>𝐵</m:t>
@@ -33028,10 +34975,10 @@
                       <m:t>𝐴</m:t>
                     </m:r>
                     <m:r>
-                      <a:rPr lang="en-US" altLang="zh-TW" sz="2000" b="0" i="1" smtClean="0">
+                      <a:rPr lang="en-US" altLang="zh-TW" sz="2000" i="1">
                         <a:latin typeface="Cambria Math" panose="02040503050406030204" pitchFamily="18" charset="0"/>
                       </a:rPr>
-                      <m:t>≥</m:t>
+                      <m:t>&gt;</m:t>
                     </m:r>
                     <m:r>
                       <a:rPr lang="en-US" altLang="zh-TW" sz="2000" i="1">
@@ -33048,7 +34995,7 @@
                 <a14:m>
                   <m:oMath xmlns:m="http://schemas.openxmlformats.org/officeDocument/2006/math">
                     <m:r>
-                      <a:rPr lang="en-US" altLang="zh-TW" sz="2000" i="1" dirty="0" smtClean="0">
+                      <a:rPr lang="en-US" altLang="zh-TW" sz="2000" i="1" dirty="0">
                         <a:latin typeface="Cambria Math" panose="02040503050406030204" pitchFamily="18" charset="0"/>
                       </a:rPr>
                       <m:t>𝐴</m:t>
@@ -33057,12 +35004,12 @@
                 </a14:m>
                 <a:r>
                   <a:rPr lang="en-US" altLang="zh-TW" sz="2000" dirty="0"/>
-                  <a:t> is greater than or equal to </a:t>
+                  <a:t> is strictly greater than </a:t>
                 </a:r>
                 <a14:m>
                   <m:oMath xmlns:m="http://schemas.openxmlformats.org/officeDocument/2006/math">
                     <m:r>
-                      <a:rPr lang="en-US" altLang="zh-TW" sz="2000" i="1" dirty="0" smtClean="0">
+                      <a:rPr lang="en-US" altLang="zh-TW" sz="2000" i="1" dirty="0">
                         <a:latin typeface="Cambria Math" panose="02040503050406030204" pitchFamily="18" charset="0"/>
                       </a:rPr>
                       <m:t>𝐵</m:t>
@@ -33072,37 +35019,6 @@
                 <a:r>
                   <a:rPr lang="en-US" altLang="zh-TW" sz="2000" dirty="0"/>
                   <a:t>.</a:t>
-                </a:r>
-              </a:p>
-              <a:p>
-                <a:pPr lvl="3">
-                  <a:spcBef>
-                    <a:spcPts val="1000"/>
-                  </a:spcBef>
-                  <a:defRPr sz="2000">
-                    <a:solidFill>
-                      <a:srgbClr val="000000"/>
-                    </a:solidFill>
-                    <a:latin typeface="Garamond"/>
-                  </a:defRPr>
-                </a:pPr>
-                <a:endParaRPr lang="en-US" altLang="zh-TW" sz="1200" dirty="0"/>
-              </a:p>
-              <a:p>
-                <a:pPr>
-                  <a:spcBef>
-                    <a:spcPts val="1000"/>
-                  </a:spcBef>
-                  <a:defRPr sz="2000">
-                    <a:solidFill>
-                      <a:srgbClr val="000000"/>
-                    </a:solidFill>
-                    <a:latin typeface="Garamond"/>
-                  </a:defRPr>
-                </a:pPr>
-                <a:r>
-                  <a:rPr lang="en-US" altLang="zh-TW" sz="2400" dirty="0"/>
-                  <a:t>Next, we examine the baseline assumptions imposed on preference relations.</a:t>
                 </a:r>
               </a:p>
               <a:p>
@@ -33120,7 +35036,7 @@
                 <a:endParaRPr lang="en-US" altLang="zh-TW" sz="2000" dirty="0"/>
               </a:p>
               <a:p>
-                <a:pPr>
+                <a:pPr lvl="3">
                   <a:spcBef>
                     <a:spcPts val="1000"/>
                   </a:spcBef>
@@ -33131,26 +35047,12 @@
                     <a:latin typeface="Garamond"/>
                   </a:defRPr>
                 </a:pPr>
-                <a:endParaRPr lang="en-US" altLang="zh-TW" sz="2400" dirty="0"/>
-              </a:p>
-              <a:p>
-                <a:pPr lvl="1">
-                  <a:spcBef>
-                    <a:spcPts val="1000"/>
-                  </a:spcBef>
-                  <a:defRPr sz="2000">
-                    <a:solidFill>
-                      <a:srgbClr val="000000"/>
-                    </a:solidFill>
-                    <a:latin typeface="Garamond"/>
-                  </a:defRPr>
-                </a:pPr>
-                <a:endParaRPr lang="en-US" altLang="zh-TW" sz="2000" dirty="0"/>
+                <a:endParaRPr lang="en-US" altLang="zh-TW" sz="1200" dirty="0"/>
               </a:p>
             </p:txBody>
           </p:sp>
         </mc:Choice>
-        <mc:Fallback xmlns="">
+        <mc:Fallback>
           <p:sp>
             <p:nvSpPr>
               <p:cNvPr id="3" name="Content Placeholder 2">
@@ -33503,33 +35405,15 @@
                                   </p:childTnLst>
                                 </p:cTn>
                               </p:par>
-                            </p:childTnLst>
-                          </p:cTn>
-                        </p:par>
-                      </p:childTnLst>
-                    </p:cTn>
-                  </p:par>
-                  <p:par>
-                    <p:cTn id="8" fill="hold">
-                      <p:stCondLst>
-                        <p:cond delay="indefinite"/>
-                      </p:stCondLst>
-                      <p:childTnLst>
-                        <p:par>
-                          <p:cTn id="9" fill="hold">
-                            <p:stCondLst>
-                              <p:cond delay="0"/>
-                            </p:stCondLst>
-                            <p:childTnLst>
                               <p:par>
-                                <p:cTn id="10" presetID="10" presetClass="entr" presetSubtype="0" fill="hold" nodeType="clickEffect">
+                                <p:cTn id="8" presetID="10" presetClass="entr" presetSubtype="0" fill="hold" nodeType="withEffect">
                                   <p:stCondLst>
                                     <p:cond delay="0"/>
                                   </p:stCondLst>
                                   <p:childTnLst>
                                     <p:set>
                                       <p:cBhvr>
-                                        <p:cTn id="11" dur="1" fill="hold">
+                                        <p:cTn id="9" dur="1" fill="hold">
                                           <p:stCondLst>
                                             <p:cond delay="0"/>
                                           </p:stCondLst>
@@ -33551,7 +35435,7 @@
                                     </p:set>
                                     <p:animEffect transition="in" filter="fade">
                                       <p:cBhvr>
-                                        <p:cTn id="12" dur="500"/>
+                                        <p:cTn id="10" dur="500"/>
                                         <p:tgtEl>
                                           <p:spTgt spid="3">
                                             <p:txEl>
@@ -33564,33 +35448,15 @@
                                   </p:childTnLst>
                                 </p:cTn>
                               </p:par>
-                            </p:childTnLst>
-                          </p:cTn>
-                        </p:par>
-                      </p:childTnLst>
-                    </p:cTn>
-                  </p:par>
-                  <p:par>
-                    <p:cTn id="13" fill="hold">
-                      <p:stCondLst>
-                        <p:cond delay="indefinite"/>
-                      </p:stCondLst>
-                      <p:childTnLst>
-                        <p:par>
-                          <p:cTn id="14" fill="hold">
-                            <p:stCondLst>
-                              <p:cond delay="0"/>
-                            </p:stCondLst>
-                            <p:childTnLst>
                               <p:par>
-                                <p:cTn id="15" presetID="10" presetClass="entr" presetSubtype="0" fill="hold" nodeType="clickEffect">
+                                <p:cTn id="11" presetID="10" presetClass="entr" presetSubtype="0" fill="hold" nodeType="withEffect">
                                   <p:stCondLst>
                                     <p:cond delay="0"/>
                                   </p:stCondLst>
                                   <p:childTnLst>
                                     <p:set>
                                       <p:cBhvr>
-                                        <p:cTn id="16" dur="1" fill="hold">
+                                        <p:cTn id="12" dur="1" fill="hold">
                                           <p:stCondLst>
                                             <p:cond delay="0"/>
                                           </p:stCondLst>
@@ -33612,7 +35478,7 @@
                                     </p:set>
                                     <p:animEffect transition="in" filter="fade">
                                       <p:cBhvr>
-                                        <p:cTn id="17" dur="500"/>
+                                        <p:cTn id="13" dur="500"/>
                                         <p:tgtEl>
                                           <p:spTgt spid="3">
                                             <p:txEl>
@@ -33625,32 +35491,100 @@
                                   </p:childTnLst>
                                 </p:cTn>
                               </p:par>
-                            </p:childTnLst>
-                          </p:cTn>
-                        </p:par>
-                      </p:childTnLst>
-                    </p:cTn>
-                  </p:par>
-                  <p:par>
-                    <p:cTn id="18" fill="hold">
-                      <p:stCondLst>
-                        <p:cond delay="indefinite"/>
-                      </p:stCondLst>
-                      <p:childTnLst>
-                        <p:par>
-                          <p:cTn id="19" fill="hold">
-                            <p:stCondLst>
-                              <p:cond delay="0"/>
-                            </p:stCondLst>
-                            <p:childTnLst>
                               <p:par>
-                                <p:cTn id="20" presetID="10" presetClass="entr" presetSubtype="0" fill="hold" nodeType="clickEffect">
+                                <p:cTn id="14" presetID="10" presetClass="entr" presetSubtype="0" fill="hold" nodeType="withEffect">
                                   <p:stCondLst>
                                     <p:cond delay="0"/>
                                   </p:stCondLst>
                                   <p:childTnLst>
                                     <p:set>
                                       <p:cBhvr>
+                                        <p:cTn id="15" dur="1" fill="hold">
+                                          <p:stCondLst>
+                                            <p:cond delay="0"/>
+                                          </p:stCondLst>
+                                        </p:cTn>
+                                        <p:tgtEl>
+                                          <p:spTgt spid="3">
+                                            <p:txEl>
+                                              <p:pRg st="3" end="3"/>
+                                            </p:txEl>
+                                          </p:spTgt>
+                                        </p:tgtEl>
+                                        <p:attrNameLst>
+                                          <p:attrName>style.visibility</p:attrName>
+                                        </p:attrNameLst>
+                                      </p:cBhvr>
+                                      <p:to>
+                                        <p:strVal val="visible"/>
+                                      </p:to>
+                                    </p:set>
+                                    <p:animEffect transition="in" filter="fade">
+                                      <p:cBhvr>
+                                        <p:cTn id="16" dur="500"/>
+                                        <p:tgtEl>
+                                          <p:spTgt spid="3">
+                                            <p:txEl>
+                                              <p:pRg st="3" end="3"/>
+                                            </p:txEl>
+                                          </p:spTgt>
+                                        </p:tgtEl>
+                                      </p:cBhvr>
+                                    </p:animEffect>
+                                  </p:childTnLst>
+                                </p:cTn>
+                              </p:par>
+                              <p:par>
+                                <p:cTn id="17" presetID="10" presetClass="entr" presetSubtype="0" fill="hold" nodeType="withEffect">
+                                  <p:stCondLst>
+                                    <p:cond delay="0"/>
+                                  </p:stCondLst>
+                                  <p:childTnLst>
+                                    <p:set>
+                                      <p:cBhvr>
+                                        <p:cTn id="18" dur="1" fill="hold">
+                                          <p:stCondLst>
+                                            <p:cond delay="0"/>
+                                          </p:stCondLst>
+                                        </p:cTn>
+                                        <p:tgtEl>
+                                          <p:spTgt spid="3">
+                                            <p:txEl>
+                                              <p:pRg st="4" end="4"/>
+                                            </p:txEl>
+                                          </p:spTgt>
+                                        </p:tgtEl>
+                                        <p:attrNameLst>
+                                          <p:attrName>style.visibility</p:attrName>
+                                        </p:attrNameLst>
+                                      </p:cBhvr>
+                                      <p:to>
+                                        <p:strVal val="visible"/>
+                                      </p:to>
+                                    </p:set>
+                                    <p:animEffect transition="in" filter="fade">
+                                      <p:cBhvr>
+                                        <p:cTn id="19" dur="500"/>
+                                        <p:tgtEl>
+                                          <p:spTgt spid="3">
+                                            <p:txEl>
+                                              <p:pRg st="4" end="4"/>
+                                            </p:txEl>
+                                          </p:spTgt>
+                                        </p:tgtEl>
+                                      </p:cBhvr>
+                                    </p:animEffect>
+                                  </p:childTnLst>
+                                </p:cTn>
+                              </p:par>
+                              <p:par>
+                                <p:cTn id="20" presetID="10" presetClass="entr" presetSubtype="0" fill="hold" nodeType="withEffect">
+                                  <p:stCondLst>
+                                    <p:cond delay="0"/>
+                                  </p:stCondLst>
+                                  <p:childTnLst>
+                                    <p:set>
+                                      <p:cBhvr>
                                         <p:cTn id="21" dur="1" fill="hold">
                                           <p:stCondLst>
                                             <p:cond delay="0"/>
@@ -33659,7 +35593,7 @@
                                         <p:tgtEl>
                                           <p:spTgt spid="3">
                                             <p:txEl>
-                                              <p:pRg st="3" end="3"/>
+                                              <p:pRg st="5" end="5"/>
                                             </p:txEl>
                                           </p:spTgt>
                                         </p:tgtEl>
@@ -33677,7 +35611,7 @@
                                         <p:tgtEl>
                                           <p:spTgt spid="3">
                                             <p:txEl>
-                                              <p:pRg st="3" end="3"/>
+                                              <p:pRg st="5" end="5"/>
                                             </p:txEl>
                                           </p:spTgt>
                                         </p:tgtEl>
@@ -33720,7 +35654,7 @@
                                         <p:tgtEl>
                                           <p:spTgt spid="3">
                                             <p:txEl>
-                                              <p:pRg st="5" end="5"/>
+                                              <p:pRg st="7" end="7"/>
                                             </p:txEl>
                                           </p:spTgt>
                                         </p:tgtEl>
@@ -33738,7 +35672,7 @@
                                         <p:tgtEl>
                                           <p:spTgt spid="3">
                                             <p:txEl>
-                                              <p:pRg st="5" end="5"/>
+                                              <p:pRg st="7" end="7"/>
                                             </p:txEl>
                                           </p:spTgt>
                                         </p:tgtEl>
@@ -33747,33 +35681,15 @@
                                   </p:childTnLst>
                                 </p:cTn>
                               </p:par>
-                            </p:childTnLst>
-                          </p:cTn>
-                        </p:par>
-                      </p:childTnLst>
-                    </p:cTn>
-                  </p:par>
-                  <p:par>
-                    <p:cTn id="28" fill="hold">
-                      <p:stCondLst>
-                        <p:cond delay="indefinite"/>
-                      </p:stCondLst>
-                      <p:childTnLst>
-                        <p:par>
-                          <p:cTn id="29" fill="hold">
-                            <p:stCondLst>
-                              <p:cond delay="0"/>
-                            </p:stCondLst>
-                            <p:childTnLst>
                               <p:par>
-                                <p:cTn id="30" presetID="10" presetClass="entr" presetSubtype="0" fill="hold" nodeType="clickEffect">
+                                <p:cTn id="28" presetID="10" presetClass="entr" presetSubtype="0" fill="hold" nodeType="withEffect">
                                   <p:stCondLst>
                                     <p:cond delay="0"/>
                                   </p:stCondLst>
                                   <p:childTnLst>
                                     <p:set>
                                       <p:cBhvr>
-                                        <p:cTn id="31" dur="1" fill="hold">
+                                        <p:cTn id="29" dur="1" fill="hold">
                                           <p:stCondLst>
                                             <p:cond delay="0"/>
                                           </p:stCondLst>
@@ -33781,7 +35697,7 @@
                                         <p:tgtEl>
                                           <p:spTgt spid="3">
                                             <p:txEl>
-                                              <p:pRg st="6" end="6"/>
+                                              <p:pRg st="8" end="8"/>
                                             </p:txEl>
                                           </p:spTgt>
                                         </p:tgtEl>
@@ -33795,11 +35711,11 @@
                                     </p:set>
                                     <p:animEffect transition="in" filter="fade">
                                       <p:cBhvr>
-                                        <p:cTn id="32" dur="500"/>
+                                        <p:cTn id="30" dur="500"/>
                                         <p:tgtEl>
                                           <p:spTgt spid="3">
                                             <p:txEl>
-                                              <p:pRg st="6" end="6"/>
+                                              <p:pRg st="8" end="8"/>
                                             </p:txEl>
                                           </p:spTgt>
                                         </p:tgtEl>
@@ -33808,33 +35724,15 @@
                                   </p:childTnLst>
                                 </p:cTn>
                               </p:par>
-                            </p:childTnLst>
-                          </p:cTn>
-                        </p:par>
-                      </p:childTnLst>
-                    </p:cTn>
-                  </p:par>
-                  <p:par>
-                    <p:cTn id="33" fill="hold">
-                      <p:stCondLst>
-                        <p:cond delay="indefinite"/>
-                      </p:stCondLst>
-                      <p:childTnLst>
-                        <p:par>
-                          <p:cTn id="34" fill="hold">
-                            <p:stCondLst>
-                              <p:cond delay="0"/>
-                            </p:stCondLst>
-                            <p:childTnLst>
                               <p:par>
-                                <p:cTn id="35" presetID="10" presetClass="entr" presetSubtype="0" fill="hold" nodeType="clickEffect">
+                                <p:cTn id="31" presetID="10" presetClass="entr" presetSubtype="0" fill="hold" nodeType="withEffect">
                                   <p:stCondLst>
                                     <p:cond delay="0"/>
                                   </p:stCondLst>
                                   <p:childTnLst>
                                     <p:set>
                                       <p:cBhvr>
-                                        <p:cTn id="36" dur="1" fill="hold">
+                                        <p:cTn id="32" dur="1" fill="hold">
                                           <p:stCondLst>
                                             <p:cond delay="0"/>
                                           </p:stCondLst>
@@ -33842,7 +35740,7 @@
                                         <p:tgtEl>
                                           <p:spTgt spid="3">
                                             <p:txEl>
-                                              <p:pRg st="7" end="7"/>
+                                              <p:pRg st="9" end="9"/>
                                             </p:txEl>
                                           </p:spTgt>
                                         </p:tgtEl>
@@ -33856,11 +35754,11 @@
                                     </p:set>
                                     <p:animEffect transition="in" filter="fade">
                                       <p:cBhvr>
-                                        <p:cTn id="37" dur="500"/>
+                                        <p:cTn id="33" dur="500"/>
                                         <p:tgtEl>
                                           <p:spTgt spid="3">
                                             <p:txEl>
-                                              <p:pRg st="7" end="7"/>
+                                              <p:pRg st="9" end="9"/>
                                             </p:txEl>
                                           </p:spTgt>
                                         </p:tgtEl>
@@ -33869,33 +35767,15 @@
                                   </p:childTnLst>
                                 </p:cTn>
                               </p:par>
-                            </p:childTnLst>
-                          </p:cTn>
-                        </p:par>
-                      </p:childTnLst>
-                    </p:cTn>
-                  </p:par>
-                  <p:par>
-                    <p:cTn id="38" fill="hold">
-                      <p:stCondLst>
-                        <p:cond delay="indefinite"/>
-                      </p:stCondLst>
-                      <p:childTnLst>
-                        <p:par>
-                          <p:cTn id="39" fill="hold">
-                            <p:stCondLst>
-                              <p:cond delay="0"/>
-                            </p:stCondLst>
-                            <p:childTnLst>
                               <p:par>
-                                <p:cTn id="40" presetID="10" presetClass="entr" presetSubtype="0" fill="hold" nodeType="clickEffect">
+                                <p:cTn id="34" presetID="10" presetClass="entr" presetSubtype="0" fill="hold" nodeType="withEffect">
                                   <p:stCondLst>
                                     <p:cond delay="0"/>
                                   </p:stCondLst>
                                   <p:childTnLst>
                                     <p:set>
                                       <p:cBhvr>
-                                        <p:cTn id="41" dur="1" fill="hold">
+                                        <p:cTn id="35" dur="1" fill="hold">
                                           <p:stCondLst>
                                             <p:cond delay="0"/>
                                           </p:stCondLst>
@@ -33903,7 +35783,7 @@
                                         <p:tgtEl>
                                           <p:spTgt spid="3">
                                             <p:txEl>
-                                              <p:pRg st="8" end="8"/>
+                                              <p:pRg st="10" end="10"/>
                                             </p:txEl>
                                           </p:spTgt>
                                         </p:tgtEl>
@@ -33917,68 +35797,7 @@
                                     </p:set>
                                     <p:animEffect transition="in" filter="fade">
                                       <p:cBhvr>
-                                        <p:cTn id="42" dur="500"/>
-                                        <p:tgtEl>
-                                          <p:spTgt spid="3">
-                                            <p:txEl>
-                                              <p:pRg st="8" end="8"/>
-                                            </p:txEl>
-                                          </p:spTgt>
-                                        </p:tgtEl>
-                                      </p:cBhvr>
-                                    </p:animEffect>
-                                  </p:childTnLst>
-                                </p:cTn>
-                              </p:par>
-                            </p:childTnLst>
-                          </p:cTn>
-                        </p:par>
-                      </p:childTnLst>
-                    </p:cTn>
-                  </p:par>
-                  <p:par>
-                    <p:cTn id="43" fill="hold">
-                      <p:stCondLst>
-                        <p:cond delay="indefinite"/>
-                      </p:stCondLst>
-                      <p:childTnLst>
-                        <p:par>
-                          <p:cTn id="44" fill="hold">
-                            <p:stCondLst>
-                              <p:cond delay="0"/>
-                            </p:stCondLst>
-                            <p:childTnLst>
-                              <p:par>
-                                <p:cTn id="45" presetID="10" presetClass="entr" presetSubtype="0" fill="hold" nodeType="clickEffect">
-                                  <p:stCondLst>
-                                    <p:cond delay="0"/>
-                                  </p:stCondLst>
-                                  <p:childTnLst>
-                                    <p:set>
-                                      <p:cBhvr>
-                                        <p:cTn id="46" dur="1" fill="hold">
-                                          <p:stCondLst>
-                                            <p:cond delay="0"/>
-                                          </p:stCondLst>
-                                        </p:cTn>
-                                        <p:tgtEl>
-                                          <p:spTgt spid="3">
-                                            <p:txEl>
-                                              <p:pRg st="10" end="10"/>
-                                            </p:txEl>
-                                          </p:spTgt>
-                                        </p:tgtEl>
-                                        <p:attrNameLst>
-                                          <p:attrName>style.visibility</p:attrName>
-                                        </p:attrNameLst>
-                                      </p:cBhvr>
-                                      <p:to>
-                                        <p:strVal val="visible"/>
-                                      </p:to>
-                                    </p:set>
-                                    <p:animEffect transition="in" filter="fade">
-                                      <p:cBhvr>
-                                        <p:cTn id="47" dur="500"/>
+                                        <p:cTn id="36" dur="500"/>
                                         <p:tgtEl>
                                           <p:spTgt spid="3">
                                             <p:txEl>
@@ -34274,34 +36093,6 @@
               <a:t>Continuity</a:t>
             </a:r>
           </a:p>
-          <a:p>
-            <a:pPr>
-              <a:spcBef>
-                <a:spcPts val="1000"/>
-              </a:spcBef>
-              <a:defRPr sz="2000">
-                <a:solidFill>
-                  <a:srgbClr val="000000"/>
-                </a:solidFill>
-                <a:latin typeface="Garamond"/>
-              </a:defRPr>
-            </a:pPr>
-            <a:endParaRPr lang="en-US" altLang="zh-TW" sz="2400" dirty="0"/>
-          </a:p>
-          <a:p>
-            <a:pPr lvl="1">
-              <a:spcBef>
-                <a:spcPts val="1000"/>
-              </a:spcBef>
-              <a:defRPr sz="2000">
-                <a:solidFill>
-                  <a:srgbClr val="000000"/>
-                </a:solidFill>
-                <a:latin typeface="Garamond"/>
-              </a:defRPr>
-            </a:pPr>
-            <a:endParaRPr lang="en-US" altLang="zh-TW" sz="2000" dirty="0"/>
-          </a:p>
         </p:txBody>
       </p:sp>
       <p:sp>
@@ -34537,6 +36328,306 @@
           </a:p>
         </p:txBody>
       </p:sp>
+      <p:sp>
+        <p:nvSpPr>
+          <p:cNvPr id="8" name="Right Brace 7">
+            <a:extLst>
+              <a:ext uri="{FF2B5EF4-FFF2-40B4-BE49-F238E27FC236}">
+                <a16:creationId xmlns:a16="http://schemas.microsoft.com/office/drawing/2014/main" id="{474BEA06-22CC-F242-E6C0-52E916D15C34}"/>
+              </a:ext>
+            </a:extLst>
+          </p:cNvPr>
+          <p:cNvSpPr/>
+          <p:nvPr/>
+        </p:nvSpPr>
+        <p:spPr>
+          <a:xfrm>
+            <a:off x="2756914" y="1435608"/>
+            <a:ext cx="277369" cy="1810512"/>
+          </a:xfrm>
+          <a:prstGeom prst="rightBrace">
+            <a:avLst>
+              <a:gd name="adj1" fmla="val 8333"/>
+              <a:gd name="adj2" fmla="val 16667"/>
+            </a:avLst>
+          </a:prstGeom>
+          <a:ln w="9525">
+            <a:solidFill>
+              <a:srgbClr val="77122C"/>
+            </a:solidFill>
+          </a:ln>
+        </p:spPr>
+        <p:style>
+          <a:lnRef idx="2">
+            <a:schemeClr val="accent1"/>
+          </a:lnRef>
+          <a:fillRef idx="0">
+            <a:schemeClr val="accent1"/>
+          </a:fillRef>
+          <a:effectRef idx="1">
+            <a:schemeClr val="accent1"/>
+          </a:effectRef>
+          <a:fontRef idx="minor">
+            <a:schemeClr val="tx1"/>
+          </a:fontRef>
+        </p:style>
+        <p:txBody>
+          <a:bodyPr rtlCol="0" anchor="ctr"/>
+          <a:lstStyle/>
+          <a:p>
+            <a:pPr algn="ctr"/>
+            <a:endParaRPr lang="en-US"/>
+          </a:p>
+        </p:txBody>
+      </p:sp>
+      <p:sp>
+        <p:nvSpPr>
+          <p:cNvPr id="9" name="Rectangle 8">
+            <a:extLst>
+              <a:ext uri="{FF2B5EF4-FFF2-40B4-BE49-F238E27FC236}">
+                <a16:creationId xmlns:a16="http://schemas.microsoft.com/office/drawing/2014/main" id="{186516BA-5625-CF42-2447-714A806F5F71}"/>
+              </a:ext>
+            </a:extLst>
+          </p:cNvPr>
+          <p:cNvSpPr/>
+          <p:nvPr/>
+        </p:nvSpPr>
+        <p:spPr>
+          <a:xfrm>
+            <a:off x="3130294" y="1435608"/>
+            <a:ext cx="5992369" cy="1325880"/>
+          </a:xfrm>
+          <a:prstGeom prst="rect">
+            <a:avLst/>
+          </a:prstGeom>
+          <a:solidFill>
+            <a:schemeClr val="bg1"/>
+          </a:solidFill>
+          <a:ln>
+            <a:solidFill>
+              <a:srgbClr val="77122C"/>
+            </a:solidFill>
+          </a:ln>
+        </p:spPr>
+        <p:style>
+          <a:lnRef idx="1">
+            <a:schemeClr val="accent1"/>
+          </a:lnRef>
+          <a:fillRef idx="3">
+            <a:schemeClr val="accent1"/>
+          </a:fillRef>
+          <a:effectRef idx="2">
+            <a:schemeClr val="accent1"/>
+          </a:effectRef>
+          <a:fontRef idx="minor">
+            <a:schemeClr val="lt1"/>
+          </a:fontRef>
+        </p:style>
+        <p:txBody>
+          <a:bodyPr rtlCol="0" anchor="ctr"/>
+          <a:lstStyle/>
+          <a:p>
+            <a:r>
+              <a:rPr lang="en-US" dirty="0">
+                <a:solidFill>
+                  <a:schemeClr val="tx1"/>
+                </a:solidFill>
+                <a:latin typeface="Garamond" panose="02020404030301010803" pitchFamily="18" charset="0"/>
+              </a:rPr>
+              <a:t>Preference relations that satisfy completeness, reflexivity, and transitivity are said to be </a:t>
+            </a:r>
+            <a:r>
+              <a:rPr lang="en-US" b="1" dirty="0">
+                <a:solidFill>
+                  <a:schemeClr val="tx1"/>
+                </a:solidFill>
+                <a:latin typeface="Garamond" panose="02020404030301010803" pitchFamily="18" charset="0"/>
+              </a:rPr>
+              <a:t>Rational</a:t>
+            </a:r>
+            <a:r>
+              <a:rPr lang="en-US" dirty="0">
+                <a:solidFill>
+                  <a:schemeClr val="tx1"/>
+                </a:solidFill>
+                <a:latin typeface="Garamond" panose="02020404030301010803" pitchFamily="18" charset="0"/>
+              </a:rPr>
+              <a:t>.</a:t>
+            </a:r>
+          </a:p>
+          <a:p>
+            <a:pPr marL="285750" indent="-285750">
+              <a:buFont typeface="Arial" panose="020B0604020202020204" pitchFamily="34" charset="0"/>
+              <a:buChar char="•"/>
+            </a:pPr>
+            <a:r>
+              <a:rPr lang="en-US" sz="1600" dirty="0">
+                <a:solidFill>
+                  <a:schemeClr val="tx1"/>
+                </a:solidFill>
+                <a:latin typeface="Garamond" panose="02020404030301010803" pitchFamily="18" charset="0"/>
+              </a:rPr>
+              <a:t>Rationality does not imply realism, nor does it imply optimal behavior.</a:t>
+            </a:r>
+          </a:p>
+          <a:p>
+            <a:pPr marL="285750" indent="-285750">
+              <a:buFont typeface="Arial" panose="020B0604020202020204" pitchFamily="34" charset="0"/>
+              <a:buChar char="•"/>
+            </a:pPr>
+            <a:r>
+              <a:rPr lang="en-US" sz="1600" dirty="0">
+                <a:solidFill>
+                  <a:schemeClr val="tx1"/>
+                </a:solidFill>
+                <a:latin typeface="Garamond" panose="02020404030301010803" pitchFamily="18" charset="0"/>
+              </a:rPr>
+              <a:t>Rationality ensures preferences are internally consistent.</a:t>
+            </a:r>
+          </a:p>
+          <a:p>
+            <a:pPr marL="285750" indent="-285750">
+              <a:buFont typeface="Arial" panose="020B0604020202020204" pitchFamily="34" charset="0"/>
+              <a:buChar char="•"/>
+            </a:pPr>
+            <a:r>
+              <a:rPr lang="en-US" sz="1600" dirty="0">
+                <a:solidFill>
+                  <a:schemeClr val="tx1"/>
+                </a:solidFill>
+                <a:latin typeface="Garamond" panose="02020404030301010803" pitchFamily="18" charset="0"/>
+              </a:rPr>
+              <a:t>We will restrict attention to preferences that are rational.</a:t>
+            </a:r>
+          </a:p>
+        </p:txBody>
+      </p:sp>
+      <p:sp>
+        <p:nvSpPr>
+          <p:cNvPr id="10" name="Right Brace 9">
+            <a:extLst>
+              <a:ext uri="{FF2B5EF4-FFF2-40B4-BE49-F238E27FC236}">
+                <a16:creationId xmlns:a16="http://schemas.microsoft.com/office/drawing/2014/main" id="{7A68596A-7D4D-5CB4-989E-05E6864792C3}"/>
+              </a:ext>
+            </a:extLst>
+          </p:cNvPr>
+          <p:cNvSpPr/>
+          <p:nvPr/>
+        </p:nvSpPr>
+        <p:spPr>
+          <a:xfrm>
+            <a:off x="2756914" y="3842840"/>
+            <a:ext cx="277369" cy="1810512"/>
+          </a:xfrm>
+          <a:prstGeom prst="rightBrace">
+            <a:avLst>
+              <a:gd name="adj1" fmla="val 8333"/>
+              <a:gd name="adj2" fmla="val 16667"/>
+            </a:avLst>
+          </a:prstGeom>
+          <a:ln w="9525">
+            <a:solidFill>
+              <a:srgbClr val="77122C"/>
+            </a:solidFill>
+          </a:ln>
+        </p:spPr>
+        <p:style>
+          <a:lnRef idx="2">
+            <a:schemeClr val="accent1"/>
+          </a:lnRef>
+          <a:fillRef idx="0">
+            <a:schemeClr val="accent1"/>
+          </a:fillRef>
+          <a:effectRef idx="1">
+            <a:schemeClr val="accent1"/>
+          </a:effectRef>
+          <a:fontRef idx="minor">
+            <a:schemeClr val="tx1"/>
+          </a:fontRef>
+        </p:style>
+        <p:txBody>
+          <a:bodyPr rtlCol="0" anchor="ctr"/>
+          <a:lstStyle/>
+          <a:p>
+            <a:pPr algn="ctr"/>
+            <a:endParaRPr lang="en-US" dirty="0"/>
+          </a:p>
+        </p:txBody>
+      </p:sp>
+      <p:sp>
+        <p:nvSpPr>
+          <p:cNvPr id="11" name="Rectangle 10">
+            <a:extLst>
+              <a:ext uri="{FF2B5EF4-FFF2-40B4-BE49-F238E27FC236}">
+                <a16:creationId xmlns:a16="http://schemas.microsoft.com/office/drawing/2014/main" id="{29674E6D-1B7A-FBEB-5BBE-E5550F9DB17D}"/>
+              </a:ext>
+            </a:extLst>
+          </p:cNvPr>
+          <p:cNvSpPr/>
+          <p:nvPr/>
+        </p:nvSpPr>
+        <p:spPr>
+          <a:xfrm>
+            <a:off x="3034283" y="3842840"/>
+            <a:ext cx="5734813" cy="893752"/>
+          </a:xfrm>
+          <a:prstGeom prst="rect">
+            <a:avLst/>
+          </a:prstGeom>
+          <a:solidFill>
+            <a:schemeClr val="bg1"/>
+          </a:solidFill>
+          <a:ln>
+            <a:solidFill>
+              <a:srgbClr val="77122C"/>
+            </a:solidFill>
+          </a:ln>
+        </p:spPr>
+        <p:style>
+          <a:lnRef idx="1">
+            <a:schemeClr val="accent1"/>
+          </a:lnRef>
+          <a:fillRef idx="3">
+            <a:schemeClr val="accent1"/>
+          </a:fillRef>
+          <a:effectRef idx="2">
+            <a:schemeClr val="accent1"/>
+          </a:effectRef>
+          <a:fontRef idx="minor">
+            <a:schemeClr val="lt1"/>
+          </a:fontRef>
+        </p:style>
+        <p:txBody>
+          <a:bodyPr rtlCol="0" anchor="ctr"/>
+          <a:lstStyle/>
+          <a:p>
+            <a:r>
+              <a:rPr lang="en-US" dirty="0">
+                <a:solidFill>
+                  <a:schemeClr val="tx1"/>
+                </a:solidFill>
+                <a:latin typeface="Garamond" panose="02020404030301010803" pitchFamily="18" charset="0"/>
+              </a:rPr>
+              <a:t>These additional axioms are often imposed when we study “well-behaved” preferences.</a:t>
+            </a:r>
+          </a:p>
+          <a:p>
+            <a:pPr marL="285750" indent="-285750">
+              <a:buFont typeface="Arial" panose="020B0604020202020204" pitchFamily="34" charset="0"/>
+              <a:buChar char="•"/>
+            </a:pPr>
+            <a:r>
+              <a:rPr lang="en-US" sz="1600" dirty="0">
+                <a:solidFill>
+                  <a:schemeClr val="tx1"/>
+                </a:solidFill>
+                <a:latin typeface="Garamond" panose="02020404030301010803" pitchFamily="18" charset="0"/>
+              </a:rPr>
+              <a:t>These assumptions give us nicer geometry and sharper predictions.</a:t>
+            </a:r>
+          </a:p>
+        </p:txBody>
+      </p:sp>
     </p:spTree>
     <p:extLst>
       <p:ext uri="{BB962C8B-B14F-4D97-AF65-F5344CB8AC3E}">
@@ -34754,7 +36845,7 @@
                             </p:stCondLst>
                             <p:childTnLst>
                               <p:par>
-                                <p:cTn id="20" presetID="10" presetClass="entr" presetSubtype="0" fill="hold" nodeType="clickEffect">
+                                <p:cTn id="20" presetID="10" presetClass="entr" presetSubtype="0" fill="hold" grpId="0" nodeType="clickEffect">
                                   <p:stCondLst>
                                     <p:cond delay="0"/>
                                   </p:stCondLst>
@@ -34767,11 +36858,7 @@
                                           </p:stCondLst>
                                         </p:cTn>
                                         <p:tgtEl>
-                                          <p:spTgt spid="3">
-                                            <p:txEl>
-                                              <p:pRg st="6" end="6"/>
-                                            </p:txEl>
-                                          </p:spTgt>
+                                          <p:spTgt spid="8"/>
                                         </p:tgtEl>
                                         <p:attrNameLst>
                                           <p:attrName>style.visibility</p:attrName>
@@ -34785,11 +36872,42 @@
                                       <p:cBhvr>
                                         <p:cTn id="22" dur="500"/>
                                         <p:tgtEl>
-                                          <p:spTgt spid="3">
-                                            <p:txEl>
-                                              <p:pRg st="6" end="6"/>
-                                            </p:txEl>
-                                          </p:spTgt>
+                                          <p:spTgt spid="8"/>
+                                        </p:tgtEl>
+                                      </p:cBhvr>
+                                    </p:animEffect>
+                                  </p:childTnLst>
+                                </p:cTn>
+                              </p:par>
+                              <p:par>
+                                <p:cTn id="23" presetID="10" presetClass="entr" presetSubtype="0" fill="hold" grpId="0" nodeType="withEffect">
+                                  <p:stCondLst>
+                                    <p:cond delay="0"/>
+                                  </p:stCondLst>
+                                  <p:childTnLst>
+                                    <p:set>
+                                      <p:cBhvr>
+                                        <p:cTn id="24" dur="1" fill="hold">
+                                          <p:stCondLst>
+                                            <p:cond delay="0"/>
+                                          </p:stCondLst>
+                                        </p:cTn>
+                                        <p:tgtEl>
+                                          <p:spTgt spid="9"/>
+                                        </p:tgtEl>
+                                        <p:attrNameLst>
+                                          <p:attrName>style.visibility</p:attrName>
+                                        </p:attrNameLst>
+                                      </p:cBhvr>
+                                      <p:to>
+                                        <p:strVal val="visible"/>
+                                      </p:to>
+                                    </p:set>
+                                    <p:animEffect transition="in" filter="fade">
+                                      <p:cBhvr>
+                                        <p:cTn id="25" dur="500"/>
+                                        <p:tgtEl>
+                                          <p:spTgt spid="9"/>
                                         </p:tgtEl>
                                       </p:cBhvr>
                                     </p:animEffect>
@@ -34803,26 +36921,26 @@
                     </p:cTn>
                   </p:par>
                   <p:par>
-                    <p:cTn id="23" fill="hold">
+                    <p:cTn id="26" fill="hold">
                       <p:stCondLst>
                         <p:cond delay="indefinite"/>
                       </p:stCondLst>
                       <p:childTnLst>
                         <p:par>
-                          <p:cTn id="24" fill="hold">
+                          <p:cTn id="27" fill="hold">
                             <p:stCondLst>
                               <p:cond delay="0"/>
                             </p:stCondLst>
                             <p:childTnLst>
                               <p:par>
-                                <p:cTn id="25" presetID="10" presetClass="entr" presetSubtype="0" fill="hold" nodeType="clickEffect">
+                                <p:cTn id="28" presetID="10" presetClass="entr" presetSubtype="0" fill="hold" nodeType="clickEffect">
                                   <p:stCondLst>
                                     <p:cond delay="0"/>
                                   </p:stCondLst>
                                   <p:childTnLst>
                                     <p:set>
                                       <p:cBhvr>
-                                        <p:cTn id="26" dur="1" fill="hold">
+                                        <p:cTn id="29" dur="1" fill="hold">
                                           <p:stCondLst>
                                             <p:cond delay="0"/>
                                           </p:stCondLst>
@@ -34830,7 +36948,7 @@
                                         <p:tgtEl>
                                           <p:spTgt spid="3">
                                             <p:txEl>
-                                              <p:pRg st="8" end="8"/>
+                                              <p:pRg st="6" end="6"/>
                                             </p:txEl>
                                           </p:spTgt>
                                         </p:tgtEl>
@@ -34844,11 +36962,11 @@
                                     </p:set>
                                     <p:animEffect transition="in" filter="fade">
                                       <p:cBhvr>
-                                        <p:cTn id="27" dur="500"/>
+                                        <p:cTn id="30" dur="500"/>
                                         <p:tgtEl>
                                           <p:spTgt spid="3">
                                             <p:txEl>
-                                              <p:pRg st="8" end="8"/>
+                                              <p:pRg st="6" end="6"/>
                                             </p:txEl>
                                           </p:spTgt>
                                         </p:tgtEl>
@@ -34864,26 +36982,87 @@
                     </p:cTn>
                   </p:par>
                   <p:par>
-                    <p:cTn id="28" fill="hold">
+                    <p:cTn id="31" fill="hold">
                       <p:stCondLst>
                         <p:cond delay="indefinite"/>
                       </p:stCondLst>
                       <p:childTnLst>
                         <p:par>
-                          <p:cTn id="29" fill="hold">
+                          <p:cTn id="32" fill="hold">
                             <p:stCondLst>
                               <p:cond delay="0"/>
                             </p:stCondLst>
                             <p:childTnLst>
                               <p:par>
-                                <p:cTn id="30" presetID="10" presetClass="entr" presetSubtype="0" fill="hold" nodeType="clickEffect">
+                                <p:cTn id="33" presetID="10" presetClass="entr" presetSubtype="0" fill="hold" nodeType="clickEffect">
                                   <p:stCondLst>
                                     <p:cond delay="0"/>
                                   </p:stCondLst>
                                   <p:childTnLst>
                                     <p:set>
                                       <p:cBhvr>
-                                        <p:cTn id="31" dur="1" fill="hold">
+                                        <p:cTn id="34" dur="1" fill="hold">
+                                          <p:stCondLst>
+                                            <p:cond delay="0"/>
+                                          </p:stCondLst>
+                                        </p:cTn>
+                                        <p:tgtEl>
+                                          <p:spTgt spid="3">
+                                            <p:txEl>
+                                              <p:pRg st="8" end="8"/>
+                                            </p:txEl>
+                                          </p:spTgt>
+                                        </p:tgtEl>
+                                        <p:attrNameLst>
+                                          <p:attrName>style.visibility</p:attrName>
+                                        </p:attrNameLst>
+                                      </p:cBhvr>
+                                      <p:to>
+                                        <p:strVal val="visible"/>
+                                      </p:to>
+                                    </p:set>
+                                    <p:animEffect transition="in" filter="fade">
+                                      <p:cBhvr>
+                                        <p:cTn id="35" dur="500"/>
+                                        <p:tgtEl>
+                                          <p:spTgt spid="3">
+                                            <p:txEl>
+                                              <p:pRg st="8" end="8"/>
+                                            </p:txEl>
+                                          </p:spTgt>
+                                        </p:tgtEl>
+                                      </p:cBhvr>
+                                    </p:animEffect>
+                                  </p:childTnLst>
+                                </p:cTn>
+                              </p:par>
+                            </p:childTnLst>
+                          </p:cTn>
+                        </p:par>
+                      </p:childTnLst>
+                    </p:cTn>
+                  </p:par>
+                  <p:par>
+                    <p:cTn id="36" fill="hold">
+                      <p:stCondLst>
+                        <p:cond delay="indefinite"/>
+                      </p:stCondLst>
+                      <p:childTnLst>
+                        <p:par>
+                          <p:cTn id="37" fill="hold">
+                            <p:stCondLst>
+                              <p:cond delay="0"/>
+                            </p:stCondLst>
+                            <p:childTnLst>
+                              <p:par>
+                                <p:cTn id="38" presetID="10" presetClass="entr" presetSubtype="0" fill="hold" nodeType="clickEffect">
+                                  <p:stCondLst>
+                                    <p:cond delay="0"/>
+                                  </p:stCondLst>
+                                  <p:childTnLst>
+                                    <p:set>
+                                      <p:cBhvr>
+                                        <p:cTn id="39" dur="1" fill="hold">
                                           <p:stCondLst>
                                             <p:cond delay="0"/>
                                           </p:stCondLst>
@@ -34905,13 +37084,101 @@
                                     </p:set>
                                     <p:animEffect transition="in" filter="fade">
                                       <p:cBhvr>
-                                        <p:cTn id="32" dur="500"/>
+                                        <p:cTn id="40" dur="500"/>
                                         <p:tgtEl>
                                           <p:spTgt spid="3">
                                             <p:txEl>
                                               <p:pRg st="10" end="10"/>
                                             </p:txEl>
                                           </p:spTgt>
+                                        </p:tgtEl>
+                                      </p:cBhvr>
+                                    </p:animEffect>
+                                  </p:childTnLst>
+                                </p:cTn>
+                              </p:par>
+                            </p:childTnLst>
+                          </p:cTn>
+                        </p:par>
+                      </p:childTnLst>
+                    </p:cTn>
+                  </p:par>
+                  <p:par>
+                    <p:cTn id="41" fill="hold">
+                      <p:stCondLst>
+                        <p:cond delay="indefinite"/>
+                      </p:stCondLst>
+                      <p:childTnLst>
+                        <p:par>
+                          <p:cTn id="42" fill="hold">
+                            <p:stCondLst>
+                              <p:cond delay="0"/>
+                            </p:stCondLst>
+                            <p:childTnLst>
+                              <p:par>
+                                <p:cTn id="43" presetID="10" presetClass="entr" presetSubtype="0" fill="hold" grpId="0" nodeType="clickEffect">
+                                  <p:stCondLst>
+                                    <p:cond delay="0"/>
+                                  </p:stCondLst>
+                                  <p:childTnLst>
+                                    <p:set>
+                                      <p:cBhvr>
+                                        <p:cTn id="44" dur="1" fill="hold">
+                                          <p:stCondLst>
+                                            <p:cond delay="0"/>
+                                          </p:stCondLst>
+                                        </p:cTn>
+                                        <p:tgtEl>
+                                          <p:spTgt spid="10"/>
+                                        </p:tgtEl>
+                                        <p:attrNameLst>
+                                          <p:attrName>style.visibility</p:attrName>
+                                        </p:attrNameLst>
+                                      </p:cBhvr>
+                                      <p:to>
+                                        <p:strVal val="visible"/>
+                                      </p:to>
+                                    </p:set>
+                                    <p:animEffect transition="in" filter="fade">
+                                      <p:cBhvr>
+                                        <p:cTn id="45" dur="500"/>
+                                        <p:tgtEl>
+                                          <p:spTgt spid="10"/>
+                                        </p:tgtEl>
+                                      </p:cBhvr>
+                                    </p:animEffect>
+                                  </p:childTnLst>
+                                </p:cTn>
+                              </p:par>
+                              <p:par>
+                                <p:cTn id="46" presetID="10" presetClass="entr" presetSubtype="0" fill="hold" grpId="0" nodeType="withEffect">
+                                  <p:stCondLst>
+                                    <p:cond delay="0"/>
+                                  </p:stCondLst>
+                                  <p:childTnLst>
+                                    <p:set>
+                                      <p:cBhvr>
+                                        <p:cTn id="47" dur="1" fill="hold">
+                                          <p:stCondLst>
+                                            <p:cond delay="0"/>
+                                          </p:stCondLst>
+                                        </p:cTn>
+                                        <p:tgtEl>
+                                          <p:spTgt spid="11"/>
+                                        </p:tgtEl>
+                                        <p:attrNameLst>
+                                          <p:attrName>style.visibility</p:attrName>
+                                        </p:attrNameLst>
+                                      </p:cBhvr>
+                                      <p:to>
+                                        <p:strVal val="visible"/>
+                                      </p:to>
+                                    </p:set>
+                                    <p:animEffect transition="in" filter="fade">
+                                      <p:cBhvr>
+                                        <p:cTn id="48" dur="500"/>
+                                        <p:tgtEl>
+                                          <p:spTgt spid="11"/>
                                         </p:tgtEl>
                                       </p:cBhvr>
                                     </p:animEffect>
@@ -34945,6 +37212,12 @@
         </p:cTn>
       </p:par>
     </p:tnLst>
+    <p:bldLst>
+      <p:bldP spid="8" grpId="0" animBg="1"/>
+      <p:bldP spid="9" grpId="0" animBg="1"/>
+      <p:bldP spid="10" grpId="0" animBg="1"/>
+      <p:bldP spid="11" grpId="0" animBg="1"/>
+    </p:bldLst>
   </p:timing>
 </p:sld>
 </file>
@@ -34972,8 +37245,8 @@
           <a:chExt cx="0" cy="0"/>
         </a:xfrm>
       </p:grpSpPr>
-      <mc:AlternateContent xmlns:mc="http://schemas.openxmlformats.org/markup-compatibility/2006" xmlns:a14="http://schemas.microsoft.com/office/drawing/2010/main">
-        <mc:Choice Requires="a14">
+      <mc:AlternateContent xmlns:mc="http://schemas.openxmlformats.org/markup-compatibility/2006">
+        <mc:Choice xmlns:a14="http://schemas.microsoft.com/office/drawing/2010/main" Requires="a14">
           <p:sp>
             <p:nvSpPr>
               <p:cNvPr id="3" name="Content Placeholder 2">
@@ -35383,6 +37656,326 @@
                 </a:r>
               </a:p>
               <a:p>
+                <a:pPr lvl="3">
+                  <a:spcBef>
+                    <a:spcPts val="1000"/>
+                  </a:spcBef>
+                  <a:defRPr sz="2000">
+                    <a:solidFill>
+                      <a:srgbClr val="000000"/>
+                    </a:solidFill>
+                    <a:latin typeface="Garamond"/>
+                  </a:defRPr>
+                </a:pPr>
+                <a:endParaRPr lang="en-US" altLang="zh-TW" sz="1200" dirty="0"/>
+              </a:p>
+              <a:p>
+                <a:pPr>
+                  <a:spcBef>
+                    <a:spcPts val="1000"/>
+                  </a:spcBef>
+                  <a:defRPr sz="2000">
+                    <a:solidFill>
+                      <a:srgbClr val="000000"/>
+                    </a:solidFill>
+                    <a:latin typeface="Garamond"/>
+                  </a:defRPr>
+                </a:pPr>
+                <a:r>
+                  <a:rPr lang="en-US" altLang="zh-TW" sz="2400" dirty="0">
+                    <a:solidFill>
+                      <a:schemeClr val="bg1">
+                        <a:lumMod val="50000"/>
+                      </a:schemeClr>
+                    </a:solidFill>
+                  </a:rPr>
+                  <a:t>Formally: For a consumption set </a:t>
+                </a:r>
+                <a14:m>
+                  <m:oMath xmlns:m="http://schemas.openxmlformats.org/officeDocument/2006/math">
+                    <m:r>
+                      <a:rPr lang="en-US" altLang="zh-TW" sz="2400" i="1" dirty="0" smtClean="0">
+                        <a:solidFill>
+                          <a:schemeClr val="bg1">
+                            <a:lumMod val="50000"/>
+                          </a:schemeClr>
+                        </a:solidFill>
+                        <a:latin typeface="Cambria Math" panose="02040503050406030204" pitchFamily="18" charset="0"/>
+                      </a:rPr>
+                      <m:t>𝑋</m:t>
+                    </m:r>
+                  </m:oMath>
+                </a14:m>
+                <a:r>
+                  <a:rPr lang="en-US" altLang="zh-TW" sz="2400" dirty="0">
+                    <a:solidFill>
+                      <a:schemeClr val="bg1">
+                        <a:lumMod val="50000"/>
+                      </a:schemeClr>
+                    </a:solidFill>
+                  </a:rPr>
+                  <a:t>,</a:t>
+                </a:r>
+              </a:p>
+              <a:p>
+                <a:pPr>
+                  <a:spcBef>
+                    <a:spcPts val="1000"/>
+                  </a:spcBef>
+                  <a:defRPr sz="2000">
+                    <a:solidFill>
+                      <a:srgbClr val="000000"/>
+                    </a:solidFill>
+                    <a:latin typeface="Garamond"/>
+                  </a:defRPr>
+                </a:pPr>
+                <a:endParaRPr lang="en-US" altLang="zh-TW" sz="500" dirty="0">
+                  <a:solidFill>
+                    <a:schemeClr val="bg1">
+                      <a:lumMod val="50000"/>
+                    </a:schemeClr>
+                  </a:solidFill>
+                </a:endParaRPr>
+              </a:p>
+              <a:p>
+                <a:pPr marL="0" indent="0">
+                  <a:spcBef>
+                    <a:spcPts val="1000"/>
+                  </a:spcBef>
+                  <a:buNone/>
+                  <a:defRPr sz="2000">
+                    <a:solidFill>
+                      <a:srgbClr val="000000"/>
+                    </a:solidFill>
+                    <a:latin typeface="Garamond"/>
+                  </a:defRPr>
+                </a:pPr>
+                <a14:m>
+                  <m:oMathPara xmlns:m="http://schemas.openxmlformats.org/officeDocument/2006/math">
+                    <m:oMathParaPr>
+                      <m:jc m:val="centerGroup"/>
+                    </m:oMathParaPr>
+                    <m:oMath xmlns:m="http://schemas.openxmlformats.org/officeDocument/2006/math">
+                      <m:r>
+                        <a:rPr lang="en-US" altLang="zh-TW" sz="2400" b="0" i="1" smtClean="0">
+                          <a:solidFill>
+                            <a:schemeClr val="bg1">
+                              <a:lumMod val="50000"/>
+                            </a:schemeClr>
+                          </a:solidFill>
+                          <a:latin typeface="Cambria Math" panose="02040503050406030204" pitchFamily="18" charset="0"/>
+                        </a:rPr>
+                        <m:t>∀</m:t>
+                      </m:r>
+                      <m:r>
+                        <a:rPr lang="en-US" altLang="zh-TW" sz="2400" b="0" i="1" smtClean="0">
+                          <a:solidFill>
+                            <a:schemeClr val="bg1">
+                              <a:lumMod val="50000"/>
+                            </a:schemeClr>
+                          </a:solidFill>
+                          <a:latin typeface="Cambria Math" panose="02040503050406030204" pitchFamily="18" charset="0"/>
+                        </a:rPr>
+                        <m:t>𝑥</m:t>
+                      </m:r>
+                      <m:r>
+                        <a:rPr lang="en-US" altLang="zh-TW" sz="2400" b="0" i="1" smtClean="0">
+                          <a:solidFill>
+                            <a:schemeClr val="bg1">
+                              <a:lumMod val="50000"/>
+                            </a:schemeClr>
+                          </a:solidFill>
+                          <a:latin typeface="Cambria Math" panose="02040503050406030204" pitchFamily="18" charset="0"/>
+                        </a:rPr>
+                        <m:t>,</m:t>
+                      </m:r>
+                      <m:r>
+                        <a:rPr lang="en-US" altLang="zh-TW" sz="2400" b="0" i="1" smtClean="0">
+                          <a:solidFill>
+                            <a:schemeClr val="bg1">
+                              <a:lumMod val="50000"/>
+                            </a:schemeClr>
+                          </a:solidFill>
+                          <a:latin typeface="Cambria Math" panose="02040503050406030204" pitchFamily="18" charset="0"/>
+                        </a:rPr>
+                        <m:t>𝑦</m:t>
+                      </m:r>
+                      <m:r>
+                        <a:rPr lang="en-US" altLang="zh-TW" sz="2400" b="0" i="1" smtClean="0">
+                          <a:solidFill>
+                            <a:schemeClr val="bg1">
+                              <a:lumMod val="50000"/>
+                            </a:schemeClr>
+                          </a:solidFill>
+                          <a:latin typeface="Cambria Math" panose="02040503050406030204" pitchFamily="18" charset="0"/>
+                        </a:rPr>
+                        <m:t>∈</m:t>
+                      </m:r>
+                      <m:r>
+                        <a:rPr lang="en-US" altLang="zh-TW" sz="2400" b="0" i="1" smtClean="0">
+                          <a:solidFill>
+                            <a:schemeClr val="bg1">
+                              <a:lumMod val="50000"/>
+                            </a:schemeClr>
+                          </a:solidFill>
+                          <a:latin typeface="Cambria Math" panose="02040503050406030204" pitchFamily="18" charset="0"/>
+                        </a:rPr>
+                        <m:t>𝑋</m:t>
+                      </m:r>
+                      <m:r>
+                        <a:rPr lang="en-US" altLang="zh-TW" sz="2400" b="0" i="1" smtClean="0">
+                          <a:solidFill>
+                            <a:schemeClr val="bg1">
+                              <a:lumMod val="50000"/>
+                            </a:schemeClr>
+                          </a:solidFill>
+                          <a:latin typeface="Cambria Math" panose="02040503050406030204" pitchFamily="18" charset="0"/>
+                        </a:rPr>
+                        <m:t>, </m:t>
+                      </m:r>
+                      <m:r>
+                        <a:rPr lang="en-US" altLang="zh-TW" sz="2400" b="0" i="1" smtClean="0">
+                          <a:solidFill>
+                            <a:schemeClr val="bg1">
+                              <a:lumMod val="50000"/>
+                            </a:schemeClr>
+                          </a:solidFill>
+                          <a:latin typeface="Cambria Math" panose="02040503050406030204" pitchFamily="18" charset="0"/>
+                        </a:rPr>
+                        <m:t>𝑥</m:t>
+                      </m:r>
+                      <m:r>
+                        <a:rPr lang="en-US" sz="2400" b="0" i="1" dirty="0">
+                          <a:solidFill>
+                            <a:schemeClr val="bg1">
+                              <a:lumMod val="50000"/>
+                            </a:schemeClr>
+                          </a:solidFill>
+                          <a:latin typeface="Cambria Math" panose="02040503050406030204" pitchFamily="18" charset="0"/>
+                          <a:ea typeface="Cambria Math" panose="02040503050406030204" pitchFamily="18" charset="0"/>
+                        </a:rPr>
+                        <m:t>≿</m:t>
+                      </m:r>
+                      <m:r>
+                        <a:rPr lang="en-US" sz="2400" b="0" i="1" dirty="0" smtClean="0">
+                          <a:solidFill>
+                            <a:schemeClr val="bg1">
+                              <a:lumMod val="50000"/>
+                            </a:schemeClr>
+                          </a:solidFill>
+                          <a:latin typeface="Cambria Math" panose="02040503050406030204" pitchFamily="18" charset="0"/>
+                          <a:ea typeface="Cambria Math" panose="02040503050406030204" pitchFamily="18" charset="0"/>
+                        </a:rPr>
+                        <m:t>𝑦</m:t>
+                      </m:r>
+                      <m:r>
+                        <a:rPr lang="en-US" sz="2400" b="0" i="1" dirty="0" smtClean="0">
+                          <a:solidFill>
+                            <a:schemeClr val="bg1">
+                              <a:lumMod val="50000"/>
+                            </a:schemeClr>
+                          </a:solidFill>
+                          <a:latin typeface="Cambria Math" panose="02040503050406030204" pitchFamily="18" charset="0"/>
+                          <a:ea typeface="Cambria Math" panose="02040503050406030204" pitchFamily="18" charset="0"/>
+                        </a:rPr>
+                        <m:t>, </m:t>
+                      </m:r>
+                      <m:r>
+                        <a:rPr lang="en-US" sz="2400" b="0" i="1" dirty="0" smtClean="0">
+                          <a:solidFill>
+                            <a:schemeClr val="bg1">
+                              <a:lumMod val="50000"/>
+                            </a:schemeClr>
+                          </a:solidFill>
+                          <a:latin typeface="Cambria Math" panose="02040503050406030204" pitchFamily="18" charset="0"/>
+                          <a:ea typeface="Cambria Math" panose="02040503050406030204" pitchFamily="18" charset="0"/>
+                        </a:rPr>
+                        <m:t>𝑦</m:t>
+                      </m:r>
+                      <m:r>
+                        <a:rPr lang="en-US" sz="2400" b="0" i="1" dirty="0">
+                          <a:solidFill>
+                            <a:schemeClr val="bg1">
+                              <a:lumMod val="50000"/>
+                            </a:schemeClr>
+                          </a:solidFill>
+                          <a:latin typeface="Cambria Math" panose="02040503050406030204" pitchFamily="18" charset="0"/>
+                          <a:ea typeface="Cambria Math" panose="02040503050406030204" pitchFamily="18" charset="0"/>
+                        </a:rPr>
+                        <m:t>≿</m:t>
+                      </m:r>
+                      <m:r>
+                        <a:rPr lang="en-US" sz="2400" b="0" i="1" dirty="0" smtClean="0">
+                          <a:solidFill>
+                            <a:schemeClr val="bg1">
+                              <a:lumMod val="50000"/>
+                            </a:schemeClr>
+                          </a:solidFill>
+                          <a:latin typeface="Cambria Math" panose="02040503050406030204" pitchFamily="18" charset="0"/>
+                          <a:ea typeface="Cambria Math" panose="02040503050406030204" pitchFamily="18" charset="0"/>
+                        </a:rPr>
+                        <m:t>𝑥</m:t>
+                      </m:r>
+                      <m:r>
+                        <a:rPr lang="en-US" sz="2400" b="0" i="1" dirty="0" smtClean="0">
+                          <a:solidFill>
+                            <a:schemeClr val="bg1">
+                              <a:lumMod val="50000"/>
+                            </a:schemeClr>
+                          </a:solidFill>
+                          <a:latin typeface="Cambria Math" panose="02040503050406030204" pitchFamily="18" charset="0"/>
+                          <a:ea typeface="Cambria Math" panose="02040503050406030204" pitchFamily="18" charset="0"/>
+                        </a:rPr>
+                        <m:t>, </m:t>
+                      </m:r>
+                      <m:r>
+                        <a:rPr lang="en-US" sz="2400" b="0" i="1" dirty="0" smtClean="0">
+                          <a:solidFill>
+                            <a:schemeClr val="bg1">
+                              <a:lumMod val="50000"/>
+                            </a:schemeClr>
+                          </a:solidFill>
+                          <a:latin typeface="Cambria Math" panose="02040503050406030204" pitchFamily="18" charset="0"/>
+                          <a:ea typeface="Cambria Math" panose="02040503050406030204" pitchFamily="18" charset="0"/>
+                        </a:rPr>
+                        <m:t>𝑜𝑟</m:t>
+                      </m:r>
+                      <m:r>
+                        <a:rPr lang="en-US" sz="2400" b="0" i="1" dirty="0" smtClean="0">
+                          <a:solidFill>
+                            <a:schemeClr val="bg1">
+                              <a:lumMod val="50000"/>
+                            </a:schemeClr>
+                          </a:solidFill>
+                          <a:latin typeface="Cambria Math" panose="02040503050406030204" pitchFamily="18" charset="0"/>
+                          <a:ea typeface="Cambria Math" panose="02040503050406030204" pitchFamily="18" charset="0"/>
+                        </a:rPr>
+                        <m:t> </m:t>
+                      </m:r>
+                      <m:r>
+                        <a:rPr lang="en-US" sz="2400" b="0" i="1" dirty="0" smtClean="0">
+                          <a:solidFill>
+                            <a:schemeClr val="bg1">
+                              <a:lumMod val="50000"/>
+                            </a:schemeClr>
+                          </a:solidFill>
+                          <a:latin typeface="Cambria Math" panose="02040503050406030204" pitchFamily="18" charset="0"/>
+                          <a:ea typeface="Cambria Math" panose="02040503050406030204" pitchFamily="18" charset="0"/>
+                        </a:rPr>
+                        <m:t>𝑏𝑜𝑡h</m:t>
+                      </m:r>
+                    </m:oMath>
+                  </m:oMathPara>
+                </a14:m>
+                <a:endParaRPr lang="en-US" altLang="zh-TW" sz="2400" dirty="0">
+                  <a:solidFill>
+                    <a:schemeClr val="bg1">
+                      <a:lumMod val="50000"/>
+                    </a:schemeClr>
+                  </a:solidFill>
+                </a:endParaRPr>
+              </a:p>
+              <a:p>
                 <a:pPr lvl="1">
                   <a:spcBef>
                     <a:spcPts val="1000"/>
@@ -35427,7 +38020,7 @@
             </p:txBody>
           </p:sp>
         </mc:Choice>
-        <mc:Fallback xmlns="">
+        <mc:Fallback>
           <p:sp>
             <p:nvSpPr>
               <p:cNvPr id="3" name="Content Placeholder 2">
@@ -35720,9 +38313,8 @@
         </p:nvPicPr>
         <p:blipFill>
           <a:blip r:embed="rId3"/>
-          <a:stretch>
-            <a:fillRect/>
-          </a:stretch>
+          <a:srcRect/>
+          <a:stretch/>
         </p:blipFill>
         <p:spPr>
           <a:xfrm>
@@ -35959,6 +38551,110 @@
                                           <p:spTgt spid="3">
                                             <p:txEl>
                                               <p:pRg st="4" end="4"/>
+                                            </p:txEl>
+                                          </p:spTgt>
+                                        </p:tgtEl>
+                                      </p:cBhvr>
+                                    </p:animEffect>
+                                  </p:childTnLst>
+                                </p:cTn>
+                              </p:par>
+                            </p:childTnLst>
+                          </p:cTn>
+                        </p:par>
+                      </p:childTnLst>
+                    </p:cTn>
+                  </p:par>
+                  <p:par>
+                    <p:cTn id="21" fill="hold">
+                      <p:stCondLst>
+                        <p:cond delay="indefinite"/>
+                      </p:stCondLst>
+                      <p:childTnLst>
+                        <p:par>
+                          <p:cTn id="22" fill="hold">
+                            <p:stCondLst>
+                              <p:cond delay="0"/>
+                            </p:stCondLst>
+                            <p:childTnLst>
+                              <p:par>
+                                <p:cTn id="23" presetID="10" presetClass="entr" presetSubtype="0" fill="hold" nodeType="clickEffect">
+                                  <p:stCondLst>
+                                    <p:cond delay="0"/>
+                                  </p:stCondLst>
+                                  <p:childTnLst>
+                                    <p:set>
+                                      <p:cBhvr>
+                                        <p:cTn id="24" dur="1" fill="hold">
+                                          <p:stCondLst>
+                                            <p:cond delay="0"/>
+                                          </p:stCondLst>
+                                        </p:cTn>
+                                        <p:tgtEl>
+                                          <p:spTgt spid="3">
+                                            <p:txEl>
+                                              <p:pRg st="6" end="6"/>
+                                            </p:txEl>
+                                          </p:spTgt>
+                                        </p:tgtEl>
+                                        <p:attrNameLst>
+                                          <p:attrName>style.visibility</p:attrName>
+                                        </p:attrNameLst>
+                                      </p:cBhvr>
+                                      <p:to>
+                                        <p:strVal val="visible"/>
+                                      </p:to>
+                                    </p:set>
+                                    <p:animEffect transition="in" filter="fade">
+                                      <p:cBhvr>
+                                        <p:cTn id="25" dur="500"/>
+                                        <p:tgtEl>
+                                          <p:spTgt spid="3">
+                                            <p:txEl>
+                                              <p:pRg st="6" end="6"/>
+                                            </p:txEl>
+                                          </p:spTgt>
+                                        </p:tgtEl>
+                                      </p:cBhvr>
+                                    </p:animEffect>
+                                  </p:childTnLst>
+                                </p:cTn>
+                              </p:par>
+                              <p:par>
+                                <p:cTn id="26" presetID="10" presetClass="entr" presetSubtype="0" fill="hold" nodeType="withEffect">
+                                  <p:stCondLst>
+                                    <p:cond delay="0"/>
+                                  </p:stCondLst>
+                                  <p:childTnLst>
+                                    <p:set>
+                                      <p:cBhvr>
+                                        <p:cTn id="27" dur="1" fill="hold">
+                                          <p:stCondLst>
+                                            <p:cond delay="0"/>
+                                          </p:stCondLst>
+                                        </p:cTn>
+                                        <p:tgtEl>
+                                          <p:spTgt spid="3">
+                                            <p:txEl>
+                                              <p:pRg st="8" end="8"/>
+                                            </p:txEl>
+                                          </p:spTgt>
+                                        </p:tgtEl>
+                                        <p:attrNameLst>
+                                          <p:attrName>style.visibility</p:attrName>
+                                        </p:attrNameLst>
+                                      </p:cBhvr>
+                                      <p:to>
+                                        <p:strVal val="visible"/>
+                                      </p:to>
+                                    </p:set>
+                                    <p:animEffect transition="in" filter="fade">
+                                      <p:cBhvr>
+                                        <p:cTn id="28" dur="500"/>
+                                        <p:tgtEl>
+                                          <p:spTgt spid="3">
+                                            <p:txEl>
+                                              <p:pRg st="8" end="8"/>
                                             </p:txEl>
                                           </p:spTgt>
                                         </p:tgtEl>

--- a/files/teaching-resources/concordiacollege-busn-301/busn-301-lecture-note/busn301-ch03.pptx
+++ b/files/teaching-resources/concordiacollege-busn-301/busn-301-lecture-note/busn301-ch03.pptx
@@ -5,7 +5,7 @@
     <p:sldMasterId id="2147483648" r:id="rId1"/>
   </p:sldMasterIdLst>
   <p:notesMasterIdLst>
-    <p:notesMasterId r:id="rId43"/>
+    <p:notesMasterId r:id="rId41"/>
   </p:notesMasterIdLst>
   <p:sldIdLst>
     <p:sldId id="256" r:id="rId2"/>
@@ -40,15 +40,13 @@
     <p:sldId id="447" r:id="rId31"/>
     <p:sldId id="448" r:id="rId32"/>
     <p:sldId id="449" r:id="rId33"/>
-    <p:sldId id="457" r:id="rId34"/>
-    <p:sldId id="459" r:id="rId35"/>
-    <p:sldId id="445" r:id="rId36"/>
-    <p:sldId id="451" r:id="rId37"/>
-    <p:sldId id="450" r:id="rId38"/>
-    <p:sldId id="453" r:id="rId39"/>
-    <p:sldId id="420" r:id="rId40"/>
-    <p:sldId id="421" r:id="rId41"/>
-    <p:sldId id="422" r:id="rId42"/>
+    <p:sldId id="445" r:id="rId34"/>
+    <p:sldId id="451" r:id="rId35"/>
+    <p:sldId id="450" r:id="rId36"/>
+    <p:sldId id="453" r:id="rId37"/>
+    <p:sldId id="420" r:id="rId38"/>
+    <p:sldId id="421" r:id="rId39"/>
+    <p:sldId id="422" r:id="rId40"/>
   </p:sldIdLst>
   <p:sldSz cx="12188825" cy="6858000"/>
   <p:notesSz cx="6858000" cy="9144000"/>
@@ -248,7 +246,7 @@
           <a:p>
             <a:fld id="{2D359EC7-19C7-4638-A61A-0E2B59861576}" type="datetimeFigureOut">
               <a:rPr lang="en-US" smtClean="0"/>
-              <a:t>1/21/2026</a:t>
+              <a:t>1/26/2026</a:t>
             </a:fld>
             <a:endParaRPr lang="en-US"/>
           </a:p>
@@ -638,129 +636,6 @@
 </p:notes>
 </file>
 
-<file path=ppt/notesSlides/notesSlide10.xml><?xml version="1.0" encoding="utf-8"?>
-<p:notes xmlns:a="http://schemas.openxmlformats.org/drawingml/2006/main" xmlns:r="http://schemas.openxmlformats.org/officeDocument/2006/relationships" xmlns:p="http://schemas.openxmlformats.org/presentationml/2006/main">
-  <p:cSld>
-    <p:spTree>
-      <p:nvGrpSpPr>
-        <p:cNvPr id="1" name=""/>
-        <p:cNvGrpSpPr/>
-        <p:nvPr/>
-      </p:nvGrpSpPr>
-      <p:grpSpPr>
-        <a:xfrm>
-          <a:off x="0" y="0"/>
-          <a:ext cx="0" cy="0"/>
-          <a:chOff x="0" y="0"/>
-          <a:chExt cx="0" cy="0"/>
-        </a:xfrm>
-      </p:grpSpPr>
-      <p:sp>
-        <p:nvSpPr>
-          <p:cNvPr id="2" name="Slide Image Placeholder 1"/>
-          <p:cNvSpPr>
-            <a:spLocks noGrp="1" noRot="1" noChangeAspect="1"/>
-          </p:cNvSpPr>
-          <p:nvPr>
-            <p:ph type="sldImg"/>
-          </p:nvPr>
-        </p:nvSpPr>
-        <p:spPr/>
-      </p:sp>
-      <p:sp>
-        <p:nvSpPr>
-          <p:cNvPr id="3" name="Notes Placeholder 2"/>
-          <p:cNvSpPr>
-            <a:spLocks noGrp="1"/>
-          </p:cNvSpPr>
-          <p:nvPr>
-            <p:ph type="body" idx="1"/>
-          </p:nvPr>
-        </p:nvSpPr>
-        <p:spPr/>
-        <p:txBody>
-          <a:bodyPr/>
-          <a:lstStyle/>
-          <a:p>
-            <a:r>
-              <a:rPr lang="en-US"/>
-              <a:t>
-Do not modify the notes in this section to avoid tampering with the Poll Everywhere activity.
-More info at polleverywhere.com/support
-Lexicographic preferences refers to a preference in which a consumer always prefers more of good 1 to any amount of good 2. Only if two bundles have the same amount of good 1 does the consumer compare good 2. Which axiom of preference is violated?
-https://www.polleverywhere.com/multiple_choice_polls/KY5Vfe4PUGt7Ny9O3yss1?display_state=chart&amp;activity_state=closed&amp;state=closed&amp;flow=Engagement&amp;onscreen=persist</a:t>
-            </a:r>
-          </a:p>
-        </p:txBody>
-      </p:sp>
-      <p:sp>
-        <p:nvSpPr>
-          <p:cNvPr id="4" name="Slide Number Placeholder 3"/>
-          <p:cNvSpPr>
-            <a:spLocks noGrp="1"/>
-          </p:cNvSpPr>
-          <p:nvPr>
-            <p:ph type="sldNum" sz="quarter" idx="5"/>
-          </p:nvPr>
-        </p:nvSpPr>
-        <p:spPr/>
-        <p:txBody>
-          <a:bodyPr/>
-          <a:lstStyle/>
-          <a:p>
-            <a:fld id="{C987AAC7-CF25-414B-93E7-2A61E431E831}" type="slidenum">
-              <a:rPr lang="en-US" smtClean="0"/>
-              <a:t>34</a:t>
-            </a:fld>
-            <a:endParaRPr lang="en-US"/>
-          </a:p>
-        </p:txBody>
-      </p:sp>
-      <p:sp>
-        <p:nvSpPr>
-          <p:cNvPr id="5" name="TextBox 4">
-            <a:extLst>
-              <a:ext uri="{FF2B5EF4-FFF2-40B4-BE49-F238E27FC236}">
-                <a16:creationId xmlns:a16="http://schemas.microsoft.com/office/drawing/2014/main" id="{53DDA5BB-BAFF-6D2E-E834-7CB20187DA05}"/>
-              </a:ext>
-            </a:extLst>
-          </p:cNvPr>
-          <p:cNvSpPr txBox="1"/>
-          <p:nvPr/>
-        </p:nvSpPr>
-        <p:spPr>
-          <a:xfrm>
-            <a:off x="0" y="0"/>
-            <a:ext cx="3810000" cy="1270000"/>
-          </a:xfrm>
-          <a:prstGeom prst="rect">
-            <a:avLst/>
-          </a:prstGeom>
-          <a:noFill/>
-        </p:spPr>
-        <p:txBody>
-          <a:bodyPr vert="horz" rtlCol="0">
-            <a:spAutoFit/>
-          </a:bodyPr>
-          <a:lstStyle/>
-          <a:p>
-            <a:endParaRPr lang="en-US"/>
-          </a:p>
-        </p:txBody>
-      </p:sp>
-    </p:spTree>
-    <p:extLst>
-      <p:ext uri="{BB962C8B-B14F-4D97-AF65-F5344CB8AC3E}">
-        <p14:creationId xmlns:p14="http://schemas.microsoft.com/office/powerpoint/2010/main" val="2988447166"/>
-      </p:ext>
-    </p:extLst>
-  </p:cSld>
-  <p:clrMapOvr>
-    <a:masterClrMapping/>
-  </p:clrMapOvr>
-</p:notes>
-</file>
-
 <file path=ppt/notesSlides/notesSlide2.xml><?xml version="1.0" encoding="utf-8"?>
 <p:notes xmlns:a="http://schemas.openxmlformats.org/drawingml/2006/main" xmlns:r="http://schemas.openxmlformats.org/officeDocument/2006/relationships" xmlns:p="http://schemas.openxmlformats.org/presentationml/2006/main">
   <p:cSld>
@@ -1529,129 +1404,6 @@
     <p:extLst>
       <p:ext uri="{BB962C8B-B14F-4D97-AF65-F5344CB8AC3E}">
         <p14:creationId xmlns:p14="http://schemas.microsoft.com/office/powerpoint/2010/main" val="584444588"/>
-      </p:ext>
-    </p:extLst>
-  </p:cSld>
-  <p:clrMapOvr>
-    <a:masterClrMapping/>
-  </p:clrMapOvr>
-</p:notes>
-</file>
-
-<file path=ppt/notesSlides/notesSlide9.xml><?xml version="1.0" encoding="utf-8"?>
-<p:notes xmlns:a="http://schemas.openxmlformats.org/drawingml/2006/main" xmlns:r="http://schemas.openxmlformats.org/officeDocument/2006/relationships" xmlns:p="http://schemas.openxmlformats.org/presentationml/2006/main">
-  <p:cSld>
-    <p:spTree>
-      <p:nvGrpSpPr>
-        <p:cNvPr id="1" name=""/>
-        <p:cNvGrpSpPr/>
-        <p:nvPr/>
-      </p:nvGrpSpPr>
-      <p:grpSpPr>
-        <a:xfrm>
-          <a:off x="0" y="0"/>
-          <a:ext cx="0" cy="0"/>
-          <a:chOff x="0" y="0"/>
-          <a:chExt cx="0" cy="0"/>
-        </a:xfrm>
-      </p:grpSpPr>
-      <p:sp>
-        <p:nvSpPr>
-          <p:cNvPr id="2" name="Slide Image Placeholder 1"/>
-          <p:cNvSpPr>
-            <a:spLocks noGrp="1" noRot="1" noChangeAspect="1"/>
-          </p:cNvSpPr>
-          <p:nvPr>
-            <p:ph type="sldImg"/>
-          </p:nvPr>
-        </p:nvSpPr>
-        <p:spPr/>
-      </p:sp>
-      <p:sp>
-        <p:nvSpPr>
-          <p:cNvPr id="3" name="Notes Placeholder 2"/>
-          <p:cNvSpPr>
-            <a:spLocks noGrp="1"/>
-          </p:cNvSpPr>
-          <p:nvPr>
-            <p:ph type="body" idx="1"/>
-          </p:nvPr>
-        </p:nvSpPr>
-        <p:spPr/>
-        <p:txBody>
-          <a:bodyPr/>
-          <a:lstStyle/>
-          <a:p>
-            <a:r>
-              <a:rPr lang="en-US"/>
-              <a:t>
-Do not modify the notes in this section to avoid tampering with the Poll Everywhere activity.
-More info at polleverywhere.com/support
-Lexicographic preferences refers to a preference in which a consumer always prefers more of good 1 to any amount of good 2. Only if two bundles have the same amount of good 1 does the consumer compare good 2. Which axiom of preference is violated?
-https://www.polleverywhere.com/multiple_choice_polls/KY5Vfe4PUGt7Ny9O3yss1?display_state=instructions&amp;activity_state=opened&amp;state=opened&amp;flow=Engagement&amp;onscreen=persist</a:t>
-            </a:r>
-          </a:p>
-        </p:txBody>
-      </p:sp>
-      <p:sp>
-        <p:nvSpPr>
-          <p:cNvPr id="4" name="Slide Number Placeholder 3"/>
-          <p:cNvSpPr>
-            <a:spLocks noGrp="1"/>
-          </p:cNvSpPr>
-          <p:nvPr>
-            <p:ph type="sldNum" sz="quarter" idx="5"/>
-          </p:nvPr>
-        </p:nvSpPr>
-        <p:spPr/>
-        <p:txBody>
-          <a:bodyPr/>
-          <a:lstStyle/>
-          <a:p>
-            <a:fld id="{C987AAC7-CF25-414B-93E7-2A61E431E831}" type="slidenum">
-              <a:rPr lang="en-US" smtClean="0"/>
-              <a:t>33</a:t>
-            </a:fld>
-            <a:endParaRPr lang="en-US"/>
-          </a:p>
-        </p:txBody>
-      </p:sp>
-      <p:sp>
-        <p:nvSpPr>
-          <p:cNvPr id="5" name="TextBox 4">
-            <a:extLst>
-              <a:ext uri="{FF2B5EF4-FFF2-40B4-BE49-F238E27FC236}">
-                <a16:creationId xmlns:a16="http://schemas.microsoft.com/office/drawing/2014/main" id="{141F6C52-22D9-69C6-6314-A94CC2CFF9DE}"/>
-              </a:ext>
-            </a:extLst>
-          </p:cNvPr>
-          <p:cNvSpPr txBox="1"/>
-          <p:nvPr/>
-        </p:nvSpPr>
-        <p:spPr>
-          <a:xfrm>
-            <a:off x="0" y="0"/>
-            <a:ext cx="3810000" cy="1270000"/>
-          </a:xfrm>
-          <a:prstGeom prst="rect">
-            <a:avLst/>
-          </a:prstGeom>
-          <a:noFill/>
-        </p:spPr>
-        <p:txBody>
-          <a:bodyPr vert="horz" rtlCol="0">
-            <a:spAutoFit/>
-          </a:bodyPr>
-          <a:lstStyle/>
-          <a:p>
-            <a:endParaRPr lang="en-US"/>
-          </a:p>
-        </p:txBody>
-      </p:sp>
-    </p:spTree>
-    <p:extLst>
-      <p:ext uri="{BB962C8B-B14F-4D97-AF65-F5344CB8AC3E}">
-        <p14:creationId xmlns:p14="http://schemas.microsoft.com/office/powerpoint/2010/main" val="3328689011"/>
       </p:ext>
     </p:extLst>
   </p:cSld>
@@ -1840,7 +1592,7 @@
           <a:p>
             <a:fld id="{7968114D-31B9-4B78-9ACC-70FB90027BFD}" type="datetime1">
               <a:rPr lang="en-US" smtClean="0"/>
-              <a:t>1/21/2026</a:t>
+              <a:t>1/26/2026</a:t>
             </a:fld>
             <a:endParaRPr lang="en-US"/>
           </a:p>
@@ -2011,7 +1763,7 @@
           <a:p>
             <a:fld id="{873F4A91-75B0-4800-B4E2-20956DB94300}" type="datetime1">
               <a:rPr lang="en-US" smtClean="0"/>
-              <a:t>1/21/2026</a:t>
+              <a:t>1/26/2026</a:t>
             </a:fld>
             <a:endParaRPr lang="en-US"/>
           </a:p>
@@ -2192,7 +1944,7 @@
           <a:p>
             <a:fld id="{0F651350-1A97-42BE-B68B-7AD85E4EDCBF}" type="datetime1">
               <a:rPr lang="en-US" smtClean="0"/>
-              <a:t>1/21/2026</a:t>
+              <a:t>1/26/2026</a:t>
             </a:fld>
             <a:endParaRPr lang="en-US"/>
           </a:p>
@@ -2363,7 +2115,7 @@
           <a:p>
             <a:fld id="{CE41F65B-C187-4F2E-97E4-866F44D3FEC5}" type="datetime1">
               <a:rPr lang="en-US" smtClean="0"/>
-              <a:t>1/21/2026</a:t>
+              <a:t>1/26/2026</a:t>
             </a:fld>
             <a:endParaRPr lang="en-US"/>
           </a:p>
@@ -2611,7 +2363,7 @@
           <a:p>
             <a:fld id="{5B30CE8C-B3D2-4FED-8171-A22B1E84AA49}" type="datetime1">
               <a:rPr lang="en-US" smtClean="0"/>
-              <a:t>1/21/2026</a:t>
+              <a:t>1/26/2026</a:t>
             </a:fld>
             <a:endParaRPr lang="en-US"/>
           </a:p>
@@ -2899,7 +2651,7 @@
           <a:p>
             <a:fld id="{18787D79-C197-49E5-840E-62EF773E40EB}" type="datetime1">
               <a:rPr lang="en-US" smtClean="0"/>
-              <a:t>1/21/2026</a:t>
+              <a:t>1/26/2026</a:t>
             </a:fld>
             <a:endParaRPr lang="en-US"/>
           </a:p>
@@ -3321,7 +3073,7 @@
           <a:p>
             <a:fld id="{6AB4C717-ACD6-42B4-B4D2-A00897526083}" type="datetime1">
               <a:rPr lang="en-US" smtClean="0"/>
-              <a:t>1/21/2026</a:t>
+              <a:t>1/26/2026</a:t>
             </a:fld>
             <a:endParaRPr lang="en-US"/>
           </a:p>
@@ -3441,7 +3193,7 @@
           <a:p>
             <a:fld id="{35F0F010-C38E-44B3-A11D-B9CE0300A741}" type="datetime1">
               <a:rPr lang="en-US" smtClean="0"/>
-              <a:t>1/21/2026</a:t>
+              <a:t>1/26/2026</a:t>
             </a:fld>
             <a:endParaRPr lang="en-US"/>
           </a:p>
@@ -3539,7 +3291,7 @@
           <a:p>
             <a:fld id="{0E2442EE-45D9-4220-A88F-EE689B9875C3}" type="datetime1">
               <a:rPr lang="en-US" smtClean="0"/>
-              <a:t>1/21/2026</a:t>
+              <a:t>1/26/2026</a:t>
             </a:fld>
             <a:endParaRPr lang="en-US"/>
           </a:p>
@@ -3817,7 +3569,7 @@
           <a:p>
             <a:fld id="{D5FA1C2B-1683-45DB-88D6-369C6CB6AB24}" type="datetime1">
               <a:rPr lang="en-US" smtClean="0"/>
-              <a:t>1/21/2026</a:t>
+              <a:t>1/26/2026</a:t>
             </a:fld>
             <a:endParaRPr lang="en-US"/>
           </a:p>
@@ -4072,7 +3824,7 @@
           <a:p>
             <a:fld id="{DFFB611B-DC9D-42DB-B865-14DB93E316AF}" type="datetime1">
               <a:rPr lang="en-US" smtClean="0"/>
-              <a:t>1/21/2026</a:t>
+              <a:t>1/26/2026</a:t>
             </a:fld>
             <a:endParaRPr lang="en-US"/>
           </a:p>
@@ -4286,7 +4038,7 @@
           <a:p>
             <a:fld id="{A3B8D4B9-4EE2-4C3D-B367-BE7622E78789}" type="datetime1">
               <a:rPr lang="en-US" smtClean="0"/>
-              <a:t>1/21/2026</a:t>
+              <a:t>1/26/2026</a:t>
             </a:fld>
             <a:endParaRPr lang="en-US"/>
           </a:p>
@@ -4800,8 +4552,8 @@
           <a:chExt cx="0" cy="0"/>
         </a:xfrm>
       </p:grpSpPr>
-      <mc:AlternateContent xmlns:mc="http://schemas.openxmlformats.org/markup-compatibility/2006">
-        <mc:Choice xmlns:a14="http://schemas.microsoft.com/office/drawing/2010/main" Requires="a14">
+      <mc:AlternateContent xmlns:mc="http://schemas.openxmlformats.org/markup-compatibility/2006" xmlns:a14="http://schemas.microsoft.com/office/drawing/2010/main">
+        <mc:Choice Requires="a14">
           <p:sp>
             <p:nvSpPr>
               <p:cNvPr id="3" name="Content Placeholder 2">
@@ -5382,7 +5134,7 @@
             </p:txBody>
           </p:sp>
         </mc:Choice>
-        <mc:Fallback>
+        <mc:Fallback xmlns="">
           <p:sp>
             <p:nvSpPr>
               <p:cNvPr id="3" name="Content Placeholder 2">
@@ -6079,8 +5831,8 @@
           <a:chExt cx="0" cy="0"/>
         </a:xfrm>
       </p:grpSpPr>
-      <mc:AlternateContent xmlns:mc="http://schemas.openxmlformats.org/markup-compatibility/2006">
-        <mc:Choice xmlns:a14="http://schemas.microsoft.com/office/drawing/2010/main" Requires="a14">
+      <mc:AlternateContent xmlns:mc="http://schemas.openxmlformats.org/markup-compatibility/2006" xmlns:a14="http://schemas.microsoft.com/office/drawing/2010/main">
+        <mc:Choice Requires="a14">
           <p:sp>
             <p:nvSpPr>
               <p:cNvPr id="3" name="Content Placeholder 2">
@@ -7083,7 +6835,7 @@
             </p:txBody>
           </p:sp>
         </mc:Choice>
-        <mc:Fallback>
+        <mc:Fallback xmlns="">
           <p:sp>
             <p:nvSpPr>
               <p:cNvPr id="3" name="Content Placeholder 2">
@@ -20704,9 +20456,8 @@
         </p:nvPicPr>
         <p:blipFill>
           <a:blip r:embed="rId5"/>
-          <a:stretch>
-            <a:fillRect/>
-          </a:stretch>
+          <a:srcRect/>
+          <a:stretch/>
         </p:blipFill>
         <p:spPr>
           <a:xfrm>
@@ -22372,8 +22123,8 @@
           <a:chExt cx="0" cy="0"/>
         </a:xfrm>
       </p:grpSpPr>
-      <mc:AlternateContent xmlns:mc="http://schemas.openxmlformats.org/markup-compatibility/2006">
-        <mc:Choice xmlns:a14="http://schemas.microsoft.com/office/drawing/2010/main" Requires="a14">
+      <mc:AlternateContent xmlns:mc="http://schemas.openxmlformats.org/markup-compatibility/2006" xmlns:a14="http://schemas.microsoft.com/office/drawing/2010/main">
+        <mc:Choice Requires="a14">
           <p:sp>
             <p:nvSpPr>
               <p:cNvPr id="3" name="Content Placeholder 2">
@@ -22762,7 +22513,7 @@
             </p:txBody>
           </p:sp>
         </mc:Choice>
-        <mc:Fallback>
+        <mc:Fallback xmlns="">
           <p:sp>
             <p:nvSpPr>
               <p:cNvPr id="3" name="Content Placeholder 2">
@@ -25083,324 +24834,6 @@
 <file path=ppt/slides/slide33.xml><?xml version="1.0" encoding="utf-8"?>
 <p:sld xmlns:a="http://schemas.openxmlformats.org/drawingml/2006/main" xmlns:r="http://schemas.openxmlformats.org/officeDocument/2006/relationships" xmlns:p="http://schemas.openxmlformats.org/presentationml/2006/main">
   <p:cSld>
-    <p:spTree>
-      <p:nvGrpSpPr>
-        <p:cNvPr id="1" name=""/>
-        <p:cNvGrpSpPr/>
-        <p:nvPr/>
-      </p:nvGrpSpPr>
-      <p:grpSpPr>
-        <a:xfrm>
-          <a:off x="0" y="0"/>
-          <a:ext cx="0" cy="0"/>
-          <a:chOff x="0" y="0"/>
-          <a:chExt cx="0" cy="0"/>
-        </a:xfrm>
-      </p:grpSpPr>
-      <p:sp>
-        <p:nvSpPr>
-          <p:cNvPr id="2" name="Title 1">
-            <a:extLst>
-              <a:ext uri="{FF2B5EF4-FFF2-40B4-BE49-F238E27FC236}">
-                <a16:creationId xmlns:a16="http://schemas.microsoft.com/office/drawing/2014/main" id="{41EDF4F1-0D08-CD0F-BC4D-D2D9F8A25FD5}"/>
-              </a:ext>
-            </a:extLst>
-          </p:cNvPr>
-          <p:cNvSpPr>
-            <a:spLocks noGrp="1"/>
-          </p:cNvSpPr>
-          <p:nvPr>
-            <p:ph type="title"/>
-          </p:nvPr>
-        </p:nvSpPr>
-        <p:spPr/>
-        <p:txBody>
-          <a:bodyPr>
-            <a:normAutofit fontScale="90000"/>
-          </a:bodyPr>
-          <a:lstStyle/>
-          <a:p>
-            <a:r>
-              <a:rPr lang="en-US">
-                <a:solidFill>
-                  <a:srgbClr val="000000">
-                    <a:alpha val="0"/>
-                  </a:srgbClr>
-                </a:solidFill>
-              </a:rPr>
-              <a:t>Poll Everywhere multiple choice poll instructions screen
-Activity Title: Lexicographic preferences refers to a preference in which a consumer always prefers more of good 1 to any amount of good 2. Only if two bundles have the same amount of good 1 does the consumer compare good 2. Which axiom of preference is violated?
-Slide 31</a:t>
-            </a:r>
-          </a:p>
-        </p:txBody>
-      </p:sp>
-      <p:sp>
-        <p:nvSpPr>
-          <p:cNvPr id="3" name="Footer Placeholder 2" descr="Poll Everywhere multiple choice poll instructions screen&#10;Activity Title: Lexicographic preferences refers to a preference in which a consumer always prefers more of good 1 to any amount of good 2. Only if two bundles have the same amount of good 1 does the consumer compare good 2. Which axiom of preference is violated?">
-            <a:extLst>
-              <a:ext uri="{FF2B5EF4-FFF2-40B4-BE49-F238E27FC236}">
-                <a16:creationId xmlns:a16="http://schemas.microsoft.com/office/drawing/2014/main" id="{73089A87-87EE-2E5D-7FC3-540D88717CA8}"/>
-              </a:ext>
-            </a:extLst>
-          </p:cNvPr>
-          <p:cNvSpPr>
-            <a:spLocks noGrp="1"/>
-          </p:cNvSpPr>
-          <p:nvPr>
-            <p:ph type="ftr" sz="quarter" idx="11"/>
-          </p:nvPr>
-        </p:nvSpPr>
-        <p:spPr/>
-        <p:txBody>
-          <a:bodyPr/>
-          <a:lstStyle/>
-          <a:p>
-            <a:r>
-              <a:rPr lang="en-US"/>
-              <a:t> Intermediate Microeconomic Theory</a:t>
-            </a:r>
-          </a:p>
-        </p:txBody>
-      </p:sp>
-      <p:sp>
-        <p:nvSpPr>
-          <p:cNvPr id="4" name="Slide Number Placeholder 3">
-            <a:extLst>
-              <a:ext uri="{FF2B5EF4-FFF2-40B4-BE49-F238E27FC236}">
-                <a16:creationId xmlns:a16="http://schemas.microsoft.com/office/drawing/2014/main" id="{769AB605-A9F2-7320-0201-DFD0499DCD05}"/>
-              </a:ext>
-            </a:extLst>
-          </p:cNvPr>
-          <p:cNvSpPr>
-            <a:spLocks noGrp="1"/>
-          </p:cNvSpPr>
-          <p:nvPr>
-            <p:ph type="sldNum" sz="quarter" idx="12"/>
-          </p:nvPr>
-        </p:nvSpPr>
-        <p:spPr/>
-        <p:txBody>
-          <a:bodyPr/>
-          <a:lstStyle/>
-          <a:p>
-            <a:fld id="{C1FF6DA9-008F-8B48-92A6-B652298478BF}" type="slidenum">
-              <a:rPr lang="en-US" smtClean="0"/>
-              <a:t>33</a:t>
-            </a:fld>
-            <a:endParaRPr lang="en-US"/>
-          </a:p>
-        </p:txBody>
-      </p:sp>
-      <p:pic>
-        <p:nvPicPr>
-          <p:cNvPr id="6" name="Picture 5">
-            <a:extLst>
-              <a:ext uri="{FF2B5EF4-FFF2-40B4-BE49-F238E27FC236}">
-                <a16:creationId xmlns:a16="http://schemas.microsoft.com/office/drawing/2014/main" id="{3C79E8B2-0CBA-2CAA-2B44-115409E43869}"/>
-              </a:ext>
-            </a:extLst>
-          </p:cNvPr>
-          <p:cNvPicPr>
-            <a:picLocks/>
-          </p:cNvPicPr>
-          <p:nvPr>
-            <p:custDataLst>
-              <p:tags r:id="rId1"/>
-            </p:custDataLst>
-          </p:nvPr>
-        </p:nvPicPr>
-        <p:blipFill>
-          <a:blip r:embed="rId4"/>
-          <a:stretch>
-            <a:fillRect/>
-          </a:stretch>
-        </p:blipFill>
-        <p:spPr>
-          <a:xfrm>
-            <a:off x="190500" y="190500"/>
-            <a:ext cx="11807825" cy="6477000"/>
-          </a:xfrm>
-          <a:prstGeom prst="rect">
-            <a:avLst/>
-          </a:prstGeom>
-        </p:spPr>
-      </p:pic>
-    </p:spTree>
-    <p:extLst>
-      <p:ext uri="{BB962C8B-B14F-4D97-AF65-F5344CB8AC3E}">
-        <p14:creationId xmlns:p14="http://schemas.microsoft.com/office/powerpoint/2010/main" val="778364002"/>
-      </p:ext>
-    </p:extLst>
-  </p:cSld>
-  <p:clrMapOvr>
-    <a:masterClrMapping/>
-  </p:clrMapOvr>
-</p:sld>
-</file>
-
-<file path=ppt/slides/slide34.xml><?xml version="1.0" encoding="utf-8"?>
-<p:sld xmlns:a="http://schemas.openxmlformats.org/drawingml/2006/main" xmlns:r="http://schemas.openxmlformats.org/officeDocument/2006/relationships" xmlns:p="http://schemas.openxmlformats.org/presentationml/2006/main">
-  <p:cSld>
-    <p:spTree>
-      <p:nvGrpSpPr>
-        <p:cNvPr id="1" name=""/>
-        <p:cNvGrpSpPr/>
-        <p:nvPr/>
-      </p:nvGrpSpPr>
-      <p:grpSpPr>
-        <a:xfrm>
-          <a:off x="0" y="0"/>
-          <a:ext cx="0" cy="0"/>
-          <a:chOff x="0" y="0"/>
-          <a:chExt cx="0" cy="0"/>
-        </a:xfrm>
-      </p:grpSpPr>
-      <p:sp>
-        <p:nvSpPr>
-          <p:cNvPr id="2" name="Title 1">
-            <a:extLst>
-              <a:ext uri="{FF2B5EF4-FFF2-40B4-BE49-F238E27FC236}">
-                <a16:creationId xmlns:a16="http://schemas.microsoft.com/office/drawing/2014/main" id="{3B34F88C-2893-8B30-042E-0997E83E0045}"/>
-              </a:ext>
-            </a:extLst>
-          </p:cNvPr>
-          <p:cNvSpPr>
-            <a:spLocks noGrp="1"/>
-          </p:cNvSpPr>
-          <p:nvPr>
-            <p:ph type="title"/>
-          </p:nvPr>
-        </p:nvSpPr>
-        <p:spPr/>
-        <p:txBody>
-          <a:bodyPr>
-            <a:normAutofit fontScale="90000"/>
-          </a:bodyPr>
-          <a:lstStyle/>
-          <a:p>
-            <a:r>
-              <a:rPr lang="en-US">
-                <a:solidFill>
-                  <a:srgbClr val="000000">
-                    <a:alpha val="0"/>
-                  </a:srgbClr>
-                </a:solidFill>
-              </a:rPr>
-              <a:t>Poll Everywhere multiple choice poll chart screen
-Activity Title: Lexicographic preferences refers to a preference in which a consumer always prefers more of good 1 to any amount of good 2. Only if two bundles have the same amount of good 1 does the consumer compare good 2. Which axiom of preference is violated?
-Slide 33</a:t>
-            </a:r>
-          </a:p>
-        </p:txBody>
-      </p:sp>
-      <p:sp>
-        <p:nvSpPr>
-          <p:cNvPr id="3" name="Footer Placeholder 2" descr="Poll Everywhere multiple choice poll chart screen&#10;Activity Title: Lexicographic preferences refers to a preference in which a consumer always prefers more of good 1 to any amount of good 2. Only if two bundles have the same amount of good 1 does the consumer compare good 2. Which axiom of preference is violated?">
-            <a:extLst>
-              <a:ext uri="{FF2B5EF4-FFF2-40B4-BE49-F238E27FC236}">
-                <a16:creationId xmlns:a16="http://schemas.microsoft.com/office/drawing/2014/main" id="{ED0F12D2-7B98-39ED-0920-A9939B7CB751}"/>
-              </a:ext>
-            </a:extLst>
-          </p:cNvPr>
-          <p:cNvSpPr>
-            <a:spLocks noGrp="1"/>
-          </p:cNvSpPr>
-          <p:nvPr>
-            <p:ph type="ftr" sz="quarter" idx="11"/>
-          </p:nvPr>
-        </p:nvSpPr>
-        <p:spPr/>
-        <p:txBody>
-          <a:bodyPr/>
-          <a:lstStyle/>
-          <a:p>
-            <a:r>
-              <a:rPr lang="en-US"/>
-              <a:t> Intermediate Microeconomic Theory</a:t>
-            </a:r>
-          </a:p>
-        </p:txBody>
-      </p:sp>
-      <p:sp>
-        <p:nvSpPr>
-          <p:cNvPr id="4" name="Slide Number Placeholder 3">
-            <a:extLst>
-              <a:ext uri="{FF2B5EF4-FFF2-40B4-BE49-F238E27FC236}">
-                <a16:creationId xmlns:a16="http://schemas.microsoft.com/office/drawing/2014/main" id="{205EC67B-F6AE-C24E-CD38-50101E192335}"/>
-              </a:ext>
-            </a:extLst>
-          </p:cNvPr>
-          <p:cNvSpPr>
-            <a:spLocks noGrp="1"/>
-          </p:cNvSpPr>
-          <p:nvPr>
-            <p:ph type="sldNum" sz="quarter" idx="12"/>
-          </p:nvPr>
-        </p:nvSpPr>
-        <p:spPr/>
-        <p:txBody>
-          <a:bodyPr/>
-          <a:lstStyle/>
-          <a:p>
-            <a:fld id="{C1FF6DA9-008F-8B48-92A6-B652298478BF}" type="slidenum">
-              <a:rPr lang="en-US" smtClean="0"/>
-              <a:t>34</a:t>
-            </a:fld>
-            <a:endParaRPr lang="en-US"/>
-          </a:p>
-        </p:txBody>
-      </p:sp>
-      <p:pic>
-        <p:nvPicPr>
-          <p:cNvPr id="6" name="Picture 5">
-            <a:extLst>
-              <a:ext uri="{FF2B5EF4-FFF2-40B4-BE49-F238E27FC236}">
-                <a16:creationId xmlns:a16="http://schemas.microsoft.com/office/drawing/2014/main" id="{E854D227-B9A5-E911-9297-75D972D75075}"/>
-              </a:ext>
-            </a:extLst>
-          </p:cNvPr>
-          <p:cNvPicPr>
-            <a:picLocks/>
-          </p:cNvPicPr>
-          <p:nvPr>
-            <p:custDataLst>
-              <p:tags r:id="rId1"/>
-            </p:custDataLst>
-          </p:nvPr>
-        </p:nvPicPr>
-        <p:blipFill>
-          <a:blip r:embed="rId4"/>
-          <a:stretch>
-            <a:fillRect/>
-          </a:stretch>
-        </p:blipFill>
-        <p:spPr>
-          <a:xfrm>
-            <a:off x="190500" y="190500"/>
-            <a:ext cx="11807825" cy="6477000"/>
-          </a:xfrm>
-          <a:prstGeom prst="rect">
-            <a:avLst/>
-          </a:prstGeom>
-        </p:spPr>
-      </p:pic>
-    </p:spTree>
-    <p:extLst>
-      <p:ext uri="{BB962C8B-B14F-4D97-AF65-F5344CB8AC3E}">
-        <p14:creationId xmlns:p14="http://schemas.microsoft.com/office/powerpoint/2010/main" val="1331641247"/>
-      </p:ext>
-    </p:extLst>
-  </p:cSld>
-  <p:clrMapOvr>
-    <a:masterClrMapping/>
-  </p:clrMapOvr>
-</p:sld>
-</file>
-
-<file path=ppt/slides/slide35.xml><?xml version="1.0" encoding="utf-8"?>
-<p:sld xmlns:a="http://schemas.openxmlformats.org/drawingml/2006/main" xmlns:r="http://schemas.openxmlformats.org/officeDocument/2006/relationships" xmlns:p="http://schemas.openxmlformats.org/presentationml/2006/main">
-  <p:cSld>
     <p:bg>
       <p:bgPr>
         <a:solidFill>
@@ -25506,7 +24939,7 @@
 </p:sld>
 </file>
 
-<file path=ppt/slides/slide36.xml><?xml version="1.0" encoding="utf-8"?>
+<file path=ppt/slides/slide34.xml><?xml version="1.0" encoding="utf-8"?>
 <p:sld xmlns:a="http://schemas.openxmlformats.org/drawingml/2006/main" xmlns:r="http://schemas.openxmlformats.org/officeDocument/2006/relationships" xmlns:p="http://schemas.openxmlformats.org/presentationml/2006/main">
   <p:cSld>
     <p:spTree>
@@ -26204,7 +25637,7 @@
                 </a:solidFill>
                 <a:latin typeface="Garamond" panose="02020404030301010803" pitchFamily="18" charset="0"/>
               </a:rPr>
-              <a:t>36</a:t>
+              <a:t>34</a:t>
             </a:fld>
             <a:r>
               <a:rPr lang="en-US" b="1" dirty="0">
@@ -26425,6 +25858,59 @@
                                           </p:stCondLst>
                                         </p:cTn>
                                         <p:tgtEl>
+                                          <p:spTgt spid="9"/>
+                                        </p:tgtEl>
+                                        <p:attrNameLst>
+                                          <p:attrName>style.visibility</p:attrName>
+                                        </p:attrNameLst>
+                                      </p:cBhvr>
+                                      <p:to>
+                                        <p:strVal val="visible"/>
+                                      </p:to>
+                                    </p:set>
+                                    <p:animEffect transition="in" filter="fade">
+                                      <p:cBhvr>
+                                        <p:cTn id="10" dur="500"/>
+                                        <p:tgtEl>
+                                          <p:spTgt spid="9"/>
+                                        </p:tgtEl>
+                                      </p:cBhvr>
+                                    </p:animEffect>
+                                  </p:childTnLst>
+                                </p:cTn>
+                              </p:par>
+                            </p:childTnLst>
+                          </p:cTn>
+                        </p:par>
+                      </p:childTnLst>
+                    </p:cTn>
+                  </p:par>
+                  <p:par>
+                    <p:cTn id="11" fill="hold">
+                      <p:stCondLst>
+                        <p:cond delay="indefinite"/>
+                      </p:stCondLst>
+                      <p:childTnLst>
+                        <p:par>
+                          <p:cTn id="12" fill="hold">
+                            <p:stCondLst>
+                              <p:cond delay="0"/>
+                            </p:stCondLst>
+                            <p:childTnLst>
+                              <p:par>
+                                <p:cTn id="13" presetID="10" presetClass="entr" presetSubtype="0" fill="hold" nodeType="clickEffect">
+                                  <p:stCondLst>
+                                    <p:cond delay="0"/>
+                                  </p:stCondLst>
+                                  <p:childTnLst>
+                                    <p:set>
+                                      <p:cBhvr>
+                                        <p:cTn id="14" dur="1" fill="hold">
+                                          <p:stCondLst>
+                                            <p:cond delay="0"/>
+                                          </p:stCondLst>
+                                        </p:cTn>
+                                        <p:tgtEl>
                                           <p:spTgt spid="3">
                                             <p:txEl>
                                               <p:pRg st="2" end="2"/>
@@ -26441,7 +25927,7 @@
                                     </p:set>
                                     <p:animEffect transition="in" filter="fade">
                                       <p:cBhvr>
-                                        <p:cTn id="10" dur="500"/>
+                                        <p:cTn id="15" dur="500"/>
                                         <p:tgtEl>
                                           <p:spTgt spid="3">
                                             <p:txEl>
@@ -26454,15 +25940,33 @@
                                   </p:childTnLst>
                                 </p:cTn>
                               </p:par>
+                            </p:childTnLst>
+                          </p:cTn>
+                        </p:par>
+                      </p:childTnLst>
+                    </p:cTn>
+                  </p:par>
+                  <p:par>
+                    <p:cTn id="16" fill="hold">
+                      <p:stCondLst>
+                        <p:cond delay="indefinite"/>
+                      </p:stCondLst>
+                      <p:childTnLst>
+                        <p:par>
+                          <p:cTn id="17" fill="hold">
+                            <p:stCondLst>
+                              <p:cond delay="0"/>
+                            </p:stCondLst>
+                            <p:childTnLst>
                               <p:par>
-                                <p:cTn id="11" presetID="10" presetClass="entr" presetSubtype="0" fill="hold" nodeType="withEffect">
+                                <p:cTn id="18" presetID="10" presetClass="entr" presetSubtype="0" fill="hold" nodeType="clickEffect">
                                   <p:stCondLst>
                                     <p:cond delay="0"/>
                                   </p:stCondLst>
                                   <p:childTnLst>
                                     <p:set>
                                       <p:cBhvr>
-                                        <p:cTn id="12" dur="1" fill="hold">
+                                        <p:cTn id="19" dur="1" fill="hold">
                                           <p:stCondLst>
                                             <p:cond delay="0"/>
                                           </p:stCondLst>
@@ -26484,7 +25988,7 @@
                                     </p:set>
                                     <p:animEffect transition="in" filter="fade">
                                       <p:cBhvr>
-                                        <p:cTn id="13" dur="500"/>
+                                        <p:cTn id="20" dur="500"/>
                                         <p:tgtEl>
                                           <p:spTgt spid="3">
                                             <p:txEl>
@@ -26497,15 +26001,33 @@
                                   </p:childTnLst>
                                 </p:cTn>
                               </p:par>
+                            </p:childTnLst>
+                          </p:cTn>
+                        </p:par>
+                      </p:childTnLst>
+                    </p:cTn>
+                  </p:par>
+                  <p:par>
+                    <p:cTn id="21" fill="hold">
+                      <p:stCondLst>
+                        <p:cond delay="indefinite"/>
+                      </p:stCondLst>
+                      <p:childTnLst>
+                        <p:par>
+                          <p:cTn id="22" fill="hold">
+                            <p:stCondLst>
+                              <p:cond delay="0"/>
+                            </p:stCondLst>
+                            <p:childTnLst>
                               <p:par>
-                                <p:cTn id="14" presetID="10" presetClass="entr" presetSubtype="0" fill="hold" nodeType="withEffect">
+                                <p:cTn id="23" presetID="10" presetClass="entr" presetSubtype="0" fill="hold" nodeType="clickEffect">
                                   <p:stCondLst>
                                     <p:cond delay="0"/>
                                   </p:stCondLst>
                                   <p:childTnLst>
                                     <p:set>
                                       <p:cBhvr>
-                                        <p:cTn id="15" dur="1" fill="hold">
+                                        <p:cTn id="24" dur="1" fill="hold">
                                           <p:stCondLst>
                                             <p:cond delay="0"/>
                                           </p:stCondLst>
@@ -26527,140 +26049,11 @@
                                     </p:set>
                                     <p:animEffect transition="in" filter="fade">
                                       <p:cBhvr>
-                                        <p:cTn id="16" dur="500"/>
+                                        <p:cTn id="25" dur="500"/>
                                         <p:tgtEl>
                                           <p:spTgt spid="3">
                                             <p:txEl>
                                               <p:pRg st="4" end="4"/>
-                                            </p:txEl>
-                                          </p:spTgt>
-                                        </p:tgtEl>
-                                      </p:cBhvr>
-                                    </p:animEffect>
-                                  </p:childTnLst>
-                                </p:cTn>
-                              </p:par>
-                              <p:par>
-                                <p:cTn id="17" presetID="10" presetClass="entr" presetSubtype="0" fill="hold" nodeType="withEffect">
-                                  <p:stCondLst>
-                                    <p:cond delay="0"/>
-                                  </p:stCondLst>
-                                  <p:childTnLst>
-                                    <p:set>
-                                      <p:cBhvr>
-                                        <p:cTn id="18" dur="1" fill="hold">
-                                          <p:stCondLst>
-                                            <p:cond delay="0"/>
-                                          </p:stCondLst>
-                                        </p:cTn>
-                                        <p:tgtEl>
-                                          <p:spTgt spid="3">
-                                            <p:txEl>
-                                              <p:pRg st="5" end="5"/>
-                                            </p:txEl>
-                                          </p:spTgt>
-                                        </p:tgtEl>
-                                        <p:attrNameLst>
-                                          <p:attrName>style.visibility</p:attrName>
-                                        </p:attrNameLst>
-                                      </p:cBhvr>
-                                      <p:to>
-                                        <p:strVal val="visible"/>
-                                      </p:to>
-                                    </p:set>
-                                    <p:animEffect transition="in" filter="fade">
-                                      <p:cBhvr>
-                                        <p:cTn id="19" dur="500"/>
-                                        <p:tgtEl>
-                                          <p:spTgt spid="3">
-                                            <p:txEl>
-                                              <p:pRg st="5" end="5"/>
-                                            </p:txEl>
-                                          </p:spTgt>
-                                        </p:tgtEl>
-                                      </p:cBhvr>
-                                    </p:animEffect>
-                                  </p:childTnLst>
-                                </p:cTn>
-                              </p:par>
-                              <p:par>
-                                <p:cTn id="20" presetID="10" presetClass="entr" presetSubtype="0" fill="hold" nodeType="withEffect">
-                                  <p:stCondLst>
-                                    <p:cond delay="0"/>
-                                  </p:stCondLst>
-                                  <p:childTnLst>
-                                    <p:set>
-                                      <p:cBhvr>
-                                        <p:cTn id="21" dur="1" fill="hold">
-                                          <p:stCondLst>
-                                            <p:cond delay="0"/>
-                                          </p:stCondLst>
-                                        </p:cTn>
-                                        <p:tgtEl>
-                                          <p:spTgt spid="3">
-                                            <p:txEl>
-                                              <p:pRg st="6" end="6"/>
-                                            </p:txEl>
-                                          </p:spTgt>
-                                        </p:tgtEl>
-                                        <p:attrNameLst>
-                                          <p:attrName>style.visibility</p:attrName>
-                                        </p:attrNameLst>
-                                      </p:cBhvr>
-                                      <p:to>
-                                        <p:strVal val="visible"/>
-                                      </p:to>
-                                    </p:set>
-                                    <p:animEffect transition="in" filter="fade">
-                                      <p:cBhvr>
-                                        <p:cTn id="22" dur="500"/>
-                                        <p:tgtEl>
-                                          <p:spTgt spid="3">
-                                            <p:txEl>
-                                              <p:pRg st="6" end="6"/>
-                                            </p:txEl>
-                                          </p:spTgt>
-                                        </p:tgtEl>
-                                      </p:cBhvr>
-                                    </p:animEffect>
-                                  </p:childTnLst>
-                                </p:cTn>
-                              </p:par>
-                              <p:par>
-                                <p:cTn id="23" presetID="10" presetClass="entr" presetSubtype="0" fill="hold" nodeType="withEffect">
-                                  <p:stCondLst>
-                                    <p:cond delay="0"/>
-                                  </p:stCondLst>
-                                  <p:childTnLst>
-                                    <p:set>
-                                      <p:cBhvr>
-                                        <p:cTn id="24" dur="1" fill="hold">
-                                          <p:stCondLst>
-                                            <p:cond delay="0"/>
-                                          </p:stCondLst>
-                                        </p:cTn>
-                                        <p:tgtEl>
-                                          <p:spTgt spid="3">
-                                            <p:txEl>
-                                              <p:pRg st="8" end="8"/>
-                                            </p:txEl>
-                                          </p:spTgt>
-                                        </p:tgtEl>
-                                        <p:attrNameLst>
-                                          <p:attrName>style.visibility</p:attrName>
-                                        </p:attrNameLst>
-                                      </p:cBhvr>
-                                      <p:to>
-                                        <p:strVal val="visible"/>
-                                      </p:to>
-                                    </p:set>
-                                    <p:animEffect transition="in" filter="fade">
-                                      <p:cBhvr>
-                                        <p:cTn id="25" dur="500"/>
-                                        <p:tgtEl>
-                                          <p:spTgt spid="3">
-                                            <p:txEl>
-                                              <p:pRg st="8" end="8"/>
                                             </p:txEl>
                                           </p:spTgt>
                                         </p:tgtEl>
@@ -26683,7 +26076,7 @@
                                           </p:stCondLst>
                                         </p:cTn>
                                         <p:tgtEl>
-                                          <p:spTgt spid="9"/>
+                                          <p:spTgt spid="10"/>
                                         </p:tgtEl>
                                         <p:attrNameLst>
                                           <p:attrName>style.visibility</p:attrName>
@@ -26697,7 +26090,68 @@
                                       <p:cBhvr>
                                         <p:cTn id="28" dur="500"/>
                                         <p:tgtEl>
-                                          <p:spTgt spid="9"/>
+                                          <p:spTgt spid="10"/>
+                                        </p:tgtEl>
+                                      </p:cBhvr>
+                                    </p:animEffect>
+                                  </p:childTnLst>
+                                </p:cTn>
+                              </p:par>
+                            </p:childTnLst>
+                          </p:cTn>
+                        </p:par>
+                      </p:childTnLst>
+                    </p:cTn>
+                  </p:par>
+                  <p:par>
+                    <p:cTn id="29" fill="hold">
+                      <p:stCondLst>
+                        <p:cond delay="indefinite"/>
+                      </p:stCondLst>
+                      <p:childTnLst>
+                        <p:par>
+                          <p:cTn id="30" fill="hold">
+                            <p:stCondLst>
+                              <p:cond delay="0"/>
+                            </p:stCondLst>
+                            <p:childTnLst>
+                              <p:par>
+                                <p:cTn id="31" presetID="10" presetClass="entr" presetSubtype="0" fill="hold" nodeType="clickEffect">
+                                  <p:stCondLst>
+                                    <p:cond delay="0"/>
+                                  </p:stCondLst>
+                                  <p:childTnLst>
+                                    <p:set>
+                                      <p:cBhvr>
+                                        <p:cTn id="32" dur="1" fill="hold">
+                                          <p:stCondLst>
+                                            <p:cond delay="0"/>
+                                          </p:stCondLst>
+                                        </p:cTn>
+                                        <p:tgtEl>
+                                          <p:spTgt spid="3">
+                                            <p:txEl>
+                                              <p:pRg st="5" end="5"/>
+                                            </p:txEl>
+                                          </p:spTgt>
+                                        </p:tgtEl>
+                                        <p:attrNameLst>
+                                          <p:attrName>style.visibility</p:attrName>
+                                        </p:attrNameLst>
+                                      </p:cBhvr>
+                                      <p:to>
+                                        <p:strVal val="visible"/>
+                                      </p:to>
+                                    </p:set>
+                                    <p:animEffect transition="in" filter="fade">
+                                      <p:cBhvr>
+                                        <p:cTn id="33" dur="500"/>
+                                        <p:tgtEl>
+                                          <p:spTgt spid="3">
+                                            <p:txEl>
+                                              <p:pRg st="5" end="5"/>
+                                            </p:txEl>
+                                          </p:spTgt>
                                         </p:tgtEl>
                                       </p:cBhvr>
                                     </p:animEffect>
@@ -26705,20 +26159,20 @@
                                 </p:cTn>
                               </p:par>
                               <p:par>
-                                <p:cTn id="29" presetID="10" presetClass="entr" presetSubtype="0" fill="hold" nodeType="withEffect">
+                                <p:cTn id="34" presetID="10" presetClass="entr" presetSubtype="0" fill="hold" nodeType="withEffect">
                                   <p:stCondLst>
                                     <p:cond delay="0"/>
                                   </p:stCondLst>
                                   <p:childTnLst>
                                     <p:set>
                                       <p:cBhvr>
-                                        <p:cTn id="30" dur="1" fill="hold">
+                                        <p:cTn id="35" dur="1" fill="hold">
                                           <p:stCondLst>
                                             <p:cond delay="0"/>
                                           </p:stCondLst>
                                         </p:cTn>
                                         <p:tgtEl>
-                                          <p:spTgt spid="10"/>
+                                          <p:spTgt spid="12"/>
                                         </p:tgtEl>
                                         <p:attrNameLst>
                                           <p:attrName>style.visibility</p:attrName>
@@ -26730,9 +26184,70 @@
                                     </p:set>
                                     <p:animEffect transition="in" filter="fade">
                                       <p:cBhvr>
-                                        <p:cTn id="31" dur="500"/>
-                                        <p:tgtEl>
-                                          <p:spTgt spid="10"/>
+                                        <p:cTn id="36" dur="500"/>
+                                        <p:tgtEl>
+                                          <p:spTgt spid="12"/>
+                                        </p:tgtEl>
+                                      </p:cBhvr>
+                                    </p:animEffect>
+                                  </p:childTnLst>
+                                </p:cTn>
+                              </p:par>
+                            </p:childTnLst>
+                          </p:cTn>
+                        </p:par>
+                      </p:childTnLst>
+                    </p:cTn>
+                  </p:par>
+                  <p:par>
+                    <p:cTn id="37" fill="hold">
+                      <p:stCondLst>
+                        <p:cond delay="indefinite"/>
+                      </p:stCondLst>
+                      <p:childTnLst>
+                        <p:par>
+                          <p:cTn id="38" fill="hold">
+                            <p:stCondLst>
+                              <p:cond delay="0"/>
+                            </p:stCondLst>
+                            <p:childTnLst>
+                              <p:par>
+                                <p:cTn id="39" presetID="10" presetClass="entr" presetSubtype="0" fill="hold" nodeType="clickEffect">
+                                  <p:stCondLst>
+                                    <p:cond delay="0"/>
+                                  </p:stCondLst>
+                                  <p:childTnLst>
+                                    <p:set>
+                                      <p:cBhvr>
+                                        <p:cTn id="40" dur="1" fill="hold">
+                                          <p:stCondLst>
+                                            <p:cond delay="0"/>
+                                          </p:stCondLst>
+                                        </p:cTn>
+                                        <p:tgtEl>
+                                          <p:spTgt spid="3">
+                                            <p:txEl>
+                                              <p:pRg st="6" end="6"/>
+                                            </p:txEl>
+                                          </p:spTgt>
+                                        </p:tgtEl>
+                                        <p:attrNameLst>
+                                          <p:attrName>style.visibility</p:attrName>
+                                        </p:attrNameLst>
+                                      </p:cBhvr>
+                                      <p:to>
+                                        <p:strVal val="visible"/>
+                                      </p:to>
+                                    </p:set>
+                                    <p:animEffect transition="in" filter="fade">
+                                      <p:cBhvr>
+                                        <p:cTn id="41" dur="500"/>
+                                        <p:tgtEl>
+                                          <p:spTgt spid="3">
+                                            <p:txEl>
+                                              <p:pRg st="6" end="6"/>
+                                            </p:txEl>
+                                          </p:spTgt>
                                         </p:tgtEl>
                                       </p:cBhvr>
                                     </p:animEffect>
@@ -26740,20 +26255,20 @@
                                 </p:cTn>
                               </p:par>
                               <p:par>
-                                <p:cTn id="32" presetID="10" presetClass="entr" presetSubtype="0" fill="hold" nodeType="withEffect">
+                                <p:cTn id="42" presetID="10" presetClass="entr" presetSubtype="0" fill="hold" nodeType="withEffect">
                                   <p:stCondLst>
                                     <p:cond delay="0"/>
                                   </p:stCondLst>
                                   <p:childTnLst>
                                     <p:set>
                                       <p:cBhvr>
-                                        <p:cTn id="33" dur="1" fill="hold">
+                                        <p:cTn id="43" dur="1" fill="hold">
                                           <p:stCondLst>
                                             <p:cond delay="0"/>
                                           </p:stCondLst>
                                         </p:cTn>
                                         <p:tgtEl>
-                                          <p:spTgt spid="12"/>
+                                          <p:spTgt spid="14"/>
                                         </p:tgtEl>
                                         <p:attrNameLst>
                                           <p:attrName>style.visibility</p:attrName>
@@ -26765,30 +26280,52 @@
                                     </p:set>
                                     <p:animEffect transition="in" filter="fade">
                                       <p:cBhvr>
-                                        <p:cTn id="34" dur="500"/>
-                                        <p:tgtEl>
-                                          <p:spTgt spid="12"/>
+                                        <p:cTn id="44" dur="500"/>
+                                        <p:tgtEl>
+                                          <p:spTgt spid="14"/>
                                         </p:tgtEl>
                                       </p:cBhvr>
                                     </p:animEffect>
                                   </p:childTnLst>
                                 </p:cTn>
                               </p:par>
+                            </p:childTnLst>
+                          </p:cTn>
+                        </p:par>
+                      </p:childTnLst>
+                    </p:cTn>
+                  </p:par>
+                  <p:par>
+                    <p:cTn id="45" fill="hold">
+                      <p:stCondLst>
+                        <p:cond delay="indefinite"/>
+                      </p:stCondLst>
+                      <p:childTnLst>
+                        <p:par>
+                          <p:cTn id="46" fill="hold">
+                            <p:stCondLst>
+                              <p:cond delay="0"/>
+                            </p:stCondLst>
+                            <p:childTnLst>
                               <p:par>
-                                <p:cTn id="35" presetID="10" presetClass="entr" presetSubtype="0" fill="hold" nodeType="withEffect">
+                                <p:cTn id="47" presetID="10" presetClass="entr" presetSubtype="0" fill="hold" nodeType="clickEffect">
                                   <p:stCondLst>
                                     <p:cond delay="0"/>
                                   </p:stCondLst>
                                   <p:childTnLst>
                                     <p:set>
                                       <p:cBhvr>
-                                        <p:cTn id="36" dur="1" fill="hold">
+                                        <p:cTn id="48" dur="1" fill="hold">
                                           <p:stCondLst>
                                             <p:cond delay="0"/>
                                           </p:stCondLst>
                                         </p:cTn>
                                         <p:tgtEl>
-                                          <p:spTgt spid="14"/>
+                                          <p:spTgt spid="3">
+                                            <p:txEl>
+                                              <p:pRg st="8" end="8"/>
+                                            </p:txEl>
+                                          </p:spTgt>
                                         </p:tgtEl>
                                         <p:attrNameLst>
                                           <p:attrName>style.visibility</p:attrName>
@@ -26800,9 +26337,13 @@
                                     </p:set>
                                     <p:animEffect transition="in" filter="fade">
                                       <p:cBhvr>
-                                        <p:cTn id="37" dur="500"/>
-                                        <p:tgtEl>
-                                          <p:spTgt spid="14"/>
+                                        <p:cTn id="49" dur="500"/>
+                                        <p:tgtEl>
+                                          <p:spTgt spid="3">
+                                            <p:txEl>
+                                              <p:pRg st="8" end="8"/>
+                                            </p:txEl>
+                                          </p:spTgt>
                                         </p:tgtEl>
                                       </p:cBhvr>
                                     </p:animEffect>
@@ -26840,7 +26381,7 @@
 </p:sld>
 </file>
 
-<file path=ppt/slides/slide37.xml><?xml version="1.0" encoding="utf-8"?>
+<file path=ppt/slides/slide35.xml><?xml version="1.0" encoding="utf-8"?>
 <p:sld xmlns:a="http://schemas.openxmlformats.org/drawingml/2006/main" xmlns:r="http://schemas.openxmlformats.org/officeDocument/2006/relationships" xmlns:p="http://schemas.openxmlformats.org/presentationml/2006/main">
   <p:cSld>
     <p:spTree>
@@ -27460,7 +27001,7 @@
                 </a:solidFill>
                 <a:latin typeface="Garamond" panose="02020404030301010803" pitchFamily="18" charset="0"/>
               </a:rPr>
-              <a:t>37</a:t>
+              <a:t>35</a:t>
             </a:fld>
             <a:r>
               <a:rPr lang="en-US" b="1" dirty="0">
@@ -27593,15 +27134,33 @@
                                   </p:childTnLst>
                                 </p:cTn>
                               </p:par>
+                            </p:childTnLst>
+                          </p:cTn>
+                        </p:par>
+                      </p:childTnLst>
+                    </p:cTn>
+                  </p:par>
+                  <p:par>
+                    <p:cTn id="11" fill="hold">
+                      <p:stCondLst>
+                        <p:cond delay="indefinite"/>
+                      </p:stCondLst>
+                      <p:childTnLst>
+                        <p:par>
+                          <p:cTn id="12" fill="hold">
+                            <p:stCondLst>
+                              <p:cond delay="0"/>
+                            </p:stCondLst>
+                            <p:childTnLst>
                               <p:par>
-                                <p:cTn id="11" presetID="10" presetClass="entr" presetSubtype="0" fill="hold" nodeType="withEffect">
+                                <p:cTn id="13" presetID="10" presetClass="entr" presetSubtype="0" fill="hold" nodeType="clickEffect">
                                   <p:stCondLst>
                                     <p:cond delay="0"/>
                                   </p:stCondLst>
                                   <p:childTnLst>
                                     <p:set>
                                       <p:cBhvr>
-                                        <p:cTn id="12" dur="1" fill="hold">
+                                        <p:cTn id="14" dur="1" fill="hold">
                                           <p:stCondLst>
                                             <p:cond delay="0"/>
                                           </p:stCondLst>
@@ -27623,7 +27182,7 @@
                                     </p:set>
                                     <p:animEffect transition="in" filter="fade">
                                       <p:cBhvr>
-                                        <p:cTn id="13" dur="500"/>
+                                        <p:cTn id="15" dur="500"/>
                                         <p:tgtEl>
                                           <p:spTgt spid="3">
                                             <p:txEl>
@@ -27637,14 +27196,14 @@
                                 </p:cTn>
                               </p:par>
                               <p:par>
-                                <p:cTn id="14" presetID="10" presetClass="entr" presetSubtype="0" fill="hold" nodeType="withEffect">
+                                <p:cTn id="16" presetID="10" presetClass="entr" presetSubtype="0" fill="hold" nodeType="withEffect">
                                   <p:stCondLst>
                                     <p:cond delay="0"/>
                                   </p:stCondLst>
                                   <p:childTnLst>
                                     <p:set>
                                       <p:cBhvr>
-                                        <p:cTn id="15" dur="1" fill="hold">
+                                        <p:cTn id="17" dur="1" fill="hold">
                                           <p:stCondLst>
                                             <p:cond delay="0"/>
                                           </p:stCondLst>
@@ -27666,7 +27225,7 @@
                                     </p:set>
                                     <p:animEffect transition="in" filter="fade">
                                       <p:cBhvr>
-                                        <p:cTn id="16" dur="500"/>
+                                        <p:cTn id="18" dur="500"/>
                                         <p:tgtEl>
                                           <p:spTgt spid="3">
                                             <p:txEl>
@@ -27679,15 +27238,33 @@
                                   </p:childTnLst>
                                 </p:cTn>
                               </p:par>
+                            </p:childTnLst>
+                          </p:cTn>
+                        </p:par>
+                      </p:childTnLst>
+                    </p:cTn>
+                  </p:par>
+                  <p:par>
+                    <p:cTn id="19" fill="hold">
+                      <p:stCondLst>
+                        <p:cond delay="indefinite"/>
+                      </p:stCondLst>
+                      <p:childTnLst>
+                        <p:par>
+                          <p:cTn id="20" fill="hold">
+                            <p:stCondLst>
+                              <p:cond delay="0"/>
+                            </p:stCondLst>
+                            <p:childTnLst>
                               <p:par>
-                                <p:cTn id="17" presetID="10" presetClass="entr" presetSubtype="0" fill="hold" nodeType="withEffect">
+                                <p:cTn id="21" presetID="10" presetClass="entr" presetSubtype="0" fill="hold" nodeType="clickEffect">
                                   <p:stCondLst>
                                     <p:cond delay="0"/>
                                   </p:stCondLst>
                                   <p:childTnLst>
                                     <p:set>
                                       <p:cBhvr>
-                                        <p:cTn id="18" dur="1" fill="hold">
+                                        <p:cTn id="22" dur="1" fill="hold">
                                           <p:stCondLst>
                                             <p:cond delay="0"/>
                                           </p:stCondLst>
@@ -27709,7 +27286,7 @@
                                     </p:set>
                                     <p:animEffect transition="in" filter="fade">
                                       <p:cBhvr>
-                                        <p:cTn id="19" dur="500"/>
+                                        <p:cTn id="23" dur="500"/>
                                         <p:tgtEl>
                                           <p:spTgt spid="3">
                                             <p:txEl>
@@ -27722,15 +27299,33 @@
                                   </p:childTnLst>
                                 </p:cTn>
                               </p:par>
+                            </p:childTnLst>
+                          </p:cTn>
+                        </p:par>
+                      </p:childTnLst>
+                    </p:cTn>
+                  </p:par>
+                  <p:par>
+                    <p:cTn id="24" fill="hold">
+                      <p:stCondLst>
+                        <p:cond delay="indefinite"/>
+                      </p:stCondLst>
+                      <p:childTnLst>
+                        <p:par>
+                          <p:cTn id="25" fill="hold">
+                            <p:stCondLst>
+                              <p:cond delay="0"/>
+                            </p:stCondLst>
+                            <p:childTnLst>
                               <p:par>
-                                <p:cTn id="20" presetID="10" presetClass="entr" presetSubtype="0" fill="hold" nodeType="withEffect">
+                                <p:cTn id="26" presetID="10" presetClass="entr" presetSubtype="0" fill="hold" nodeType="clickEffect">
                                   <p:stCondLst>
                                     <p:cond delay="0"/>
                                   </p:stCondLst>
                                   <p:childTnLst>
                                     <p:set>
                                       <p:cBhvr>
-                                        <p:cTn id="21" dur="1" fill="hold">
+                                        <p:cTn id="27" dur="1" fill="hold">
                                           <p:stCondLst>
                                             <p:cond delay="0"/>
                                           </p:stCondLst>
@@ -27752,7 +27347,7 @@
                                     </p:set>
                                     <p:animEffect transition="in" filter="fade">
                                       <p:cBhvr>
-                                        <p:cTn id="22" dur="500"/>
+                                        <p:cTn id="28" dur="500"/>
                                         <p:tgtEl>
                                           <p:spTgt spid="3">
                                             <p:txEl>
@@ -27796,7 +27391,7 @@
 </p:sld>
 </file>
 
-<file path=ppt/slides/slide38.xml><?xml version="1.0" encoding="utf-8"?>
+<file path=ppt/slides/slide36.xml><?xml version="1.0" encoding="utf-8"?>
 <p:sld xmlns:a="http://schemas.openxmlformats.org/drawingml/2006/main" xmlns:r="http://schemas.openxmlformats.org/officeDocument/2006/relationships" xmlns:p="http://schemas.openxmlformats.org/presentationml/2006/main">
   <p:cSld>
     <p:spTree>
@@ -28146,7 +27741,7 @@
                 </a:solidFill>
                 <a:latin typeface="Garamond" panose="02020404030301010803" pitchFamily="18" charset="0"/>
               </a:rPr>
-              <a:t>38</a:t>
+              <a:t>36</a:t>
             </a:fld>
             <a:r>
               <a:rPr lang="en-US" b="1" dirty="0">
@@ -28600,7 +28195,7 @@
 </p:sld>
 </file>
 
-<file path=ppt/slides/slide39.xml><?xml version="1.0" encoding="utf-8"?>
+<file path=ppt/slides/slide37.xml><?xml version="1.0" encoding="utf-8"?>
 <p:sld xmlns:a="http://schemas.openxmlformats.org/drawingml/2006/main" xmlns:r="http://schemas.openxmlformats.org/officeDocument/2006/relationships" xmlns:p="http://schemas.openxmlformats.org/presentationml/2006/main">
   <p:cSld>
     <p:bg>
@@ -28708,6 +28303,1772 @@
 </p:sld>
 </file>
 
+<file path=ppt/slides/slide38.xml><?xml version="1.0" encoding="utf-8"?>
+<p:sld xmlns:a="http://schemas.openxmlformats.org/drawingml/2006/main" xmlns:r="http://schemas.openxmlformats.org/officeDocument/2006/relationships" xmlns:p="http://schemas.openxmlformats.org/presentationml/2006/main">
+  <p:cSld>
+    <p:spTree>
+      <p:nvGrpSpPr>
+        <p:cNvPr id="1" name="">
+          <a:extLst>
+            <a:ext uri="{FF2B5EF4-FFF2-40B4-BE49-F238E27FC236}">
+              <a16:creationId xmlns:a16="http://schemas.microsoft.com/office/drawing/2014/main" id="{11BAD0D3-75F9-AC66-E339-9901DE6F1197}"/>
+            </a:ext>
+          </a:extLst>
+        </p:cNvPr>
+        <p:cNvGrpSpPr/>
+        <p:nvPr/>
+      </p:nvGrpSpPr>
+      <p:grpSpPr>
+        <a:xfrm>
+          <a:off x="0" y="0"/>
+          <a:ext cx="0" cy="0"/>
+          <a:chOff x="0" y="0"/>
+          <a:chExt cx="0" cy="0"/>
+        </a:xfrm>
+      </p:grpSpPr>
+      <p:sp>
+        <p:nvSpPr>
+          <p:cNvPr id="3" name="Content Placeholder 2">
+            <a:extLst>
+              <a:ext uri="{FF2B5EF4-FFF2-40B4-BE49-F238E27FC236}">
+                <a16:creationId xmlns:a16="http://schemas.microsoft.com/office/drawing/2014/main" id="{356835BB-90E6-3E0A-81B8-DDBC0DDEB473}"/>
+              </a:ext>
+            </a:extLst>
+          </p:cNvPr>
+          <p:cNvSpPr>
+            <a:spLocks noGrp="1"/>
+          </p:cNvSpPr>
+          <p:nvPr>
+            <p:ph idx="1"/>
+          </p:nvPr>
+        </p:nvSpPr>
+        <p:spPr>
+          <a:xfrm>
+            <a:off x="457199" y="1300900"/>
+            <a:ext cx="11189855" cy="5081046"/>
+          </a:xfrm>
+        </p:spPr>
+        <p:txBody>
+          <a:bodyPr>
+            <a:normAutofit/>
+          </a:bodyPr>
+          <a:lstStyle/>
+          <a:p>
+            <a:pPr>
+              <a:spcBef>
+                <a:spcPts val="1000"/>
+              </a:spcBef>
+              <a:defRPr sz="2000">
+                <a:solidFill>
+                  <a:srgbClr val="000000"/>
+                </a:solidFill>
+                <a:latin typeface="Garamond"/>
+              </a:defRPr>
+            </a:pPr>
+            <a:r>
+              <a:rPr lang="en-US" altLang="zh-TW" sz="2400" dirty="0"/>
+              <a:t>Preferences describe how a consumer ranks bundles of goods.</a:t>
+            </a:r>
+          </a:p>
+          <a:p>
+            <a:pPr lvl="1">
+              <a:spcBef>
+                <a:spcPts val="1000"/>
+              </a:spcBef>
+              <a:defRPr sz="2000">
+                <a:solidFill>
+                  <a:srgbClr val="000000"/>
+                </a:solidFill>
+                <a:latin typeface="Garamond"/>
+              </a:defRPr>
+            </a:pPr>
+            <a:r>
+              <a:rPr lang="en-US" altLang="zh-TW" sz="2000" dirty="0"/>
+              <a:t>Axioms: Completeness, Reflexivity, Transitivity</a:t>
+            </a:r>
+            <a:r>
+              <a:rPr lang="en-US" altLang="zh-TW" sz="2000"/>
+              <a:t>, Monotonicity</a:t>
+            </a:r>
+            <a:r>
+              <a:rPr lang="en-US" altLang="zh-TW" sz="2000" dirty="0"/>
+              <a:t>, Convexity, and Continuity</a:t>
+            </a:r>
+          </a:p>
+          <a:p>
+            <a:pPr lvl="3">
+              <a:spcBef>
+                <a:spcPts val="1000"/>
+              </a:spcBef>
+              <a:defRPr sz="2000">
+                <a:solidFill>
+                  <a:srgbClr val="000000"/>
+                </a:solidFill>
+                <a:latin typeface="Garamond"/>
+              </a:defRPr>
+            </a:pPr>
+            <a:endParaRPr lang="en-US" altLang="zh-TW" sz="1200" dirty="0"/>
+          </a:p>
+          <a:p>
+            <a:pPr>
+              <a:spcBef>
+                <a:spcPts val="1000"/>
+              </a:spcBef>
+              <a:defRPr sz="2000">
+                <a:solidFill>
+                  <a:srgbClr val="000000"/>
+                </a:solidFill>
+                <a:latin typeface="Garamond"/>
+              </a:defRPr>
+            </a:pPr>
+            <a:r>
+              <a:rPr lang="en-US" altLang="zh-TW" sz="2400" dirty="0"/>
+              <a:t>Preferences are represented graphically using indifference curves:</a:t>
+            </a:r>
+          </a:p>
+          <a:p>
+            <a:pPr lvl="1">
+              <a:spcBef>
+                <a:spcPts val="1000"/>
+              </a:spcBef>
+              <a:defRPr sz="2000">
+                <a:solidFill>
+                  <a:srgbClr val="000000"/>
+                </a:solidFill>
+                <a:latin typeface="Garamond"/>
+              </a:defRPr>
+            </a:pPr>
+            <a:r>
+              <a:rPr lang="en-US" altLang="zh-TW" sz="2000" dirty="0"/>
+              <a:t>Each indifference curve represents bundles the consumer views as equally desirable.</a:t>
+            </a:r>
+          </a:p>
+          <a:p>
+            <a:pPr lvl="1">
+              <a:spcBef>
+                <a:spcPts val="1000"/>
+              </a:spcBef>
+              <a:defRPr sz="2000">
+                <a:solidFill>
+                  <a:srgbClr val="000000"/>
+                </a:solidFill>
+                <a:latin typeface="Garamond"/>
+              </a:defRPr>
+            </a:pPr>
+            <a:r>
+              <a:rPr lang="en-US" altLang="zh-TW" sz="2000" dirty="0"/>
+              <a:t>(In general) Indifference curves further from the origin correspond to more preferred bundles.</a:t>
+            </a:r>
+          </a:p>
+          <a:p>
+            <a:pPr lvl="4">
+              <a:spcBef>
+                <a:spcPts val="1000"/>
+              </a:spcBef>
+              <a:defRPr sz="2000">
+                <a:solidFill>
+                  <a:srgbClr val="000000"/>
+                </a:solidFill>
+                <a:latin typeface="Garamond"/>
+              </a:defRPr>
+            </a:pPr>
+            <a:endParaRPr lang="en-US" altLang="zh-TW" sz="1200" dirty="0"/>
+          </a:p>
+          <a:p>
+            <a:pPr>
+              <a:spcBef>
+                <a:spcPts val="1000"/>
+              </a:spcBef>
+              <a:defRPr sz="2000">
+                <a:solidFill>
+                  <a:srgbClr val="000000"/>
+                </a:solidFill>
+                <a:latin typeface="Garamond"/>
+              </a:defRPr>
+            </a:pPr>
+            <a:r>
+              <a:rPr lang="en-US" altLang="zh-TW" sz="2400" dirty="0"/>
+              <a:t>The Marginal Rate of Substitution (MRS) measures the rate at which a consumer is willing to trade one good for another while remaining indifferent.</a:t>
+            </a:r>
+          </a:p>
+          <a:p>
+            <a:pPr lvl="1">
+              <a:spcBef>
+                <a:spcPts val="1000"/>
+              </a:spcBef>
+              <a:defRPr sz="2000">
+                <a:solidFill>
+                  <a:srgbClr val="000000"/>
+                </a:solidFill>
+                <a:latin typeface="Garamond"/>
+              </a:defRPr>
+            </a:pPr>
+            <a:r>
+              <a:rPr lang="en-US" altLang="zh-TW" sz="2000" dirty="0"/>
+              <a:t>MRS is the slope of the indifference curve at a point.</a:t>
+            </a:r>
+          </a:p>
+          <a:p>
+            <a:pPr lvl="1">
+              <a:spcBef>
+                <a:spcPts val="1000"/>
+              </a:spcBef>
+              <a:defRPr sz="2000">
+                <a:solidFill>
+                  <a:srgbClr val="000000"/>
+                </a:solidFill>
+                <a:latin typeface="Garamond"/>
+              </a:defRPr>
+            </a:pPr>
+            <a:r>
+              <a:rPr lang="en-US" altLang="zh-TW" sz="2000" dirty="0"/>
+              <a:t>MRS represents the consumer’s marginal willingness to pay for one good in terms of the other.</a:t>
+            </a:r>
+          </a:p>
+          <a:p>
+            <a:pPr lvl="1">
+              <a:spcBef>
+                <a:spcPts val="1000"/>
+              </a:spcBef>
+              <a:defRPr sz="2000">
+                <a:solidFill>
+                  <a:srgbClr val="000000"/>
+                </a:solidFill>
+                <a:latin typeface="Garamond"/>
+              </a:defRPr>
+            </a:pPr>
+            <a:r>
+              <a:rPr lang="en-US" altLang="zh-TW" sz="2000" dirty="0"/>
+              <a:t>The MRS is diminishing as consumption shifts toward more of one good.</a:t>
+            </a:r>
+          </a:p>
+        </p:txBody>
+      </p:sp>
+      <p:sp>
+        <p:nvSpPr>
+          <p:cNvPr id="4" name="Rectangle 3">
+            <a:extLst>
+              <a:ext uri="{FF2B5EF4-FFF2-40B4-BE49-F238E27FC236}">
+                <a16:creationId xmlns:a16="http://schemas.microsoft.com/office/drawing/2014/main" id="{32A48173-3450-13BF-C367-F600593798AE}"/>
+              </a:ext>
+            </a:extLst>
+          </p:cNvPr>
+          <p:cNvSpPr/>
+          <p:nvPr/>
+        </p:nvSpPr>
+        <p:spPr>
+          <a:xfrm>
+            <a:off x="0" y="0"/>
+            <a:ext cx="12188825" cy="923636"/>
+          </a:xfrm>
+          <a:prstGeom prst="rect">
+            <a:avLst/>
+          </a:prstGeom>
+          <a:solidFill>
+            <a:srgbClr val="77122C"/>
+          </a:solidFill>
+        </p:spPr>
+        <p:style>
+          <a:lnRef idx="1">
+            <a:schemeClr val="accent1"/>
+          </a:lnRef>
+          <a:fillRef idx="3">
+            <a:schemeClr val="accent1"/>
+          </a:fillRef>
+          <a:effectRef idx="2">
+            <a:schemeClr val="accent1"/>
+          </a:effectRef>
+          <a:fontRef idx="minor">
+            <a:schemeClr val="lt1"/>
+          </a:fontRef>
+        </p:style>
+        <p:txBody>
+          <a:bodyPr rtlCol="0" anchor="ctr"/>
+          <a:lstStyle/>
+          <a:p>
+            <a:pPr algn="ctr"/>
+            <a:endParaRPr lang="en-US"/>
+          </a:p>
+        </p:txBody>
+      </p:sp>
+      <p:sp>
+        <p:nvSpPr>
+          <p:cNvPr id="2" name="Title 1">
+            <a:extLst>
+              <a:ext uri="{FF2B5EF4-FFF2-40B4-BE49-F238E27FC236}">
+                <a16:creationId xmlns:a16="http://schemas.microsoft.com/office/drawing/2014/main" id="{7EF89FA8-2460-DC9C-C37C-7D20C806CEFB}"/>
+              </a:ext>
+            </a:extLst>
+          </p:cNvPr>
+          <p:cNvSpPr>
+            <a:spLocks noGrp="1"/>
+          </p:cNvSpPr>
+          <p:nvPr>
+            <p:ph type="title"/>
+          </p:nvPr>
+        </p:nvSpPr>
+        <p:spPr>
+          <a:xfrm>
+            <a:off x="0" y="0"/>
+            <a:ext cx="12188825" cy="923636"/>
+          </a:xfrm>
+        </p:spPr>
+        <p:txBody>
+          <a:bodyPr>
+            <a:normAutofit/>
+          </a:bodyPr>
+          <a:lstStyle/>
+          <a:p>
+            <a:pPr algn="l">
+              <a:defRPr sz="4000" b="1">
+                <a:solidFill>
+                  <a:srgbClr val="FDB913"/>
+                </a:solidFill>
+                <a:latin typeface="Garamond"/>
+              </a:defRPr>
+            </a:pPr>
+            <a:r>
+              <a:rPr lang="en-US" sz="4000" dirty="0">
+                <a:solidFill>
+                  <a:schemeClr val="bg1"/>
+                </a:solidFill>
+              </a:rPr>
+              <a:t>  Recap: Preferences</a:t>
+            </a:r>
+          </a:p>
+        </p:txBody>
+      </p:sp>
+      <p:sp>
+        <p:nvSpPr>
+          <p:cNvPr id="5" name="Rectangle 4">
+            <a:extLst>
+              <a:ext uri="{FF2B5EF4-FFF2-40B4-BE49-F238E27FC236}">
+                <a16:creationId xmlns:a16="http://schemas.microsoft.com/office/drawing/2014/main" id="{D3D01E9F-E8C7-EA86-FD4B-1CFA8B6FAD8F}"/>
+              </a:ext>
+            </a:extLst>
+          </p:cNvPr>
+          <p:cNvSpPr/>
+          <p:nvPr/>
+        </p:nvSpPr>
+        <p:spPr>
+          <a:xfrm>
+            <a:off x="-1" y="6503428"/>
+            <a:ext cx="12188825" cy="354572"/>
+          </a:xfrm>
+          <a:prstGeom prst="rect">
+            <a:avLst/>
+          </a:prstGeom>
+          <a:solidFill>
+            <a:srgbClr val="77122C"/>
+          </a:solidFill>
+        </p:spPr>
+        <p:style>
+          <a:lnRef idx="1">
+            <a:schemeClr val="accent1"/>
+          </a:lnRef>
+          <a:fillRef idx="3">
+            <a:schemeClr val="accent1"/>
+          </a:fillRef>
+          <a:effectRef idx="2">
+            <a:schemeClr val="accent1"/>
+          </a:effectRef>
+          <a:fontRef idx="minor">
+            <a:schemeClr val="lt1"/>
+          </a:fontRef>
+        </p:style>
+        <p:txBody>
+          <a:bodyPr rtlCol="0" anchor="ctr"/>
+          <a:lstStyle/>
+          <a:p>
+            <a:pPr algn="ctr"/>
+            <a:endParaRPr lang="en-US"/>
+          </a:p>
+        </p:txBody>
+      </p:sp>
+      <p:sp>
+        <p:nvSpPr>
+          <p:cNvPr id="6" name="Footer Placeholder 5">
+            <a:extLst>
+              <a:ext uri="{FF2B5EF4-FFF2-40B4-BE49-F238E27FC236}">
+                <a16:creationId xmlns:a16="http://schemas.microsoft.com/office/drawing/2014/main" id="{EB9C57A6-7C71-3EE2-8512-42A25F53FCF9}"/>
+              </a:ext>
+            </a:extLst>
+          </p:cNvPr>
+          <p:cNvSpPr>
+            <a:spLocks noGrp="1"/>
+          </p:cNvSpPr>
+          <p:nvPr>
+            <p:ph type="ftr" sz="quarter" idx="11"/>
+          </p:nvPr>
+        </p:nvSpPr>
+        <p:spPr>
+          <a:xfrm>
+            <a:off x="-1" y="6503428"/>
+            <a:ext cx="2895600" cy="354572"/>
+          </a:xfrm>
+        </p:spPr>
+        <p:txBody>
+          <a:bodyPr/>
+          <a:lstStyle/>
+          <a:p>
+            <a:pPr algn="l"/>
+            <a:r>
+              <a:rPr lang="en-US">
+                <a:solidFill>
+                  <a:schemeClr val="bg1"/>
+                </a:solidFill>
+                <a:latin typeface="Garamond" panose="02020404030301010803" pitchFamily="18" charset="0"/>
+              </a:rPr>
+              <a:t> Intermediate Microeconomic Theory</a:t>
+            </a:r>
+            <a:endParaRPr lang="en-US" dirty="0">
+              <a:solidFill>
+                <a:schemeClr val="bg1"/>
+              </a:solidFill>
+              <a:latin typeface="Garamond" panose="02020404030301010803" pitchFamily="18" charset="0"/>
+            </a:endParaRPr>
+          </a:p>
+        </p:txBody>
+      </p:sp>
+      <p:sp>
+        <p:nvSpPr>
+          <p:cNvPr id="7" name="Slide Number Placeholder 6">
+            <a:extLst>
+              <a:ext uri="{FF2B5EF4-FFF2-40B4-BE49-F238E27FC236}">
+                <a16:creationId xmlns:a16="http://schemas.microsoft.com/office/drawing/2014/main" id="{71D60DDE-35FE-3D1B-546A-897387B8FFC6}"/>
+              </a:ext>
+            </a:extLst>
+          </p:cNvPr>
+          <p:cNvSpPr>
+            <a:spLocks noGrp="1"/>
+          </p:cNvSpPr>
+          <p:nvPr>
+            <p:ph type="sldNum" sz="quarter" idx="12"/>
+          </p:nvPr>
+        </p:nvSpPr>
+        <p:spPr>
+          <a:xfrm>
+            <a:off x="10055225" y="6503428"/>
+            <a:ext cx="2133600" cy="354572"/>
+          </a:xfrm>
+        </p:spPr>
+        <p:txBody>
+          <a:bodyPr/>
+          <a:lstStyle/>
+          <a:p>
+            <a:fld id="{C1FF6DA9-008F-8B48-92A6-B652298478BF}" type="slidenum">
+              <a:rPr lang="en-US" b="1" smtClean="0">
+                <a:solidFill>
+                  <a:schemeClr val="bg1"/>
+                </a:solidFill>
+                <a:latin typeface="Garamond" panose="02020404030301010803" pitchFamily="18" charset="0"/>
+              </a:rPr>
+              <a:t>38</a:t>
+            </a:fld>
+            <a:r>
+              <a:rPr lang="en-US" b="1" dirty="0">
+                <a:solidFill>
+                  <a:schemeClr val="bg1"/>
+                </a:solidFill>
+                <a:latin typeface="Garamond" panose="02020404030301010803" pitchFamily="18" charset="0"/>
+              </a:rPr>
+              <a:t> </a:t>
+            </a:r>
+          </a:p>
+        </p:txBody>
+      </p:sp>
+    </p:spTree>
+    <p:extLst>
+      <p:ext uri="{BB962C8B-B14F-4D97-AF65-F5344CB8AC3E}">
+        <p14:creationId xmlns:p14="http://schemas.microsoft.com/office/powerpoint/2010/main" val="380039814"/>
+      </p:ext>
+    </p:extLst>
+  </p:cSld>
+  <p:clrMapOvr>
+    <a:masterClrMapping/>
+  </p:clrMapOvr>
+  <p:timing>
+    <p:tnLst>
+      <p:par>
+        <p:cTn id="1" dur="indefinite" restart="never" nodeType="tmRoot">
+          <p:childTnLst>
+            <p:seq concurrent="1" nextAc="seek">
+              <p:cTn id="2" dur="indefinite" nodeType="mainSeq">
+                <p:childTnLst>
+                  <p:par>
+                    <p:cTn id="3" fill="hold">
+                      <p:stCondLst>
+                        <p:cond delay="indefinite"/>
+                        <p:cond evt="onBegin" delay="0">
+                          <p:tn val="2"/>
+                        </p:cond>
+                      </p:stCondLst>
+                      <p:childTnLst>
+                        <p:par>
+                          <p:cTn id="4" fill="hold">
+                            <p:stCondLst>
+                              <p:cond delay="0"/>
+                            </p:stCondLst>
+                            <p:childTnLst>
+                              <p:par>
+                                <p:cTn id="5" presetID="10" presetClass="entr" presetSubtype="0" fill="hold" nodeType="withEffect">
+                                  <p:stCondLst>
+                                    <p:cond delay="0"/>
+                                  </p:stCondLst>
+                                  <p:childTnLst>
+                                    <p:set>
+                                      <p:cBhvr>
+                                        <p:cTn id="6" dur="1" fill="hold">
+                                          <p:stCondLst>
+                                            <p:cond delay="0"/>
+                                          </p:stCondLst>
+                                        </p:cTn>
+                                        <p:tgtEl>
+                                          <p:spTgt spid="3">
+                                            <p:txEl>
+                                              <p:pRg st="0" end="0"/>
+                                            </p:txEl>
+                                          </p:spTgt>
+                                        </p:tgtEl>
+                                        <p:attrNameLst>
+                                          <p:attrName>style.visibility</p:attrName>
+                                        </p:attrNameLst>
+                                      </p:cBhvr>
+                                      <p:to>
+                                        <p:strVal val="visible"/>
+                                      </p:to>
+                                    </p:set>
+                                    <p:animEffect transition="in" filter="fade">
+                                      <p:cBhvr>
+                                        <p:cTn id="7" dur="500"/>
+                                        <p:tgtEl>
+                                          <p:spTgt spid="3">
+                                            <p:txEl>
+                                              <p:pRg st="0" end="0"/>
+                                            </p:txEl>
+                                          </p:spTgt>
+                                        </p:tgtEl>
+                                      </p:cBhvr>
+                                    </p:animEffect>
+                                  </p:childTnLst>
+                                </p:cTn>
+                              </p:par>
+                              <p:par>
+                                <p:cTn id="8" presetID="10" presetClass="entr" presetSubtype="0" fill="hold" nodeType="withEffect">
+                                  <p:stCondLst>
+                                    <p:cond delay="0"/>
+                                  </p:stCondLst>
+                                  <p:childTnLst>
+                                    <p:set>
+                                      <p:cBhvr>
+                                        <p:cTn id="9" dur="1" fill="hold">
+                                          <p:stCondLst>
+                                            <p:cond delay="0"/>
+                                          </p:stCondLst>
+                                        </p:cTn>
+                                        <p:tgtEl>
+                                          <p:spTgt spid="3">
+                                            <p:txEl>
+                                              <p:pRg st="1" end="1"/>
+                                            </p:txEl>
+                                          </p:spTgt>
+                                        </p:tgtEl>
+                                        <p:attrNameLst>
+                                          <p:attrName>style.visibility</p:attrName>
+                                        </p:attrNameLst>
+                                      </p:cBhvr>
+                                      <p:to>
+                                        <p:strVal val="visible"/>
+                                      </p:to>
+                                    </p:set>
+                                    <p:animEffect transition="in" filter="fade">
+                                      <p:cBhvr>
+                                        <p:cTn id="10" dur="500"/>
+                                        <p:tgtEl>
+                                          <p:spTgt spid="3">
+                                            <p:txEl>
+                                              <p:pRg st="1" end="1"/>
+                                            </p:txEl>
+                                          </p:spTgt>
+                                        </p:tgtEl>
+                                      </p:cBhvr>
+                                    </p:animEffect>
+                                  </p:childTnLst>
+                                </p:cTn>
+                              </p:par>
+                            </p:childTnLst>
+                          </p:cTn>
+                        </p:par>
+                      </p:childTnLst>
+                    </p:cTn>
+                  </p:par>
+                  <p:par>
+                    <p:cTn id="11" fill="hold">
+                      <p:stCondLst>
+                        <p:cond delay="indefinite"/>
+                      </p:stCondLst>
+                      <p:childTnLst>
+                        <p:par>
+                          <p:cTn id="12" fill="hold">
+                            <p:stCondLst>
+                              <p:cond delay="0"/>
+                            </p:stCondLst>
+                            <p:childTnLst>
+                              <p:par>
+                                <p:cTn id="13" presetID="10" presetClass="entr" presetSubtype="0" fill="hold" nodeType="clickEffect">
+                                  <p:stCondLst>
+                                    <p:cond delay="0"/>
+                                  </p:stCondLst>
+                                  <p:childTnLst>
+                                    <p:set>
+                                      <p:cBhvr>
+                                        <p:cTn id="14" dur="1" fill="hold">
+                                          <p:stCondLst>
+                                            <p:cond delay="0"/>
+                                          </p:stCondLst>
+                                        </p:cTn>
+                                        <p:tgtEl>
+                                          <p:spTgt spid="3">
+                                            <p:txEl>
+                                              <p:pRg st="3" end="3"/>
+                                            </p:txEl>
+                                          </p:spTgt>
+                                        </p:tgtEl>
+                                        <p:attrNameLst>
+                                          <p:attrName>style.visibility</p:attrName>
+                                        </p:attrNameLst>
+                                      </p:cBhvr>
+                                      <p:to>
+                                        <p:strVal val="visible"/>
+                                      </p:to>
+                                    </p:set>
+                                    <p:animEffect transition="in" filter="fade">
+                                      <p:cBhvr>
+                                        <p:cTn id="15" dur="500"/>
+                                        <p:tgtEl>
+                                          <p:spTgt spid="3">
+                                            <p:txEl>
+                                              <p:pRg st="3" end="3"/>
+                                            </p:txEl>
+                                          </p:spTgt>
+                                        </p:tgtEl>
+                                      </p:cBhvr>
+                                    </p:animEffect>
+                                  </p:childTnLst>
+                                </p:cTn>
+                              </p:par>
+                              <p:par>
+                                <p:cTn id="16" presetID="10" presetClass="entr" presetSubtype="0" fill="hold" nodeType="withEffect">
+                                  <p:stCondLst>
+                                    <p:cond delay="0"/>
+                                  </p:stCondLst>
+                                  <p:childTnLst>
+                                    <p:set>
+                                      <p:cBhvr>
+                                        <p:cTn id="17" dur="1" fill="hold">
+                                          <p:stCondLst>
+                                            <p:cond delay="0"/>
+                                          </p:stCondLst>
+                                        </p:cTn>
+                                        <p:tgtEl>
+                                          <p:spTgt spid="3">
+                                            <p:txEl>
+                                              <p:pRg st="4" end="4"/>
+                                            </p:txEl>
+                                          </p:spTgt>
+                                        </p:tgtEl>
+                                        <p:attrNameLst>
+                                          <p:attrName>style.visibility</p:attrName>
+                                        </p:attrNameLst>
+                                      </p:cBhvr>
+                                      <p:to>
+                                        <p:strVal val="visible"/>
+                                      </p:to>
+                                    </p:set>
+                                    <p:animEffect transition="in" filter="fade">
+                                      <p:cBhvr>
+                                        <p:cTn id="18" dur="500"/>
+                                        <p:tgtEl>
+                                          <p:spTgt spid="3">
+                                            <p:txEl>
+                                              <p:pRg st="4" end="4"/>
+                                            </p:txEl>
+                                          </p:spTgt>
+                                        </p:tgtEl>
+                                      </p:cBhvr>
+                                    </p:animEffect>
+                                  </p:childTnLst>
+                                </p:cTn>
+                              </p:par>
+                              <p:par>
+                                <p:cTn id="19" presetID="10" presetClass="entr" presetSubtype="0" fill="hold" nodeType="withEffect">
+                                  <p:stCondLst>
+                                    <p:cond delay="0"/>
+                                  </p:stCondLst>
+                                  <p:childTnLst>
+                                    <p:set>
+                                      <p:cBhvr>
+                                        <p:cTn id="20" dur="1" fill="hold">
+                                          <p:stCondLst>
+                                            <p:cond delay="0"/>
+                                          </p:stCondLst>
+                                        </p:cTn>
+                                        <p:tgtEl>
+                                          <p:spTgt spid="3">
+                                            <p:txEl>
+                                              <p:pRg st="5" end="5"/>
+                                            </p:txEl>
+                                          </p:spTgt>
+                                        </p:tgtEl>
+                                        <p:attrNameLst>
+                                          <p:attrName>style.visibility</p:attrName>
+                                        </p:attrNameLst>
+                                      </p:cBhvr>
+                                      <p:to>
+                                        <p:strVal val="visible"/>
+                                      </p:to>
+                                    </p:set>
+                                    <p:animEffect transition="in" filter="fade">
+                                      <p:cBhvr>
+                                        <p:cTn id="21" dur="500"/>
+                                        <p:tgtEl>
+                                          <p:spTgt spid="3">
+                                            <p:txEl>
+                                              <p:pRg st="5" end="5"/>
+                                            </p:txEl>
+                                          </p:spTgt>
+                                        </p:tgtEl>
+                                      </p:cBhvr>
+                                    </p:animEffect>
+                                  </p:childTnLst>
+                                </p:cTn>
+                              </p:par>
+                            </p:childTnLst>
+                          </p:cTn>
+                        </p:par>
+                      </p:childTnLst>
+                    </p:cTn>
+                  </p:par>
+                  <p:par>
+                    <p:cTn id="22" fill="hold">
+                      <p:stCondLst>
+                        <p:cond delay="indefinite"/>
+                      </p:stCondLst>
+                      <p:childTnLst>
+                        <p:par>
+                          <p:cTn id="23" fill="hold">
+                            <p:stCondLst>
+                              <p:cond delay="0"/>
+                            </p:stCondLst>
+                            <p:childTnLst>
+                              <p:par>
+                                <p:cTn id="24" presetID="10" presetClass="entr" presetSubtype="0" fill="hold" nodeType="clickEffect">
+                                  <p:stCondLst>
+                                    <p:cond delay="0"/>
+                                  </p:stCondLst>
+                                  <p:childTnLst>
+                                    <p:set>
+                                      <p:cBhvr>
+                                        <p:cTn id="25" dur="1" fill="hold">
+                                          <p:stCondLst>
+                                            <p:cond delay="0"/>
+                                          </p:stCondLst>
+                                        </p:cTn>
+                                        <p:tgtEl>
+                                          <p:spTgt spid="3">
+                                            <p:txEl>
+                                              <p:pRg st="7" end="7"/>
+                                            </p:txEl>
+                                          </p:spTgt>
+                                        </p:tgtEl>
+                                        <p:attrNameLst>
+                                          <p:attrName>style.visibility</p:attrName>
+                                        </p:attrNameLst>
+                                      </p:cBhvr>
+                                      <p:to>
+                                        <p:strVal val="visible"/>
+                                      </p:to>
+                                    </p:set>
+                                    <p:animEffect transition="in" filter="fade">
+                                      <p:cBhvr>
+                                        <p:cTn id="26" dur="500"/>
+                                        <p:tgtEl>
+                                          <p:spTgt spid="3">
+                                            <p:txEl>
+                                              <p:pRg st="7" end="7"/>
+                                            </p:txEl>
+                                          </p:spTgt>
+                                        </p:tgtEl>
+                                      </p:cBhvr>
+                                    </p:animEffect>
+                                  </p:childTnLst>
+                                </p:cTn>
+                              </p:par>
+                              <p:par>
+                                <p:cTn id="27" presetID="10" presetClass="entr" presetSubtype="0" fill="hold" nodeType="withEffect">
+                                  <p:stCondLst>
+                                    <p:cond delay="0"/>
+                                  </p:stCondLst>
+                                  <p:childTnLst>
+                                    <p:set>
+                                      <p:cBhvr>
+                                        <p:cTn id="28" dur="1" fill="hold">
+                                          <p:stCondLst>
+                                            <p:cond delay="0"/>
+                                          </p:stCondLst>
+                                        </p:cTn>
+                                        <p:tgtEl>
+                                          <p:spTgt spid="3">
+                                            <p:txEl>
+                                              <p:pRg st="8" end="8"/>
+                                            </p:txEl>
+                                          </p:spTgt>
+                                        </p:tgtEl>
+                                        <p:attrNameLst>
+                                          <p:attrName>style.visibility</p:attrName>
+                                        </p:attrNameLst>
+                                      </p:cBhvr>
+                                      <p:to>
+                                        <p:strVal val="visible"/>
+                                      </p:to>
+                                    </p:set>
+                                    <p:animEffect transition="in" filter="fade">
+                                      <p:cBhvr>
+                                        <p:cTn id="29" dur="500"/>
+                                        <p:tgtEl>
+                                          <p:spTgt spid="3">
+                                            <p:txEl>
+                                              <p:pRg st="8" end="8"/>
+                                            </p:txEl>
+                                          </p:spTgt>
+                                        </p:tgtEl>
+                                      </p:cBhvr>
+                                    </p:animEffect>
+                                  </p:childTnLst>
+                                </p:cTn>
+                              </p:par>
+                              <p:par>
+                                <p:cTn id="30" presetID="10" presetClass="entr" presetSubtype="0" fill="hold" nodeType="withEffect">
+                                  <p:stCondLst>
+                                    <p:cond delay="0"/>
+                                  </p:stCondLst>
+                                  <p:childTnLst>
+                                    <p:set>
+                                      <p:cBhvr>
+                                        <p:cTn id="31" dur="1" fill="hold">
+                                          <p:stCondLst>
+                                            <p:cond delay="0"/>
+                                          </p:stCondLst>
+                                        </p:cTn>
+                                        <p:tgtEl>
+                                          <p:spTgt spid="3">
+                                            <p:txEl>
+                                              <p:pRg st="9" end="9"/>
+                                            </p:txEl>
+                                          </p:spTgt>
+                                        </p:tgtEl>
+                                        <p:attrNameLst>
+                                          <p:attrName>style.visibility</p:attrName>
+                                        </p:attrNameLst>
+                                      </p:cBhvr>
+                                      <p:to>
+                                        <p:strVal val="visible"/>
+                                      </p:to>
+                                    </p:set>
+                                    <p:animEffect transition="in" filter="fade">
+                                      <p:cBhvr>
+                                        <p:cTn id="32" dur="500"/>
+                                        <p:tgtEl>
+                                          <p:spTgt spid="3">
+                                            <p:txEl>
+                                              <p:pRg st="9" end="9"/>
+                                            </p:txEl>
+                                          </p:spTgt>
+                                        </p:tgtEl>
+                                      </p:cBhvr>
+                                    </p:animEffect>
+                                  </p:childTnLst>
+                                </p:cTn>
+                              </p:par>
+                              <p:par>
+                                <p:cTn id="33" presetID="10" presetClass="entr" presetSubtype="0" fill="hold" nodeType="withEffect">
+                                  <p:stCondLst>
+                                    <p:cond delay="0"/>
+                                  </p:stCondLst>
+                                  <p:childTnLst>
+                                    <p:set>
+                                      <p:cBhvr>
+                                        <p:cTn id="34" dur="1" fill="hold">
+                                          <p:stCondLst>
+                                            <p:cond delay="0"/>
+                                          </p:stCondLst>
+                                        </p:cTn>
+                                        <p:tgtEl>
+                                          <p:spTgt spid="3">
+                                            <p:txEl>
+                                              <p:pRg st="10" end="10"/>
+                                            </p:txEl>
+                                          </p:spTgt>
+                                        </p:tgtEl>
+                                        <p:attrNameLst>
+                                          <p:attrName>style.visibility</p:attrName>
+                                        </p:attrNameLst>
+                                      </p:cBhvr>
+                                      <p:to>
+                                        <p:strVal val="visible"/>
+                                      </p:to>
+                                    </p:set>
+                                    <p:animEffect transition="in" filter="fade">
+                                      <p:cBhvr>
+                                        <p:cTn id="35" dur="500"/>
+                                        <p:tgtEl>
+                                          <p:spTgt spid="3">
+                                            <p:txEl>
+                                              <p:pRg st="10" end="10"/>
+                                            </p:txEl>
+                                          </p:spTgt>
+                                        </p:tgtEl>
+                                      </p:cBhvr>
+                                    </p:animEffect>
+                                  </p:childTnLst>
+                                </p:cTn>
+                              </p:par>
+                            </p:childTnLst>
+                          </p:cTn>
+                        </p:par>
+                      </p:childTnLst>
+                    </p:cTn>
+                  </p:par>
+                </p:childTnLst>
+              </p:cTn>
+              <p:prevCondLst>
+                <p:cond evt="onPrev" delay="0">
+                  <p:tgtEl>
+                    <p:sldTgt/>
+                  </p:tgtEl>
+                </p:cond>
+              </p:prevCondLst>
+              <p:nextCondLst>
+                <p:cond evt="onNext" delay="0">
+                  <p:tgtEl>
+                    <p:sldTgt/>
+                  </p:tgtEl>
+                </p:cond>
+              </p:nextCondLst>
+            </p:seq>
+          </p:childTnLst>
+        </p:cTn>
+      </p:par>
+    </p:tnLst>
+  </p:timing>
+</p:sld>
+</file>
+
+<file path=ppt/slides/slide39.xml><?xml version="1.0" encoding="utf-8"?>
+<p:sld xmlns:a="http://schemas.openxmlformats.org/drawingml/2006/main" xmlns:r="http://schemas.openxmlformats.org/officeDocument/2006/relationships" xmlns:p="http://schemas.openxmlformats.org/presentationml/2006/main">
+  <p:cSld>
+    <p:spTree>
+      <p:nvGrpSpPr>
+        <p:cNvPr id="1" name="">
+          <a:extLst>
+            <a:ext uri="{FF2B5EF4-FFF2-40B4-BE49-F238E27FC236}">
+              <a16:creationId xmlns:a16="http://schemas.microsoft.com/office/drawing/2014/main" id="{7151A8E4-E7C8-D19D-86D3-030AA6A65710}"/>
+            </a:ext>
+          </a:extLst>
+        </p:cNvPr>
+        <p:cNvGrpSpPr/>
+        <p:nvPr/>
+      </p:nvGrpSpPr>
+      <p:grpSpPr>
+        <a:xfrm>
+          <a:off x="0" y="0"/>
+          <a:ext cx="0" cy="0"/>
+          <a:chOff x="0" y="0"/>
+          <a:chExt cx="0" cy="0"/>
+        </a:xfrm>
+      </p:grpSpPr>
+      <p:sp>
+        <p:nvSpPr>
+          <p:cNvPr id="3" name="Content Placeholder 2">
+            <a:extLst>
+              <a:ext uri="{FF2B5EF4-FFF2-40B4-BE49-F238E27FC236}">
+                <a16:creationId xmlns:a16="http://schemas.microsoft.com/office/drawing/2014/main" id="{AA49CAFF-9B43-78CA-BAEA-3A38D425E590}"/>
+              </a:ext>
+            </a:extLst>
+          </p:cNvPr>
+          <p:cNvSpPr>
+            <a:spLocks noGrp="1"/>
+          </p:cNvSpPr>
+          <p:nvPr>
+            <p:ph idx="1"/>
+          </p:nvPr>
+        </p:nvSpPr>
+        <p:spPr>
+          <a:xfrm>
+            <a:off x="457199" y="1300900"/>
+            <a:ext cx="11189855" cy="5081046"/>
+          </a:xfrm>
+        </p:spPr>
+        <p:txBody>
+          <a:bodyPr>
+            <a:normAutofit/>
+          </a:bodyPr>
+          <a:lstStyle/>
+          <a:p>
+            <a:pPr>
+              <a:spcBef>
+                <a:spcPts val="1000"/>
+              </a:spcBef>
+              <a:defRPr sz="2000">
+                <a:solidFill>
+                  <a:srgbClr val="000000"/>
+                </a:solidFill>
+                <a:latin typeface="Garamond"/>
+              </a:defRPr>
+            </a:pPr>
+            <a:r>
+              <a:rPr lang="en-US" altLang="zh-TW" sz="2400" dirty="0"/>
+              <a:t>Preferences tell us which bundles are better than others, but by themselves they do not determine a unique choice.</a:t>
+            </a:r>
+          </a:p>
+          <a:p>
+            <a:pPr lvl="3">
+              <a:spcBef>
+                <a:spcPts val="1000"/>
+              </a:spcBef>
+              <a:defRPr sz="2000">
+                <a:solidFill>
+                  <a:srgbClr val="000000"/>
+                </a:solidFill>
+                <a:latin typeface="Garamond"/>
+              </a:defRPr>
+            </a:pPr>
+            <a:endParaRPr lang="en-US" altLang="zh-TW" sz="1200" dirty="0"/>
+          </a:p>
+          <a:p>
+            <a:pPr>
+              <a:spcBef>
+                <a:spcPts val="1000"/>
+              </a:spcBef>
+              <a:defRPr sz="2000">
+                <a:solidFill>
+                  <a:srgbClr val="000000"/>
+                </a:solidFill>
+                <a:latin typeface="Garamond"/>
+              </a:defRPr>
+            </a:pPr>
+            <a:r>
+              <a:rPr lang="en-US" altLang="zh-TW" sz="2400" dirty="0"/>
+              <a:t>In the next chapter, we introduce utility:</a:t>
+            </a:r>
+          </a:p>
+          <a:p>
+            <a:pPr lvl="1">
+              <a:spcBef>
+                <a:spcPts val="1000"/>
+              </a:spcBef>
+              <a:defRPr sz="2000">
+                <a:solidFill>
+                  <a:srgbClr val="000000"/>
+                </a:solidFill>
+                <a:latin typeface="Garamond"/>
+              </a:defRPr>
+            </a:pPr>
+            <a:r>
+              <a:rPr lang="en-US" altLang="zh-TW" sz="2000" dirty="0"/>
+              <a:t>A numerical representation of the consumer’s preferences.</a:t>
+            </a:r>
+          </a:p>
+          <a:p>
+            <a:pPr lvl="1">
+              <a:spcBef>
+                <a:spcPts val="1000"/>
+              </a:spcBef>
+              <a:defRPr sz="2000">
+                <a:solidFill>
+                  <a:srgbClr val="000000"/>
+                </a:solidFill>
+                <a:latin typeface="Garamond"/>
+              </a:defRPr>
+            </a:pPr>
+            <a:r>
+              <a:rPr lang="en-US" altLang="zh-TW" sz="2000" dirty="0"/>
+              <a:t>A way to assign numbers to bundles that preserve rankings.</a:t>
+            </a:r>
+          </a:p>
+          <a:p>
+            <a:pPr lvl="4">
+              <a:spcBef>
+                <a:spcPts val="1000"/>
+              </a:spcBef>
+              <a:defRPr sz="2000">
+                <a:solidFill>
+                  <a:srgbClr val="000000"/>
+                </a:solidFill>
+                <a:latin typeface="Garamond"/>
+              </a:defRPr>
+            </a:pPr>
+            <a:endParaRPr lang="en-US" altLang="zh-TW" sz="1200" dirty="0"/>
+          </a:p>
+          <a:p>
+            <a:pPr>
+              <a:spcBef>
+                <a:spcPts val="1000"/>
+              </a:spcBef>
+              <a:defRPr sz="2000">
+                <a:solidFill>
+                  <a:srgbClr val="000000"/>
+                </a:solidFill>
+                <a:latin typeface="Garamond"/>
+              </a:defRPr>
+            </a:pPr>
+            <a:r>
+              <a:rPr lang="en-US" altLang="zh-TW" sz="2400" dirty="0"/>
+              <a:t>Utility allows us to translate preferences into a form that is easier to analyze using math.</a:t>
+            </a:r>
+          </a:p>
+          <a:p>
+            <a:pPr lvl="3">
+              <a:spcBef>
+                <a:spcPts val="1000"/>
+              </a:spcBef>
+              <a:defRPr sz="2000">
+                <a:solidFill>
+                  <a:srgbClr val="000000"/>
+                </a:solidFill>
+                <a:latin typeface="Garamond"/>
+              </a:defRPr>
+            </a:pPr>
+            <a:endParaRPr lang="en-US" altLang="zh-TW" sz="1200" dirty="0"/>
+          </a:p>
+          <a:p>
+            <a:pPr>
+              <a:spcBef>
+                <a:spcPts val="1000"/>
+              </a:spcBef>
+              <a:defRPr sz="2000">
+                <a:solidFill>
+                  <a:srgbClr val="000000"/>
+                </a:solidFill>
+                <a:latin typeface="Garamond"/>
+              </a:defRPr>
+            </a:pPr>
+            <a:r>
+              <a:rPr lang="en-US" altLang="zh-TW" sz="2400" dirty="0"/>
+              <a:t>Combining utility with the budget constraint allows us to solve the consumer’s optimization problem.</a:t>
+            </a:r>
+          </a:p>
+        </p:txBody>
+      </p:sp>
+      <p:sp>
+        <p:nvSpPr>
+          <p:cNvPr id="4" name="Rectangle 3">
+            <a:extLst>
+              <a:ext uri="{FF2B5EF4-FFF2-40B4-BE49-F238E27FC236}">
+                <a16:creationId xmlns:a16="http://schemas.microsoft.com/office/drawing/2014/main" id="{8B63240C-8227-33CA-AF99-D0EF55886348}"/>
+              </a:ext>
+            </a:extLst>
+          </p:cNvPr>
+          <p:cNvSpPr/>
+          <p:nvPr/>
+        </p:nvSpPr>
+        <p:spPr>
+          <a:xfrm>
+            <a:off x="0" y="0"/>
+            <a:ext cx="12188825" cy="923636"/>
+          </a:xfrm>
+          <a:prstGeom prst="rect">
+            <a:avLst/>
+          </a:prstGeom>
+          <a:solidFill>
+            <a:srgbClr val="77122C"/>
+          </a:solidFill>
+        </p:spPr>
+        <p:style>
+          <a:lnRef idx="1">
+            <a:schemeClr val="accent1"/>
+          </a:lnRef>
+          <a:fillRef idx="3">
+            <a:schemeClr val="accent1"/>
+          </a:fillRef>
+          <a:effectRef idx="2">
+            <a:schemeClr val="accent1"/>
+          </a:effectRef>
+          <a:fontRef idx="minor">
+            <a:schemeClr val="lt1"/>
+          </a:fontRef>
+        </p:style>
+        <p:txBody>
+          <a:bodyPr rtlCol="0" anchor="ctr"/>
+          <a:lstStyle/>
+          <a:p>
+            <a:pPr algn="ctr"/>
+            <a:endParaRPr lang="en-US"/>
+          </a:p>
+        </p:txBody>
+      </p:sp>
+      <p:sp>
+        <p:nvSpPr>
+          <p:cNvPr id="2" name="Title 1">
+            <a:extLst>
+              <a:ext uri="{FF2B5EF4-FFF2-40B4-BE49-F238E27FC236}">
+                <a16:creationId xmlns:a16="http://schemas.microsoft.com/office/drawing/2014/main" id="{BB6EDD73-7133-E4AA-713D-AD3D76A81B32}"/>
+              </a:ext>
+            </a:extLst>
+          </p:cNvPr>
+          <p:cNvSpPr>
+            <a:spLocks noGrp="1"/>
+          </p:cNvSpPr>
+          <p:nvPr>
+            <p:ph type="title"/>
+          </p:nvPr>
+        </p:nvSpPr>
+        <p:spPr>
+          <a:xfrm>
+            <a:off x="0" y="0"/>
+            <a:ext cx="12188825" cy="923636"/>
+          </a:xfrm>
+        </p:spPr>
+        <p:txBody>
+          <a:bodyPr>
+            <a:normAutofit/>
+          </a:bodyPr>
+          <a:lstStyle/>
+          <a:p>
+            <a:pPr algn="l">
+              <a:defRPr sz="4000" b="1">
+                <a:solidFill>
+                  <a:srgbClr val="FDB913"/>
+                </a:solidFill>
+                <a:latin typeface="Garamond"/>
+              </a:defRPr>
+            </a:pPr>
+            <a:r>
+              <a:rPr lang="en-US" sz="4000" dirty="0">
+                <a:solidFill>
+                  <a:schemeClr val="bg1"/>
+                </a:solidFill>
+              </a:rPr>
+              <a:t>  Preview: Utility</a:t>
+            </a:r>
+          </a:p>
+        </p:txBody>
+      </p:sp>
+      <p:sp>
+        <p:nvSpPr>
+          <p:cNvPr id="5" name="Rectangle 4">
+            <a:extLst>
+              <a:ext uri="{FF2B5EF4-FFF2-40B4-BE49-F238E27FC236}">
+                <a16:creationId xmlns:a16="http://schemas.microsoft.com/office/drawing/2014/main" id="{B4564DE4-D134-77A0-9EFC-4F54285A0746}"/>
+              </a:ext>
+            </a:extLst>
+          </p:cNvPr>
+          <p:cNvSpPr/>
+          <p:nvPr/>
+        </p:nvSpPr>
+        <p:spPr>
+          <a:xfrm>
+            <a:off x="-1" y="6503428"/>
+            <a:ext cx="12188825" cy="354572"/>
+          </a:xfrm>
+          <a:prstGeom prst="rect">
+            <a:avLst/>
+          </a:prstGeom>
+          <a:solidFill>
+            <a:srgbClr val="77122C"/>
+          </a:solidFill>
+        </p:spPr>
+        <p:style>
+          <a:lnRef idx="1">
+            <a:schemeClr val="accent1"/>
+          </a:lnRef>
+          <a:fillRef idx="3">
+            <a:schemeClr val="accent1"/>
+          </a:fillRef>
+          <a:effectRef idx="2">
+            <a:schemeClr val="accent1"/>
+          </a:effectRef>
+          <a:fontRef idx="minor">
+            <a:schemeClr val="lt1"/>
+          </a:fontRef>
+        </p:style>
+        <p:txBody>
+          <a:bodyPr rtlCol="0" anchor="ctr"/>
+          <a:lstStyle/>
+          <a:p>
+            <a:pPr algn="ctr"/>
+            <a:endParaRPr lang="en-US"/>
+          </a:p>
+        </p:txBody>
+      </p:sp>
+      <p:sp>
+        <p:nvSpPr>
+          <p:cNvPr id="6" name="Footer Placeholder 5">
+            <a:extLst>
+              <a:ext uri="{FF2B5EF4-FFF2-40B4-BE49-F238E27FC236}">
+                <a16:creationId xmlns:a16="http://schemas.microsoft.com/office/drawing/2014/main" id="{4792F7BE-07A9-1D9E-9E4B-EFBF9303B769}"/>
+              </a:ext>
+            </a:extLst>
+          </p:cNvPr>
+          <p:cNvSpPr>
+            <a:spLocks noGrp="1"/>
+          </p:cNvSpPr>
+          <p:nvPr>
+            <p:ph type="ftr" sz="quarter" idx="11"/>
+          </p:nvPr>
+        </p:nvSpPr>
+        <p:spPr>
+          <a:xfrm>
+            <a:off x="-1" y="6503428"/>
+            <a:ext cx="2895600" cy="354572"/>
+          </a:xfrm>
+        </p:spPr>
+        <p:txBody>
+          <a:bodyPr/>
+          <a:lstStyle/>
+          <a:p>
+            <a:pPr algn="l"/>
+            <a:r>
+              <a:rPr lang="en-US">
+                <a:solidFill>
+                  <a:schemeClr val="bg1"/>
+                </a:solidFill>
+                <a:latin typeface="Garamond" panose="02020404030301010803" pitchFamily="18" charset="0"/>
+              </a:rPr>
+              <a:t> Intermediate Microeconomic Theory</a:t>
+            </a:r>
+            <a:endParaRPr lang="en-US" dirty="0">
+              <a:solidFill>
+                <a:schemeClr val="bg1"/>
+              </a:solidFill>
+              <a:latin typeface="Garamond" panose="02020404030301010803" pitchFamily="18" charset="0"/>
+            </a:endParaRPr>
+          </a:p>
+        </p:txBody>
+      </p:sp>
+      <p:sp>
+        <p:nvSpPr>
+          <p:cNvPr id="7" name="Slide Number Placeholder 6">
+            <a:extLst>
+              <a:ext uri="{FF2B5EF4-FFF2-40B4-BE49-F238E27FC236}">
+                <a16:creationId xmlns:a16="http://schemas.microsoft.com/office/drawing/2014/main" id="{682F82BC-2D44-4CB1-89DC-762807C2B0E7}"/>
+              </a:ext>
+            </a:extLst>
+          </p:cNvPr>
+          <p:cNvSpPr>
+            <a:spLocks noGrp="1"/>
+          </p:cNvSpPr>
+          <p:nvPr>
+            <p:ph type="sldNum" sz="quarter" idx="12"/>
+          </p:nvPr>
+        </p:nvSpPr>
+        <p:spPr>
+          <a:xfrm>
+            <a:off x="10055225" y="6503428"/>
+            <a:ext cx="2133600" cy="354572"/>
+          </a:xfrm>
+        </p:spPr>
+        <p:txBody>
+          <a:bodyPr/>
+          <a:lstStyle/>
+          <a:p>
+            <a:fld id="{C1FF6DA9-008F-8B48-92A6-B652298478BF}" type="slidenum">
+              <a:rPr lang="en-US" b="1" smtClean="0">
+                <a:solidFill>
+                  <a:schemeClr val="bg1"/>
+                </a:solidFill>
+                <a:latin typeface="Garamond" panose="02020404030301010803" pitchFamily="18" charset="0"/>
+              </a:rPr>
+              <a:t>39</a:t>
+            </a:fld>
+            <a:r>
+              <a:rPr lang="en-US" b="1" dirty="0">
+                <a:solidFill>
+                  <a:schemeClr val="bg1"/>
+                </a:solidFill>
+                <a:latin typeface="Garamond" panose="02020404030301010803" pitchFamily="18" charset="0"/>
+              </a:rPr>
+              <a:t> </a:t>
+            </a:r>
+          </a:p>
+        </p:txBody>
+      </p:sp>
+    </p:spTree>
+    <p:extLst>
+      <p:ext uri="{BB962C8B-B14F-4D97-AF65-F5344CB8AC3E}">
+        <p14:creationId xmlns:p14="http://schemas.microsoft.com/office/powerpoint/2010/main" val="200081314"/>
+      </p:ext>
+    </p:extLst>
+  </p:cSld>
+  <p:clrMapOvr>
+    <a:masterClrMapping/>
+  </p:clrMapOvr>
+  <p:timing>
+    <p:tnLst>
+      <p:par>
+        <p:cTn id="1" dur="indefinite" restart="never" nodeType="tmRoot">
+          <p:childTnLst>
+            <p:seq concurrent="1" nextAc="seek">
+              <p:cTn id="2" dur="indefinite" nodeType="mainSeq">
+                <p:childTnLst>
+                  <p:par>
+                    <p:cTn id="3" fill="hold">
+                      <p:stCondLst>
+                        <p:cond delay="indefinite"/>
+                        <p:cond evt="onBegin" delay="0">
+                          <p:tn val="2"/>
+                        </p:cond>
+                      </p:stCondLst>
+                      <p:childTnLst>
+                        <p:par>
+                          <p:cTn id="4" fill="hold">
+                            <p:stCondLst>
+                              <p:cond delay="0"/>
+                            </p:stCondLst>
+                            <p:childTnLst>
+                              <p:par>
+                                <p:cTn id="5" presetID="10" presetClass="entr" presetSubtype="0" fill="hold" nodeType="withEffect">
+                                  <p:stCondLst>
+                                    <p:cond delay="0"/>
+                                  </p:stCondLst>
+                                  <p:childTnLst>
+                                    <p:set>
+                                      <p:cBhvr>
+                                        <p:cTn id="6" dur="1" fill="hold">
+                                          <p:stCondLst>
+                                            <p:cond delay="0"/>
+                                          </p:stCondLst>
+                                        </p:cTn>
+                                        <p:tgtEl>
+                                          <p:spTgt spid="3">
+                                            <p:txEl>
+                                              <p:pRg st="0" end="0"/>
+                                            </p:txEl>
+                                          </p:spTgt>
+                                        </p:tgtEl>
+                                        <p:attrNameLst>
+                                          <p:attrName>style.visibility</p:attrName>
+                                        </p:attrNameLst>
+                                      </p:cBhvr>
+                                      <p:to>
+                                        <p:strVal val="visible"/>
+                                      </p:to>
+                                    </p:set>
+                                    <p:animEffect transition="in" filter="fade">
+                                      <p:cBhvr>
+                                        <p:cTn id="7" dur="500"/>
+                                        <p:tgtEl>
+                                          <p:spTgt spid="3">
+                                            <p:txEl>
+                                              <p:pRg st="0" end="0"/>
+                                            </p:txEl>
+                                          </p:spTgt>
+                                        </p:tgtEl>
+                                      </p:cBhvr>
+                                    </p:animEffect>
+                                  </p:childTnLst>
+                                </p:cTn>
+                              </p:par>
+                            </p:childTnLst>
+                          </p:cTn>
+                        </p:par>
+                      </p:childTnLst>
+                    </p:cTn>
+                  </p:par>
+                  <p:par>
+                    <p:cTn id="8" fill="hold">
+                      <p:stCondLst>
+                        <p:cond delay="indefinite"/>
+                      </p:stCondLst>
+                      <p:childTnLst>
+                        <p:par>
+                          <p:cTn id="9" fill="hold">
+                            <p:stCondLst>
+                              <p:cond delay="0"/>
+                            </p:stCondLst>
+                            <p:childTnLst>
+                              <p:par>
+                                <p:cTn id="10" presetID="10" presetClass="entr" presetSubtype="0" fill="hold" nodeType="clickEffect">
+                                  <p:stCondLst>
+                                    <p:cond delay="0"/>
+                                  </p:stCondLst>
+                                  <p:childTnLst>
+                                    <p:set>
+                                      <p:cBhvr>
+                                        <p:cTn id="11" dur="1" fill="hold">
+                                          <p:stCondLst>
+                                            <p:cond delay="0"/>
+                                          </p:stCondLst>
+                                        </p:cTn>
+                                        <p:tgtEl>
+                                          <p:spTgt spid="3">
+                                            <p:txEl>
+                                              <p:pRg st="2" end="2"/>
+                                            </p:txEl>
+                                          </p:spTgt>
+                                        </p:tgtEl>
+                                        <p:attrNameLst>
+                                          <p:attrName>style.visibility</p:attrName>
+                                        </p:attrNameLst>
+                                      </p:cBhvr>
+                                      <p:to>
+                                        <p:strVal val="visible"/>
+                                      </p:to>
+                                    </p:set>
+                                    <p:animEffect transition="in" filter="fade">
+                                      <p:cBhvr>
+                                        <p:cTn id="12" dur="500"/>
+                                        <p:tgtEl>
+                                          <p:spTgt spid="3">
+                                            <p:txEl>
+                                              <p:pRg st="2" end="2"/>
+                                            </p:txEl>
+                                          </p:spTgt>
+                                        </p:tgtEl>
+                                      </p:cBhvr>
+                                    </p:animEffect>
+                                  </p:childTnLst>
+                                </p:cTn>
+                              </p:par>
+                              <p:par>
+                                <p:cTn id="13" presetID="10" presetClass="entr" presetSubtype="0" fill="hold" nodeType="withEffect">
+                                  <p:stCondLst>
+                                    <p:cond delay="0"/>
+                                  </p:stCondLst>
+                                  <p:childTnLst>
+                                    <p:set>
+                                      <p:cBhvr>
+                                        <p:cTn id="14" dur="1" fill="hold">
+                                          <p:stCondLst>
+                                            <p:cond delay="0"/>
+                                          </p:stCondLst>
+                                        </p:cTn>
+                                        <p:tgtEl>
+                                          <p:spTgt spid="3">
+                                            <p:txEl>
+                                              <p:pRg st="3" end="3"/>
+                                            </p:txEl>
+                                          </p:spTgt>
+                                        </p:tgtEl>
+                                        <p:attrNameLst>
+                                          <p:attrName>style.visibility</p:attrName>
+                                        </p:attrNameLst>
+                                      </p:cBhvr>
+                                      <p:to>
+                                        <p:strVal val="visible"/>
+                                      </p:to>
+                                    </p:set>
+                                    <p:animEffect transition="in" filter="fade">
+                                      <p:cBhvr>
+                                        <p:cTn id="15" dur="500"/>
+                                        <p:tgtEl>
+                                          <p:spTgt spid="3">
+                                            <p:txEl>
+                                              <p:pRg st="3" end="3"/>
+                                            </p:txEl>
+                                          </p:spTgt>
+                                        </p:tgtEl>
+                                      </p:cBhvr>
+                                    </p:animEffect>
+                                  </p:childTnLst>
+                                </p:cTn>
+                              </p:par>
+                              <p:par>
+                                <p:cTn id="16" presetID="10" presetClass="entr" presetSubtype="0" fill="hold" nodeType="withEffect">
+                                  <p:stCondLst>
+                                    <p:cond delay="0"/>
+                                  </p:stCondLst>
+                                  <p:childTnLst>
+                                    <p:set>
+                                      <p:cBhvr>
+                                        <p:cTn id="17" dur="1" fill="hold">
+                                          <p:stCondLst>
+                                            <p:cond delay="0"/>
+                                          </p:stCondLst>
+                                        </p:cTn>
+                                        <p:tgtEl>
+                                          <p:spTgt spid="3">
+                                            <p:txEl>
+                                              <p:pRg st="4" end="4"/>
+                                            </p:txEl>
+                                          </p:spTgt>
+                                        </p:tgtEl>
+                                        <p:attrNameLst>
+                                          <p:attrName>style.visibility</p:attrName>
+                                        </p:attrNameLst>
+                                      </p:cBhvr>
+                                      <p:to>
+                                        <p:strVal val="visible"/>
+                                      </p:to>
+                                    </p:set>
+                                    <p:animEffect transition="in" filter="fade">
+                                      <p:cBhvr>
+                                        <p:cTn id="18" dur="500"/>
+                                        <p:tgtEl>
+                                          <p:spTgt spid="3">
+                                            <p:txEl>
+                                              <p:pRg st="4" end="4"/>
+                                            </p:txEl>
+                                          </p:spTgt>
+                                        </p:tgtEl>
+                                      </p:cBhvr>
+                                    </p:animEffect>
+                                  </p:childTnLst>
+                                </p:cTn>
+                              </p:par>
+                            </p:childTnLst>
+                          </p:cTn>
+                        </p:par>
+                      </p:childTnLst>
+                    </p:cTn>
+                  </p:par>
+                  <p:par>
+                    <p:cTn id="19" fill="hold">
+                      <p:stCondLst>
+                        <p:cond delay="indefinite"/>
+                      </p:stCondLst>
+                      <p:childTnLst>
+                        <p:par>
+                          <p:cTn id="20" fill="hold">
+                            <p:stCondLst>
+                              <p:cond delay="0"/>
+                            </p:stCondLst>
+                            <p:childTnLst>
+                              <p:par>
+                                <p:cTn id="21" presetID="10" presetClass="entr" presetSubtype="0" fill="hold" nodeType="clickEffect">
+                                  <p:stCondLst>
+                                    <p:cond delay="0"/>
+                                  </p:stCondLst>
+                                  <p:childTnLst>
+                                    <p:set>
+                                      <p:cBhvr>
+                                        <p:cTn id="22" dur="1" fill="hold">
+                                          <p:stCondLst>
+                                            <p:cond delay="0"/>
+                                          </p:stCondLst>
+                                        </p:cTn>
+                                        <p:tgtEl>
+                                          <p:spTgt spid="3">
+                                            <p:txEl>
+                                              <p:pRg st="6" end="6"/>
+                                            </p:txEl>
+                                          </p:spTgt>
+                                        </p:tgtEl>
+                                        <p:attrNameLst>
+                                          <p:attrName>style.visibility</p:attrName>
+                                        </p:attrNameLst>
+                                      </p:cBhvr>
+                                      <p:to>
+                                        <p:strVal val="visible"/>
+                                      </p:to>
+                                    </p:set>
+                                    <p:animEffect transition="in" filter="fade">
+                                      <p:cBhvr>
+                                        <p:cTn id="23" dur="500"/>
+                                        <p:tgtEl>
+                                          <p:spTgt spid="3">
+                                            <p:txEl>
+                                              <p:pRg st="6" end="6"/>
+                                            </p:txEl>
+                                          </p:spTgt>
+                                        </p:tgtEl>
+                                      </p:cBhvr>
+                                    </p:animEffect>
+                                  </p:childTnLst>
+                                </p:cTn>
+                              </p:par>
+                            </p:childTnLst>
+                          </p:cTn>
+                        </p:par>
+                      </p:childTnLst>
+                    </p:cTn>
+                  </p:par>
+                  <p:par>
+                    <p:cTn id="24" fill="hold">
+                      <p:stCondLst>
+                        <p:cond delay="indefinite"/>
+                      </p:stCondLst>
+                      <p:childTnLst>
+                        <p:par>
+                          <p:cTn id="25" fill="hold">
+                            <p:stCondLst>
+                              <p:cond delay="0"/>
+                            </p:stCondLst>
+                            <p:childTnLst>
+                              <p:par>
+                                <p:cTn id="26" presetID="10" presetClass="entr" presetSubtype="0" fill="hold" nodeType="clickEffect">
+                                  <p:stCondLst>
+                                    <p:cond delay="0"/>
+                                  </p:stCondLst>
+                                  <p:childTnLst>
+                                    <p:set>
+                                      <p:cBhvr>
+                                        <p:cTn id="27" dur="1" fill="hold">
+                                          <p:stCondLst>
+                                            <p:cond delay="0"/>
+                                          </p:stCondLst>
+                                        </p:cTn>
+                                        <p:tgtEl>
+                                          <p:spTgt spid="3">
+                                            <p:txEl>
+                                              <p:pRg st="8" end="8"/>
+                                            </p:txEl>
+                                          </p:spTgt>
+                                        </p:tgtEl>
+                                        <p:attrNameLst>
+                                          <p:attrName>style.visibility</p:attrName>
+                                        </p:attrNameLst>
+                                      </p:cBhvr>
+                                      <p:to>
+                                        <p:strVal val="visible"/>
+                                      </p:to>
+                                    </p:set>
+                                    <p:animEffect transition="in" filter="fade">
+                                      <p:cBhvr>
+                                        <p:cTn id="28" dur="500"/>
+                                        <p:tgtEl>
+                                          <p:spTgt spid="3">
+                                            <p:txEl>
+                                              <p:pRg st="8" end="8"/>
+                                            </p:txEl>
+                                          </p:spTgt>
+                                        </p:tgtEl>
+                                      </p:cBhvr>
+                                    </p:animEffect>
+                                  </p:childTnLst>
+                                </p:cTn>
+                              </p:par>
+                            </p:childTnLst>
+                          </p:cTn>
+                        </p:par>
+                      </p:childTnLst>
+                    </p:cTn>
+                  </p:par>
+                </p:childTnLst>
+              </p:cTn>
+              <p:prevCondLst>
+                <p:cond evt="onPrev" delay="0">
+                  <p:tgtEl>
+                    <p:sldTgt/>
+                  </p:tgtEl>
+                </p:cond>
+              </p:prevCondLst>
+              <p:nextCondLst>
+                <p:cond evt="onNext" delay="0">
+                  <p:tgtEl>
+                    <p:sldTgt/>
+                  </p:tgtEl>
+                </p:cond>
+              </p:nextCondLst>
+            </p:seq>
+          </p:childTnLst>
+        </p:cTn>
+      </p:par>
+    </p:tnLst>
+  </p:timing>
+</p:sld>
+</file>
+
 <file path=ppt/slides/slide4.xml><?xml version="1.0" encoding="utf-8"?>
 <p:sld xmlns:a="http://schemas.openxmlformats.org/drawingml/2006/main" xmlns:r="http://schemas.openxmlformats.org/officeDocument/2006/relationships" xmlns:p="http://schemas.openxmlformats.org/presentationml/2006/main">
   <p:cSld>
@@ -29594,1772 +30955,6 @@
                                           <p:spTgt spid="3">
                                             <p:txEl>
                                               <p:pRg st="10" end="10"/>
-                                            </p:txEl>
-                                          </p:spTgt>
-                                        </p:tgtEl>
-                                      </p:cBhvr>
-                                    </p:animEffect>
-                                  </p:childTnLst>
-                                </p:cTn>
-                              </p:par>
-                            </p:childTnLst>
-                          </p:cTn>
-                        </p:par>
-                      </p:childTnLst>
-                    </p:cTn>
-                  </p:par>
-                </p:childTnLst>
-              </p:cTn>
-              <p:prevCondLst>
-                <p:cond evt="onPrev" delay="0">
-                  <p:tgtEl>
-                    <p:sldTgt/>
-                  </p:tgtEl>
-                </p:cond>
-              </p:prevCondLst>
-              <p:nextCondLst>
-                <p:cond evt="onNext" delay="0">
-                  <p:tgtEl>
-                    <p:sldTgt/>
-                  </p:tgtEl>
-                </p:cond>
-              </p:nextCondLst>
-            </p:seq>
-          </p:childTnLst>
-        </p:cTn>
-      </p:par>
-    </p:tnLst>
-  </p:timing>
-</p:sld>
-</file>
-
-<file path=ppt/slides/slide40.xml><?xml version="1.0" encoding="utf-8"?>
-<p:sld xmlns:a="http://schemas.openxmlformats.org/drawingml/2006/main" xmlns:r="http://schemas.openxmlformats.org/officeDocument/2006/relationships" xmlns:p="http://schemas.openxmlformats.org/presentationml/2006/main">
-  <p:cSld>
-    <p:spTree>
-      <p:nvGrpSpPr>
-        <p:cNvPr id="1" name="">
-          <a:extLst>
-            <a:ext uri="{FF2B5EF4-FFF2-40B4-BE49-F238E27FC236}">
-              <a16:creationId xmlns:a16="http://schemas.microsoft.com/office/drawing/2014/main" id="{11BAD0D3-75F9-AC66-E339-9901DE6F1197}"/>
-            </a:ext>
-          </a:extLst>
-        </p:cNvPr>
-        <p:cNvGrpSpPr/>
-        <p:nvPr/>
-      </p:nvGrpSpPr>
-      <p:grpSpPr>
-        <a:xfrm>
-          <a:off x="0" y="0"/>
-          <a:ext cx="0" cy="0"/>
-          <a:chOff x="0" y="0"/>
-          <a:chExt cx="0" cy="0"/>
-        </a:xfrm>
-      </p:grpSpPr>
-      <p:sp>
-        <p:nvSpPr>
-          <p:cNvPr id="3" name="Content Placeholder 2">
-            <a:extLst>
-              <a:ext uri="{FF2B5EF4-FFF2-40B4-BE49-F238E27FC236}">
-                <a16:creationId xmlns:a16="http://schemas.microsoft.com/office/drawing/2014/main" id="{356835BB-90E6-3E0A-81B8-DDBC0DDEB473}"/>
-              </a:ext>
-            </a:extLst>
-          </p:cNvPr>
-          <p:cNvSpPr>
-            <a:spLocks noGrp="1"/>
-          </p:cNvSpPr>
-          <p:nvPr>
-            <p:ph idx="1"/>
-          </p:nvPr>
-        </p:nvSpPr>
-        <p:spPr>
-          <a:xfrm>
-            <a:off x="457199" y="1300900"/>
-            <a:ext cx="11189855" cy="5081046"/>
-          </a:xfrm>
-        </p:spPr>
-        <p:txBody>
-          <a:bodyPr>
-            <a:normAutofit/>
-          </a:bodyPr>
-          <a:lstStyle/>
-          <a:p>
-            <a:pPr>
-              <a:spcBef>
-                <a:spcPts val="1000"/>
-              </a:spcBef>
-              <a:defRPr sz="2000">
-                <a:solidFill>
-                  <a:srgbClr val="000000"/>
-                </a:solidFill>
-                <a:latin typeface="Garamond"/>
-              </a:defRPr>
-            </a:pPr>
-            <a:r>
-              <a:rPr lang="en-US" altLang="zh-TW" sz="2400" dirty="0"/>
-              <a:t>Preferences describe how a consumer ranks bundles of goods.</a:t>
-            </a:r>
-          </a:p>
-          <a:p>
-            <a:pPr lvl="1">
-              <a:spcBef>
-                <a:spcPts val="1000"/>
-              </a:spcBef>
-              <a:defRPr sz="2000">
-                <a:solidFill>
-                  <a:srgbClr val="000000"/>
-                </a:solidFill>
-                <a:latin typeface="Garamond"/>
-              </a:defRPr>
-            </a:pPr>
-            <a:r>
-              <a:rPr lang="en-US" altLang="zh-TW" sz="2000" dirty="0"/>
-              <a:t>Axioms: Completeness, Reflexivity, Transitivity</a:t>
-            </a:r>
-            <a:r>
-              <a:rPr lang="en-US" altLang="zh-TW" sz="2000"/>
-              <a:t>, Monotonicity</a:t>
-            </a:r>
-            <a:r>
-              <a:rPr lang="en-US" altLang="zh-TW" sz="2000" dirty="0"/>
-              <a:t>, Convexity, and Continuity</a:t>
-            </a:r>
-          </a:p>
-          <a:p>
-            <a:pPr lvl="3">
-              <a:spcBef>
-                <a:spcPts val="1000"/>
-              </a:spcBef>
-              <a:defRPr sz="2000">
-                <a:solidFill>
-                  <a:srgbClr val="000000"/>
-                </a:solidFill>
-                <a:latin typeface="Garamond"/>
-              </a:defRPr>
-            </a:pPr>
-            <a:endParaRPr lang="en-US" altLang="zh-TW" sz="1200" dirty="0"/>
-          </a:p>
-          <a:p>
-            <a:pPr>
-              <a:spcBef>
-                <a:spcPts val="1000"/>
-              </a:spcBef>
-              <a:defRPr sz="2000">
-                <a:solidFill>
-                  <a:srgbClr val="000000"/>
-                </a:solidFill>
-                <a:latin typeface="Garamond"/>
-              </a:defRPr>
-            </a:pPr>
-            <a:r>
-              <a:rPr lang="en-US" altLang="zh-TW" sz="2400" dirty="0"/>
-              <a:t>Preferences are represented graphically using indifference curves:</a:t>
-            </a:r>
-          </a:p>
-          <a:p>
-            <a:pPr lvl="1">
-              <a:spcBef>
-                <a:spcPts val="1000"/>
-              </a:spcBef>
-              <a:defRPr sz="2000">
-                <a:solidFill>
-                  <a:srgbClr val="000000"/>
-                </a:solidFill>
-                <a:latin typeface="Garamond"/>
-              </a:defRPr>
-            </a:pPr>
-            <a:r>
-              <a:rPr lang="en-US" altLang="zh-TW" sz="2000" dirty="0"/>
-              <a:t>Each indifference curve represents bundles the consumer views as equally desirable.</a:t>
-            </a:r>
-          </a:p>
-          <a:p>
-            <a:pPr lvl="1">
-              <a:spcBef>
-                <a:spcPts val="1000"/>
-              </a:spcBef>
-              <a:defRPr sz="2000">
-                <a:solidFill>
-                  <a:srgbClr val="000000"/>
-                </a:solidFill>
-                <a:latin typeface="Garamond"/>
-              </a:defRPr>
-            </a:pPr>
-            <a:r>
-              <a:rPr lang="en-US" altLang="zh-TW" sz="2000" dirty="0"/>
-              <a:t>(In general) Indifference curves further from the origin correspond to more preferred bundles.</a:t>
-            </a:r>
-          </a:p>
-          <a:p>
-            <a:pPr lvl="4">
-              <a:spcBef>
-                <a:spcPts val="1000"/>
-              </a:spcBef>
-              <a:defRPr sz="2000">
-                <a:solidFill>
-                  <a:srgbClr val="000000"/>
-                </a:solidFill>
-                <a:latin typeface="Garamond"/>
-              </a:defRPr>
-            </a:pPr>
-            <a:endParaRPr lang="en-US" altLang="zh-TW" sz="1200" dirty="0"/>
-          </a:p>
-          <a:p>
-            <a:pPr>
-              <a:spcBef>
-                <a:spcPts val="1000"/>
-              </a:spcBef>
-              <a:defRPr sz="2000">
-                <a:solidFill>
-                  <a:srgbClr val="000000"/>
-                </a:solidFill>
-                <a:latin typeface="Garamond"/>
-              </a:defRPr>
-            </a:pPr>
-            <a:r>
-              <a:rPr lang="en-US" altLang="zh-TW" sz="2400" dirty="0"/>
-              <a:t>The Marginal Rate of Substitution (MRS) measures the rate at which a consumer is willing to trade one good for another while remaining indifferent.</a:t>
-            </a:r>
-          </a:p>
-          <a:p>
-            <a:pPr lvl="1">
-              <a:spcBef>
-                <a:spcPts val="1000"/>
-              </a:spcBef>
-              <a:defRPr sz="2000">
-                <a:solidFill>
-                  <a:srgbClr val="000000"/>
-                </a:solidFill>
-                <a:latin typeface="Garamond"/>
-              </a:defRPr>
-            </a:pPr>
-            <a:r>
-              <a:rPr lang="en-US" altLang="zh-TW" sz="2000" dirty="0"/>
-              <a:t>MRS is the slope of the indifference curve at a point.</a:t>
-            </a:r>
-          </a:p>
-          <a:p>
-            <a:pPr lvl="1">
-              <a:spcBef>
-                <a:spcPts val="1000"/>
-              </a:spcBef>
-              <a:defRPr sz="2000">
-                <a:solidFill>
-                  <a:srgbClr val="000000"/>
-                </a:solidFill>
-                <a:latin typeface="Garamond"/>
-              </a:defRPr>
-            </a:pPr>
-            <a:r>
-              <a:rPr lang="en-US" altLang="zh-TW" sz="2000" dirty="0"/>
-              <a:t>MRS represents the consumer’s marginal willingness to pay for one good in terms of the other.</a:t>
-            </a:r>
-          </a:p>
-          <a:p>
-            <a:pPr lvl="1">
-              <a:spcBef>
-                <a:spcPts val="1000"/>
-              </a:spcBef>
-              <a:defRPr sz="2000">
-                <a:solidFill>
-                  <a:srgbClr val="000000"/>
-                </a:solidFill>
-                <a:latin typeface="Garamond"/>
-              </a:defRPr>
-            </a:pPr>
-            <a:r>
-              <a:rPr lang="en-US" altLang="zh-TW" sz="2000" dirty="0"/>
-              <a:t>The MRS is diminishing as consumption shifts toward more of one good.</a:t>
-            </a:r>
-          </a:p>
-        </p:txBody>
-      </p:sp>
-      <p:sp>
-        <p:nvSpPr>
-          <p:cNvPr id="4" name="Rectangle 3">
-            <a:extLst>
-              <a:ext uri="{FF2B5EF4-FFF2-40B4-BE49-F238E27FC236}">
-                <a16:creationId xmlns:a16="http://schemas.microsoft.com/office/drawing/2014/main" id="{32A48173-3450-13BF-C367-F600593798AE}"/>
-              </a:ext>
-            </a:extLst>
-          </p:cNvPr>
-          <p:cNvSpPr/>
-          <p:nvPr/>
-        </p:nvSpPr>
-        <p:spPr>
-          <a:xfrm>
-            <a:off x="0" y="0"/>
-            <a:ext cx="12188825" cy="923636"/>
-          </a:xfrm>
-          <a:prstGeom prst="rect">
-            <a:avLst/>
-          </a:prstGeom>
-          <a:solidFill>
-            <a:srgbClr val="77122C"/>
-          </a:solidFill>
-        </p:spPr>
-        <p:style>
-          <a:lnRef idx="1">
-            <a:schemeClr val="accent1"/>
-          </a:lnRef>
-          <a:fillRef idx="3">
-            <a:schemeClr val="accent1"/>
-          </a:fillRef>
-          <a:effectRef idx="2">
-            <a:schemeClr val="accent1"/>
-          </a:effectRef>
-          <a:fontRef idx="minor">
-            <a:schemeClr val="lt1"/>
-          </a:fontRef>
-        </p:style>
-        <p:txBody>
-          <a:bodyPr rtlCol="0" anchor="ctr"/>
-          <a:lstStyle/>
-          <a:p>
-            <a:pPr algn="ctr"/>
-            <a:endParaRPr lang="en-US"/>
-          </a:p>
-        </p:txBody>
-      </p:sp>
-      <p:sp>
-        <p:nvSpPr>
-          <p:cNvPr id="2" name="Title 1">
-            <a:extLst>
-              <a:ext uri="{FF2B5EF4-FFF2-40B4-BE49-F238E27FC236}">
-                <a16:creationId xmlns:a16="http://schemas.microsoft.com/office/drawing/2014/main" id="{7EF89FA8-2460-DC9C-C37C-7D20C806CEFB}"/>
-              </a:ext>
-            </a:extLst>
-          </p:cNvPr>
-          <p:cNvSpPr>
-            <a:spLocks noGrp="1"/>
-          </p:cNvSpPr>
-          <p:nvPr>
-            <p:ph type="title"/>
-          </p:nvPr>
-        </p:nvSpPr>
-        <p:spPr>
-          <a:xfrm>
-            <a:off x="0" y="0"/>
-            <a:ext cx="12188825" cy="923636"/>
-          </a:xfrm>
-        </p:spPr>
-        <p:txBody>
-          <a:bodyPr>
-            <a:normAutofit/>
-          </a:bodyPr>
-          <a:lstStyle/>
-          <a:p>
-            <a:pPr algn="l">
-              <a:defRPr sz="4000" b="1">
-                <a:solidFill>
-                  <a:srgbClr val="FDB913"/>
-                </a:solidFill>
-                <a:latin typeface="Garamond"/>
-              </a:defRPr>
-            </a:pPr>
-            <a:r>
-              <a:rPr lang="en-US" sz="4000" dirty="0">
-                <a:solidFill>
-                  <a:schemeClr val="bg1"/>
-                </a:solidFill>
-              </a:rPr>
-              <a:t>  Recap: Preferences</a:t>
-            </a:r>
-          </a:p>
-        </p:txBody>
-      </p:sp>
-      <p:sp>
-        <p:nvSpPr>
-          <p:cNvPr id="5" name="Rectangle 4">
-            <a:extLst>
-              <a:ext uri="{FF2B5EF4-FFF2-40B4-BE49-F238E27FC236}">
-                <a16:creationId xmlns:a16="http://schemas.microsoft.com/office/drawing/2014/main" id="{D3D01E9F-E8C7-EA86-FD4B-1CFA8B6FAD8F}"/>
-              </a:ext>
-            </a:extLst>
-          </p:cNvPr>
-          <p:cNvSpPr/>
-          <p:nvPr/>
-        </p:nvSpPr>
-        <p:spPr>
-          <a:xfrm>
-            <a:off x="-1" y="6503428"/>
-            <a:ext cx="12188825" cy="354572"/>
-          </a:xfrm>
-          <a:prstGeom prst="rect">
-            <a:avLst/>
-          </a:prstGeom>
-          <a:solidFill>
-            <a:srgbClr val="77122C"/>
-          </a:solidFill>
-        </p:spPr>
-        <p:style>
-          <a:lnRef idx="1">
-            <a:schemeClr val="accent1"/>
-          </a:lnRef>
-          <a:fillRef idx="3">
-            <a:schemeClr val="accent1"/>
-          </a:fillRef>
-          <a:effectRef idx="2">
-            <a:schemeClr val="accent1"/>
-          </a:effectRef>
-          <a:fontRef idx="minor">
-            <a:schemeClr val="lt1"/>
-          </a:fontRef>
-        </p:style>
-        <p:txBody>
-          <a:bodyPr rtlCol="0" anchor="ctr"/>
-          <a:lstStyle/>
-          <a:p>
-            <a:pPr algn="ctr"/>
-            <a:endParaRPr lang="en-US"/>
-          </a:p>
-        </p:txBody>
-      </p:sp>
-      <p:sp>
-        <p:nvSpPr>
-          <p:cNvPr id="6" name="Footer Placeholder 5">
-            <a:extLst>
-              <a:ext uri="{FF2B5EF4-FFF2-40B4-BE49-F238E27FC236}">
-                <a16:creationId xmlns:a16="http://schemas.microsoft.com/office/drawing/2014/main" id="{EB9C57A6-7C71-3EE2-8512-42A25F53FCF9}"/>
-              </a:ext>
-            </a:extLst>
-          </p:cNvPr>
-          <p:cNvSpPr>
-            <a:spLocks noGrp="1"/>
-          </p:cNvSpPr>
-          <p:nvPr>
-            <p:ph type="ftr" sz="quarter" idx="11"/>
-          </p:nvPr>
-        </p:nvSpPr>
-        <p:spPr>
-          <a:xfrm>
-            <a:off x="-1" y="6503428"/>
-            <a:ext cx="2895600" cy="354572"/>
-          </a:xfrm>
-        </p:spPr>
-        <p:txBody>
-          <a:bodyPr/>
-          <a:lstStyle/>
-          <a:p>
-            <a:pPr algn="l"/>
-            <a:r>
-              <a:rPr lang="en-US">
-                <a:solidFill>
-                  <a:schemeClr val="bg1"/>
-                </a:solidFill>
-                <a:latin typeface="Garamond" panose="02020404030301010803" pitchFamily="18" charset="0"/>
-              </a:rPr>
-              <a:t> Intermediate Microeconomic Theory</a:t>
-            </a:r>
-            <a:endParaRPr lang="en-US" dirty="0">
-              <a:solidFill>
-                <a:schemeClr val="bg1"/>
-              </a:solidFill>
-              <a:latin typeface="Garamond" panose="02020404030301010803" pitchFamily="18" charset="0"/>
-            </a:endParaRPr>
-          </a:p>
-        </p:txBody>
-      </p:sp>
-      <p:sp>
-        <p:nvSpPr>
-          <p:cNvPr id="7" name="Slide Number Placeholder 6">
-            <a:extLst>
-              <a:ext uri="{FF2B5EF4-FFF2-40B4-BE49-F238E27FC236}">
-                <a16:creationId xmlns:a16="http://schemas.microsoft.com/office/drawing/2014/main" id="{71D60DDE-35FE-3D1B-546A-897387B8FFC6}"/>
-              </a:ext>
-            </a:extLst>
-          </p:cNvPr>
-          <p:cNvSpPr>
-            <a:spLocks noGrp="1"/>
-          </p:cNvSpPr>
-          <p:nvPr>
-            <p:ph type="sldNum" sz="quarter" idx="12"/>
-          </p:nvPr>
-        </p:nvSpPr>
-        <p:spPr>
-          <a:xfrm>
-            <a:off x="10055225" y="6503428"/>
-            <a:ext cx="2133600" cy="354572"/>
-          </a:xfrm>
-        </p:spPr>
-        <p:txBody>
-          <a:bodyPr/>
-          <a:lstStyle/>
-          <a:p>
-            <a:fld id="{C1FF6DA9-008F-8B48-92A6-B652298478BF}" type="slidenum">
-              <a:rPr lang="en-US" b="1" smtClean="0">
-                <a:solidFill>
-                  <a:schemeClr val="bg1"/>
-                </a:solidFill>
-                <a:latin typeface="Garamond" panose="02020404030301010803" pitchFamily="18" charset="0"/>
-              </a:rPr>
-              <a:t>40</a:t>
-            </a:fld>
-            <a:r>
-              <a:rPr lang="en-US" b="1" dirty="0">
-                <a:solidFill>
-                  <a:schemeClr val="bg1"/>
-                </a:solidFill>
-                <a:latin typeface="Garamond" panose="02020404030301010803" pitchFamily="18" charset="0"/>
-              </a:rPr>
-              <a:t> </a:t>
-            </a:r>
-          </a:p>
-        </p:txBody>
-      </p:sp>
-    </p:spTree>
-    <p:extLst>
-      <p:ext uri="{BB962C8B-B14F-4D97-AF65-F5344CB8AC3E}">
-        <p14:creationId xmlns:p14="http://schemas.microsoft.com/office/powerpoint/2010/main" val="380039814"/>
-      </p:ext>
-    </p:extLst>
-  </p:cSld>
-  <p:clrMapOvr>
-    <a:masterClrMapping/>
-  </p:clrMapOvr>
-  <p:timing>
-    <p:tnLst>
-      <p:par>
-        <p:cTn id="1" dur="indefinite" restart="never" nodeType="tmRoot">
-          <p:childTnLst>
-            <p:seq concurrent="1" nextAc="seek">
-              <p:cTn id="2" dur="indefinite" nodeType="mainSeq">
-                <p:childTnLst>
-                  <p:par>
-                    <p:cTn id="3" fill="hold">
-                      <p:stCondLst>
-                        <p:cond delay="indefinite"/>
-                        <p:cond evt="onBegin" delay="0">
-                          <p:tn val="2"/>
-                        </p:cond>
-                      </p:stCondLst>
-                      <p:childTnLst>
-                        <p:par>
-                          <p:cTn id="4" fill="hold">
-                            <p:stCondLst>
-                              <p:cond delay="0"/>
-                            </p:stCondLst>
-                            <p:childTnLst>
-                              <p:par>
-                                <p:cTn id="5" presetID="10" presetClass="entr" presetSubtype="0" fill="hold" nodeType="withEffect">
-                                  <p:stCondLst>
-                                    <p:cond delay="0"/>
-                                  </p:stCondLst>
-                                  <p:childTnLst>
-                                    <p:set>
-                                      <p:cBhvr>
-                                        <p:cTn id="6" dur="1" fill="hold">
-                                          <p:stCondLst>
-                                            <p:cond delay="0"/>
-                                          </p:stCondLst>
-                                        </p:cTn>
-                                        <p:tgtEl>
-                                          <p:spTgt spid="3">
-                                            <p:txEl>
-                                              <p:pRg st="0" end="0"/>
-                                            </p:txEl>
-                                          </p:spTgt>
-                                        </p:tgtEl>
-                                        <p:attrNameLst>
-                                          <p:attrName>style.visibility</p:attrName>
-                                        </p:attrNameLst>
-                                      </p:cBhvr>
-                                      <p:to>
-                                        <p:strVal val="visible"/>
-                                      </p:to>
-                                    </p:set>
-                                    <p:animEffect transition="in" filter="fade">
-                                      <p:cBhvr>
-                                        <p:cTn id="7" dur="500"/>
-                                        <p:tgtEl>
-                                          <p:spTgt spid="3">
-                                            <p:txEl>
-                                              <p:pRg st="0" end="0"/>
-                                            </p:txEl>
-                                          </p:spTgt>
-                                        </p:tgtEl>
-                                      </p:cBhvr>
-                                    </p:animEffect>
-                                  </p:childTnLst>
-                                </p:cTn>
-                              </p:par>
-                              <p:par>
-                                <p:cTn id="8" presetID="10" presetClass="entr" presetSubtype="0" fill="hold" nodeType="withEffect">
-                                  <p:stCondLst>
-                                    <p:cond delay="0"/>
-                                  </p:stCondLst>
-                                  <p:childTnLst>
-                                    <p:set>
-                                      <p:cBhvr>
-                                        <p:cTn id="9" dur="1" fill="hold">
-                                          <p:stCondLst>
-                                            <p:cond delay="0"/>
-                                          </p:stCondLst>
-                                        </p:cTn>
-                                        <p:tgtEl>
-                                          <p:spTgt spid="3">
-                                            <p:txEl>
-                                              <p:pRg st="1" end="1"/>
-                                            </p:txEl>
-                                          </p:spTgt>
-                                        </p:tgtEl>
-                                        <p:attrNameLst>
-                                          <p:attrName>style.visibility</p:attrName>
-                                        </p:attrNameLst>
-                                      </p:cBhvr>
-                                      <p:to>
-                                        <p:strVal val="visible"/>
-                                      </p:to>
-                                    </p:set>
-                                    <p:animEffect transition="in" filter="fade">
-                                      <p:cBhvr>
-                                        <p:cTn id="10" dur="500"/>
-                                        <p:tgtEl>
-                                          <p:spTgt spid="3">
-                                            <p:txEl>
-                                              <p:pRg st="1" end="1"/>
-                                            </p:txEl>
-                                          </p:spTgt>
-                                        </p:tgtEl>
-                                      </p:cBhvr>
-                                    </p:animEffect>
-                                  </p:childTnLst>
-                                </p:cTn>
-                              </p:par>
-                            </p:childTnLst>
-                          </p:cTn>
-                        </p:par>
-                      </p:childTnLst>
-                    </p:cTn>
-                  </p:par>
-                  <p:par>
-                    <p:cTn id="11" fill="hold">
-                      <p:stCondLst>
-                        <p:cond delay="indefinite"/>
-                      </p:stCondLst>
-                      <p:childTnLst>
-                        <p:par>
-                          <p:cTn id="12" fill="hold">
-                            <p:stCondLst>
-                              <p:cond delay="0"/>
-                            </p:stCondLst>
-                            <p:childTnLst>
-                              <p:par>
-                                <p:cTn id="13" presetID="10" presetClass="entr" presetSubtype="0" fill="hold" nodeType="clickEffect">
-                                  <p:stCondLst>
-                                    <p:cond delay="0"/>
-                                  </p:stCondLst>
-                                  <p:childTnLst>
-                                    <p:set>
-                                      <p:cBhvr>
-                                        <p:cTn id="14" dur="1" fill="hold">
-                                          <p:stCondLst>
-                                            <p:cond delay="0"/>
-                                          </p:stCondLst>
-                                        </p:cTn>
-                                        <p:tgtEl>
-                                          <p:spTgt spid="3">
-                                            <p:txEl>
-                                              <p:pRg st="3" end="3"/>
-                                            </p:txEl>
-                                          </p:spTgt>
-                                        </p:tgtEl>
-                                        <p:attrNameLst>
-                                          <p:attrName>style.visibility</p:attrName>
-                                        </p:attrNameLst>
-                                      </p:cBhvr>
-                                      <p:to>
-                                        <p:strVal val="visible"/>
-                                      </p:to>
-                                    </p:set>
-                                    <p:animEffect transition="in" filter="fade">
-                                      <p:cBhvr>
-                                        <p:cTn id="15" dur="500"/>
-                                        <p:tgtEl>
-                                          <p:spTgt spid="3">
-                                            <p:txEl>
-                                              <p:pRg st="3" end="3"/>
-                                            </p:txEl>
-                                          </p:spTgt>
-                                        </p:tgtEl>
-                                      </p:cBhvr>
-                                    </p:animEffect>
-                                  </p:childTnLst>
-                                </p:cTn>
-                              </p:par>
-                              <p:par>
-                                <p:cTn id="16" presetID="10" presetClass="entr" presetSubtype="0" fill="hold" nodeType="withEffect">
-                                  <p:stCondLst>
-                                    <p:cond delay="0"/>
-                                  </p:stCondLst>
-                                  <p:childTnLst>
-                                    <p:set>
-                                      <p:cBhvr>
-                                        <p:cTn id="17" dur="1" fill="hold">
-                                          <p:stCondLst>
-                                            <p:cond delay="0"/>
-                                          </p:stCondLst>
-                                        </p:cTn>
-                                        <p:tgtEl>
-                                          <p:spTgt spid="3">
-                                            <p:txEl>
-                                              <p:pRg st="4" end="4"/>
-                                            </p:txEl>
-                                          </p:spTgt>
-                                        </p:tgtEl>
-                                        <p:attrNameLst>
-                                          <p:attrName>style.visibility</p:attrName>
-                                        </p:attrNameLst>
-                                      </p:cBhvr>
-                                      <p:to>
-                                        <p:strVal val="visible"/>
-                                      </p:to>
-                                    </p:set>
-                                    <p:animEffect transition="in" filter="fade">
-                                      <p:cBhvr>
-                                        <p:cTn id="18" dur="500"/>
-                                        <p:tgtEl>
-                                          <p:spTgt spid="3">
-                                            <p:txEl>
-                                              <p:pRg st="4" end="4"/>
-                                            </p:txEl>
-                                          </p:spTgt>
-                                        </p:tgtEl>
-                                      </p:cBhvr>
-                                    </p:animEffect>
-                                  </p:childTnLst>
-                                </p:cTn>
-                              </p:par>
-                              <p:par>
-                                <p:cTn id="19" presetID="10" presetClass="entr" presetSubtype="0" fill="hold" nodeType="withEffect">
-                                  <p:stCondLst>
-                                    <p:cond delay="0"/>
-                                  </p:stCondLst>
-                                  <p:childTnLst>
-                                    <p:set>
-                                      <p:cBhvr>
-                                        <p:cTn id="20" dur="1" fill="hold">
-                                          <p:stCondLst>
-                                            <p:cond delay="0"/>
-                                          </p:stCondLst>
-                                        </p:cTn>
-                                        <p:tgtEl>
-                                          <p:spTgt spid="3">
-                                            <p:txEl>
-                                              <p:pRg st="5" end="5"/>
-                                            </p:txEl>
-                                          </p:spTgt>
-                                        </p:tgtEl>
-                                        <p:attrNameLst>
-                                          <p:attrName>style.visibility</p:attrName>
-                                        </p:attrNameLst>
-                                      </p:cBhvr>
-                                      <p:to>
-                                        <p:strVal val="visible"/>
-                                      </p:to>
-                                    </p:set>
-                                    <p:animEffect transition="in" filter="fade">
-                                      <p:cBhvr>
-                                        <p:cTn id="21" dur="500"/>
-                                        <p:tgtEl>
-                                          <p:spTgt spid="3">
-                                            <p:txEl>
-                                              <p:pRg st="5" end="5"/>
-                                            </p:txEl>
-                                          </p:spTgt>
-                                        </p:tgtEl>
-                                      </p:cBhvr>
-                                    </p:animEffect>
-                                  </p:childTnLst>
-                                </p:cTn>
-                              </p:par>
-                            </p:childTnLst>
-                          </p:cTn>
-                        </p:par>
-                      </p:childTnLst>
-                    </p:cTn>
-                  </p:par>
-                  <p:par>
-                    <p:cTn id="22" fill="hold">
-                      <p:stCondLst>
-                        <p:cond delay="indefinite"/>
-                      </p:stCondLst>
-                      <p:childTnLst>
-                        <p:par>
-                          <p:cTn id="23" fill="hold">
-                            <p:stCondLst>
-                              <p:cond delay="0"/>
-                            </p:stCondLst>
-                            <p:childTnLst>
-                              <p:par>
-                                <p:cTn id="24" presetID="10" presetClass="entr" presetSubtype="0" fill="hold" nodeType="clickEffect">
-                                  <p:stCondLst>
-                                    <p:cond delay="0"/>
-                                  </p:stCondLst>
-                                  <p:childTnLst>
-                                    <p:set>
-                                      <p:cBhvr>
-                                        <p:cTn id="25" dur="1" fill="hold">
-                                          <p:stCondLst>
-                                            <p:cond delay="0"/>
-                                          </p:stCondLst>
-                                        </p:cTn>
-                                        <p:tgtEl>
-                                          <p:spTgt spid="3">
-                                            <p:txEl>
-                                              <p:pRg st="7" end="7"/>
-                                            </p:txEl>
-                                          </p:spTgt>
-                                        </p:tgtEl>
-                                        <p:attrNameLst>
-                                          <p:attrName>style.visibility</p:attrName>
-                                        </p:attrNameLst>
-                                      </p:cBhvr>
-                                      <p:to>
-                                        <p:strVal val="visible"/>
-                                      </p:to>
-                                    </p:set>
-                                    <p:animEffect transition="in" filter="fade">
-                                      <p:cBhvr>
-                                        <p:cTn id="26" dur="500"/>
-                                        <p:tgtEl>
-                                          <p:spTgt spid="3">
-                                            <p:txEl>
-                                              <p:pRg st="7" end="7"/>
-                                            </p:txEl>
-                                          </p:spTgt>
-                                        </p:tgtEl>
-                                      </p:cBhvr>
-                                    </p:animEffect>
-                                  </p:childTnLst>
-                                </p:cTn>
-                              </p:par>
-                              <p:par>
-                                <p:cTn id="27" presetID="10" presetClass="entr" presetSubtype="0" fill="hold" nodeType="withEffect">
-                                  <p:stCondLst>
-                                    <p:cond delay="0"/>
-                                  </p:stCondLst>
-                                  <p:childTnLst>
-                                    <p:set>
-                                      <p:cBhvr>
-                                        <p:cTn id="28" dur="1" fill="hold">
-                                          <p:stCondLst>
-                                            <p:cond delay="0"/>
-                                          </p:stCondLst>
-                                        </p:cTn>
-                                        <p:tgtEl>
-                                          <p:spTgt spid="3">
-                                            <p:txEl>
-                                              <p:pRg st="8" end="8"/>
-                                            </p:txEl>
-                                          </p:spTgt>
-                                        </p:tgtEl>
-                                        <p:attrNameLst>
-                                          <p:attrName>style.visibility</p:attrName>
-                                        </p:attrNameLst>
-                                      </p:cBhvr>
-                                      <p:to>
-                                        <p:strVal val="visible"/>
-                                      </p:to>
-                                    </p:set>
-                                    <p:animEffect transition="in" filter="fade">
-                                      <p:cBhvr>
-                                        <p:cTn id="29" dur="500"/>
-                                        <p:tgtEl>
-                                          <p:spTgt spid="3">
-                                            <p:txEl>
-                                              <p:pRg st="8" end="8"/>
-                                            </p:txEl>
-                                          </p:spTgt>
-                                        </p:tgtEl>
-                                      </p:cBhvr>
-                                    </p:animEffect>
-                                  </p:childTnLst>
-                                </p:cTn>
-                              </p:par>
-                              <p:par>
-                                <p:cTn id="30" presetID="10" presetClass="entr" presetSubtype="0" fill="hold" nodeType="withEffect">
-                                  <p:stCondLst>
-                                    <p:cond delay="0"/>
-                                  </p:stCondLst>
-                                  <p:childTnLst>
-                                    <p:set>
-                                      <p:cBhvr>
-                                        <p:cTn id="31" dur="1" fill="hold">
-                                          <p:stCondLst>
-                                            <p:cond delay="0"/>
-                                          </p:stCondLst>
-                                        </p:cTn>
-                                        <p:tgtEl>
-                                          <p:spTgt spid="3">
-                                            <p:txEl>
-                                              <p:pRg st="9" end="9"/>
-                                            </p:txEl>
-                                          </p:spTgt>
-                                        </p:tgtEl>
-                                        <p:attrNameLst>
-                                          <p:attrName>style.visibility</p:attrName>
-                                        </p:attrNameLst>
-                                      </p:cBhvr>
-                                      <p:to>
-                                        <p:strVal val="visible"/>
-                                      </p:to>
-                                    </p:set>
-                                    <p:animEffect transition="in" filter="fade">
-                                      <p:cBhvr>
-                                        <p:cTn id="32" dur="500"/>
-                                        <p:tgtEl>
-                                          <p:spTgt spid="3">
-                                            <p:txEl>
-                                              <p:pRg st="9" end="9"/>
-                                            </p:txEl>
-                                          </p:spTgt>
-                                        </p:tgtEl>
-                                      </p:cBhvr>
-                                    </p:animEffect>
-                                  </p:childTnLst>
-                                </p:cTn>
-                              </p:par>
-                              <p:par>
-                                <p:cTn id="33" presetID="10" presetClass="entr" presetSubtype="0" fill="hold" nodeType="withEffect">
-                                  <p:stCondLst>
-                                    <p:cond delay="0"/>
-                                  </p:stCondLst>
-                                  <p:childTnLst>
-                                    <p:set>
-                                      <p:cBhvr>
-                                        <p:cTn id="34" dur="1" fill="hold">
-                                          <p:stCondLst>
-                                            <p:cond delay="0"/>
-                                          </p:stCondLst>
-                                        </p:cTn>
-                                        <p:tgtEl>
-                                          <p:spTgt spid="3">
-                                            <p:txEl>
-                                              <p:pRg st="10" end="10"/>
-                                            </p:txEl>
-                                          </p:spTgt>
-                                        </p:tgtEl>
-                                        <p:attrNameLst>
-                                          <p:attrName>style.visibility</p:attrName>
-                                        </p:attrNameLst>
-                                      </p:cBhvr>
-                                      <p:to>
-                                        <p:strVal val="visible"/>
-                                      </p:to>
-                                    </p:set>
-                                    <p:animEffect transition="in" filter="fade">
-                                      <p:cBhvr>
-                                        <p:cTn id="35" dur="500"/>
-                                        <p:tgtEl>
-                                          <p:spTgt spid="3">
-                                            <p:txEl>
-                                              <p:pRg st="10" end="10"/>
-                                            </p:txEl>
-                                          </p:spTgt>
-                                        </p:tgtEl>
-                                      </p:cBhvr>
-                                    </p:animEffect>
-                                  </p:childTnLst>
-                                </p:cTn>
-                              </p:par>
-                            </p:childTnLst>
-                          </p:cTn>
-                        </p:par>
-                      </p:childTnLst>
-                    </p:cTn>
-                  </p:par>
-                </p:childTnLst>
-              </p:cTn>
-              <p:prevCondLst>
-                <p:cond evt="onPrev" delay="0">
-                  <p:tgtEl>
-                    <p:sldTgt/>
-                  </p:tgtEl>
-                </p:cond>
-              </p:prevCondLst>
-              <p:nextCondLst>
-                <p:cond evt="onNext" delay="0">
-                  <p:tgtEl>
-                    <p:sldTgt/>
-                  </p:tgtEl>
-                </p:cond>
-              </p:nextCondLst>
-            </p:seq>
-          </p:childTnLst>
-        </p:cTn>
-      </p:par>
-    </p:tnLst>
-  </p:timing>
-</p:sld>
-</file>
-
-<file path=ppt/slides/slide41.xml><?xml version="1.0" encoding="utf-8"?>
-<p:sld xmlns:a="http://schemas.openxmlformats.org/drawingml/2006/main" xmlns:r="http://schemas.openxmlformats.org/officeDocument/2006/relationships" xmlns:p="http://schemas.openxmlformats.org/presentationml/2006/main">
-  <p:cSld>
-    <p:spTree>
-      <p:nvGrpSpPr>
-        <p:cNvPr id="1" name="">
-          <a:extLst>
-            <a:ext uri="{FF2B5EF4-FFF2-40B4-BE49-F238E27FC236}">
-              <a16:creationId xmlns:a16="http://schemas.microsoft.com/office/drawing/2014/main" id="{7151A8E4-E7C8-D19D-86D3-030AA6A65710}"/>
-            </a:ext>
-          </a:extLst>
-        </p:cNvPr>
-        <p:cNvGrpSpPr/>
-        <p:nvPr/>
-      </p:nvGrpSpPr>
-      <p:grpSpPr>
-        <a:xfrm>
-          <a:off x="0" y="0"/>
-          <a:ext cx="0" cy="0"/>
-          <a:chOff x="0" y="0"/>
-          <a:chExt cx="0" cy="0"/>
-        </a:xfrm>
-      </p:grpSpPr>
-      <p:sp>
-        <p:nvSpPr>
-          <p:cNvPr id="3" name="Content Placeholder 2">
-            <a:extLst>
-              <a:ext uri="{FF2B5EF4-FFF2-40B4-BE49-F238E27FC236}">
-                <a16:creationId xmlns:a16="http://schemas.microsoft.com/office/drawing/2014/main" id="{AA49CAFF-9B43-78CA-BAEA-3A38D425E590}"/>
-              </a:ext>
-            </a:extLst>
-          </p:cNvPr>
-          <p:cNvSpPr>
-            <a:spLocks noGrp="1"/>
-          </p:cNvSpPr>
-          <p:nvPr>
-            <p:ph idx="1"/>
-          </p:nvPr>
-        </p:nvSpPr>
-        <p:spPr>
-          <a:xfrm>
-            <a:off x="457199" y="1300900"/>
-            <a:ext cx="11189855" cy="5081046"/>
-          </a:xfrm>
-        </p:spPr>
-        <p:txBody>
-          <a:bodyPr>
-            <a:normAutofit/>
-          </a:bodyPr>
-          <a:lstStyle/>
-          <a:p>
-            <a:pPr>
-              <a:spcBef>
-                <a:spcPts val="1000"/>
-              </a:spcBef>
-              <a:defRPr sz="2000">
-                <a:solidFill>
-                  <a:srgbClr val="000000"/>
-                </a:solidFill>
-                <a:latin typeface="Garamond"/>
-              </a:defRPr>
-            </a:pPr>
-            <a:r>
-              <a:rPr lang="en-US" altLang="zh-TW" sz="2400" dirty="0"/>
-              <a:t>Preferences tell us which bundles are better than others, but by themselves they do not determine a unique choice.</a:t>
-            </a:r>
-          </a:p>
-          <a:p>
-            <a:pPr lvl="3">
-              <a:spcBef>
-                <a:spcPts val="1000"/>
-              </a:spcBef>
-              <a:defRPr sz="2000">
-                <a:solidFill>
-                  <a:srgbClr val="000000"/>
-                </a:solidFill>
-                <a:latin typeface="Garamond"/>
-              </a:defRPr>
-            </a:pPr>
-            <a:endParaRPr lang="en-US" altLang="zh-TW" sz="1200" dirty="0"/>
-          </a:p>
-          <a:p>
-            <a:pPr>
-              <a:spcBef>
-                <a:spcPts val="1000"/>
-              </a:spcBef>
-              <a:defRPr sz="2000">
-                <a:solidFill>
-                  <a:srgbClr val="000000"/>
-                </a:solidFill>
-                <a:latin typeface="Garamond"/>
-              </a:defRPr>
-            </a:pPr>
-            <a:r>
-              <a:rPr lang="en-US" altLang="zh-TW" sz="2400" dirty="0"/>
-              <a:t>In the next chapter, we introduce utility:</a:t>
-            </a:r>
-          </a:p>
-          <a:p>
-            <a:pPr lvl="1">
-              <a:spcBef>
-                <a:spcPts val="1000"/>
-              </a:spcBef>
-              <a:defRPr sz="2000">
-                <a:solidFill>
-                  <a:srgbClr val="000000"/>
-                </a:solidFill>
-                <a:latin typeface="Garamond"/>
-              </a:defRPr>
-            </a:pPr>
-            <a:r>
-              <a:rPr lang="en-US" altLang="zh-TW" sz="2000" dirty="0"/>
-              <a:t>A numerical representation of the consumer’s preferences.</a:t>
-            </a:r>
-          </a:p>
-          <a:p>
-            <a:pPr lvl="1">
-              <a:spcBef>
-                <a:spcPts val="1000"/>
-              </a:spcBef>
-              <a:defRPr sz="2000">
-                <a:solidFill>
-                  <a:srgbClr val="000000"/>
-                </a:solidFill>
-                <a:latin typeface="Garamond"/>
-              </a:defRPr>
-            </a:pPr>
-            <a:r>
-              <a:rPr lang="en-US" altLang="zh-TW" sz="2000" dirty="0"/>
-              <a:t>A way to assign numbers to bundles that preserve rankings.</a:t>
-            </a:r>
-          </a:p>
-          <a:p>
-            <a:pPr lvl="4">
-              <a:spcBef>
-                <a:spcPts val="1000"/>
-              </a:spcBef>
-              <a:defRPr sz="2000">
-                <a:solidFill>
-                  <a:srgbClr val="000000"/>
-                </a:solidFill>
-                <a:latin typeface="Garamond"/>
-              </a:defRPr>
-            </a:pPr>
-            <a:endParaRPr lang="en-US" altLang="zh-TW" sz="1200" dirty="0"/>
-          </a:p>
-          <a:p>
-            <a:pPr>
-              <a:spcBef>
-                <a:spcPts val="1000"/>
-              </a:spcBef>
-              <a:defRPr sz="2000">
-                <a:solidFill>
-                  <a:srgbClr val="000000"/>
-                </a:solidFill>
-                <a:latin typeface="Garamond"/>
-              </a:defRPr>
-            </a:pPr>
-            <a:r>
-              <a:rPr lang="en-US" altLang="zh-TW" sz="2400" dirty="0"/>
-              <a:t>Utility allows us to translate preferences into a form that is easier to analyze using math.</a:t>
-            </a:r>
-          </a:p>
-          <a:p>
-            <a:pPr lvl="3">
-              <a:spcBef>
-                <a:spcPts val="1000"/>
-              </a:spcBef>
-              <a:defRPr sz="2000">
-                <a:solidFill>
-                  <a:srgbClr val="000000"/>
-                </a:solidFill>
-                <a:latin typeface="Garamond"/>
-              </a:defRPr>
-            </a:pPr>
-            <a:endParaRPr lang="en-US" altLang="zh-TW" sz="1200" dirty="0"/>
-          </a:p>
-          <a:p>
-            <a:pPr>
-              <a:spcBef>
-                <a:spcPts val="1000"/>
-              </a:spcBef>
-              <a:defRPr sz="2000">
-                <a:solidFill>
-                  <a:srgbClr val="000000"/>
-                </a:solidFill>
-                <a:latin typeface="Garamond"/>
-              </a:defRPr>
-            </a:pPr>
-            <a:r>
-              <a:rPr lang="en-US" altLang="zh-TW" sz="2400" dirty="0"/>
-              <a:t>Combining utility with the budget constraint allows us to solve the consumer’s optimization problem.</a:t>
-            </a:r>
-          </a:p>
-        </p:txBody>
-      </p:sp>
-      <p:sp>
-        <p:nvSpPr>
-          <p:cNvPr id="4" name="Rectangle 3">
-            <a:extLst>
-              <a:ext uri="{FF2B5EF4-FFF2-40B4-BE49-F238E27FC236}">
-                <a16:creationId xmlns:a16="http://schemas.microsoft.com/office/drawing/2014/main" id="{8B63240C-8227-33CA-AF99-D0EF55886348}"/>
-              </a:ext>
-            </a:extLst>
-          </p:cNvPr>
-          <p:cNvSpPr/>
-          <p:nvPr/>
-        </p:nvSpPr>
-        <p:spPr>
-          <a:xfrm>
-            <a:off x="0" y="0"/>
-            <a:ext cx="12188825" cy="923636"/>
-          </a:xfrm>
-          <a:prstGeom prst="rect">
-            <a:avLst/>
-          </a:prstGeom>
-          <a:solidFill>
-            <a:srgbClr val="77122C"/>
-          </a:solidFill>
-        </p:spPr>
-        <p:style>
-          <a:lnRef idx="1">
-            <a:schemeClr val="accent1"/>
-          </a:lnRef>
-          <a:fillRef idx="3">
-            <a:schemeClr val="accent1"/>
-          </a:fillRef>
-          <a:effectRef idx="2">
-            <a:schemeClr val="accent1"/>
-          </a:effectRef>
-          <a:fontRef idx="minor">
-            <a:schemeClr val="lt1"/>
-          </a:fontRef>
-        </p:style>
-        <p:txBody>
-          <a:bodyPr rtlCol="0" anchor="ctr"/>
-          <a:lstStyle/>
-          <a:p>
-            <a:pPr algn="ctr"/>
-            <a:endParaRPr lang="en-US"/>
-          </a:p>
-        </p:txBody>
-      </p:sp>
-      <p:sp>
-        <p:nvSpPr>
-          <p:cNvPr id="2" name="Title 1">
-            <a:extLst>
-              <a:ext uri="{FF2B5EF4-FFF2-40B4-BE49-F238E27FC236}">
-                <a16:creationId xmlns:a16="http://schemas.microsoft.com/office/drawing/2014/main" id="{BB6EDD73-7133-E4AA-713D-AD3D76A81B32}"/>
-              </a:ext>
-            </a:extLst>
-          </p:cNvPr>
-          <p:cNvSpPr>
-            <a:spLocks noGrp="1"/>
-          </p:cNvSpPr>
-          <p:nvPr>
-            <p:ph type="title"/>
-          </p:nvPr>
-        </p:nvSpPr>
-        <p:spPr>
-          <a:xfrm>
-            <a:off x="0" y="0"/>
-            <a:ext cx="12188825" cy="923636"/>
-          </a:xfrm>
-        </p:spPr>
-        <p:txBody>
-          <a:bodyPr>
-            <a:normAutofit/>
-          </a:bodyPr>
-          <a:lstStyle/>
-          <a:p>
-            <a:pPr algn="l">
-              <a:defRPr sz="4000" b="1">
-                <a:solidFill>
-                  <a:srgbClr val="FDB913"/>
-                </a:solidFill>
-                <a:latin typeface="Garamond"/>
-              </a:defRPr>
-            </a:pPr>
-            <a:r>
-              <a:rPr lang="en-US" sz="4000" dirty="0">
-                <a:solidFill>
-                  <a:schemeClr val="bg1"/>
-                </a:solidFill>
-              </a:rPr>
-              <a:t>  Preview: Utility</a:t>
-            </a:r>
-          </a:p>
-        </p:txBody>
-      </p:sp>
-      <p:sp>
-        <p:nvSpPr>
-          <p:cNvPr id="5" name="Rectangle 4">
-            <a:extLst>
-              <a:ext uri="{FF2B5EF4-FFF2-40B4-BE49-F238E27FC236}">
-                <a16:creationId xmlns:a16="http://schemas.microsoft.com/office/drawing/2014/main" id="{B4564DE4-D134-77A0-9EFC-4F54285A0746}"/>
-              </a:ext>
-            </a:extLst>
-          </p:cNvPr>
-          <p:cNvSpPr/>
-          <p:nvPr/>
-        </p:nvSpPr>
-        <p:spPr>
-          <a:xfrm>
-            <a:off x="-1" y="6503428"/>
-            <a:ext cx="12188825" cy="354572"/>
-          </a:xfrm>
-          <a:prstGeom prst="rect">
-            <a:avLst/>
-          </a:prstGeom>
-          <a:solidFill>
-            <a:srgbClr val="77122C"/>
-          </a:solidFill>
-        </p:spPr>
-        <p:style>
-          <a:lnRef idx="1">
-            <a:schemeClr val="accent1"/>
-          </a:lnRef>
-          <a:fillRef idx="3">
-            <a:schemeClr val="accent1"/>
-          </a:fillRef>
-          <a:effectRef idx="2">
-            <a:schemeClr val="accent1"/>
-          </a:effectRef>
-          <a:fontRef idx="minor">
-            <a:schemeClr val="lt1"/>
-          </a:fontRef>
-        </p:style>
-        <p:txBody>
-          <a:bodyPr rtlCol="0" anchor="ctr"/>
-          <a:lstStyle/>
-          <a:p>
-            <a:pPr algn="ctr"/>
-            <a:endParaRPr lang="en-US"/>
-          </a:p>
-        </p:txBody>
-      </p:sp>
-      <p:sp>
-        <p:nvSpPr>
-          <p:cNvPr id="6" name="Footer Placeholder 5">
-            <a:extLst>
-              <a:ext uri="{FF2B5EF4-FFF2-40B4-BE49-F238E27FC236}">
-                <a16:creationId xmlns:a16="http://schemas.microsoft.com/office/drawing/2014/main" id="{4792F7BE-07A9-1D9E-9E4B-EFBF9303B769}"/>
-              </a:ext>
-            </a:extLst>
-          </p:cNvPr>
-          <p:cNvSpPr>
-            <a:spLocks noGrp="1"/>
-          </p:cNvSpPr>
-          <p:nvPr>
-            <p:ph type="ftr" sz="quarter" idx="11"/>
-          </p:nvPr>
-        </p:nvSpPr>
-        <p:spPr>
-          <a:xfrm>
-            <a:off x="-1" y="6503428"/>
-            <a:ext cx="2895600" cy="354572"/>
-          </a:xfrm>
-        </p:spPr>
-        <p:txBody>
-          <a:bodyPr/>
-          <a:lstStyle/>
-          <a:p>
-            <a:pPr algn="l"/>
-            <a:r>
-              <a:rPr lang="en-US">
-                <a:solidFill>
-                  <a:schemeClr val="bg1"/>
-                </a:solidFill>
-                <a:latin typeface="Garamond" panose="02020404030301010803" pitchFamily="18" charset="0"/>
-              </a:rPr>
-              <a:t> Intermediate Microeconomic Theory</a:t>
-            </a:r>
-            <a:endParaRPr lang="en-US" dirty="0">
-              <a:solidFill>
-                <a:schemeClr val="bg1"/>
-              </a:solidFill>
-              <a:latin typeface="Garamond" panose="02020404030301010803" pitchFamily="18" charset="0"/>
-            </a:endParaRPr>
-          </a:p>
-        </p:txBody>
-      </p:sp>
-      <p:sp>
-        <p:nvSpPr>
-          <p:cNvPr id="7" name="Slide Number Placeholder 6">
-            <a:extLst>
-              <a:ext uri="{FF2B5EF4-FFF2-40B4-BE49-F238E27FC236}">
-                <a16:creationId xmlns:a16="http://schemas.microsoft.com/office/drawing/2014/main" id="{682F82BC-2D44-4CB1-89DC-762807C2B0E7}"/>
-              </a:ext>
-            </a:extLst>
-          </p:cNvPr>
-          <p:cNvSpPr>
-            <a:spLocks noGrp="1"/>
-          </p:cNvSpPr>
-          <p:nvPr>
-            <p:ph type="sldNum" sz="quarter" idx="12"/>
-          </p:nvPr>
-        </p:nvSpPr>
-        <p:spPr>
-          <a:xfrm>
-            <a:off x="10055225" y="6503428"/>
-            <a:ext cx="2133600" cy="354572"/>
-          </a:xfrm>
-        </p:spPr>
-        <p:txBody>
-          <a:bodyPr/>
-          <a:lstStyle/>
-          <a:p>
-            <a:fld id="{C1FF6DA9-008F-8B48-92A6-B652298478BF}" type="slidenum">
-              <a:rPr lang="en-US" b="1" smtClean="0">
-                <a:solidFill>
-                  <a:schemeClr val="bg1"/>
-                </a:solidFill>
-                <a:latin typeface="Garamond" panose="02020404030301010803" pitchFamily="18" charset="0"/>
-              </a:rPr>
-              <a:t>41</a:t>
-            </a:fld>
-            <a:r>
-              <a:rPr lang="en-US" b="1" dirty="0">
-                <a:solidFill>
-                  <a:schemeClr val="bg1"/>
-                </a:solidFill>
-                <a:latin typeface="Garamond" panose="02020404030301010803" pitchFamily="18" charset="0"/>
-              </a:rPr>
-              <a:t> </a:t>
-            </a:r>
-          </a:p>
-        </p:txBody>
-      </p:sp>
-    </p:spTree>
-    <p:extLst>
-      <p:ext uri="{BB962C8B-B14F-4D97-AF65-F5344CB8AC3E}">
-        <p14:creationId xmlns:p14="http://schemas.microsoft.com/office/powerpoint/2010/main" val="200081314"/>
-      </p:ext>
-    </p:extLst>
-  </p:cSld>
-  <p:clrMapOvr>
-    <a:masterClrMapping/>
-  </p:clrMapOvr>
-  <p:timing>
-    <p:tnLst>
-      <p:par>
-        <p:cTn id="1" dur="indefinite" restart="never" nodeType="tmRoot">
-          <p:childTnLst>
-            <p:seq concurrent="1" nextAc="seek">
-              <p:cTn id="2" dur="indefinite" nodeType="mainSeq">
-                <p:childTnLst>
-                  <p:par>
-                    <p:cTn id="3" fill="hold">
-                      <p:stCondLst>
-                        <p:cond delay="indefinite"/>
-                        <p:cond evt="onBegin" delay="0">
-                          <p:tn val="2"/>
-                        </p:cond>
-                      </p:stCondLst>
-                      <p:childTnLst>
-                        <p:par>
-                          <p:cTn id="4" fill="hold">
-                            <p:stCondLst>
-                              <p:cond delay="0"/>
-                            </p:stCondLst>
-                            <p:childTnLst>
-                              <p:par>
-                                <p:cTn id="5" presetID="10" presetClass="entr" presetSubtype="0" fill="hold" nodeType="withEffect">
-                                  <p:stCondLst>
-                                    <p:cond delay="0"/>
-                                  </p:stCondLst>
-                                  <p:childTnLst>
-                                    <p:set>
-                                      <p:cBhvr>
-                                        <p:cTn id="6" dur="1" fill="hold">
-                                          <p:stCondLst>
-                                            <p:cond delay="0"/>
-                                          </p:stCondLst>
-                                        </p:cTn>
-                                        <p:tgtEl>
-                                          <p:spTgt spid="3">
-                                            <p:txEl>
-                                              <p:pRg st="0" end="0"/>
-                                            </p:txEl>
-                                          </p:spTgt>
-                                        </p:tgtEl>
-                                        <p:attrNameLst>
-                                          <p:attrName>style.visibility</p:attrName>
-                                        </p:attrNameLst>
-                                      </p:cBhvr>
-                                      <p:to>
-                                        <p:strVal val="visible"/>
-                                      </p:to>
-                                    </p:set>
-                                    <p:animEffect transition="in" filter="fade">
-                                      <p:cBhvr>
-                                        <p:cTn id="7" dur="500"/>
-                                        <p:tgtEl>
-                                          <p:spTgt spid="3">
-                                            <p:txEl>
-                                              <p:pRg st="0" end="0"/>
-                                            </p:txEl>
-                                          </p:spTgt>
-                                        </p:tgtEl>
-                                      </p:cBhvr>
-                                    </p:animEffect>
-                                  </p:childTnLst>
-                                </p:cTn>
-                              </p:par>
-                            </p:childTnLst>
-                          </p:cTn>
-                        </p:par>
-                      </p:childTnLst>
-                    </p:cTn>
-                  </p:par>
-                  <p:par>
-                    <p:cTn id="8" fill="hold">
-                      <p:stCondLst>
-                        <p:cond delay="indefinite"/>
-                      </p:stCondLst>
-                      <p:childTnLst>
-                        <p:par>
-                          <p:cTn id="9" fill="hold">
-                            <p:stCondLst>
-                              <p:cond delay="0"/>
-                            </p:stCondLst>
-                            <p:childTnLst>
-                              <p:par>
-                                <p:cTn id="10" presetID="10" presetClass="entr" presetSubtype="0" fill="hold" nodeType="clickEffect">
-                                  <p:stCondLst>
-                                    <p:cond delay="0"/>
-                                  </p:stCondLst>
-                                  <p:childTnLst>
-                                    <p:set>
-                                      <p:cBhvr>
-                                        <p:cTn id="11" dur="1" fill="hold">
-                                          <p:stCondLst>
-                                            <p:cond delay="0"/>
-                                          </p:stCondLst>
-                                        </p:cTn>
-                                        <p:tgtEl>
-                                          <p:spTgt spid="3">
-                                            <p:txEl>
-                                              <p:pRg st="2" end="2"/>
-                                            </p:txEl>
-                                          </p:spTgt>
-                                        </p:tgtEl>
-                                        <p:attrNameLst>
-                                          <p:attrName>style.visibility</p:attrName>
-                                        </p:attrNameLst>
-                                      </p:cBhvr>
-                                      <p:to>
-                                        <p:strVal val="visible"/>
-                                      </p:to>
-                                    </p:set>
-                                    <p:animEffect transition="in" filter="fade">
-                                      <p:cBhvr>
-                                        <p:cTn id="12" dur="500"/>
-                                        <p:tgtEl>
-                                          <p:spTgt spid="3">
-                                            <p:txEl>
-                                              <p:pRg st="2" end="2"/>
-                                            </p:txEl>
-                                          </p:spTgt>
-                                        </p:tgtEl>
-                                      </p:cBhvr>
-                                    </p:animEffect>
-                                  </p:childTnLst>
-                                </p:cTn>
-                              </p:par>
-                              <p:par>
-                                <p:cTn id="13" presetID="10" presetClass="entr" presetSubtype="0" fill="hold" nodeType="withEffect">
-                                  <p:stCondLst>
-                                    <p:cond delay="0"/>
-                                  </p:stCondLst>
-                                  <p:childTnLst>
-                                    <p:set>
-                                      <p:cBhvr>
-                                        <p:cTn id="14" dur="1" fill="hold">
-                                          <p:stCondLst>
-                                            <p:cond delay="0"/>
-                                          </p:stCondLst>
-                                        </p:cTn>
-                                        <p:tgtEl>
-                                          <p:spTgt spid="3">
-                                            <p:txEl>
-                                              <p:pRg st="3" end="3"/>
-                                            </p:txEl>
-                                          </p:spTgt>
-                                        </p:tgtEl>
-                                        <p:attrNameLst>
-                                          <p:attrName>style.visibility</p:attrName>
-                                        </p:attrNameLst>
-                                      </p:cBhvr>
-                                      <p:to>
-                                        <p:strVal val="visible"/>
-                                      </p:to>
-                                    </p:set>
-                                    <p:animEffect transition="in" filter="fade">
-                                      <p:cBhvr>
-                                        <p:cTn id="15" dur="500"/>
-                                        <p:tgtEl>
-                                          <p:spTgt spid="3">
-                                            <p:txEl>
-                                              <p:pRg st="3" end="3"/>
-                                            </p:txEl>
-                                          </p:spTgt>
-                                        </p:tgtEl>
-                                      </p:cBhvr>
-                                    </p:animEffect>
-                                  </p:childTnLst>
-                                </p:cTn>
-                              </p:par>
-                              <p:par>
-                                <p:cTn id="16" presetID="10" presetClass="entr" presetSubtype="0" fill="hold" nodeType="withEffect">
-                                  <p:stCondLst>
-                                    <p:cond delay="0"/>
-                                  </p:stCondLst>
-                                  <p:childTnLst>
-                                    <p:set>
-                                      <p:cBhvr>
-                                        <p:cTn id="17" dur="1" fill="hold">
-                                          <p:stCondLst>
-                                            <p:cond delay="0"/>
-                                          </p:stCondLst>
-                                        </p:cTn>
-                                        <p:tgtEl>
-                                          <p:spTgt spid="3">
-                                            <p:txEl>
-                                              <p:pRg st="4" end="4"/>
-                                            </p:txEl>
-                                          </p:spTgt>
-                                        </p:tgtEl>
-                                        <p:attrNameLst>
-                                          <p:attrName>style.visibility</p:attrName>
-                                        </p:attrNameLst>
-                                      </p:cBhvr>
-                                      <p:to>
-                                        <p:strVal val="visible"/>
-                                      </p:to>
-                                    </p:set>
-                                    <p:animEffect transition="in" filter="fade">
-                                      <p:cBhvr>
-                                        <p:cTn id="18" dur="500"/>
-                                        <p:tgtEl>
-                                          <p:spTgt spid="3">
-                                            <p:txEl>
-                                              <p:pRg st="4" end="4"/>
-                                            </p:txEl>
-                                          </p:spTgt>
-                                        </p:tgtEl>
-                                      </p:cBhvr>
-                                    </p:animEffect>
-                                  </p:childTnLst>
-                                </p:cTn>
-                              </p:par>
-                            </p:childTnLst>
-                          </p:cTn>
-                        </p:par>
-                      </p:childTnLst>
-                    </p:cTn>
-                  </p:par>
-                  <p:par>
-                    <p:cTn id="19" fill="hold">
-                      <p:stCondLst>
-                        <p:cond delay="indefinite"/>
-                      </p:stCondLst>
-                      <p:childTnLst>
-                        <p:par>
-                          <p:cTn id="20" fill="hold">
-                            <p:stCondLst>
-                              <p:cond delay="0"/>
-                            </p:stCondLst>
-                            <p:childTnLst>
-                              <p:par>
-                                <p:cTn id="21" presetID="10" presetClass="entr" presetSubtype="0" fill="hold" nodeType="clickEffect">
-                                  <p:stCondLst>
-                                    <p:cond delay="0"/>
-                                  </p:stCondLst>
-                                  <p:childTnLst>
-                                    <p:set>
-                                      <p:cBhvr>
-                                        <p:cTn id="22" dur="1" fill="hold">
-                                          <p:stCondLst>
-                                            <p:cond delay="0"/>
-                                          </p:stCondLst>
-                                        </p:cTn>
-                                        <p:tgtEl>
-                                          <p:spTgt spid="3">
-                                            <p:txEl>
-                                              <p:pRg st="6" end="6"/>
-                                            </p:txEl>
-                                          </p:spTgt>
-                                        </p:tgtEl>
-                                        <p:attrNameLst>
-                                          <p:attrName>style.visibility</p:attrName>
-                                        </p:attrNameLst>
-                                      </p:cBhvr>
-                                      <p:to>
-                                        <p:strVal val="visible"/>
-                                      </p:to>
-                                    </p:set>
-                                    <p:animEffect transition="in" filter="fade">
-                                      <p:cBhvr>
-                                        <p:cTn id="23" dur="500"/>
-                                        <p:tgtEl>
-                                          <p:spTgt spid="3">
-                                            <p:txEl>
-                                              <p:pRg st="6" end="6"/>
-                                            </p:txEl>
-                                          </p:spTgt>
-                                        </p:tgtEl>
-                                      </p:cBhvr>
-                                    </p:animEffect>
-                                  </p:childTnLst>
-                                </p:cTn>
-                              </p:par>
-                            </p:childTnLst>
-                          </p:cTn>
-                        </p:par>
-                      </p:childTnLst>
-                    </p:cTn>
-                  </p:par>
-                  <p:par>
-                    <p:cTn id="24" fill="hold">
-                      <p:stCondLst>
-                        <p:cond delay="indefinite"/>
-                      </p:stCondLst>
-                      <p:childTnLst>
-                        <p:par>
-                          <p:cTn id="25" fill="hold">
-                            <p:stCondLst>
-                              <p:cond delay="0"/>
-                            </p:stCondLst>
-                            <p:childTnLst>
-                              <p:par>
-                                <p:cTn id="26" presetID="10" presetClass="entr" presetSubtype="0" fill="hold" nodeType="clickEffect">
-                                  <p:stCondLst>
-                                    <p:cond delay="0"/>
-                                  </p:stCondLst>
-                                  <p:childTnLst>
-                                    <p:set>
-                                      <p:cBhvr>
-                                        <p:cTn id="27" dur="1" fill="hold">
-                                          <p:stCondLst>
-                                            <p:cond delay="0"/>
-                                          </p:stCondLst>
-                                        </p:cTn>
-                                        <p:tgtEl>
-                                          <p:spTgt spid="3">
-                                            <p:txEl>
-                                              <p:pRg st="8" end="8"/>
-                                            </p:txEl>
-                                          </p:spTgt>
-                                        </p:tgtEl>
-                                        <p:attrNameLst>
-                                          <p:attrName>style.visibility</p:attrName>
-                                        </p:attrNameLst>
-                                      </p:cBhvr>
-                                      <p:to>
-                                        <p:strVal val="visible"/>
-                                      </p:to>
-                                    </p:set>
-                                    <p:animEffect transition="in" filter="fade">
-                                      <p:cBhvr>
-                                        <p:cTn id="28" dur="500"/>
-                                        <p:tgtEl>
-                                          <p:spTgt spid="3">
-                                            <p:txEl>
-                                              <p:pRg st="8" end="8"/>
                                             </p:txEl>
                                           </p:spTgt>
                                         </p:tgtEl>
@@ -33078,8 +32673,8 @@
           <a:chExt cx="0" cy="0"/>
         </a:xfrm>
       </p:grpSpPr>
-      <mc:AlternateContent xmlns:mc="http://schemas.openxmlformats.org/markup-compatibility/2006">
-        <mc:Choice xmlns:a14="http://schemas.microsoft.com/office/drawing/2010/main" Requires="a14">
+      <mc:AlternateContent xmlns:mc="http://schemas.openxmlformats.org/markup-compatibility/2006" xmlns:a14="http://schemas.microsoft.com/office/drawing/2010/main">
+        <mc:Choice Requires="a14">
           <p:sp>
             <p:nvSpPr>
               <p:cNvPr id="3" name="Content Placeholder 2">
@@ -35052,7 +34647,7 @@
             </p:txBody>
           </p:sp>
         </mc:Choice>
-        <mc:Fallback>
+        <mc:Fallback xmlns="">
           <p:sp>
             <p:nvSpPr>
               <p:cNvPr id="3" name="Content Placeholder 2">
@@ -37245,8 +36840,8 @@
           <a:chExt cx="0" cy="0"/>
         </a:xfrm>
       </p:grpSpPr>
-      <mc:AlternateContent xmlns:mc="http://schemas.openxmlformats.org/markup-compatibility/2006">
-        <mc:Choice xmlns:a14="http://schemas.microsoft.com/office/drawing/2010/main" Requires="a14">
+      <mc:AlternateContent xmlns:mc="http://schemas.openxmlformats.org/markup-compatibility/2006" xmlns:a14="http://schemas.microsoft.com/office/drawing/2010/main">
+        <mc:Choice Requires="a14">
           <p:sp>
             <p:nvSpPr>
               <p:cNvPr id="3" name="Content Placeholder 2">
@@ -38020,7 +37615,7 @@
             </p:txBody>
           </p:sp>
         </mc:Choice>
-        <mc:Fallback>
+        <mc:Fallback xmlns="">
           <p:sp>
             <p:nvSpPr>
               <p:cNvPr id="3" name="Content Placeholder 2">
@@ -38715,18 +38310,6 @@
 <file path=ppt/tags/tag4.xml><?xml version="1.0" encoding="utf-8"?>
 <p:tagLst xmlns:a="http://schemas.openxmlformats.org/drawingml/2006/main" xmlns:r="http://schemas.openxmlformats.org/officeDocument/2006/relationships" xmlns:p="http://schemas.openxmlformats.org/presentationml/2006/main">
   <p:tag name="__PE_POLL_EMBED_ID" val="94808762-5a5f-4476-92e9-ef0dff1949c5"/>
-</p:tagLst>
-</file>
-
-<file path=ppt/tags/tag5.xml><?xml version="1.0" encoding="utf-8"?>
-<p:tagLst xmlns:a="http://schemas.openxmlformats.org/drawingml/2006/main" xmlns:r="http://schemas.openxmlformats.org/officeDocument/2006/relationships" xmlns:p="http://schemas.openxmlformats.org/presentationml/2006/main">
-  <p:tag name="__PE_POLL_EMBED_ID" val="bc887219-b3e1-4763-bb3b-15c0f7bf6cb6"/>
-</p:tagLst>
-</file>
-
-<file path=ppt/tags/tag6.xml><?xml version="1.0" encoding="utf-8"?>
-<p:tagLst xmlns:a="http://schemas.openxmlformats.org/drawingml/2006/main" xmlns:r="http://schemas.openxmlformats.org/officeDocument/2006/relationships" xmlns:p="http://schemas.openxmlformats.org/presentationml/2006/main">
-  <p:tag name="__PE_POLL_EMBED_ID" val="1989e42b-9d98-4a0c-857f-93ead87d4bcf"/>
 </p:tagLst>
 </file>
 
